--- a/Documentacion/Hack4SD.pptx
+++ b/Documentacion/Hack4SD.pptx
@@ -2,18 +2,19 @@
 <file path=ppt/presentation.xml><?xml version="1.0" encoding="utf-8"?>
 <p:presentation xmlns:a="http://schemas.openxmlformats.org/drawingml/2006/main" xmlns:r="http://schemas.openxmlformats.org/officeDocument/2006/relationships" xmlns:p="http://schemas.openxmlformats.org/presentationml/2006/main" saveSubsetFonts="1">
   <p:sldMasterIdLst>
-    <p:sldMasterId id="2147483648" r:id="rId1"/>
+    <p:sldMasterId id="2147483726" r:id="rId1"/>
   </p:sldMasterIdLst>
   <p:sldIdLst>
     <p:sldId id="256" r:id="rId2"/>
+    <p:sldId id="257" r:id="rId3"/>
   </p:sldIdLst>
   <p:sldSz cx="12192000" cy="6858000"/>
   <p:notesSz cx="6858000" cy="9144000"/>
   <p:defaultTextStyle>
     <a:defPPr>
-      <a:defRPr lang="es-ES"/>
+      <a:defRPr lang="en-US"/>
     </a:defPPr>
-    <a:lvl1pPr marL="0" algn="l" defTabSz="914400" rtl="0" eaLnBrk="1" latinLnBrk="0" hangingPunct="1">
+    <a:lvl1pPr marL="0" algn="l" defTabSz="457200" rtl="0" eaLnBrk="1" latinLnBrk="0" hangingPunct="1">
       <a:defRPr sz="1800" kern="1200">
         <a:solidFill>
           <a:schemeClr val="tx1"/>
@@ -23,7 +24,7 @@
         <a:cs typeface="+mn-cs"/>
       </a:defRPr>
     </a:lvl1pPr>
-    <a:lvl2pPr marL="457200" algn="l" defTabSz="914400" rtl="0" eaLnBrk="1" latinLnBrk="0" hangingPunct="1">
+    <a:lvl2pPr marL="457200" algn="l" defTabSz="457200" rtl="0" eaLnBrk="1" latinLnBrk="0" hangingPunct="1">
       <a:defRPr sz="1800" kern="1200">
         <a:solidFill>
           <a:schemeClr val="tx1"/>
@@ -33,7 +34,7 @@
         <a:cs typeface="+mn-cs"/>
       </a:defRPr>
     </a:lvl2pPr>
-    <a:lvl3pPr marL="914400" algn="l" defTabSz="914400" rtl="0" eaLnBrk="1" latinLnBrk="0" hangingPunct="1">
+    <a:lvl3pPr marL="914400" algn="l" defTabSz="457200" rtl="0" eaLnBrk="1" latinLnBrk="0" hangingPunct="1">
       <a:defRPr sz="1800" kern="1200">
         <a:solidFill>
           <a:schemeClr val="tx1"/>
@@ -43,7 +44,7 @@
         <a:cs typeface="+mn-cs"/>
       </a:defRPr>
     </a:lvl3pPr>
-    <a:lvl4pPr marL="1371600" algn="l" defTabSz="914400" rtl="0" eaLnBrk="1" latinLnBrk="0" hangingPunct="1">
+    <a:lvl4pPr marL="1371600" algn="l" defTabSz="457200" rtl="0" eaLnBrk="1" latinLnBrk="0" hangingPunct="1">
       <a:defRPr sz="1800" kern="1200">
         <a:solidFill>
           <a:schemeClr val="tx1"/>
@@ -53,7 +54,7 @@
         <a:cs typeface="+mn-cs"/>
       </a:defRPr>
     </a:lvl4pPr>
-    <a:lvl5pPr marL="1828800" algn="l" defTabSz="914400" rtl="0" eaLnBrk="1" latinLnBrk="0" hangingPunct="1">
+    <a:lvl5pPr marL="1828800" algn="l" defTabSz="457200" rtl="0" eaLnBrk="1" latinLnBrk="0" hangingPunct="1">
       <a:defRPr sz="1800" kern="1200">
         <a:solidFill>
           <a:schemeClr val="tx1"/>
@@ -63,7 +64,7 @@
         <a:cs typeface="+mn-cs"/>
       </a:defRPr>
     </a:lvl5pPr>
-    <a:lvl6pPr marL="2286000" algn="l" defTabSz="914400" rtl="0" eaLnBrk="1" latinLnBrk="0" hangingPunct="1">
+    <a:lvl6pPr marL="2286000" algn="l" defTabSz="457200" rtl="0" eaLnBrk="1" latinLnBrk="0" hangingPunct="1">
       <a:defRPr sz="1800" kern="1200">
         <a:solidFill>
           <a:schemeClr val="tx1"/>
@@ -73,7 +74,7 @@
         <a:cs typeface="+mn-cs"/>
       </a:defRPr>
     </a:lvl6pPr>
-    <a:lvl7pPr marL="2743200" algn="l" defTabSz="914400" rtl="0" eaLnBrk="1" latinLnBrk="0" hangingPunct="1">
+    <a:lvl7pPr marL="2743200" algn="l" defTabSz="457200" rtl="0" eaLnBrk="1" latinLnBrk="0" hangingPunct="1">
       <a:defRPr sz="1800" kern="1200">
         <a:solidFill>
           <a:schemeClr val="tx1"/>
@@ -83,7 +84,7 @@
         <a:cs typeface="+mn-cs"/>
       </a:defRPr>
     </a:lvl7pPr>
-    <a:lvl8pPr marL="3200400" algn="l" defTabSz="914400" rtl="0" eaLnBrk="1" latinLnBrk="0" hangingPunct="1">
+    <a:lvl8pPr marL="3200400" algn="l" defTabSz="457200" rtl="0" eaLnBrk="1" latinLnBrk="0" hangingPunct="1">
       <a:defRPr sz="1800" kern="1200">
         <a:solidFill>
           <a:schemeClr val="tx1"/>
@@ -93,7 +94,7 @@
         <a:cs typeface="+mn-cs"/>
       </a:defRPr>
     </a:lvl8pPr>
-    <a:lvl9pPr marL="3657600" algn="l" defTabSz="914400" rtl="0" eaLnBrk="1" latinLnBrk="0" hangingPunct="1">
+    <a:lvl9pPr marL="3657600" algn="l" defTabSz="457200" rtl="0" eaLnBrk="1" latinLnBrk="0" hangingPunct="1">
       <a:defRPr sz="1800" kern="1200">
         <a:solidFill>
           <a:schemeClr val="tx1"/>
@@ -104,6 +105,11 @@
       </a:defRPr>
     </a:lvl9pPr>
   </p:defaultTextStyle>
+  <p:extLst>
+    <p:ext uri="{EFAFB233-063F-42B5-8137-9DF3F51BA10A}">
+      <p15:sldGuideLst xmlns:p15="http://schemas.microsoft.com/office/powerpoint/2012/main"/>
+    </p:ext>
+  </p:extLst>
 </p:presentation>
 </file>
 
@@ -124,15 +130,39 @@
           <a:chExt cx="0" cy="0"/>
         </a:xfrm>
       </p:grpSpPr>
-      <p:sp>
-        <p:nvSpPr>
-          <p:cNvPr id="2" name="Título 1">
+      <p:pic>
+        <p:nvPicPr>
+          <p:cNvPr id="7" name="Picture 6" descr="Droplets-HD-Title-R1d.png"/>
+          <p:cNvPicPr>
+            <a:picLocks noChangeAspect="1"/>
+          </p:cNvPicPr>
+          <p:nvPr/>
+        </p:nvPicPr>
+        <p:blipFill>
+          <a:blip r:embed="rId2">
             <a:extLst>
-              <a:ext uri="{FF2B5EF4-FFF2-40B4-BE49-F238E27FC236}">
-                <a16:creationId xmlns:a16="http://schemas.microsoft.com/office/drawing/2014/main" id="{D01DB31E-1F70-4AD8-8830-786F3695A74C}"/>
+              <a:ext uri="{28A0092B-C50C-407E-A947-70E740481C1C}">
+                <a14:useLocalDpi xmlns:a14="http://schemas.microsoft.com/office/drawing/2010/main" val="0"/>
               </a:ext>
             </a:extLst>
-          </p:cNvPr>
+          </a:blip>
+          <a:stretch>
+            <a:fillRect/>
+          </a:stretch>
+        </p:blipFill>
+        <p:spPr>
+          <a:xfrm>
+            <a:off x="0" y="0"/>
+            <a:ext cx="12192000" cy="6858000"/>
+          </a:xfrm>
+          <a:prstGeom prst="rect">
+            <a:avLst/>
+          </a:prstGeom>
+        </p:spPr>
+      </p:pic>
+      <p:sp>
+        <p:nvSpPr>
+          <p:cNvPr id="2" name="Title 1"/>
           <p:cNvSpPr>
             <a:spLocks noGrp="1"/>
           </p:cNvSpPr>
@@ -142,15 +172,17 @@
         </p:nvSpPr>
         <p:spPr>
           <a:xfrm>
-            <a:off x="1524000" y="1122363"/>
-            <a:ext cx="9144000" cy="2387600"/>
-          </a:xfrm>
-        </p:spPr>
-        <p:txBody>
-          <a:bodyPr anchor="b"/>
+            <a:off x="1751012" y="1300785"/>
+            <a:ext cx="8689976" cy="2509213"/>
+          </a:xfrm>
+        </p:spPr>
+        <p:txBody>
+          <a:bodyPr anchor="b">
+            <a:normAutofit/>
+          </a:bodyPr>
           <a:lstStyle>
             <a:lvl1pPr algn="ctr">
-              <a:defRPr sz="6000"/>
+              <a:defRPr sz="4800"/>
             </a:lvl1pPr>
           </a:lstStyle>
           <a:p>
@@ -158,18 +190,13 @@
               <a:rPr lang="es-ES"/>
               <a:t>Haga clic para modificar el estilo de título del patrón</a:t>
             </a:r>
-          </a:p>
-        </p:txBody>
-      </p:sp>
-      <p:sp>
-        <p:nvSpPr>
-          <p:cNvPr id="3" name="Subtítulo 2">
-            <a:extLst>
-              <a:ext uri="{FF2B5EF4-FFF2-40B4-BE49-F238E27FC236}">
-                <a16:creationId xmlns:a16="http://schemas.microsoft.com/office/drawing/2014/main" id="{65D45AA2-AC2A-44F9-BB1D-FC61E50A51E9}"/>
-              </a:ext>
-            </a:extLst>
-          </p:cNvPr>
+            <a:endParaRPr lang="en-US" dirty="0"/>
+          </a:p>
+        </p:txBody>
+      </p:sp>
+      <p:sp>
+        <p:nvSpPr>
+          <p:cNvPr id="3" name="Subtitle 2"/>
           <p:cNvSpPr>
             <a:spLocks noGrp="1"/>
           </p:cNvSpPr>
@@ -179,16 +206,24 @@
         </p:nvSpPr>
         <p:spPr>
           <a:xfrm>
-            <a:off x="1524000" y="3602038"/>
-            <a:ext cx="9144000" cy="1655762"/>
-          </a:xfrm>
-        </p:spPr>
-        <p:txBody>
-          <a:bodyPr/>
+            <a:off x="1751012" y="3886200"/>
+            <a:ext cx="8689976" cy="1371599"/>
+          </a:xfrm>
+        </p:spPr>
+        <p:txBody>
+          <a:bodyPr>
+            <a:normAutofit/>
+          </a:bodyPr>
           <a:lstStyle>
             <a:lvl1pPr marL="0" indent="0" algn="ctr">
               <a:buNone/>
-              <a:defRPr sz="2400"/>
+              <a:defRPr sz="2200">
+                <a:solidFill>
+                  <a:schemeClr val="bg1">
+                    <a:lumMod val="50000"/>
+                  </a:schemeClr>
+                </a:solidFill>
+              </a:defRPr>
             </a:lvl1pPr>
             <a:lvl2pPr marL="457200" indent="0" algn="ctr">
               <a:buNone/>
@@ -228,18 +263,13 @@
               <a:rPr lang="es-ES"/>
               <a:t>Haga clic para modificar el estilo de subtítulo del patrón</a:t>
             </a:r>
-          </a:p>
-        </p:txBody>
-      </p:sp>
-      <p:sp>
-        <p:nvSpPr>
-          <p:cNvPr id="4" name="Marcador de fecha 3">
-            <a:extLst>
-              <a:ext uri="{FF2B5EF4-FFF2-40B4-BE49-F238E27FC236}">
-                <a16:creationId xmlns:a16="http://schemas.microsoft.com/office/drawing/2014/main" id="{64E6A1AF-5488-4277-80FF-BCA52420C731}"/>
-              </a:ext>
-            </a:extLst>
-          </p:cNvPr>
+            <a:endParaRPr lang="en-US" dirty="0"/>
+          </a:p>
+        </p:txBody>
+      </p:sp>
+      <p:sp>
+        <p:nvSpPr>
+          <p:cNvPr id="4" name="Date Placeholder 3"/>
           <p:cNvSpPr>
             <a:spLocks noGrp="1"/>
           </p:cNvSpPr>
@@ -254,7 +284,7 @@
           <a:p>
             <a:fld id="{E5EE0B55-E20F-4275-9E02-1B7D173BE4D6}" type="datetimeFigureOut">
               <a:rPr lang="es-ES" smtClean="0"/>
-              <a:t>22/06/2018</a:t>
+              <a:t>24/06/2018</a:t>
             </a:fld>
             <a:endParaRPr lang="es-ES"/>
           </a:p>
@@ -262,13 +292,7 @@
       </p:sp>
       <p:sp>
         <p:nvSpPr>
-          <p:cNvPr id="5" name="Marcador de pie de página 4">
-            <a:extLst>
-              <a:ext uri="{FF2B5EF4-FFF2-40B4-BE49-F238E27FC236}">
-                <a16:creationId xmlns:a16="http://schemas.microsoft.com/office/drawing/2014/main" id="{B1E01C6E-C167-49A6-A37A-D09E61457508}"/>
-              </a:ext>
-            </a:extLst>
-          </p:cNvPr>
+          <p:cNvPr id="5" name="Footer Placeholder 4"/>
           <p:cNvSpPr>
             <a:spLocks noGrp="1"/>
           </p:cNvSpPr>
@@ -287,13 +311,7 @@
       </p:sp>
       <p:sp>
         <p:nvSpPr>
-          <p:cNvPr id="6" name="Marcador de número de diapositiva 5">
-            <a:extLst>
-              <a:ext uri="{FF2B5EF4-FFF2-40B4-BE49-F238E27FC236}">
-                <a16:creationId xmlns:a16="http://schemas.microsoft.com/office/drawing/2014/main" id="{89623E0C-7A72-4779-BF1A-162C8675C319}"/>
-              </a:ext>
-            </a:extLst>
-          </p:cNvPr>
+          <p:cNvPr id="6" name="Slide Number Placeholder 5"/>
           <p:cNvSpPr>
             <a:spLocks noGrp="1"/>
           </p:cNvSpPr>
@@ -317,7 +335,7 @@
     </p:spTree>
     <p:extLst>
       <p:ext uri="{BB962C8B-B14F-4D97-AF65-F5344CB8AC3E}">
-        <p14:creationId xmlns:p14="http://schemas.microsoft.com/office/powerpoint/2010/main" val="3423608061"/>
+        <p14:creationId xmlns:p14="http://schemas.microsoft.com/office/powerpoint/2010/main" val="1144614743"/>
       </p:ext>
     </p:extLst>
   </p:cSld>
@@ -328,6 +346,2725 @@
 </file>
 
 <file path=ppt/slideLayouts/slideLayout10.xml><?xml version="1.0" encoding="utf-8"?>
+<p:sldLayout xmlns:a="http://schemas.openxmlformats.org/drawingml/2006/main" xmlns:r="http://schemas.openxmlformats.org/officeDocument/2006/relationships" xmlns:p="http://schemas.openxmlformats.org/presentationml/2006/main" preserve="1">
+  <p:cSld name="Imagen panorámica con descripción">
+    <p:spTree>
+      <p:nvGrpSpPr>
+        <p:cNvPr id="1" name=""/>
+        <p:cNvGrpSpPr/>
+        <p:nvPr/>
+      </p:nvGrpSpPr>
+      <p:grpSpPr>
+        <a:xfrm>
+          <a:off x="0" y="0"/>
+          <a:ext cx="0" cy="0"/>
+          <a:chOff x="0" y="0"/>
+          <a:chExt cx="0" cy="0"/>
+        </a:xfrm>
+      </p:grpSpPr>
+      <p:pic>
+        <p:nvPicPr>
+          <p:cNvPr id="10" name="Picture 9" descr="Droplets-HD-Content-R1d.png"/>
+          <p:cNvPicPr>
+            <a:picLocks noChangeAspect="1"/>
+          </p:cNvPicPr>
+          <p:nvPr/>
+        </p:nvPicPr>
+        <p:blipFill>
+          <a:blip r:embed="rId2">
+            <a:extLst>
+              <a:ext uri="{28A0092B-C50C-407E-A947-70E740481C1C}">
+                <a14:useLocalDpi xmlns:a14="http://schemas.microsoft.com/office/drawing/2010/main" val="0"/>
+              </a:ext>
+            </a:extLst>
+          </a:blip>
+          <a:stretch>
+            <a:fillRect/>
+          </a:stretch>
+        </p:blipFill>
+        <p:spPr>
+          <a:xfrm>
+            <a:off x="0" y="0"/>
+            <a:ext cx="12192000" cy="6858000"/>
+          </a:xfrm>
+          <a:prstGeom prst="rect">
+            <a:avLst/>
+          </a:prstGeom>
+        </p:spPr>
+      </p:pic>
+      <p:sp>
+        <p:nvSpPr>
+          <p:cNvPr id="2" name="Title 1"/>
+          <p:cNvSpPr>
+            <a:spLocks noGrp="1"/>
+          </p:cNvSpPr>
+          <p:nvPr>
+            <p:ph type="title"/>
+          </p:nvPr>
+        </p:nvSpPr>
+        <p:spPr>
+          <a:xfrm>
+            <a:off x="913794" y="4289374"/>
+            <a:ext cx="10364432" cy="811610"/>
+          </a:xfrm>
+        </p:spPr>
+        <p:txBody>
+          <a:bodyPr anchor="b"/>
+          <a:lstStyle>
+            <a:lvl1pPr>
+              <a:defRPr sz="3200"/>
+            </a:lvl1pPr>
+          </a:lstStyle>
+          <a:p>
+            <a:r>
+              <a:rPr lang="es-ES"/>
+              <a:t>Haga clic para modificar el estilo de título del patrón</a:t>
+            </a:r>
+            <a:endParaRPr lang="en-US" dirty="0"/>
+          </a:p>
+        </p:txBody>
+      </p:sp>
+      <p:sp>
+        <p:nvSpPr>
+          <p:cNvPr id="3" name="Picture Placeholder 2"/>
+          <p:cNvSpPr>
+            <a:spLocks noGrp="1" noChangeAspect="1"/>
+          </p:cNvSpPr>
+          <p:nvPr>
+            <p:ph type="pic" idx="1"/>
+          </p:nvPr>
+        </p:nvSpPr>
+        <p:spPr>
+          <a:xfrm>
+            <a:off x="1184744" y="698261"/>
+            <a:ext cx="9822532" cy="3214136"/>
+          </a:xfrm>
+          <a:prstGeom prst="roundRect">
+            <a:avLst>
+              <a:gd name="adj" fmla="val 4944"/>
+            </a:avLst>
+          </a:prstGeom>
+          <a:noFill/>
+          <a:ln w="82550" cap="sq">
+            <a:solidFill>
+              <a:schemeClr val="bg2">
+                <a:lumMod val="60000"/>
+                <a:lumOff val="40000"/>
+              </a:schemeClr>
+            </a:solidFill>
+            <a:miter lim="800000"/>
+          </a:ln>
+          <a:effectLst/>
+          <a:scene3d>
+            <a:camera prst="orthographicFront"/>
+            <a:lightRig rig="threePt" dir="t">
+              <a:rot lat="0" lon="0" rev="2700000"/>
+            </a:lightRig>
+          </a:scene3d>
+          <a:sp3d contourW="6350">
+            <a:bevelT h="38100"/>
+            <a:contourClr>
+              <a:srgbClr val="C0C0C0"/>
+            </a:contourClr>
+          </a:sp3d>
+        </p:spPr>
+        <p:txBody>
+          <a:bodyPr anchor="t"/>
+          <a:lstStyle>
+            <a:lvl1pPr marL="0" indent="0" algn="ctr">
+              <a:buNone/>
+              <a:defRPr sz="3200"/>
+            </a:lvl1pPr>
+            <a:lvl2pPr marL="457200" indent="0">
+              <a:buNone/>
+              <a:defRPr sz="2800"/>
+            </a:lvl2pPr>
+            <a:lvl3pPr marL="914400" indent="0">
+              <a:buNone/>
+              <a:defRPr sz="2400"/>
+            </a:lvl3pPr>
+            <a:lvl4pPr marL="1371600" indent="0">
+              <a:buNone/>
+              <a:defRPr sz="2000"/>
+            </a:lvl4pPr>
+            <a:lvl5pPr marL="1828800" indent="0">
+              <a:buNone/>
+              <a:defRPr sz="2000"/>
+            </a:lvl5pPr>
+            <a:lvl6pPr marL="2286000" indent="0">
+              <a:buNone/>
+              <a:defRPr sz="2000"/>
+            </a:lvl6pPr>
+            <a:lvl7pPr marL="2743200" indent="0">
+              <a:buNone/>
+              <a:defRPr sz="2000"/>
+            </a:lvl7pPr>
+            <a:lvl8pPr marL="3200400" indent="0">
+              <a:buNone/>
+              <a:defRPr sz="2000"/>
+            </a:lvl8pPr>
+            <a:lvl9pPr marL="3657600" indent="0">
+              <a:buNone/>
+              <a:defRPr sz="2000"/>
+            </a:lvl9pPr>
+          </a:lstStyle>
+          <a:p>
+            <a:r>
+              <a:rPr lang="es-ES"/>
+              <a:t>Haga clic en el icono para agregar una imagen</a:t>
+            </a:r>
+            <a:endParaRPr lang="en-US" dirty="0"/>
+          </a:p>
+        </p:txBody>
+      </p:sp>
+      <p:sp>
+        <p:nvSpPr>
+          <p:cNvPr id="4" name="Text Placeholder 3"/>
+          <p:cNvSpPr>
+            <a:spLocks noGrp="1"/>
+          </p:cNvSpPr>
+          <p:nvPr>
+            <p:ph type="body" sz="half" idx="2"/>
+          </p:nvPr>
+        </p:nvSpPr>
+        <p:spPr>
+          <a:xfrm>
+            <a:off x="913774" y="5108728"/>
+            <a:ext cx="10364452" cy="682472"/>
+          </a:xfrm>
+        </p:spPr>
+        <p:txBody>
+          <a:bodyPr/>
+          <a:lstStyle>
+            <a:lvl1pPr marL="0" indent="0" algn="ctr">
+              <a:buNone/>
+              <a:defRPr sz="1600"/>
+            </a:lvl1pPr>
+            <a:lvl2pPr marL="457200" indent="0">
+              <a:buNone/>
+              <a:defRPr sz="1400"/>
+            </a:lvl2pPr>
+            <a:lvl3pPr marL="914400" indent="0">
+              <a:buNone/>
+              <a:defRPr sz="1200"/>
+            </a:lvl3pPr>
+            <a:lvl4pPr marL="1371600" indent="0">
+              <a:buNone/>
+              <a:defRPr sz="1000"/>
+            </a:lvl4pPr>
+            <a:lvl5pPr marL="1828800" indent="0">
+              <a:buNone/>
+              <a:defRPr sz="1000"/>
+            </a:lvl5pPr>
+            <a:lvl6pPr marL="2286000" indent="0">
+              <a:buNone/>
+              <a:defRPr sz="1000"/>
+            </a:lvl6pPr>
+            <a:lvl7pPr marL="2743200" indent="0">
+              <a:buNone/>
+              <a:defRPr sz="1000"/>
+            </a:lvl7pPr>
+            <a:lvl8pPr marL="3200400" indent="0">
+              <a:buNone/>
+              <a:defRPr sz="1000"/>
+            </a:lvl8pPr>
+            <a:lvl9pPr marL="3657600" indent="0">
+              <a:buNone/>
+              <a:defRPr sz="1000"/>
+            </a:lvl9pPr>
+          </a:lstStyle>
+          <a:p>
+            <a:pPr lvl="0"/>
+            <a:r>
+              <a:rPr lang="es-ES"/>
+              <a:t>Editar los estilos de texto del patrón</a:t>
+            </a:r>
+          </a:p>
+        </p:txBody>
+      </p:sp>
+      <p:sp>
+        <p:nvSpPr>
+          <p:cNvPr id="5" name="Date Placeholder 4"/>
+          <p:cNvSpPr>
+            <a:spLocks noGrp="1"/>
+          </p:cNvSpPr>
+          <p:nvPr>
+            <p:ph type="dt" sz="half" idx="10"/>
+          </p:nvPr>
+        </p:nvSpPr>
+        <p:spPr/>
+        <p:txBody>
+          <a:bodyPr/>
+          <a:lstStyle/>
+          <a:p>
+            <a:fld id="{E5EE0B55-E20F-4275-9E02-1B7D173BE4D6}" type="datetimeFigureOut">
+              <a:rPr lang="es-ES" smtClean="0"/>
+              <a:t>24/06/2018</a:t>
+            </a:fld>
+            <a:endParaRPr lang="es-ES"/>
+          </a:p>
+        </p:txBody>
+      </p:sp>
+      <p:sp>
+        <p:nvSpPr>
+          <p:cNvPr id="6" name="Footer Placeholder 5"/>
+          <p:cNvSpPr>
+            <a:spLocks noGrp="1"/>
+          </p:cNvSpPr>
+          <p:nvPr>
+            <p:ph type="ftr" sz="quarter" idx="11"/>
+          </p:nvPr>
+        </p:nvSpPr>
+        <p:spPr/>
+        <p:txBody>
+          <a:bodyPr/>
+          <a:lstStyle/>
+          <a:p>
+            <a:endParaRPr lang="es-ES"/>
+          </a:p>
+        </p:txBody>
+      </p:sp>
+      <p:sp>
+        <p:nvSpPr>
+          <p:cNvPr id="7" name="Slide Number Placeholder 6"/>
+          <p:cNvSpPr>
+            <a:spLocks noGrp="1"/>
+          </p:cNvSpPr>
+          <p:nvPr>
+            <p:ph type="sldNum" sz="quarter" idx="12"/>
+          </p:nvPr>
+        </p:nvSpPr>
+        <p:spPr/>
+        <p:txBody>
+          <a:bodyPr/>
+          <a:lstStyle/>
+          <a:p>
+            <a:fld id="{C3DD02CD-FE90-4A7A-AB24-EEB232EC0F04}" type="slidenum">
+              <a:rPr lang="es-ES" smtClean="0"/>
+              <a:t>‹Nº›</a:t>
+            </a:fld>
+            <a:endParaRPr lang="es-ES"/>
+          </a:p>
+        </p:txBody>
+      </p:sp>
+    </p:spTree>
+    <p:extLst>
+      <p:ext uri="{BB962C8B-B14F-4D97-AF65-F5344CB8AC3E}">
+        <p14:creationId xmlns:p14="http://schemas.microsoft.com/office/powerpoint/2010/main" val="1097592436"/>
+      </p:ext>
+    </p:extLst>
+  </p:cSld>
+  <p:clrMapOvr>
+    <a:masterClrMapping/>
+  </p:clrMapOvr>
+</p:sldLayout>
+</file>
+
+<file path=ppt/slideLayouts/slideLayout11.xml><?xml version="1.0" encoding="utf-8"?>
+<p:sldLayout xmlns:a="http://schemas.openxmlformats.org/drawingml/2006/main" xmlns:r="http://schemas.openxmlformats.org/officeDocument/2006/relationships" xmlns:p="http://schemas.openxmlformats.org/presentationml/2006/main" preserve="1">
+  <p:cSld name="Título y descripción">
+    <p:spTree>
+      <p:nvGrpSpPr>
+        <p:cNvPr id="1" name=""/>
+        <p:cNvGrpSpPr/>
+        <p:nvPr/>
+      </p:nvGrpSpPr>
+      <p:grpSpPr>
+        <a:xfrm>
+          <a:off x="0" y="0"/>
+          <a:ext cx="0" cy="0"/>
+          <a:chOff x="0" y="0"/>
+          <a:chExt cx="0" cy="0"/>
+        </a:xfrm>
+      </p:grpSpPr>
+      <p:pic>
+        <p:nvPicPr>
+          <p:cNvPr id="8" name="Picture 7" descr="Droplets-HD-Content-R1d.png"/>
+          <p:cNvPicPr>
+            <a:picLocks noChangeAspect="1"/>
+          </p:cNvPicPr>
+          <p:nvPr/>
+        </p:nvPicPr>
+        <p:blipFill>
+          <a:blip r:embed="rId2">
+            <a:extLst>
+              <a:ext uri="{28A0092B-C50C-407E-A947-70E740481C1C}">
+                <a14:useLocalDpi xmlns:a14="http://schemas.microsoft.com/office/drawing/2010/main" val="0"/>
+              </a:ext>
+            </a:extLst>
+          </a:blip>
+          <a:stretch>
+            <a:fillRect/>
+          </a:stretch>
+        </p:blipFill>
+        <p:spPr>
+          <a:xfrm>
+            <a:off x="0" y="0"/>
+            <a:ext cx="12192000" cy="6858000"/>
+          </a:xfrm>
+          <a:prstGeom prst="rect">
+            <a:avLst/>
+          </a:prstGeom>
+        </p:spPr>
+      </p:pic>
+      <p:sp>
+        <p:nvSpPr>
+          <p:cNvPr id="2" name="Title 1"/>
+          <p:cNvSpPr>
+            <a:spLocks noGrp="1"/>
+          </p:cNvSpPr>
+          <p:nvPr>
+            <p:ph type="title"/>
+          </p:nvPr>
+        </p:nvSpPr>
+        <p:spPr>
+          <a:xfrm>
+            <a:off x="913774" y="609599"/>
+            <a:ext cx="10364452" cy="3427245"/>
+          </a:xfrm>
+        </p:spPr>
+        <p:txBody>
+          <a:bodyPr anchor="ctr"/>
+          <a:lstStyle>
+            <a:lvl1pPr algn="ctr">
+              <a:defRPr sz="3200"/>
+            </a:lvl1pPr>
+          </a:lstStyle>
+          <a:p>
+            <a:r>
+              <a:rPr lang="es-ES"/>
+              <a:t>Haga clic para modificar el estilo de título del patrón</a:t>
+            </a:r>
+            <a:endParaRPr lang="en-US" dirty="0"/>
+          </a:p>
+        </p:txBody>
+      </p:sp>
+      <p:sp>
+        <p:nvSpPr>
+          <p:cNvPr id="4" name="Text Placeholder 3"/>
+          <p:cNvSpPr>
+            <a:spLocks noGrp="1"/>
+          </p:cNvSpPr>
+          <p:nvPr>
+            <p:ph type="body" sz="half" idx="2"/>
+          </p:nvPr>
+        </p:nvSpPr>
+        <p:spPr>
+          <a:xfrm>
+            <a:off x="913775" y="4204821"/>
+            <a:ext cx="10364452" cy="1586380"/>
+          </a:xfrm>
+        </p:spPr>
+        <p:txBody>
+          <a:bodyPr anchor="ctr"/>
+          <a:lstStyle>
+            <a:lvl1pPr marL="0" indent="0" algn="ctr">
+              <a:buNone/>
+              <a:defRPr sz="1600"/>
+            </a:lvl1pPr>
+            <a:lvl2pPr marL="457200" indent="0">
+              <a:buNone/>
+              <a:defRPr sz="1400"/>
+            </a:lvl2pPr>
+            <a:lvl3pPr marL="914400" indent="0">
+              <a:buNone/>
+              <a:defRPr sz="1200"/>
+            </a:lvl3pPr>
+            <a:lvl4pPr marL="1371600" indent="0">
+              <a:buNone/>
+              <a:defRPr sz="1000"/>
+            </a:lvl4pPr>
+            <a:lvl5pPr marL="1828800" indent="0">
+              <a:buNone/>
+              <a:defRPr sz="1000"/>
+            </a:lvl5pPr>
+            <a:lvl6pPr marL="2286000" indent="0">
+              <a:buNone/>
+              <a:defRPr sz="1000"/>
+            </a:lvl6pPr>
+            <a:lvl7pPr marL="2743200" indent="0">
+              <a:buNone/>
+              <a:defRPr sz="1000"/>
+            </a:lvl7pPr>
+            <a:lvl8pPr marL="3200400" indent="0">
+              <a:buNone/>
+              <a:defRPr sz="1000"/>
+            </a:lvl8pPr>
+            <a:lvl9pPr marL="3657600" indent="0">
+              <a:buNone/>
+              <a:defRPr sz="1000"/>
+            </a:lvl9pPr>
+          </a:lstStyle>
+          <a:p>
+            <a:pPr lvl="0"/>
+            <a:r>
+              <a:rPr lang="es-ES"/>
+              <a:t>Editar los estilos de texto del patrón</a:t>
+            </a:r>
+          </a:p>
+        </p:txBody>
+      </p:sp>
+      <p:sp>
+        <p:nvSpPr>
+          <p:cNvPr id="5" name="Date Placeholder 4"/>
+          <p:cNvSpPr>
+            <a:spLocks noGrp="1"/>
+          </p:cNvSpPr>
+          <p:nvPr>
+            <p:ph type="dt" sz="half" idx="10"/>
+          </p:nvPr>
+        </p:nvSpPr>
+        <p:spPr/>
+        <p:txBody>
+          <a:bodyPr/>
+          <a:lstStyle/>
+          <a:p>
+            <a:fld id="{E5EE0B55-E20F-4275-9E02-1B7D173BE4D6}" type="datetimeFigureOut">
+              <a:rPr lang="es-ES" smtClean="0"/>
+              <a:t>24/06/2018</a:t>
+            </a:fld>
+            <a:endParaRPr lang="es-ES"/>
+          </a:p>
+        </p:txBody>
+      </p:sp>
+      <p:sp>
+        <p:nvSpPr>
+          <p:cNvPr id="6" name="Footer Placeholder 5"/>
+          <p:cNvSpPr>
+            <a:spLocks noGrp="1"/>
+          </p:cNvSpPr>
+          <p:nvPr>
+            <p:ph type="ftr" sz="quarter" idx="11"/>
+          </p:nvPr>
+        </p:nvSpPr>
+        <p:spPr/>
+        <p:txBody>
+          <a:bodyPr/>
+          <a:lstStyle/>
+          <a:p>
+            <a:endParaRPr lang="es-ES"/>
+          </a:p>
+        </p:txBody>
+      </p:sp>
+      <p:sp>
+        <p:nvSpPr>
+          <p:cNvPr id="7" name="Slide Number Placeholder 6"/>
+          <p:cNvSpPr>
+            <a:spLocks noGrp="1"/>
+          </p:cNvSpPr>
+          <p:nvPr>
+            <p:ph type="sldNum" sz="quarter" idx="12"/>
+          </p:nvPr>
+        </p:nvSpPr>
+        <p:spPr/>
+        <p:txBody>
+          <a:bodyPr/>
+          <a:lstStyle/>
+          <a:p>
+            <a:fld id="{C3DD02CD-FE90-4A7A-AB24-EEB232EC0F04}" type="slidenum">
+              <a:rPr lang="es-ES" smtClean="0"/>
+              <a:t>‹Nº›</a:t>
+            </a:fld>
+            <a:endParaRPr lang="es-ES"/>
+          </a:p>
+        </p:txBody>
+      </p:sp>
+    </p:spTree>
+    <p:extLst>
+      <p:ext uri="{BB962C8B-B14F-4D97-AF65-F5344CB8AC3E}">
+        <p14:creationId xmlns:p14="http://schemas.microsoft.com/office/powerpoint/2010/main" val="2012780516"/>
+      </p:ext>
+    </p:extLst>
+  </p:cSld>
+  <p:clrMapOvr>
+    <a:masterClrMapping/>
+  </p:clrMapOvr>
+</p:sldLayout>
+</file>
+
+<file path=ppt/slideLayouts/slideLayout12.xml><?xml version="1.0" encoding="utf-8"?>
+<p:sldLayout xmlns:a="http://schemas.openxmlformats.org/drawingml/2006/main" xmlns:r="http://schemas.openxmlformats.org/officeDocument/2006/relationships" xmlns:p="http://schemas.openxmlformats.org/presentationml/2006/main" preserve="1">
+  <p:cSld name="Cita con descripción">
+    <p:spTree>
+      <p:nvGrpSpPr>
+        <p:cNvPr id="1" name=""/>
+        <p:cNvGrpSpPr/>
+        <p:nvPr/>
+      </p:nvGrpSpPr>
+      <p:grpSpPr>
+        <a:xfrm>
+          <a:off x="0" y="0"/>
+          <a:ext cx="0" cy="0"/>
+          <a:chOff x="0" y="0"/>
+          <a:chExt cx="0" cy="0"/>
+        </a:xfrm>
+      </p:grpSpPr>
+      <p:pic>
+        <p:nvPicPr>
+          <p:cNvPr id="11" name="Picture 10" descr="Droplets-HD-Content-R1d.png"/>
+          <p:cNvPicPr>
+            <a:picLocks noChangeAspect="1"/>
+          </p:cNvPicPr>
+          <p:nvPr/>
+        </p:nvPicPr>
+        <p:blipFill>
+          <a:blip r:embed="rId2">
+            <a:extLst>
+              <a:ext uri="{28A0092B-C50C-407E-A947-70E740481C1C}">
+                <a14:useLocalDpi xmlns:a14="http://schemas.microsoft.com/office/drawing/2010/main" val="0"/>
+              </a:ext>
+            </a:extLst>
+          </a:blip>
+          <a:stretch>
+            <a:fillRect/>
+          </a:stretch>
+        </p:blipFill>
+        <p:spPr>
+          <a:xfrm>
+            <a:off x="0" y="0"/>
+            <a:ext cx="12192000" cy="6858000"/>
+          </a:xfrm>
+          <a:prstGeom prst="rect">
+            <a:avLst/>
+          </a:prstGeom>
+        </p:spPr>
+      </p:pic>
+      <p:sp>
+        <p:nvSpPr>
+          <p:cNvPr id="2" name="Title 1"/>
+          <p:cNvSpPr>
+            <a:spLocks noGrp="1"/>
+          </p:cNvSpPr>
+          <p:nvPr>
+            <p:ph type="title"/>
+          </p:nvPr>
+        </p:nvSpPr>
+        <p:spPr>
+          <a:xfrm>
+            <a:off x="1446212" y="609600"/>
+            <a:ext cx="9302752" cy="2992904"/>
+          </a:xfrm>
+        </p:spPr>
+        <p:txBody>
+          <a:bodyPr anchor="ctr"/>
+          <a:lstStyle>
+            <a:lvl1pPr>
+              <a:defRPr sz="3200"/>
+            </a:lvl1pPr>
+          </a:lstStyle>
+          <a:p>
+            <a:r>
+              <a:rPr lang="es-ES"/>
+              <a:t>Haga clic para modificar el estilo de título del patrón</a:t>
+            </a:r>
+            <a:endParaRPr lang="en-US" dirty="0"/>
+          </a:p>
+        </p:txBody>
+      </p:sp>
+      <p:sp>
+        <p:nvSpPr>
+          <p:cNvPr id="12" name="Text Placeholder 3"/>
+          <p:cNvSpPr>
+            <a:spLocks noGrp="1"/>
+          </p:cNvSpPr>
+          <p:nvPr>
+            <p:ph type="body" sz="half" idx="13"/>
+          </p:nvPr>
+        </p:nvSpPr>
+        <p:spPr>
+          <a:xfrm>
+            <a:off x="1720644" y="3610032"/>
+            <a:ext cx="8752299" cy="594788"/>
+          </a:xfrm>
+        </p:spPr>
+        <p:txBody>
+          <a:bodyPr anchor="t">
+            <a:normAutofit/>
+          </a:bodyPr>
+          <a:lstStyle>
+            <a:lvl1pPr marL="0" indent="0">
+              <a:buNone/>
+              <a:defRPr sz="1400"/>
+            </a:lvl1pPr>
+            <a:lvl2pPr marL="457200" indent="0">
+              <a:buNone/>
+              <a:defRPr sz="1400"/>
+            </a:lvl2pPr>
+            <a:lvl3pPr marL="914400" indent="0">
+              <a:buNone/>
+              <a:defRPr sz="1200"/>
+            </a:lvl3pPr>
+            <a:lvl4pPr marL="1371600" indent="0">
+              <a:buNone/>
+              <a:defRPr sz="1000"/>
+            </a:lvl4pPr>
+            <a:lvl5pPr marL="1828800" indent="0">
+              <a:buNone/>
+              <a:defRPr sz="1000"/>
+            </a:lvl5pPr>
+            <a:lvl6pPr marL="2286000" indent="0">
+              <a:buNone/>
+              <a:defRPr sz="1000"/>
+            </a:lvl6pPr>
+            <a:lvl7pPr marL="2743200" indent="0">
+              <a:buNone/>
+              <a:defRPr sz="1000"/>
+            </a:lvl7pPr>
+            <a:lvl8pPr marL="3200400" indent="0">
+              <a:buNone/>
+              <a:defRPr sz="1000"/>
+            </a:lvl8pPr>
+            <a:lvl9pPr marL="3657600" indent="0">
+              <a:buNone/>
+              <a:defRPr sz="1000"/>
+            </a:lvl9pPr>
+          </a:lstStyle>
+          <a:p>
+            <a:pPr lvl="0"/>
+            <a:r>
+              <a:rPr lang="es-ES"/>
+              <a:t>Editar los estilos de texto del patrón</a:t>
+            </a:r>
+          </a:p>
+        </p:txBody>
+      </p:sp>
+      <p:sp>
+        <p:nvSpPr>
+          <p:cNvPr id="4" name="Text Placeholder 3"/>
+          <p:cNvSpPr>
+            <a:spLocks noGrp="1"/>
+          </p:cNvSpPr>
+          <p:nvPr>
+            <p:ph type="body" sz="half" idx="2"/>
+          </p:nvPr>
+        </p:nvSpPr>
+        <p:spPr>
+          <a:xfrm>
+            <a:off x="913774" y="4372796"/>
+            <a:ext cx="10364452" cy="1421053"/>
+          </a:xfrm>
+        </p:spPr>
+        <p:txBody>
+          <a:bodyPr anchor="ctr">
+            <a:normAutofit/>
+          </a:bodyPr>
+          <a:lstStyle>
+            <a:lvl1pPr marL="0" indent="0" algn="ctr">
+              <a:buNone/>
+              <a:defRPr sz="1600"/>
+            </a:lvl1pPr>
+            <a:lvl2pPr marL="457200" indent="0">
+              <a:buNone/>
+              <a:defRPr sz="1400"/>
+            </a:lvl2pPr>
+            <a:lvl3pPr marL="914400" indent="0">
+              <a:buNone/>
+              <a:defRPr sz="1200"/>
+            </a:lvl3pPr>
+            <a:lvl4pPr marL="1371600" indent="0">
+              <a:buNone/>
+              <a:defRPr sz="1000"/>
+            </a:lvl4pPr>
+            <a:lvl5pPr marL="1828800" indent="0">
+              <a:buNone/>
+              <a:defRPr sz="1000"/>
+            </a:lvl5pPr>
+            <a:lvl6pPr marL="2286000" indent="0">
+              <a:buNone/>
+              <a:defRPr sz="1000"/>
+            </a:lvl6pPr>
+            <a:lvl7pPr marL="2743200" indent="0">
+              <a:buNone/>
+              <a:defRPr sz="1000"/>
+            </a:lvl7pPr>
+            <a:lvl8pPr marL="3200400" indent="0">
+              <a:buNone/>
+              <a:defRPr sz="1000"/>
+            </a:lvl8pPr>
+            <a:lvl9pPr marL="3657600" indent="0">
+              <a:buNone/>
+              <a:defRPr sz="1000"/>
+            </a:lvl9pPr>
+          </a:lstStyle>
+          <a:p>
+            <a:pPr lvl="0"/>
+            <a:r>
+              <a:rPr lang="es-ES"/>
+              <a:t>Editar los estilos de texto del patrón</a:t>
+            </a:r>
+          </a:p>
+        </p:txBody>
+      </p:sp>
+      <p:sp>
+        <p:nvSpPr>
+          <p:cNvPr id="5" name="Date Placeholder 4"/>
+          <p:cNvSpPr>
+            <a:spLocks noGrp="1"/>
+          </p:cNvSpPr>
+          <p:nvPr>
+            <p:ph type="dt" sz="half" idx="10"/>
+          </p:nvPr>
+        </p:nvSpPr>
+        <p:spPr/>
+        <p:txBody>
+          <a:bodyPr/>
+          <a:lstStyle/>
+          <a:p>
+            <a:fld id="{E5EE0B55-E20F-4275-9E02-1B7D173BE4D6}" type="datetimeFigureOut">
+              <a:rPr lang="es-ES" smtClean="0"/>
+              <a:t>24/06/2018</a:t>
+            </a:fld>
+            <a:endParaRPr lang="es-ES"/>
+          </a:p>
+        </p:txBody>
+      </p:sp>
+      <p:sp>
+        <p:nvSpPr>
+          <p:cNvPr id="6" name="Footer Placeholder 5"/>
+          <p:cNvSpPr>
+            <a:spLocks noGrp="1"/>
+          </p:cNvSpPr>
+          <p:nvPr>
+            <p:ph type="ftr" sz="quarter" idx="11"/>
+          </p:nvPr>
+        </p:nvSpPr>
+        <p:spPr/>
+        <p:txBody>
+          <a:bodyPr/>
+          <a:lstStyle/>
+          <a:p>
+            <a:endParaRPr lang="es-ES"/>
+          </a:p>
+        </p:txBody>
+      </p:sp>
+      <p:sp>
+        <p:nvSpPr>
+          <p:cNvPr id="7" name="Slide Number Placeholder 6"/>
+          <p:cNvSpPr>
+            <a:spLocks noGrp="1"/>
+          </p:cNvSpPr>
+          <p:nvPr>
+            <p:ph type="sldNum" sz="quarter" idx="12"/>
+          </p:nvPr>
+        </p:nvSpPr>
+        <p:spPr/>
+        <p:txBody>
+          <a:bodyPr/>
+          <a:lstStyle/>
+          <a:p>
+            <a:fld id="{C3DD02CD-FE90-4A7A-AB24-EEB232EC0F04}" type="slidenum">
+              <a:rPr lang="es-ES" smtClean="0"/>
+              <a:t>‹Nº›</a:t>
+            </a:fld>
+            <a:endParaRPr lang="es-ES"/>
+          </a:p>
+        </p:txBody>
+      </p:sp>
+      <p:sp>
+        <p:nvSpPr>
+          <p:cNvPr id="13" name="TextBox 12"/>
+          <p:cNvSpPr txBox="1"/>
+          <p:nvPr/>
+        </p:nvSpPr>
+        <p:spPr>
+          <a:xfrm>
+            <a:off x="1001488" y="754166"/>
+            <a:ext cx="609600" cy="584776"/>
+          </a:xfrm>
+          <a:prstGeom prst="rect">
+            <a:avLst/>
+          </a:prstGeom>
+        </p:spPr>
+        <p:txBody>
+          <a:bodyPr vert="horz" lIns="91440" tIns="45720" rIns="91440" bIns="45720" rtlCol="0" anchor="ctr">
+            <a:noAutofit/>
+          </a:bodyPr>
+          <a:lstStyle>
+            <a:lvl1pPr>
+              <a:spcBef>
+                <a:spcPct val="0"/>
+              </a:spcBef>
+              <a:buNone/>
+              <a:defRPr sz="3200" b="0" cap="all">
+                <a:ln w="3175" cmpd="sng">
+                  <a:noFill/>
+                </a:ln>
+                <a:effectLst>
+                  <a:glow rad="38100">
+                    <a:schemeClr val="bg1">
+                      <a:lumMod val="65000"/>
+                      <a:lumOff val="35000"/>
+                      <a:alpha val="40000"/>
+                    </a:schemeClr>
+                  </a:glow>
+                  <a:outerShdw blurRad="28575" dist="38100" dir="14040000" algn="tl" rotWithShape="0">
+                    <a:srgbClr val="000000">
+                      <a:alpha val="25000"/>
+                    </a:srgbClr>
+                  </a:outerShdw>
+                </a:effectLst>
+              </a:defRPr>
+            </a:lvl1pPr>
+            <a:lvl2pPr>
+              <a:defRPr>
+                <a:solidFill>
+                  <a:schemeClr val="tx2"/>
+                </a:solidFill>
+              </a:defRPr>
+            </a:lvl2pPr>
+            <a:lvl3pPr>
+              <a:defRPr>
+                <a:solidFill>
+                  <a:schemeClr val="tx2"/>
+                </a:solidFill>
+              </a:defRPr>
+            </a:lvl3pPr>
+            <a:lvl4pPr>
+              <a:defRPr>
+                <a:solidFill>
+                  <a:schemeClr val="tx2"/>
+                </a:solidFill>
+              </a:defRPr>
+            </a:lvl4pPr>
+            <a:lvl5pPr>
+              <a:defRPr>
+                <a:solidFill>
+                  <a:schemeClr val="tx2"/>
+                </a:solidFill>
+              </a:defRPr>
+            </a:lvl5pPr>
+            <a:lvl6pPr>
+              <a:defRPr>
+                <a:solidFill>
+                  <a:schemeClr val="tx2"/>
+                </a:solidFill>
+              </a:defRPr>
+            </a:lvl6pPr>
+            <a:lvl7pPr>
+              <a:defRPr>
+                <a:solidFill>
+                  <a:schemeClr val="tx2"/>
+                </a:solidFill>
+              </a:defRPr>
+            </a:lvl7pPr>
+            <a:lvl8pPr>
+              <a:defRPr>
+                <a:solidFill>
+                  <a:schemeClr val="tx2"/>
+                </a:solidFill>
+              </a:defRPr>
+            </a:lvl8pPr>
+            <a:lvl9pPr>
+              <a:defRPr>
+                <a:solidFill>
+                  <a:schemeClr val="tx2"/>
+                </a:solidFill>
+              </a:defRPr>
+            </a:lvl9pPr>
+          </a:lstStyle>
+          <a:p>
+            <a:pPr lvl="0"/>
+            <a:r>
+              <a:rPr lang="en-US" sz="8000" dirty="0">
+                <a:solidFill>
+                  <a:schemeClr val="tx1"/>
+                </a:solidFill>
+                <a:effectLst/>
+              </a:rPr>
+              <a:t>“</a:t>
+            </a:r>
+          </a:p>
+        </p:txBody>
+      </p:sp>
+      <p:sp>
+        <p:nvSpPr>
+          <p:cNvPr id="14" name="TextBox 13"/>
+          <p:cNvSpPr txBox="1"/>
+          <p:nvPr/>
+        </p:nvSpPr>
+        <p:spPr>
+          <a:xfrm>
+            <a:off x="10557558" y="2993578"/>
+            <a:ext cx="609600" cy="584776"/>
+          </a:xfrm>
+          <a:prstGeom prst="rect">
+            <a:avLst/>
+          </a:prstGeom>
+        </p:spPr>
+        <p:txBody>
+          <a:bodyPr vert="horz" lIns="91440" tIns="45720" rIns="91440" bIns="45720" rtlCol="0" anchor="ctr">
+            <a:noAutofit/>
+          </a:bodyPr>
+          <a:lstStyle>
+            <a:lvl1pPr>
+              <a:spcBef>
+                <a:spcPct val="0"/>
+              </a:spcBef>
+              <a:buNone/>
+              <a:defRPr sz="3200" b="0" cap="all">
+                <a:ln w="3175" cmpd="sng">
+                  <a:noFill/>
+                </a:ln>
+                <a:effectLst>
+                  <a:glow rad="38100">
+                    <a:schemeClr val="bg1">
+                      <a:lumMod val="65000"/>
+                      <a:lumOff val="35000"/>
+                      <a:alpha val="40000"/>
+                    </a:schemeClr>
+                  </a:glow>
+                  <a:outerShdw blurRad="28575" dist="38100" dir="14040000" algn="tl" rotWithShape="0">
+                    <a:srgbClr val="000000">
+                      <a:alpha val="25000"/>
+                    </a:srgbClr>
+                  </a:outerShdw>
+                </a:effectLst>
+              </a:defRPr>
+            </a:lvl1pPr>
+            <a:lvl2pPr>
+              <a:defRPr>
+                <a:solidFill>
+                  <a:schemeClr val="tx2"/>
+                </a:solidFill>
+              </a:defRPr>
+            </a:lvl2pPr>
+            <a:lvl3pPr>
+              <a:defRPr>
+                <a:solidFill>
+                  <a:schemeClr val="tx2"/>
+                </a:solidFill>
+              </a:defRPr>
+            </a:lvl3pPr>
+            <a:lvl4pPr>
+              <a:defRPr>
+                <a:solidFill>
+                  <a:schemeClr val="tx2"/>
+                </a:solidFill>
+              </a:defRPr>
+            </a:lvl4pPr>
+            <a:lvl5pPr>
+              <a:defRPr>
+                <a:solidFill>
+                  <a:schemeClr val="tx2"/>
+                </a:solidFill>
+              </a:defRPr>
+            </a:lvl5pPr>
+            <a:lvl6pPr>
+              <a:defRPr>
+                <a:solidFill>
+                  <a:schemeClr val="tx2"/>
+                </a:solidFill>
+              </a:defRPr>
+            </a:lvl6pPr>
+            <a:lvl7pPr>
+              <a:defRPr>
+                <a:solidFill>
+                  <a:schemeClr val="tx2"/>
+                </a:solidFill>
+              </a:defRPr>
+            </a:lvl7pPr>
+            <a:lvl8pPr>
+              <a:defRPr>
+                <a:solidFill>
+                  <a:schemeClr val="tx2"/>
+                </a:solidFill>
+              </a:defRPr>
+            </a:lvl8pPr>
+            <a:lvl9pPr>
+              <a:defRPr>
+                <a:solidFill>
+                  <a:schemeClr val="tx2"/>
+                </a:solidFill>
+              </a:defRPr>
+            </a:lvl9pPr>
+          </a:lstStyle>
+          <a:p>
+            <a:pPr lvl="0" algn="r"/>
+            <a:r>
+              <a:rPr lang="en-US" sz="8000" dirty="0">
+                <a:solidFill>
+                  <a:schemeClr val="tx1"/>
+                </a:solidFill>
+                <a:effectLst/>
+              </a:rPr>
+              <a:t>”</a:t>
+            </a:r>
+          </a:p>
+        </p:txBody>
+      </p:sp>
+    </p:spTree>
+    <p:extLst>
+      <p:ext uri="{BB962C8B-B14F-4D97-AF65-F5344CB8AC3E}">
+        <p14:creationId xmlns:p14="http://schemas.microsoft.com/office/powerpoint/2010/main" val="2810960255"/>
+      </p:ext>
+    </p:extLst>
+  </p:cSld>
+  <p:clrMapOvr>
+    <a:masterClrMapping/>
+  </p:clrMapOvr>
+</p:sldLayout>
+</file>
+
+<file path=ppt/slideLayouts/slideLayout13.xml><?xml version="1.0" encoding="utf-8"?>
+<p:sldLayout xmlns:a="http://schemas.openxmlformats.org/drawingml/2006/main" xmlns:r="http://schemas.openxmlformats.org/officeDocument/2006/relationships" xmlns:p="http://schemas.openxmlformats.org/presentationml/2006/main" preserve="1">
+  <p:cSld name="Tarjeta de nombre">
+    <p:spTree>
+      <p:nvGrpSpPr>
+        <p:cNvPr id="1" name=""/>
+        <p:cNvGrpSpPr/>
+        <p:nvPr/>
+      </p:nvGrpSpPr>
+      <p:grpSpPr>
+        <a:xfrm>
+          <a:off x="0" y="0"/>
+          <a:ext cx="0" cy="0"/>
+          <a:chOff x="0" y="0"/>
+          <a:chExt cx="0" cy="0"/>
+        </a:xfrm>
+      </p:grpSpPr>
+      <p:pic>
+        <p:nvPicPr>
+          <p:cNvPr id="8" name="Picture 7" descr="Droplets-HD-Content-R1d.png"/>
+          <p:cNvPicPr>
+            <a:picLocks noChangeAspect="1"/>
+          </p:cNvPicPr>
+          <p:nvPr/>
+        </p:nvPicPr>
+        <p:blipFill>
+          <a:blip r:embed="rId2">
+            <a:extLst>
+              <a:ext uri="{28A0092B-C50C-407E-A947-70E740481C1C}">
+                <a14:useLocalDpi xmlns:a14="http://schemas.microsoft.com/office/drawing/2010/main" val="0"/>
+              </a:ext>
+            </a:extLst>
+          </a:blip>
+          <a:stretch>
+            <a:fillRect/>
+          </a:stretch>
+        </p:blipFill>
+        <p:spPr>
+          <a:xfrm>
+            <a:off x="0" y="0"/>
+            <a:ext cx="12192000" cy="6858000"/>
+          </a:xfrm>
+          <a:prstGeom prst="rect">
+            <a:avLst/>
+          </a:prstGeom>
+        </p:spPr>
+      </p:pic>
+      <p:sp>
+        <p:nvSpPr>
+          <p:cNvPr id="2" name="Title 1"/>
+          <p:cNvSpPr>
+            <a:spLocks noGrp="1"/>
+          </p:cNvSpPr>
+          <p:nvPr>
+            <p:ph type="title"/>
+          </p:nvPr>
+        </p:nvSpPr>
+        <p:spPr>
+          <a:xfrm>
+            <a:off x="913775" y="2138721"/>
+            <a:ext cx="10364452" cy="2511835"/>
+          </a:xfrm>
+        </p:spPr>
+        <p:txBody>
+          <a:bodyPr anchor="b"/>
+          <a:lstStyle>
+            <a:lvl1pPr algn="ctr">
+              <a:defRPr sz="3200"/>
+            </a:lvl1pPr>
+          </a:lstStyle>
+          <a:p>
+            <a:r>
+              <a:rPr lang="es-ES"/>
+              <a:t>Haga clic para modificar el estilo de título del patrón</a:t>
+            </a:r>
+            <a:endParaRPr lang="en-US" dirty="0"/>
+          </a:p>
+        </p:txBody>
+      </p:sp>
+      <p:sp>
+        <p:nvSpPr>
+          <p:cNvPr id="4" name="Text Placeholder 3"/>
+          <p:cNvSpPr>
+            <a:spLocks noGrp="1"/>
+          </p:cNvSpPr>
+          <p:nvPr>
+            <p:ph type="body" sz="half" idx="2"/>
+          </p:nvPr>
+        </p:nvSpPr>
+        <p:spPr>
+          <a:xfrm>
+            <a:off x="913775" y="4662335"/>
+            <a:ext cx="10364452" cy="1140644"/>
+          </a:xfrm>
+        </p:spPr>
+        <p:txBody>
+          <a:bodyPr anchor="t"/>
+          <a:lstStyle>
+            <a:lvl1pPr marL="0" indent="0" algn="ctr">
+              <a:buNone/>
+              <a:defRPr sz="1600"/>
+            </a:lvl1pPr>
+            <a:lvl2pPr marL="457200" indent="0">
+              <a:buNone/>
+              <a:defRPr sz="1400"/>
+            </a:lvl2pPr>
+            <a:lvl3pPr marL="914400" indent="0">
+              <a:buNone/>
+              <a:defRPr sz="1200"/>
+            </a:lvl3pPr>
+            <a:lvl4pPr marL="1371600" indent="0">
+              <a:buNone/>
+              <a:defRPr sz="1000"/>
+            </a:lvl4pPr>
+            <a:lvl5pPr marL="1828800" indent="0">
+              <a:buNone/>
+              <a:defRPr sz="1000"/>
+            </a:lvl5pPr>
+            <a:lvl6pPr marL="2286000" indent="0">
+              <a:buNone/>
+              <a:defRPr sz="1000"/>
+            </a:lvl6pPr>
+            <a:lvl7pPr marL="2743200" indent="0">
+              <a:buNone/>
+              <a:defRPr sz="1000"/>
+            </a:lvl7pPr>
+            <a:lvl8pPr marL="3200400" indent="0">
+              <a:buNone/>
+              <a:defRPr sz="1000"/>
+            </a:lvl8pPr>
+            <a:lvl9pPr marL="3657600" indent="0">
+              <a:buNone/>
+              <a:defRPr sz="1000"/>
+            </a:lvl9pPr>
+          </a:lstStyle>
+          <a:p>
+            <a:pPr lvl="0"/>
+            <a:r>
+              <a:rPr lang="es-ES"/>
+              <a:t>Editar los estilos de texto del patrón</a:t>
+            </a:r>
+          </a:p>
+        </p:txBody>
+      </p:sp>
+      <p:sp>
+        <p:nvSpPr>
+          <p:cNvPr id="5" name="Date Placeholder 4"/>
+          <p:cNvSpPr>
+            <a:spLocks noGrp="1"/>
+          </p:cNvSpPr>
+          <p:nvPr>
+            <p:ph type="dt" sz="half" idx="10"/>
+          </p:nvPr>
+        </p:nvSpPr>
+        <p:spPr/>
+        <p:txBody>
+          <a:bodyPr/>
+          <a:lstStyle/>
+          <a:p>
+            <a:fld id="{E5EE0B55-E20F-4275-9E02-1B7D173BE4D6}" type="datetimeFigureOut">
+              <a:rPr lang="es-ES" smtClean="0"/>
+              <a:t>24/06/2018</a:t>
+            </a:fld>
+            <a:endParaRPr lang="es-ES"/>
+          </a:p>
+        </p:txBody>
+      </p:sp>
+      <p:sp>
+        <p:nvSpPr>
+          <p:cNvPr id="6" name="Footer Placeholder 5"/>
+          <p:cNvSpPr>
+            <a:spLocks noGrp="1"/>
+          </p:cNvSpPr>
+          <p:nvPr>
+            <p:ph type="ftr" sz="quarter" idx="11"/>
+          </p:nvPr>
+        </p:nvSpPr>
+        <p:spPr/>
+        <p:txBody>
+          <a:bodyPr/>
+          <a:lstStyle/>
+          <a:p>
+            <a:endParaRPr lang="es-ES"/>
+          </a:p>
+        </p:txBody>
+      </p:sp>
+      <p:sp>
+        <p:nvSpPr>
+          <p:cNvPr id="7" name="Slide Number Placeholder 6"/>
+          <p:cNvSpPr>
+            <a:spLocks noGrp="1"/>
+          </p:cNvSpPr>
+          <p:nvPr>
+            <p:ph type="sldNum" sz="quarter" idx="12"/>
+          </p:nvPr>
+        </p:nvSpPr>
+        <p:spPr/>
+        <p:txBody>
+          <a:bodyPr/>
+          <a:lstStyle/>
+          <a:p>
+            <a:fld id="{C3DD02CD-FE90-4A7A-AB24-EEB232EC0F04}" type="slidenum">
+              <a:rPr lang="es-ES" smtClean="0"/>
+              <a:t>‹Nº›</a:t>
+            </a:fld>
+            <a:endParaRPr lang="es-ES"/>
+          </a:p>
+        </p:txBody>
+      </p:sp>
+    </p:spTree>
+    <p:extLst>
+      <p:ext uri="{BB962C8B-B14F-4D97-AF65-F5344CB8AC3E}">
+        <p14:creationId xmlns:p14="http://schemas.microsoft.com/office/powerpoint/2010/main" val="2498317507"/>
+      </p:ext>
+    </p:extLst>
+  </p:cSld>
+  <p:clrMapOvr>
+    <a:masterClrMapping/>
+  </p:clrMapOvr>
+</p:sldLayout>
+</file>
+
+<file path=ppt/slideLayouts/slideLayout14.xml><?xml version="1.0" encoding="utf-8"?>
+<p:sldLayout xmlns:a="http://schemas.openxmlformats.org/drawingml/2006/main" xmlns:r="http://schemas.openxmlformats.org/officeDocument/2006/relationships" xmlns:p="http://schemas.openxmlformats.org/presentationml/2006/main" preserve="1">
+  <p:cSld name="Columna 3">
+    <p:spTree>
+      <p:nvGrpSpPr>
+        <p:cNvPr id="1" name=""/>
+        <p:cNvGrpSpPr/>
+        <p:nvPr/>
+      </p:nvGrpSpPr>
+      <p:grpSpPr>
+        <a:xfrm>
+          <a:off x="0" y="0"/>
+          <a:ext cx="0" cy="0"/>
+          <a:chOff x="0" y="0"/>
+          <a:chExt cx="0" cy="0"/>
+        </a:xfrm>
+      </p:grpSpPr>
+      <p:pic>
+        <p:nvPicPr>
+          <p:cNvPr id="13" name="Picture 12" descr="Droplets-HD-Content-R1d.png"/>
+          <p:cNvPicPr>
+            <a:picLocks noChangeAspect="1"/>
+          </p:cNvPicPr>
+          <p:nvPr/>
+        </p:nvPicPr>
+        <p:blipFill>
+          <a:blip r:embed="rId2">
+            <a:extLst>
+              <a:ext uri="{28A0092B-C50C-407E-A947-70E740481C1C}">
+                <a14:useLocalDpi xmlns:a14="http://schemas.microsoft.com/office/drawing/2010/main" val="0"/>
+              </a:ext>
+            </a:extLst>
+          </a:blip>
+          <a:stretch>
+            <a:fillRect/>
+          </a:stretch>
+        </p:blipFill>
+        <p:spPr>
+          <a:xfrm>
+            <a:off x="0" y="0"/>
+            <a:ext cx="12192000" cy="6858000"/>
+          </a:xfrm>
+          <a:prstGeom prst="rect">
+            <a:avLst/>
+          </a:prstGeom>
+        </p:spPr>
+      </p:pic>
+      <p:sp>
+        <p:nvSpPr>
+          <p:cNvPr id="15" name="Title 1"/>
+          <p:cNvSpPr>
+            <a:spLocks noGrp="1"/>
+          </p:cNvSpPr>
+          <p:nvPr>
+            <p:ph type="title"/>
+          </p:nvPr>
+        </p:nvSpPr>
+        <p:spPr>
+          <a:xfrm>
+            <a:off x="913774" y="609600"/>
+            <a:ext cx="10364452" cy="1605094"/>
+          </a:xfrm>
+        </p:spPr>
+        <p:txBody>
+          <a:bodyPr/>
+          <a:lstStyle/>
+          <a:p>
+            <a:r>
+              <a:rPr lang="es-ES"/>
+              <a:t>Haga clic para modificar el estilo de título del patrón</a:t>
+            </a:r>
+            <a:endParaRPr lang="en-US" dirty="0"/>
+          </a:p>
+        </p:txBody>
+      </p:sp>
+      <p:sp>
+        <p:nvSpPr>
+          <p:cNvPr id="7" name="Text Placeholder 2"/>
+          <p:cNvSpPr>
+            <a:spLocks noGrp="1"/>
+          </p:cNvSpPr>
+          <p:nvPr>
+            <p:ph type="body" idx="1"/>
+          </p:nvPr>
+        </p:nvSpPr>
+        <p:spPr>
+          <a:xfrm>
+            <a:off x="913774" y="2367093"/>
+            <a:ext cx="3298976" cy="576262"/>
+          </a:xfrm>
+        </p:spPr>
+        <p:txBody>
+          <a:bodyPr anchor="b">
+            <a:noAutofit/>
+          </a:bodyPr>
+          <a:lstStyle>
+            <a:lvl1pPr marL="0" indent="0" algn="ctr">
+              <a:lnSpc>
+                <a:spcPct val="85000"/>
+              </a:lnSpc>
+              <a:buNone/>
+              <a:defRPr sz="2400" b="0">
+                <a:solidFill>
+                  <a:schemeClr val="tx1"/>
+                </a:solidFill>
+              </a:defRPr>
+            </a:lvl1pPr>
+            <a:lvl2pPr marL="457200" indent="0">
+              <a:buNone/>
+              <a:defRPr sz="2000" b="1"/>
+            </a:lvl2pPr>
+            <a:lvl3pPr marL="914400" indent="0">
+              <a:buNone/>
+              <a:defRPr sz="1800" b="1"/>
+            </a:lvl3pPr>
+            <a:lvl4pPr marL="1371600" indent="0">
+              <a:buNone/>
+              <a:defRPr sz="1600" b="1"/>
+            </a:lvl4pPr>
+            <a:lvl5pPr marL="1828800" indent="0">
+              <a:buNone/>
+              <a:defRPr sz="1600" b="1"/>
+            </a:lvl5pPr>
+            <a:lvl6pPr marL="2286000" indent="0">
+              <a:buNone/>
+              <a:defRPr sz="1600" b="1"/>
+            </a:lvl6pPr>
+            <a:lvl7pPr marL="2743200" indent="0">
+              <a:buNone/>
+              <a:defRPr sz="1600" b="1"/>
+            </a:lvl7pPr>
+            <a:lvl8pPr marL="3200400" indent="0">
+              <a:buNone/>
+              <a:defRPr sz="1600" b="1"/>
+            </a:lvl8pPr>
+            <a:lvl9pPr marL="3657600" indent="0">
+              <a:buNone/>
+              <a:defRPr sz="1600" b="1"/>
+            </a:lvl9pPr>
+          </a:lstStyle>
+          <a:p>
+            <a:pPr lvl="0"/>
+            <a:r>
+              <a:rPr lang="es-ES"/>
+              <a:t>Editar los estilos de texto del patrón</a:t>
+            </a:r>
+          </a:p>
+        </p:txBody>
+      </p:sp>
+      <p:sp>
+        <p:nvSpPr>
+          <p:cNvPr id="8" name="Text Placeholder 3"/>
+          <p:cNvSpPr>
+            <a:spLocks noGrp="1"/>
+          </p:cNvSpPr>
+          <p:nvPr>
+            <p:ph type="body" sz="half" idx="15"/>
+          </p:nvPr>
+        </p:nvSpPr>
+        <p:spPr>
+          <a:xfrm>
+            <a:off x="913774" y="2943355"/>
+            <a:ext cx="3298976" cy="2847845"/>
+          </a:xfrm>
+        </p:spPr>
+        <p:txBody>
+          <a:bodyPr anchor="t">
+            <a:normAutofit/>
+          </a:bodyPr>
+          <a:lstStyle>
+            <a:lvl1pPr marL="0" indent="0" algn="ctr">
+              <a:buNone/>
+              <a:defRPr sz="1400"/>
+            </a:lvl1pPr>
+            <a:lvl2pPr marL="457200" indent="0">
+              <a:buNone/>
+              <a:defRPr sz="1200"/>
+            </a:lvl2pPr>
+            <a:lvl3pPr marL="914400" indent="0">
+              <a:buNone/>
+              <a:defRPr sz="1000"/>
+            </a:lvl3pPr>
+            <a:lvl4pPr marL="1371600" indent="0">
+              <a:buNone/>
+              <a:defRPr sz="900"/>
+            </a:lvl4pPr>
+            <a:lvl5pPr marL="1828800" indent="0">
+              <a:buNone/>
+              <a:defRPr sz="900"/>
+            </a:lvl5pPr>
+            <a:lvl6pPr marL="2286000" indent="0">
+              <a:buNone/>
+              <a:defRPr sz="900"/>
+            </a:lvl6pPr>
+            <a:lvl7pPr marL="2743200" indent="0">
+              <a:buNone/>
+              <a:defRPr sz="900"/>
+            </a:lvl7pPr>
+            <a:lvl8pPr marL="3200400" indent="0">
+              <a:buNone/>
+              <a:defRPr sz="900"/>
+            </a:lvl8pPr>
+            <a:lvl9pPr marL="3657600" indent="0">
+              <a:buNone/>
+              <a:defRPr sz="900"/>
+            </a:lvl9pPr>
+          </a:lstStyle>
+          <a:p>
+            <a:pPr lvl="0"/>
+            <a:r>
+              <a:rPr lang="es-ES"/>
+              <a:t>Editar los estilos de texto del patrón</a:t>
+            </a:r>
+          </a:p>
+        </p:txBody>
+      </p:sp>
+      <p:sp>
+        <p:nvSpPr>
+          <p:cNvPr id="9" name="Text Placeholder 4"/>
+          <p:cNvSpPr>
+            <a:spLocks noGrp="1"/>
+          </p:cNvSpPr>
+          <p:nvPr>
+            <p:ph type="body" sz="quarter" idx="3"/>
+          </p:nvPr>
+        </p:nvSpPr>
+        <p:spPr>
+          <a:xfrm>
+            <a:off x="4452389" y="2367093"/>
+            <a:ext cx="3291521" cy="576262"/>
+          </a:xfrm>
+        </p:spPr>
+        <p:txBody>
+          <a:bodyPr anchor="b">
+            <a:noAutofit/>
+          </a:bodyPr>
+          <a:lstStyle>
+            <a:lvl1pPr marL="0" indent="0" algn="ctr">
+              <a:lnSpc>
+                <a:spcPct val="85000"/>
+              </a:lnSpc>
+              <a:buNone/>
+              <a:defRPr sz="2400" b="0">
+                <a:solidFill>
+                  <a:schemeClr val="tx1"/>
+                </a:solidFill>
+              </a:defRPr>
+            </a:lvl1pPr>
+            <a:lvl2pPr marL="457200" indent="0">
+              <a:buNone/>
+              <a:defRPr sz="2000" b="1"/>
+            </a:lvl2pPr>
+            <a:lvl3pPr marL="914400" indent="0">
+              <a:buNone/>
+              <a:defRPr sz="1800" b="1"/>
+            </a:lvl3pPr>
+            <a:lvl4pPr marL="1371600" indent="0">
+              <a:buNone/>
+              <a:defRPr sz="1600" b="1"/>
+            </a:lvl4pPr>
+            <a:lvl5pPr marL="1828800" indent="0">
+              <a:buNone/>
+              <a:defRPr sz="1600" b="1"/>
+            </a:lvl5pPr>
+            <a:lvl6pPr marL="2286000" indent="0">
+              <a:buNone/>
+              <a:defRPr sz="1600" b="1"/>
+            </a:lvl6pPr>
+            <a:lvl7pPr marL="2743200" indent="0">
+              <a:buNone/>
+              <a:defRPr sz="1600" b="1"/>
+            </a:lvl7pPr>
+            <a:lvl8pPr marL="3200400" indent="0">
+              <a:buNone/>
+              <a:defRPr sz="1600" b="1"/>
+            </a:lvl8pPr>
+            <a:lvl9pPr marL="3657600" indent="0">
+              <a:buNone/>
+              <a:defRPr sz="1600" b="1"/>
+            </a:lvl9pPr>
+          </a:lstStyle>
+          <a:p>
+            <a:pPr lvl="0"/>
+            <a:r>
+              <a:rPr lang="es-ES"/>
+              <a:t>Editar los estilos de texto del patrón</a:t>
+            </a:r>
+          </a:p>
+        </p:txBody>
+      </p:sp>
+      <p:sp>
+        <p:nvSpPr>
+          <p:cNvPr id="10" name="Text Placeholder 3"/>
+          <p:cNvSpPr>
+            <a:spLocks noGrp="1"/>
+          </p:cNvSpPr>
+          <p:nvPr>
+            <p:ph type="body" sz="half" idx="16"/>
+          </p:nvPr>
+        </p:nvSpPr>
+        <p:spPr>
+          <a:xfrm>
+            <a:off x="4441348" y="2943355"/>
+            <a:ext cx="3303351" cy="2847845"/>
+          </a:xfrm>
+        </p:spPr>
+        <p:txBody>
+          <a:bodyPr anchor="t">
+            <a:normAutofit/>
+          </a:bodyPr>
+          <a:lstStyle>
+            <a:lvl1pPr marL="0" indent="0" algn="ctr">
+              <a:buNone/>
+              <a:defRPr sz="1400"/>
+            </a:lvl1pPr>
+            <a:lvl2pPr marL="457200" indent="0">
+              <a:buNone/>
+              <a:defRPr sz="1200"/>
+            </a:lvl2pPr>
+            <a:lvl3pPr marL="914400" indent="0">
+              <a:buNone/>
+              <a:defRPr sz="1000"/>
+            </a:lvl3pPr>
+            <a:lvl4pPr marL="1371600" indent="0">
+              <a:buNone/>
+              <a:defRPr sz="900"/>
+            </a:lvl4pPr>
+            <a:lvl5pPr marL="1828800" indent="0">
+              <a:buNone/>
+              <a:defRPr sz="900"/>
+            </a:lvl5pPr>
+            <a:lvl6pPr marL="2286000" indent="0">
+              <a:buNone/>
+              <a:defRPr sz="900"/>
+            </a:lvl6pPr>
+            <a:lvl7pPr marL="2743200" indent="0">
+              <a:buNone/>
+              <a:defRPr sz="900"/>
+            </a:lvl7pPr>
+            <a:lvl8pPr marL="3200400" indent="0">
+              <a:buNone/>
+              <a:defRPr sz="900"/>
+            </a:lvl8pPr>
+            <a:lvl9pPr marL="3657600" indent="0">
+              <a:buNone/>
+              <a:defRPr sz="900"/>
+            </a:lvl9pPr>
+          </a:lstStyle>
+          <a:p>
+            <a:pPr lvl="0"/>
+            <a:r>
+              <a:rPr lang="es-ES"/>
+              <a:t>Editar los estilos de texto del patrón</a:t>
+            </a:r>
+          </a:p>
+        </p:txBody>
+      </p:sp>
+      <p:sp>
+        <p:nvSpPr>
+          <p:cNvPr id="11" name="Text Placeholder 4"/>
+          <p:cNvSpPr>
+            <a:spLocks noGrp="1"/>
+          </p:cNvSpPr>
+          <p:nvPr>
+            <p:ph type="body" sz="quarter" idx="13"/>
+          </p:nvPr>
+        </p:nvSpPr>
+        <p:spPr>
+          <a:xfrm>
+            <a:off x="7973298" y="2367093"/>
+            <a:ext cx="3304928" cy="576262"/>
+          </a:xfrm>
+        </p:spPr>
+        <p:txBody>
+          <a:bodyPr anchor="b">
+            <a:noAutofit/>
+          </a:bodyPr>
+          <a:lstStyle>
+            <a:lvl1pPr marL="0" indent="0" algn="ctr">
+              <a:lnSpc>
+                <a:spcPct val="85000"/>
+              </a:lnSpc>
+              <a:buNone/>
+              <a:defRPr sz="2400" b="0">
+                <a:solidFill>
+                  <a:schemeClr val="tx1"/>
+                </a:solidFill>
+              </a:defRPr>
+            </a:lvl1pPr>
+            <a:lvl2pPr marL="457200" indent="0">
+              <a:buNone/>
+              <a:defRPr sz="2000" b="1"/>
+            </a:lvl2pPr>
+            <a:lvl3pPr marL="914400" indent="0">
+              <a:buNone/>
+              <a:defRPr sz="1800" b="1"/>
+            </a:lvl3pPr>
+            <a:lvl4pPr marL="1371600" indent="0">
+              <a:buNone/>
+              <a:defRPr sz="1600" b="1"/>
+            </a:lvl4pPr>
+            <a:lvl5pPr marL="1828800" indent="0">
+              <a:buNone/>
+              <a:defRPr sz="1600" b="1"/>
+            </a:lvl5pPr>
+            <a:lvl6pPr marL="2286000" indent="0">
+              <a:buNone/>
+              <a:defRPr sz="1600" b="1"/>
+            </a:lvl6pPr>
+            <a:lvl7pPr marL="2743200" indent="0">
+              <a:buNone/>
+              <a:defRPr sz="1600" b="1"/>
+            </a:lvl7pPr>
+            <a:lvl8pPr marL="3200400" indent="0">
+              <a:buNone/>
+              <a:defRPr sz="1600" b="1"/>
+            </a:lvl8pPr>
+            <a:lvl9pPr marL="3657600" indent="0">
+              <a:buNone/>
+              <a:defRPr sz="1600" b="1"/>
+            </a:lvl9pPr>
+          </a:lstStyle>
+          <a:p>
+            <a:pPr lvl="0"/>
+            <a:r>
+              <a:rPr lang="es-ES"/>
+              <a:t>Editar los estilos de texto del patrón</a:t>
+            </a:r>
+          </a:p>
+        </p:txBody>
+      </p:sp>
+      <p:sp>
+        <p:nvSpPr>
+          <p:cNvPr id="12" name="Text Placeholder 3"/>
+          <p:cNvSpPr>
+            <a:spLocks noGrp="1"/>
+          </p:cNvSpPr>
+          <p:nvPr>
+            <p:ph type="body" sz="half" idx="17"/>
+          </p:nvPr>
+        </p:nvSpPr>
+        <p:spPr>
+          <a:xfrm>
+            <a:off x="7973298" y="2943355"/>
+            <a:ext cx="3304928" cy="2847845"/>
+          </a:xfrm>
+        </p:spPr>
+        <p:txBody>
+          <a:bodyPr anchor="t">
+            <a:normAutofit/>
+          </a:bodyPr>
+          <a:lstStyle>
+            <a:lvl1pPr marL="0" indent="0" algn="ctr">
+              <a:buNone/>
+              <a:defRPr sz="1400"/>
+            </a:lvl1pPr>
+            <a:lvl2pPr marL="457200" indent="0">
+              <a:buNone/>
+              <a:defRPr sz="1200"/>
+            </a:lvl2pPr>
+            <a:lvl3pPr marL="914400" indent="0">
+              <a:buNone/>
+              <a:defRPr sz="1000"/>
+            </a:lvl3pPr>
+            <a:lvl4pPr marL="1371600" indent="0">
+              <a:buNone/>
+              <a:defRPr sz="900"/>
+            </a:lvl4pPr>
+            <a:lvl5pPr marL="1828800" indent="0">
+              <a:buNone/>
+              <a:defRPr sz="900"/>
+            </a:lvl5pPr>
+            <a:lvl6pPr marL="2286000" indent="0">
+              <a:buNone/>
+              <a:defRPr sz="900"/>
+            </a:lvl6pPr>
+            <a:lvl7pPr marL="2743200" indent="0">
+              <a:buNone/>
+              <a:defRPr sz="900"/>
+            </a:lvl7pPr>
+            <a:lvl8pPr marL="3200400" indent="0">
+              <a:buNone/>
+              <a:defRPr sz="900"/>
+            </a:lvl8pPr>
+            <a:lvl9pPr marL="3657600" indent="0">
+              <a:buNone/>
+              <a:defRPr sz="900"/>
+            </a:lvl9pPr>
+          </a:lstStyle>
+          <a:p>
+            <a:pPr lvl="0"/>
+            <a:r>
+              <a:rPr lang="es-ES"/>
+              <a:t>Editar los estilos de texto del patrón</a:t>
+            </a:r>
+          </a:p>
+        </p:txBody>
+      </p:sp>
+      <p:sp>
+        <p:nvSpPr>
+          <p:cNvPr id="3" name="Date Placeholder 2"/>
+          <p:cNvSpPr>
+            <a:spLocks noGrp="1"/>
+          </p:cNvSpPr>
+          <p:nvPr>
+            <p:ph type="dt" sz="half" idx="10"/>
+          </p:nvPr>
+        </p:nvSpPr>
+        <p:spPr/>
+        <p:txBody>
+          <a:bodyPr/>
+          <a:lstStyle/>
+          <a:p>
+            <a:fld id="{E5EE0B55-E20F-4275-9E02-1B7D173BE4D6}" type="datetimeFigureOut">
+              <a:rPr lang="es-ES" smtClean="0"/>
+              <a:t>24/06/2018</a:t>
+            </a:fld>
+            <a:endParaRPr lang="es-ES"/>
+          </a:p>
+        </p:txBody>
+      </p:sp>
+      <p:sp>
+        <p:nvSpPr>
+          <p:cNvPr id="4" name="Footer Placeholder 3"/>
+          <p:cNvSpPr>
+            <a:spLocks noGrp="1"/>
+          </p:cNvSpPr>
+          <p:nvPr>
+            <p:ph type="ftr" sz="quarter" idx="11"/>
+          </p:nvPr>
+        </p:nvSpPr>
+        <p:spPr/>
+        <p:txBody>
+          <a:bodyPr/>
+          <a:lstStyle/>
+          <a:p>
+            <a:endParaRPr lang="es-ES"/>
+          </a:p>
+        </p:txBody>
+      </p:sp>
+      <p:sp>
+        <p:nvSpPr>
+          <p:cNvPr id="5" name="Slide Number Placeholder 4"/>
+          <p:cNvSpPr>
+            <a:spLocks noGrp="1"/>
+          </p:cNvSpPr>
+          <p:nvPr>
+            <p:ph type="sldNum" sz="quarter" idx="12"/>
+          </p:nvPr>
+        </p:nvSpPr>
+        <p:spPr/>
+        <p:txBody>
+          <a:bodyPr/>
+          <a:lstStyle/>
+          <a:p>
+            <a:fld id="{C3DD02CD-FE90-4A7A-AB24-EEB232EC0F04}" type="slidenum">
+              <a:rPr lang="es-ES" smtClean="0"/>
+              <a:t>‹Nº›</a:t>
+            </a:fld>
+            <a:endParaRPr lang="es-ES"/>
+          </a:p>
+        </p:txBody>
+      </p:sp>
+    </p:spTree>
+    <p:extLst>
+      <p:ext uri="{BB962C8B-B14F-4D97-AF65-F5344CB8AC3E}">
+        <p14:creationId xmlns:p14="http://schemas.microsoft.com/office/powerpoint/2010/main" val="1235395541"/>
+      </p:ext>
+    </p:extLst>
+  </p:cSld>
+  <p:clrMapOvr>
+    <a:masterClrMapping/>
+  </p:clrMapOvr>
+</p:sldLayout>
+</file>
+
+<file path=ppt/slideLayouts/slideLayout15.xml><?xml version="1.0" encoding="utf-8"?>
+<p:sldLayout xmlns:a="http://schemas.openxmlformats.org/drawingml/2006/main" xmlns:r="http://schemas.openxmlformats.org/officeDocument/2006/relationships" xmlns:p="http://schemas.openxmlformats.org/presentationml/2006/main" preserve="1">
+  <p:cSld name="Columna de imagen 3">
+    <p:spTree>
+      <p:nvGrpSpPr>
+        <p:cNvPr id="1" name=""/>
+        <p:cNvGrpSpPr/>
+        <p:nvPr/>
+      </p:nvGrpSpPr>
+      <p:grpSpPr>
+        <a:xfrm>
+          <a:off x="0" y="0"/>
+          <a:ext cx="0" cy="0"/>
+          <a:chOff x="0" y="0"/>
+          <a:chExt cx="0" cy="0"/>
+        </a:xfrm>
+      </p:grpSpPr>
+      <p:pic>
+        <p:nvPicPr>
+          <p:cNvPr id="16" name="Picture 15" descr="Droplets-HD-Content-R1d.png"/>
+          <p:cNvPicPr>
+            <a:picLocks noChangeAspect="1"/>
+          </p:cNvPicPr>
+          <p:nvPr/>
+        </p:nvPicPr>
+        <p:blipFill>
+          <a:blip r:embed="rId2">
+            <a:extLst>
+              <a:ext uri="{28A0092B-C50C-407E-A947-70E740481C1C}">
+                <a14:useLocalDpi xmlns:a14="http://schemas.microsoft.com/office/drawing/2010/main" val="0"/>
+              </a:ext>
+            </a:extLst>
+          </a:blip>
+          <a:stretch>
+            <a:fillRect/>
+          </a:stretch>
+        </p:blipFill>
+        <p:spPr>
+          <a:xfrm>
+            <a:off x="0" y="0"/>
+            <a:ext cx="12192000" cy="6858000"/>
+          </a:xfrm>
+          <a:prstGeom prst="rect">
+            <a:avLst/>
+          </a:prstGeom>
+        </p:spPr>
+      </p:pic>
+      <p:sp>
+        <p:nvSpPr>
+          <p:cNvPr id="30" name="Title 1"/>
+          <p:cNvSpPr>
+            <a:spLocks noGrp="1"/>
+          </p:cNvSpPr>
+          <p:nvPr>
+            <p:ph type="title"/>
+          </p:nvPr>
+        </p:nvSpPr>
+        <p:spPr>
+          <a:xfrm>
+            <a:off x="913774" y="610772"/>
+            <a:ext cx="10364452" cy="1603922"/>
+          </a:xfrm>
+        </p:spPr>
+        <p:txBody>
+          <a:bodyPr/>
+          <a:lstStyle/>
+          <a:p>
+            <a:r>
+              <a:rPr lang="es-ES"/>
+              <a:t>Haga clic para modificar el estilo de título del patrón</a:t>
+            </a:r>
+            <a:endParaRPr lang="en-US" dirty="0"/>
+          </a:p>
+        </p:txBody>
+      </p:sp>
+      <p:sp>
+        <p:nvSpPr>
+          <p:cNvPr id="19" name="Text Placeholder 2"/>
+          <p:cNvSpPr>
+            <a:spLocks noGrp="1"/>
+          </p:cNvSpPr>
+          <p:nvPr>
+            <p:ph type="body" idx="1"/>
+          </p:nvPr>
+        </p:nvSpPr>
+        <p:spPr>
+          <a:xfrm>
+            <a:off x="913774" y="4204820"/>
+            <a:ext cx="3296409" cy="576262"/>
+          </a:xfrm>
+        </p:spPr>
+        <p:txBody>
+          <a:bodyPr anchor="b">
+            <a:noAutofit/>
+          </a:bodyPr>
+          <a:lstStyle>
+            <a:lvl1pPr marL="0" indent="0" algn="ctr">
+              <a:lnSpc>
+                <a:spcPct val="85000"/>
+              </a:lnSpc>
+              <a:buNone/>
+              <a:defRPr sz="2200" b="0">
+                <a:solidFill>
+                  <a:schemeClr val="tx1"/>
+                </a:solidFill>
+              </a:defRPr>
+            </a:lvl1pPr>
+            <a:lvl2pPr marL="457200" indent="0">
+              <a:buNone/>
+              <a:defRPr sz="2000" b="1"/>
+            </a:lvl2pPr>
+            <a:lvl3pPr marL="914400" indent="0">
+              <a:buNone/>
+              <a:defRPr sz="1800" b="1"/>
+            </a:lvl3pPr>
+            <a:lvl4pPr marL="1371600" indent="0">
+              <a:buNone/>
+              <a:defRPr sz="1600" b="1"/>
+            </a:lvl4pPr>
+            <a:lvl5pPr marL="1828800" indent="0">
+              <a:buNone/>
+              <a:defRPr sz="1600" b="1"/>
+            </a:lvl5pPr>
+            <a:lvl6pPr marL="2286000" indent="0">
+              <a:buNone/>
+              <a:defRPr sz="1600" b="1"/>
+            </a:lvl6pPr>
+            <a:lvl7pPr marL="2743200" indent="0">
+              <a:buNone/>
+              <a:defRPr sz="1600" b="1"/>
+            </a:lvl7pPr>
+            <a:lvl8pPr marL="3200400" indent="0">
+              <a:buNone/>
+              <a:defRPr sz="1600" b="1"/>
+            </a:lvl8pPr>
+            <a:lvl9pPr marL="3657600" indent="0">
+              <a:buNone/>
+              <a:defRPr sz="1600" b="1"/>
+            </a:lvl9pPr>
+          </a:lstStyle>
+          <a:p>
+            <a:pPr lvl="0"/>
+            <a:r>
+              <a:rPr lang="es-ES"/>
+              <a:t>Editar los estilos de texto del patrón</a:t>
+            </a:r>
+          </a:p>
+        </p:txBody>
+      </p:sp>
+      <p:sp>
+        <p:nvSpPr>
+          <p:cNvPr id="20" name="Picture Placeholder 2"/>
+          <p:cNvSpPr>
+            <a:spLocks noGrp="1" noChangeAspect="1"/>
+          </p:cNvSpPr>
+          <p:nvPr>
+            <p:ph type="pic" idx="15"/>
+          </p:nvPr>
+        </p:nvSpPr>
+        <p:spPr>
+          <a:xfrm>
+            <a:off x="913774" y="2367093"/>
+            <a:ext cx="3296409" cy="1524000"/>
+          </a:xfrm>
+          <a:prstGeom prst="roundRect">
+            <a:avLst>
+              <a:gd name="adj" fmla="val 9363"/>
+            </a:avLst>
+          </a:prstGeom>
+          <a:noFill/>
+          <a:ln w="82550" cap="sq">
+            <a:solidFill>
+              <a:schemeClr val="bg2">
+                <a:lumMod val="60000"/>
+                <a:lumOff val="40000"/>
+              </a:schemeClr>
+            </a:solidFill>
+            <a:miter lim="800000"/>
+          </a:ln>
+          <a:effectLst/>
+          <a:scene3d>
+            <a:camera prst="orthographicFront"/>
+            <a:lightRig rig="threePt" dir="t">
+              <a:rot lat="0" lon="0" rev="2700000"/>
+            </a:lightRig>
+          </a:scene3d>
+          <a:sp3d contourW="6350">
+            <a:bevelT h="38100"/>
+            <a:contourClr>
+              <a:srgbClr val="C0C0C0"/>
+            </a:contourClr>
+          </a:sp3d>
+        </p:spPr>
+        <p:txBody>
+          <a:bodyPr anchor="t">
+            <a:normAutofit/>
+          </a:bodyPr>
+          <a:lstStyle>
+            <a:lvl1pPr marL="0" indent="0" algn="ctr">
+              <a:buNone/>
+              <a:defRPr sz="1600"/>
+            </a:lvl1pPr>
+            <a:lvl2pPr marL="457200" indent="0">
+              <a:buNone/>
+              <a:defRPr sz="1600"/>
+            </a:lvl2pPr>
+            <a:lvl3pPr marL="914400" indent="0">
+              <a:buNone/>
+              <a:defRPr sz="1600"/>
+            </a:lvl3pPr>
+            <a:lvl4pPr marL="1371600" indent="0">
+              <a:buNone/>
+              <a:defRPr sz="1600"/>
+            </a:lvl4pPr>
+            <a:lvl5pPr marL="1828800" indent="0">
+              <a:buNone/>
+              <a:defRPr sz="1600"/>
+            </a:lvl5pPr>
+            <a:lvl6pPr marL="2286000" indent="0">
+              <a:buNone/>
+              <a:defRPr sz="1600"/>
+            </a:lvl6pPr>
+            <a:lvl7pPr marL="2743200" indent="0">
+              <a:buNone/>
+              <a:defRPr sz="1600"/>
+            </a:lvl7pPr>
+            <a:lvl8pPr marL="3200400" indent="0">
+              <a:buNone/>
+              <a:defRPr sz="1600"/>
+            </a:lvl8pPr>
+            <a:lvl9pPr marL="3657600" indent="0">
+              <a:buNone/>
+              <a:defRPr sz="1600"/>
+            </a:lvl9pPr>
+          </a:lstStyle>
+          <a:p>
+            <a:r>
+              <a:rPr lang="es-ES"/>
+              <a:t>Haga clic en el icono para agregar una imagen</a:t>
+            </a:r>
+            <a:endParaRPr lang="en-US" dirty="0"/>
+          </a:p>
+        </p:txBody>
+      </p:sp>
+      <p:sp>
+        <p:nvSpPr>
+          <p:cNvPr id="21" name="Text Placeholder 3"/>
+          <p:cNvSpPr>
+            <a:spLocks noGrp="1"/>
+          </p:cNvSpPr>
+          <p:nvPr>
+            <p:ph type="body" sz="half" idx="18"/>
+          </p:nvPr>
+        </p:nvSpPr>
+        <p:spPr>
+          <a:xfrm>
+            <a:off x="913774" y="4781082"/>
+            <a:ext cx="3296409" cy="1010118"/>
+          </a:xfrm>
+        </p:spPr>
+        <p:txBody>
+          <a:bodyPr anchor="t">
+            <a:normAutofit/>
+          </a:bodyPr>
+          <a:lstStyle>
+            <a:lvl1pPr marL="0" indent="0" algn="ctr">
+              <a:buNone/>
+              <a:defRPr sz="1400"/>
+            </a:lvl1pPr>
+            <a:lvl2pPr marL="457200" indent="0">
+              <a:buNone/>
+              <a:defRPr sz="1200"/>
+            </a:lvl2pPr>
+            <a:lvl3pPr marL="914400" indent="0">
+              <a:buNone/>
+              <a:defRPr sz="1000"/>
+            </a:lvl3pPr>
+            <a:lvl4pPr marL="1371600" indent="0">
+              <a:buNone/>
+              <a:defRPr sz="900"/>
+            </a:lvl4pPr>
+            <a:lvl5pPr marL="1828800" indent="0">
+              <a:buNone/>
+              <a:defRPr sz="900"/>
+            </a:lvl5pPr>
+            <a:lvl6pPr marL="2286000" indent="0">
+              <a:buNone/>
+              <a:defRPr sz="900"/>
+            </a:lvl6pPr>
+            <a:lvl7pPr marL="2743200" indent="0">
+              <a:buNone/>
+              <a:defRPr sz="900"/>
+            </a:lvl7pPr>
+            <a:lvl8pPr marL="3200400" indent="0">
+              <a:buNone/>
+              <a:defRPr sz="900"/>
+            </a:lvl8pPr>
+            <a:lvl9pPr marL="3657600" indent="0">
+              <a:buNone/>
+              <a:defRPr sz="900"/>
+            </a:lvl9pPr>
+          </a:lstStyle>
+          <a:p>
+            <a:pPr lvl="0"/>
+            <a:r>
+              <a:rPr lang="es-ES"/>
+              <a:t>Editar los estilos de texto del patrón</a:t>
+            </a:r>
+          </a:p>
+        </p:txBody>
+      </p:sp>
+      <p:sp>
+        <p:nvSpPr>
+          <p:cNvPr id="22" name="Text Placeholder 4"/>
+          <p:cNvSpPr>
+            <a:spLocks noGrp="1"/>
+          </p:cNvSpPr>
+          <p:nvPr>
+            <p:ph type="body" sz="quarter" idx="3"/>
+          </p:nvPr>
+        </p:nvSpPr>
+        <p:spPr>
+          <a:xfrm>
+            <a:off x="4442759" y="4204820"/>
+            <a:ext cx="3301828" cy="576262"/>
+          </a:xfrm>
+        </p:spPr>
+        <p:txBody>
+          <a:bodyPr anchor="b">
+            <a:noAutofit/>
+          </a:bodyPr>
+          <a:lstStyle>
+            <a:lvl1pPr marL="0" indent="0" algn="ctr">
+              <a:lnSpc>
+                <a:spcPct val="85000"/>
+              </a:lnSpc>
+              <a:buNone/>
+              <a:defRPr sz="2200" b="0">
+                <a:solidFill>
+                  <a:schemeClr val="tx1"/>
+                </a:solidFill>
+              </a:defRPr>
+            </a:lvl1pPr>
+            <a:lvl2pPr marL="457200" indent="0">
+              <a:buNone/>
+              <a:defRPr sz="2000" b="1"/>
+            </a:lvl2pPr>
+            <a:lvl3pPr marL="914400" indent="0">
+              <a:buNone/>
+              <a:defRPr sz="1800" b="1"/>
+            </a:lvl3pPr>
+            <a:lvl4pPr marL="1371600" indent="0">
+              <a:buNone/>
+              <a:defRPr sz="1600" b="1"/>
+            </a:lvl4pPr>
+            <a:lvl5pPr marL="1828800" indent="0">
+              <a:buNone/>
+              <a:defRPr sz="1600" b="1"/>
+            </a:lvl5pPr>
+            <a:lvl6pPr marL="2286000" indent="0">
+              <a:buNone/>
+              <a:defRPr sz="1600" b="1"/>
+            </a:lvl6pPr>
+            <a:lvl7pPr marL="2743200" indent="0">
+              <a:buNone/>
+              <a:defRPr sz="1600" b="1"/>
+            </a:lvl7pPr>
+            <a:lvl8pPr marL="3200400" indent="0">
+              <a:buNone/>
+              <a:defRPr sz="1600" b="1"/>
+            </a:lvl8pPr>
+            <a:lvl9pPr marL="3657600" indent="0">
+              <a:buNone/>
+              <a:defRPr sz="1600" b="1"/>
+            </a:lvl9pPr>
+          </a:lstStyle>
+          <a:p>
+            <a:pPr lvl="0"/>
+            <a:r>
+              <a:rPr lang="es-ES"/>
+              <a:t>Editar los estilos de texto del patrón</a:t>
+            </a:r>
+          </a:p>
+        </p:txBody>
+      </p:sp>
+      <p:sp>
+        <p:nvSpPr>
+          <p:cNvPr id="23" name="Picture Placeholder 2"/>
+          <p:cNvSpPr>
+            <a:spLocks noGrp="1" noChangeAspect="1"/>
+          </p:cNvSpPr>
+          <p:nvPr>
+            <p:ph type="pic" idx="21"/>
+          </p:nvPr>
+        </p:nvSpPr>
+        <p:spPr>
+          <a:xfrm>
+            <a:off x="4441348" y="2367093"/>
+            <a:ext cx="3303352" cy="1524000"/>
+          </a:xfrm>
+          <a:prstGeom prst="roundRect">
+            <a:avLst>
+              <a:gd name="adj" fmla="val 8841"/>
+            </a:avLst>
+          </a:prstGeom>
+          <a:noFill/>
+          <a:ln w="82550" cap="sq">
+            <a:solidFill>
+              <a:schemeClr val="bg2">
+                <a:lumMod val="60000"/>
+                <a:lumOff val="40000"/>
+              </a:schemeClr>
+            </a:solidFill>
+            <a:miter lim="800000"/>
+          </a:ln>
+          <a:effectLst/>
+          <a:scene3d>
+            <a:camera prst="orthographicFront"/>
+            <a:lightRig rig="threePt" dir="t">
+              <a:rot lat="0" lon="0" rev="2700000"/>
+            </a:lightRig>
+          </a:scene3d>
+          <a:sp3d contourW="6350">
+            <a:bevelT h="38100"/>
+            <a:contourClr>
+              <a:srgbClr val="C0C0C0"/>
+            </a:contourClr>
+          </a:sp3d>
+        </p:spPr>
+        <p:txBody>
+          <a:bodyPr anchor="t">
+            <a:normAutofit/>
+          </a:bodyPr>
+          <a:lstStyle>
+            <a:lvl1pPr marL="0" indent="0" algn="ctr">
+              <a:buNone/>
+              <a:defRPr sz="1600"/>
+            </a:lvl1pPr>
+            <a:lvl2pPr marL="457200" indent="0">
+              <a:buNone/>
+              <a:defRPr sz="1600"/>
+            </a:lvl2pPr>
+            <a:lvl3pPr marL="914400" indent="0">
+              <a:buNone/>
+              <a:defRPr sz="1600"/>
+            </a:lvl3pPr>
+            <a:lvl4pPr marL="1371600" indent="0">
+              <a:buNone/>
+              <a:defRPr sz="1600"/>
+            </a:lvl4pPr>
+            <a:lvl5pPr marL="1828800" indent="0">
+              <a:buNone/>
+              <a:defRPr sz="1600"/>
+            </a:lvl5pPr>
+            <a:lvl6pPr marL="2286000" indent="0">
+              <a:buNone/>
+              <a:defRPr sz="1600"/>
+            </a:lvl6pPr>
+            <a:lvl7pPr marL="2743200" indent="0">
+              <a:buNone/>
+              <a:defRPr sz="1600"/>
+            </a:lvl7pPr>
+            <a:lvl8pPr marL="3200400" indent="0">
+              <a:buNone/>
+              <a:defRPr sz="1600"/>
+            </a:lvl8pPr>
+            <a:lvl9pPr marL="3657600" indent="0">
+              <a:buNone/>
+              <a:defRPr sz="1600"/>
+            </a:lvl9pPr>
+          </a:lstStyle>
+          <a:p>
+            <a:r>
+              <a:rPr lang="es-ES"/>
+              <a:t>Haga clic en el icono para agregar una imagen</a:t>
+            </a:r>
+            <a:endParaRPr lang="en-US" dirty="0"/>
+          </a:p>
+        </p:txBody>
+      </p:sp>
+      <p:sp>
+        <p:nvSpPr>
+          <p:cNvPr id="24" name="Text Placeholder 3"/>
+          <p:cNvSpPr>
+            <a:spLocks noGrp="1"/>
+          </p:cNvSpPr>
+          <p:nvPr>
+            <p:ph type="body" sz="half" idx="19"/>
+          </p:nvPr>
+        </p:nvSpPr>
+        <p:spPr>
+          <a:xfrm>
+            <a:off x="4441348" y="4781080"/>
+            <a:ext cx="3303352" cy="1010119"/>
+          </a:xfrm>
+        </p:spPr>
+        <p:txBody>
+          <a:bodyPr anchor="t">
+            <a:normAutofit/>
+          </a:bodyPr>
+          <a:lstStyle>
+            <a:lvl1pPr marL="0" indent="0" algn="ctr">
+              <a:buNone/>
+              <a:defRPr sz="1400"/>
+            </a:lvl1pPr>
+            <a:lvl2pPr marL="457200" indent="0">
+              <a:buNone/>
+              <a:defRPr sz="1200"/>
+            </a:lvl2pPr>
+            <a:lvl3pPr marL="914400" indent="0">
+              <a:buNone/>
+              <a:defRPr sz="1000"/>
+            </a:lvl3pPr>
+            <a:lvl4pPr marL="1371600" indent="0">
+              <a:buNone/>
+              <a:defRPr sz="900"/>
+            </a:lvl4pPr>
+            <a:lvl5pPr marL="1828800" indent="0">
+              <a:buNone/>
+              <a:defRPr sz="900"/>
+            </a:lvl5pPr>
+            <a:lvl6pPr marL="2286000" indent="0">
+              <a:buNone/>
+              <a:defRPr sz="900"/>
+            </a:lvl6pPr>
+            <a:lvl7pPr marL="2743200" indent="0">
+              <a:buNone/>
+              <a:defRPr sz="900"/>
+            </a:lvl7pPr>
+            <a:lvl8pPr marL="3200400" indent="0">
+              <a:buNone/>
+              <a:defRPr sz="900"/>
+            </a:lvl8pPr>
+            <a:lvl9pPr marL="3657600" indent="0">
+              <a:buNone/>
+              <a:defRPr sz="900"/>
+            </a:lvl9pPr>
+          </a:lstStyle>
+          <a:p>
+            <a:pPr lvl="0"/>
+            <a:r>
+              <a:rPr lang="es-ES"/>
+              <a:t>Editar los estilos de texto del patrón</a:t>
+            </a:r>
+          </a:p>
+        </p:txBody>
+      </p:sp>
+      <p:sp>
+        <p:nvSpPr>
+          <p:cNvPr id="25" name="Text Placeholder 4"/>
+          <p:cNvSpPr>
+            <a:spLocks noGrp="1"/>
+          </p:cNvSpPr>
+          <p:nvPr>
+            <p:ph type="body" sz="quarter" idx="13"/>
+          </p:nvPr>
+        </p:nvSpPr>
+        <p:spPr>
+          <a:xfrm>
+            <a:off x="7973298" y="4204820"/>
+            <a:ext cx="3300681" cy="576262"/>
+          </a:xfrm>
+        </p:spPr>
+        <p:txBody>
+          <a:bodyPr anchor="b">
+            <a:noAutofit/>
+          </a:bodyPr>
+          <a:lstStyle>
+            <a:lvl1pPr marL="0" indent="0" algn="ctr">
+              <a:lnSpc>
+                <a:spcPct val="85000"/>
+              </a:lnSpc>
+              <a:buNone/>
+              <a:defRPr sz="2200" b="0">
+                <a:solidFill>
+                  <a:schemeClr val="tx1"/>
+                </a:solidFill>
+              </a:defRPr>
+            </a:lvl1pPr>
+            <a:lvl2pPr marL="457200" indent="0">
+              <a:buNone/>
+              <a:defRPr sz="2000" b="1"/>
+            </a:lvl2pPr>
+            <a:lvl3pPr marL="914400" indent="0">
+              <a:buNone/>
+              <a:defRPr sz="1800" b="1"/>
+            </a:lvl3pPr>
+            <a:lvl4pPr marL="1371600" indent="0">
+              <a:buNone/>
+              <a:defRPr sz="1600" b="1"/>
+            </a:lvl4pPr>
+            <a:lvl5pPr marL="1828800" indent="0">
+              <a:buNone/>
+              <a:defRPr sz="1600" b="1"/>
+            </a:lvl5pPr>
+            <a:lvl6pPr marL="2286000" indent="0">
+              <a:buNone/>
+              <a:defRPr sz="1600" b="1"/>
+            </a:lvl6pPr>
+            <a:lvl7pPr marL="2743200" indent="0">
+              <a:buNone/>
+              <a:defRPr sz="1600" b="1"/>
+            </a:lvl7pPr>
+            <a:lvl8pPr marL="3200400" indent="0">
+              <a:buNone/>
+              <a:defRPr sz="1600" b="1"/>
+            </a:lvl8pPr>
+            <a:lvl9pPr marL="3657600" indent="0">
+              <a:buNone/>
+              <a:defRPr sz="1600" b="1"/>
+            </a:lvl9pPr>
+          </a:lstStyle>
+          <a:p>
+            <a:pPr lvl="0"/>
+            <a:r>
+              <a:rPr lang="es-ES"/>
+              <a:t>Editar los estilos de texto del patrón</a:t>
+            </a:r>
+          </a:p>
+        </p:txBody>
+      </p:sp>
+      <p:sp>
+        <p:nvSpPr>
+          <p:cNvPr id="26" name="Picture Placeholder 2"/>
+          <p:cNvSpPr>
+            <a:spLocks noGrp="1" noChangeAspect="1"/>
+          </p:cNvSpPr>
+          <p:nvPr>
+            <p:ph type="pic" idx="22"/>
+          </p:nvPr>
+        </p:nvSpPr>
+        <p:spPr>
+          <a:xfrm>
+            <a:off x="7973298" y="2367093"/>
+            <a:ext cx="3304928" cy="1524000"/>
+          </a:xfrm>
+          <a:prstGeom prst="roundRect">
+            <a:avLst>
+              <a:gd name="adj" fmla="val 8841"/>
+            </a:avLst>
+          </a:prstGeom>
+          <a:noFill/>
+          <a:ln w="82550" cap="sq">
+            <a:solidFill>
+              <a:schemeClr val="bg2">
+                <a:lumMod val="60000"/>
+                <a:lumOff val="40000"/>
+              </a:schemeClr>
+            </a:solidFill>
+            <a:miter lim="800000"/>
+          </a:ln>
+          <a:effectLst/>
+          <a:scene3d>
+            <a:camera prst="orthographicFront"/>
+            <a:lightRig rig="threePt" dir="t">
+              <a:rot lat="0" lon="0" rev="2700000"/>
+            </a:lightRig>
+          </a:scene3d>
+          <a:sp3d contourW="6350">
+            <a:bevelT h="38100"/>
+            <a:contourClr>
+              <a:srgbClr val="C0C0C0"/>
+            </a:contourClr>
+          </a:sp3d>
+        </p:spPr>
+        <p:txBody>
+          <a:bodyPr anchor="t">
+            <a:normAutofit/>
+          </a:bodyPr>
+          <a:lstStyle>
+            <a:lvl1pPr marL="0" indent="0" algn="ctr">
+              <a:buNone/>
+              <a:defRPr sz="1600"/>
+            </a:lvl1pPr>
+            <a:lvl2pPr marL="457200" indent="0">
+              <a:buNone/>
+              <a:defRPr sz="1600"/>
+            </a:lvl2pPr>
+            <a:lvl3pPr marL="914400" indent="0">
+              <a:buNone/>
+              <a:defRPr sz="1600"/>
+            </a:lvl3pPr>
+            <a:lvl4pPr marL="1371600" indent="0">
+              <a:buNone/>
+              <a:defRPr sz="1600"/>
+            </a:lvl4pPr>
+            <a:lvl5pPr marL="1828800" indent="0">
+              <a:buNone/>
+              <a:defRPr sz="1600"/>
+            </a:lvl5pPr>
+            <a:lvl6pPr marL="2286000" indent="0">
+              <a:buNone/>
+              <a:defRPr sz="1600"/>
+            </a:lvl6pPr>
+            <a:lvl7pPr marL="2743200" indent="0">
+              <a:buNone/>
+              <a:defRPr sz="1600"/>
+            </a:lvl7pPr>
+            <a:lvl8pPr marL="3200400" indent="0">
+              <a:buNone/>
+              <a:defRPr sz="1600"/>
+            </a:lvl8pPr>
+            <a:lvl9pPr marL="3657600" indent="0">
+              <a:buNone/>
+              <a:defRPr sz="1600"/>
+            </a:lvl9pPr>
+          </a:lstStyle>
+          <a:p>
+            <a:r>
+              <a:rPr lang="es-ES"/>
+              <a:t>Haga clic en el icono para agregar una imagen</a:t>
+            </a:r>
+            <a:endParaRPr lang="en-US" dirty="0"/>
+          </a:p>
+        </p:txBody>
+      </p:sp>
+      <p:sp>
+        <p:nvSpPr>
+          <p:cNvPr id="27" name="Text Placeholder 3"/>
+          <p:cNvSpPr>
+            <a:spLocks noGrp="1"/>
+          </p:cNvSpPr>
+          <p:nvPr>
+            <p:ph type="body" sz="half" idx="20"/>
+          </p:nvPr>
+        </p:nvSpPr>
+        <p:spPr>
+          <a:xfrm>
+            <a:off x="7973173" y="4781078"/>
+            <a:ext cx="3305053" cy="1010121"/>
+          </a:xfrm>
+        </p:spPr>
+        <p:txBody>
+          <a:bodyPr anchor="t">
+            <a:normAutofit/>
+          </a:bodyPr>
+          <a:lstStyle>
+            <a:lvl1pPr marL="0" indent="0" algn="ctr">
+              <a:buNone/>
+              <a:defRPr sz="1400"/>
+            </a:lvl1pPr>
+            <a:lvl2pPr marL="457200" indent="0">
+              <a:buNone/>
+              <a:defRPr sz="1200"/>
+            </a:lvl2pPr>
+            <a:lvl3pPr marL="914400" indent="0">
+              <a:buNone/>
+              <a:defRPr sz="1000"/>
+            </a:lvl3pPr>
+            <a:lvl4pPr marL="1371600" indent="0">
+              <a:buNone/>
+              <a:defRPr sz="900"/>
+            </a:lvl4pPr>
+            <a:lvl5pPr marL="1828800" indent="0">
+              <a:buNone/>
+              <a:defRPr sz="900"/>
+            </a:lvl5pPr>
+            <a:lvl6pPr marL="2286000" indent="0">
+              <a:buNone/>
+              <a:defRPr sz="900"/>
+            </a:lvl6pPr>
+            <a:lvl7pPr marL="2743200" indent="0">
+              <a:buNone/>
+              <a:defRPr sz="900"/>
+            </a:lvl7pPr>
+            <a:lvl8pPr marL="3200400" indent="0">
+              <a:buNone/>
+              <a:defRPr sz="900"/>
+            </a:lvl8pPr>
+            <a:lvl9pPr marL="3657600" indent="0">
+              <a:buNone/>
+              <a:defRPr sz="900"/>
+            </a:lvl9pPr>
+          </a:lstStyle>
+          <a:p>
+            <a:pPr lvl="0"/>
+            <a:r>
+              <a:rPr lang="es-ES"/>
+              <a:t>Editar los estilos de texto del patrón</a:t>
+            </a:r>
+          </a:p>
+        </p:txBody>
+      </p:sp>
+      <p:sp>
+        <p:nvSpPr>
+          <p:cNvPr id="3" name="Date Placeholder 2"/>
+          <p:cNvSpPr>
+            <a:spLocks noGrp="1"/>
+          </p:cNvSpPr>
+          <p:nvPr>
+            <p:ph type="dt" sz="half" idx="10"/>
+          </p:nvPr>
+        </p:nvSpPr>
+        <p:spPr/>
+        <p:txBody>
+          <a:bodyPr/>
+          <a:lstStyle/>
+          <a:p>
+            <a:fld id="{E5EE0B55-E20F-4275-9E02-1B7D173BE4D6}" type="datetimeFigureOut">
+              <a:rPr lang="es-ES" smtClean="0"/>
+              <a:t>24/06/2018</a:t>
+            </a:fld>
+            <a:endParaRPr lang="es-ES"/>
+          </a:p>
+        </p:txBody>
+      </p:sp>
+      <p:sp>
+        <p:nvSpPr>
+          <p:cNvPr id="4" name="Footer Placeholder 3"/>
+          <p:cNvSpPr>
+            <a:spLocks noGrp="1"/>
+          </p:cNvSpPr>
+          <p:nvPr>
+            <p:ph type="ftr" sz="quarter" idx="11"/>
+          </p:nvPr>
+        </p:nvSpPr>
+        <p:spPr/>
+        <p:txBody>
+          <a:bodyPr/>
+          <a:lstStyle/>
+          <a:p>
+            <a:endParaRPr lang="es-ES"/>
+          </a:p>
+        </p:txBody>
+      </p:sp>
+      <p:sp>
+        <p:nvSpPr>
+          <p:cNvPr id="5" name="Slide Number Placeholder 4"/>
+          <p:cNvSpPr>
+            <a:spLocks noGrp="1"/>
+          </p:cNvSpPr>
+          <p:nvPr>
+            <p:ph type="sldNum" sz="quarter" idx="12"/>
+          </p:nvPr>
+        </p:nvSpPr>
+        <p:spPr/>
+        <p:txBody>
+          <a:bodyPr/>
+          <a:lstStyle/>
+          <a:p>
+            <a:fld id="{C3DD02CD-FE90-4A7A-AB24-EEB232EC0F04}" type="slidenum">
+              <a:rPr lang="es-ES" smtClean="0"/>
+              <a:t>‹Nº›</a:t>
+            </a:fld>
+            <a:endParaRPr lang="es-ES"/>
+          </a:p>
+        </p:txBody>
+      </p:sp>
+    </p:spTree>
+    <p:extLst>
+      <p:ext uri="{BB962C8B-B14F-4D97-AF65-F5344CB8AC3E}">
+        <p14:creationId xmlns:p14="http://schemas.microsoft.com/office/powerpoint/2010/main" val="3850524994"/>
+      </p:ext>
+    </p:extLst>
+  </p:cSld>
+  <p:clrMapOvr>
+    <a:masterClrMapping/>
+  </p:clrMapOvr>
+</p:sldLayout>
+</file>
+
+<file path=ppt/slideLayouts/slideLayout16.xml><?xml version="1.0" encoding="utf-8"?>
 <p:sldLayout xmlns:a="http://schemas.openxmlformats.org/drawingml/2006/main" xmlns:r="http://schemas.openxmlformats.org/officeDocument/2006/relationships" xmlns:p="http://schemas.openxmlformats.org/presentationml/2006/main" type="vertTx" preserve="1">
   <p:cSld name="Título y texto vertical">
     <p:spTree>
@@ -344,15 +3081,39 @@
           <a:chExt cx="0" cy="0"/>
         </a:xfrm>
       </p:grpSpPr>
-      <p:sp>
-        <p:nvSpPr>
-          <p:cNvPr id="2" name="Título 1">
+      <p:pic>
+        <p:nvPicPr>
+          <p:cNvPr id="8" name="Picture 7" descr="Droplets-HD-Content-R1d.png"/>
+          <p:cNvPicPr>
+            <a:picLocks noChangeAspect="1"/>
+          </p:cNvPicPr>
+          <p:nvPr/>
+        </p:nvPicPr>
+        <p:blipFill>
+          <a:blip r:embed="rId2">
             <a:extLst>
-              <a:ext uri="{FF2B5EF4-FFF2-40B4-BE49-F238E27FC236}">
-                <a16:creationId xmlns:a16="http://schemas.microsoft.com/office/drawing/2014/main" id="{4798979A-433C-4087-BFC5-6273EDCAFF94}"/>
+              <a:ext uri="{28A0092B-C50C-407E-A947-70E740481C1C}">
+                <a14:useLocalDpi xmlns:a14="http://schemas.microsoft.com/office/drawing/2010/main" val="0"/>
               </a:ext>
             </a:extLst>
-          </p:cNvPr>
+          </a:blip>
+          <a:stretch>
+            <a:fillRect/>
+          </a:stretch>
+        </p:blipFill>
+        <p:spPr>
+          <a:xfrm>
+            <a:off x="0" y="0"/>
+            <a:ext cx="12192000" cy="6858000"/>
+          </a:xfrm>
+          <a:prstGeom prst="rect">
+            <a:avLst/>
+          </a:prstGeom>
+        </p:spPr>
+      </p:pic>
+      <p:sp>
+        <p:nvSpPr>
+          <p:cNvPr id="2" name="Title 1"/>
           <p:cNvSpPr>
             <a:spLocks noGrp="1"/>
           </p:cNvSpPr>
@@ -369,26 +3130,26 @@
               <a:rPr lang="es-ES"/>
               <a:t>Haga clic para modificar el estilo de título del patrón</a:t>
             </a:r>
-          </a:p>
-        </p:txBody>
-      </p:sp>
-      <p:sp>
-        <p:nvSpPr>
-          <p:cNvPr id="3" name="Marcador de texto vertical 2">
-            <a:extLst>
-              <a:ext uri="{FF2B5EF4-FFF2-40B4-BE49-F238E27FC236}">
-                <a16:creationId xmlns:a16="http://schemas.microsoft.com/office/drawing/2014/main" id="{857F0B8D-9E6C-4D3F-B596-98CDC778D59D}"/>
-              </a:ext>
-            </a:extLst>
-          </p:cNvPr>
-          <p:cNvSpPr>
-            <a:spLocks noGrp="1"/>
-          </p:cNvSpPr>
-          <p:nvPr>
-            <p:ph type="body" orient="vert" idx="1"/>
-          </p:nvPr>
-        </p:nvSpPr>
-        <p:spPr/>
+            <a:endParaRPr lang="en-US" dirty="0"/>
+          </a:p>
+        </p:txBody>
+      </p:sp>
+      <p:sp>
+        <p:nvSpPr>
+          <p:cNvPr id="11" name="Vertical Text Placeholder 2"/>
+          <p:cNvSpPr>
+            <a:spLocks noGrp="1"/>
+          </p:cNvSpPr>
+          <p:nvPr>
+            <p:ph type="body" orient="vert" sz="quarter" idx="13"/>
+          </p:nvPr>
+        </p:nvSpPr>
+        <p:spPr>
+          <a:xfrm>
+            <a:off x="913775" y="2367093"/>
+            <a:ext cx="10364452" cy="3424107"/>
+          </a:xfrm>
+        </p:spPr>
         <p:txBody>
           <a:bodyPr vert="eaVert"/>
           <a:lstStyle/>
@@ -426,18 +3187,13 @@
               <a:rPr lang="es-ES"/>
               <a:t>Quinto nivel</a:t>
             </a:r>
-          </a:p>
-        </p:txBody>
-      </p:sp>
-      <p:sp>
-        <p:nvSpPr>
-          <p:cNvPr id="4" name="Marcador de fecha 3">
-            <a:extLst>
-              <a:ext uri="{FF2B5EF4-FFF2-40B4-BE49-F238E27FC236}">
-                <a16:creationId xmlns:a16="http://schemas.microsoft.com/office/drawing/2014/main" id="{0DB57008-CE29-49CA-BDB2-83CB15F8C00E}"/>
-              </a:ext>
-            </a:extLst>
-          </p:cNvPr>
+            <a:endParaRPr lang="en-US" dirty="0"/>
+          </a:p>
+        </p:txBody>
+      </p:sp>
+      <p:sp>
+        <p:nvSpPr>
+          <p:cNvPr id="4" name="Date Placeholder 3"/>
           <p:cNvSpPr>
             <a:spLocks noGrp="1"/>
           </p:cNvSpPr>
@@ -452,7 +3208,7 @@
           <a:p>
             <a:fld id="{E5EE0B55-E20F-4275-9E02-1B7D173BE4D6}" type="datetimeFigureOut">
               <a:rPr lang="es-ES" smtClean="0"/>
-              <a:t>22/06/2018</a:t>
+              <a:t>24/06/2018</a:t>
             </a:fld>
             <a:endParaRPr lang="es-ES"/>
           </a:p>
@@ -460,13 +3216,7 @@
       </p:sp>
       <p:sp>
         <p:nvSpPr>
-          <p:cNvPr id="5" name="Marcador de pie de página 4">
-            <a:extLst>
-              <a:ext uri="{FF2B5EF4-FFF2-40B4-BE49-F238E27FC236}">
-                <a16:creationId xmlns:a16="http://schemas.microsoft.com/office/drawing/2014/main" id="{5C557778-E919-4AC8-80E7-72ACFF8B9560}"/>
-              </a:ext>
-            </a:extLst>
-          </p:cNvPr>
+          <p:cNvPr id="5" name="Footer Placeholder 4"/>
           <p:cNvSpPr>
             <a:spLocks noGrp="1"/>
           </p:cNvSpPr>
@@ -485,13 +3235,7 @@
       </p:sp>
       <p:sp>
         <p:nvSpPr>
-          <p:cNvPr id="6" name="Marcador de número de diapositiva 5">
-            <a:extLst>
-              <a:ext uri="{FF2B5EF4-FFF2-40B4-BE49-F238E27FC236}">
-                <a16:creationId xmlns:a16="http://schemas.microsoft.com/office/drawing/2014/main" id="{2AB8207C-D5A1-4BBF-8F63-4214208CBFCB}"/>
-              </a:ext>
-            </a:extLst>
-          </p:cNvPr>
+          <p:cNvPr id="6" name="Slide Number Placeholder 5"/>
           <p:cNvSpPr>
             <a:spLocks noGrp="1"/>
           </p:cNvSpPr>
@@ -515,7 +3259,7 @@
     </p:spTree>
     <p:extLst>
       <p:ext uri="{BB962C8B-B14F-4D97-AF65-F5344CB8AC3E}">
-        <p14:creationId xmlns:p14="http://schemas.microsoft.com/office/powerpoint/2010/main" val="2653678883"/>
+        <p14:creationId xmlns:p14="http://schemas.microsoft.com/office/powerpoint/2010/main" val="3651238732"/>
       </p:ext>
     </p:extLst>
   </p:cSld>
@@ -525,7 +3269,7 @@
 </p:sldLayout>
 </file>
 
-<file path=ppt/slideLayouts/slideLayout11.xml><?xml version="1.0" encoding="utf-8"?>
+<file path=ppt/slideLayouts/slideLayout17.xml><?xml version="1.0" encoding="utf-8"?>
 <p:sldLayout xmlns:a="http://schemas.openxmlformats.org/drawingml/2006/main" xmlns:r="http://schemas.openxmlformats.org/officeDocument/2006/relationships" xmlns:p="http://schemas.openxmlformats.org/presentationml/2006/main" type="vertTitleAndTx" preserve="1">
   <p:cSld name="Título vertical y texto">
     <p:spTree>
@@ -542,15 +3286,39 @@
           <a:chExt cx="0" cy="0"/>
         </a:xfrm>
       </p:grpSpPr>
-      <p:sp>
-        <p:nvSpPr>
-          <p:cNvPr id="2" name="Título vertical 1">
+      <p:pic>
+        <p:nvPicPr>
+          <p:cNvPr id="9" name="Picture 8" descr="Droplets-HD-Content-R1d.png"/>
+          <p:cNvPicPr>
+            <a:picLocks noChangeAspect="1"/>
+          </p:cNvPicPr>
+          <p:nvPr/>
+        </p:nvPicPr>
+        <p:blipFill>
+          <a:blip r:embed="rId2">
             <a:extLst>
-              <a:ext uri="{FF2B5EF4-FFF2-40B4-BE49-F238E27FC236}">
-                <a16:creationId xmlns:a16="http://schemas.microsoft.com/office/drawing/2014/main" id="{30563E88-0B62-45BE-A5F7-5C7C45252E95}"/>
+              <a:ext uri="{28A0092B-C50C-407E-A947-70E740481C1C}">
+                <a14:useLocalDpi xmlns:a14="http://schemas.microsoft.com/office/drawing/2010/main" val="0"/>
               </a:ext>
             </a:extLst>
-          </p:cNvPr>
+          </a:blip>
+          <a:stretch>
+            <a:fillRect/>
+          </a:stretch>
+        </p:blipFill>
+        <p:spPr>
+          <a:xfrm>
+            <a:off x="0" y="0"/>
+            <a:ext cx="12192000" cy="6858000"/>
+          </a:xfrm>
+          <a:prstGeom prst="rect">
+            <a:avLst/>
+          </a:prstGeom>
+        </p:spPr>
+      </p:pic>
+      <p:sp>
+        <p:nvSpPr>
+          <p:cNvPr id="2" name="Vertical Title 1"/>
           <p:cNvSpPr>
             <a:spLocks noGrp="1"/>
           </p:cNvSpPr>
@@ -560,41 +3328,40 @@
         </p:nvSpPr>
         <p:spPr>
           <a:xfrm>
-            <a:off x="8724900" y="365125"/>
-            <a:ext cx="2628900" cy="5811838"/>
+            <a:off x="8724900" y="609601"/>
+            <a:ext cx="2553326" cy="5181599"/>
           </a:xfrm>
         </p:spPr>
         <p:txBody>
           <a:bodyPr vert="eaVert"/>
-          <a:lstStyle/>
+          <a:lstStyle>
+            <a:lvl1pPr algn="l">
+              <a:defRPr/>
+            </a:lvl1pPr>
+          </a:lstStyle>
           <a:p>
             <a:r>
               <a:rPr lang="es-ES"/>
               <a:t>Haga clic para modificar el estilo de título del patrón</a:t>
             </a:r>
-          </a:p>
-        </p:txBody>
-      </p:sp>
-      <p:sp>
-        <p:nvSpPr>
-          <p:cNvPr id="3" name="Marcador de texto vertical 2">
-            <a:extLst>
-              <a:ext uri="{FF2B5EF4-FFF2-40B4-BE49-F238E27FC236}">
-                <a16:creationId xmlns:a16="http://schemas.microsoft.com/office/drawing/2014/main" id="{65FB7846-7E18-47E6-B815-DB7C220E0A01}"/>
-              </a:ext>
-            </a:extLst>
-          </p:cNvPr>
-          <p:cNvSpPr>
-            <a:spLocks noGrp="1"/>
-          </p:cNvSpPr>
-          <p:nvPr>
-            <p:ph type="body" orient="vert" idx="1"/>
-          </p:nvPr>
-        </p:nvSpPr>
-        <p:spPr>
-          <a:xfrm>
-            <a:off x="838200" y="365125"/>
-            <a:ext cx="7734300" cy="5811838"/>
+            <a:endParaRPr lang="en-US" dirty="0"/>
+          </a:p>
+        </p:txBody>
+      </p:sp>
+      <p:sp>
+        <p:nvSpPr>
+          <p:cNvPr id="8" name="Vertical Text Placeholder 2"/>
+          <p:cNvSpPr>
+            <a:spLocks noGrp="1"/>
+          </p:cNvSpPr>
+          <p:nvPr>
+            <p:ph type="body" orient="vert" sz="quarter" idx="13"/>
+          </p:nvPr>
+        </p:nvSpPr>
+        <p:spPr>
+          <a:xfrm>
+            <a:off x="913775" y="609601"/>
+            <a:ext cx="7658724" cy="5181599"/>
           </a:xfrm>
         </p:spPr>
         <p:txBody>
@@ -634,18 +3401,13 @@
               <a:rPr lang="es-ES"/>
               <a:t>Quinto nivel</a:t>
             </a:r>
-          </a:p>
-        </p:txBody>
-      </p:sp>
-      <p:sp>
-        <p:nvSpPr>
-          <p:cNvPr id="4" name="Marcador de fecha 3">
-            <a:extLst>
-              <a:ext uri="{FF2B5EF4-FFF2-40B4-BE49-F238E27FC236}">
-                <a16:creationId xmlns:a16="http://schemas.microsoft.com/office/drawing/2014/main" id="{8121295F-53E7-45F0-9254-A7898513BB10}"/>
-              </a:ext>
-            </a:extLst>
-          </p:cNvPr>
+            <a:endParaRPr lang="en-US" dirty="0"/>
+          </a:p>
+        </p:txBody>
+      </p:sp>
+      <p:sp>
+        <p:nvSpPr>
+          <p:cNvPr id="4" name="Date Placeholder 3"/>
           <p:cNvSpPr>
             <a:spLocks noGrp="1"/>
           </p:cNvSpPr>
@@ -660,7 +3422,7 @@
           <a:p>
             <a:fld id="{E5EE0B55-E20F-4275-9E02-1B7D173BE4D6}" type="datetimeFigureOut">
               <a:rPr lang="es-ES" smtClean="0"/>
-              <a:t>22/06/2018</a:t>
+              <a:t>24/06/2018</a:t>
             </a:fld>
             <a:endParaRPr lang="es-ES"/>
           </a:p>
@@ -668,13 +3430,7 @@
       </p:sp>
       <p:sp>
         <p:nvSpPr>
-          <p:cNvPr id="5" name="Marcador de pie de página 4">
-            <a:extLst>
-              <a:ext uri="{FF2B5EF4-FFF2-40B4-BE49-F238E27FC236}">
-                <a16:creationId xmlns:a16="http://schemas.microsoft.com/office/drawing/2014/main" id="{3696E881-40BA-416E-85AC-1CD20F95B1B3}"/>
-              </a:ext>
-            </a:extLst>
-          </p:cNvPr>
+          <p:cNvPr id="5" name="Footer Placeholder 4"/>
           <p:cNvSpPr>
             <a:spLocks noGrp="1"/>
           </p:cNvSpPr>
@@ -693,13 +3449,7 @@
       </p:sp>
       <p:sp>
         <p:nvSpPr>
-          <p:cNvPr id="6" name="Marcador de número de diapositiva 5">
-            <a:extLst>
-              <a:ext uri="{FF2B5EF4-FFF2-40B4-BE49-F238E27FC236}">
-                <a16:creationId xmlns:a16="http://schemas.microsoft.com/office/drawing/2014/main" id="{5C6D7276-97A8-474B-873E-ED4AE63AFF1D}"/>
-              </a:ext>
-            </a:extLst>
-          </p:cNvPr>
+          <p:cNvPr id="6" name="Slide Number Placeholder 5"/>
           <p:cNvSpPr>
             <a:spLocks noGrp="1"/>
           </p:cNvSpPr>
@@ -723,7 +3473,7 @@
     </p:spTree>
     <p:extLst>
       <p:ext uri="{BB962C8B-B14F-4D97-AF65-F5344CB8AC3E}">
-        <p14:creationId xmlns:p14="http://schemas.microsoft.com/office/powerpoint/2010/main" val="1929753798"/>
+        <p14:creationId xmlns:p14="http://schemas.microsoft.com/office/powerpoint/2010/main" val="458628440"/>
       </p:ext>
     </p:extLst>
   </p:cSld>
@@ -750,15 +3500,39 @@
           <a:chExt cx="0" cy="0"/>
         </a:xfrm>
       </p:grpSpPr>
-      <p:sp>
-        <p:nvSpPr>
-          <p:cNvPr id="2" name="Título 1">
+      <p:pic>
+        <p:nvPicPr>
+          <p:cNvPr id="3" name="Picture 2" descr="Droplets-HD-Content-R1d.png"/>
+          <p:cNvPicPr>
+            <a:picLocks noChangeAspect="1"/>
+          </p:cNvPicPr>
+          <p:nvPr/>
+        </p:nvPicPr>
+        <p:blipFill>
+          <a:blip r:embed="rId2">
             <a:extLst>
-              <a:ext uri="{FF2B5EF4-FFF2-40B4-BE49-F238E27FC236}">
-                <a16:creationId xmlns:a16="http://schemas.microsoft.com/office/drawing/2014/main" id="{C20BEAC6-6D99-49BF-8465-23D2B1B51133}"/>
+              <a:ext uri="{28A0092B-C50C-407E-A947-70E740481C1C}">
+                <a14:useLocalDpi xmlns:a14="http://schemas.microsoft.com/office/drawing/2010/main" val="0"/>
               </a:ext>
             </a:extLst>
-          </p:cNvPr>
+          </a:blip>
+          <a:stretch>
+            <a:fillRect/>
+          </a:stretch>
+        </p:blipFill>
+        <p:spPr>
+          <a:xfrm>
+            <a:off x="0" y="0"/>
+            <a:ext cx="12192000" cy="6858000"/>
+          </a:xfrm>
+          <a:prstGeom prst="rect">
+            <a:avLst/>
+          </a:prstGeom>
+        </p:spPr>
+      </p:pic>
+      <p:sp>
+        <p:nvSpPr>
+          <p:cNvPr id="2" name="Title 1"/>
           <p:cNvSpPr>
             <a:spLocks noGrp="1"/>
           </p:cNvSpPr>
@@ -775,26 +3549,26 @@
               <a:rPr lang="es-ES"/>
               <a:t>Haga clic para modificar el estilo de título del patrón</a:t>
             </a:r>
-          </a:p>
-        </p:txBody>
-      </p:sp>
-      <p:sp>
-        <p:nvSpPr>
-          <p:cNvPr id="3" name="Marcador de contenido 2">
-            <a:extLst>
-              <a:ext uri="{FF2B5EF4-FFF2-40B4-BE49-F238E27FC236}">
-                <a16:creationId xmlns:a16="http://schemas.microsoft.com/office/drawing/2014/main" id="{A780C43C-1AAD-4891-A20E-2E8A6856D872}"/>
-              </a:ext>
-            </a:extLst>
-          </p:cNvPr>
-          <p:cNvSpPr>
-            <a:spLocks noGrp="1"/>
-          </p:cNvSpPr>
-          <p:nvPr>
-            <p:ph idx="1"/>
-          </p:nvPr>
-        </p:nvSpPr>
-        <p:spPr/>
+            <a:endParaRPr lang="en-US" dirty="0"/>
+          </a:p>
+        </p:txBody>
+      </p:sp>
+      <p:sp>
+        <p:nvSpPr>
+          <p:cNvPr id="12" name="Content Placeholder 2"/>
+          <p:cNvSpPr>
+            <a:spLocks noGrp="1"/>
+          </p:cNvSpPr>
+          <p:nvPr>
+            <p:ph sz="quarter" idx="13"/>
+          </p:nvPr>
+        </p:nvSpPr>
+        <p:spPr>
+          <a:xfrm>
+            <a:off x="913774" y="2367092"/>
+            <a:ext cx="10363826" cy="3424107"/>
+          </a:xfrm>
+        </p:spPr>
         <p:txBody>
           <a:bodyPr/>
           <a:lstStyle/>
@@ -832,18 +3606,13 @@
               <a:rPr lang="es-ES"/>
               <a:t>Quinto nivel</a:t>
             </a:r>
-          </a:p>
-        </p:txBody>
-      </p:sp>
-      <p:sp>
-        <p:nvSpPr>
-          <p:cNvPr id="4" name="Marcador de fecha 3">
-            <a:extLst>
-              <a:ext uri="{FF2B5EF4-FFF2-40B4-BE49-F238E27FC236}">
-                <a16:creationId xmlns:a16="http://schemas.microsoft.com/office/drawing/2014/main" id="{2AA9BBE0-A3EF-4C7D-BB83-66E505026856}"/>
-              </a:ext>
-            </a:extLst>
-          </p:cNvPr>
+            <a:endParaRPr lang="en-US" dirty="0"/>
+          </a:p>
+        </p:txBody>
+      </p:sp>
+      <p:sp>
+        <p:nvSpPr>
+          <p:cNvPr id="4" name="Date Placeholder 3"/>
           <p:cNvSpPr>
             <a:spLocks noGrp="1"/>
           </p:cNvSpPr>
@@ -858,7 +3627,7 @@
           <a:p>
             <a:fld id="{E5EE0B55-E20F-4275-9E02-1B7D173BE4D6}" type="datetimeFigureOut">
               <a:rPr lang="es-ES" smtClean="0"/>
-              <a:t>22/06/2018</a:t>
+              <a:t>24/06/2018</a:t>
             </a:fld>
             <a:endParaRPr lang="es-ES"/>
           </a:p>
@@ -866,13 +3635,7 @@
       </p:sp>
       <p:sp>
         <p:nvSpPr>
-          <p:cNvPr id="5" name="Marcador de pie de página 4">
-            <a:extLst>
-              <a:ext uri="{FF2B5EF4-FFF2-40B4-BE49-F238E27FC236}">
-                <a16:creationId xmlns:a16="http://schemas.microsoft.com/office/drawing/2014/main" id="{B9BBB117-53F2-45DF-9F79-1F5BFA4DFA7B}"/>
-              </a:ext>
-            </a:extLst>
-          </p:cNvPr>
+          <p:cNvPr id="5" name="Footer Placeholder 4"/>
           <p:cNvSpPr>
             <a:spLocks noGrp="1"/>
           </p:cNvSpPr>
@@ -891,13 +3654,7 @@
       </p:sp>
       <p:sp>
         <p:nvSpPr>
-          <p:cNvPr id="6" name="Marcador de número de diapositiva 5">
-            <a:extLst>
-              <a:ext uri="{FF2B5EF4-FFF2-40B4-BE49-F238E27FC236}">
-                <a16:creationId xmlns:a16="http://schemas.microsoft.com/office/drawing/2014/main" id="{A4122036-EAED-4F58-B749-DBB66FE54AB1}"/>
-              </a:ext>
-            </a:extLst>
-          </p:cNvPr>
+          <p:cNvPr id="6" name="Slide Number Placeholder 5"/>
           <p:cNvSpPr>
             <a:spLocks noGrp="1"/>
           </p:cNvSpPr>
@@ -921,7 +3678,7 @@
     </p:spTree>
     <p:extLst>
       <p:ext uri="{BB962C8B-B14F-4D97-AF65-F5344CB8AC3E}">
-        <p14:creationId xmlns:p14="http://schemas.microsoft.com/office/powerpoint/2010/main" val="3851654767"/>
+        <p14:creationId xmlns:p14="http://schemas.microsoft.com/office/powerpoint/2010/main" val="2558519051"/>
       </p:ext>
     </p:extLst>
   </p:cSld>
@@ -948,15 +3705,39 @@
           <a:chExt cx="0" cy="0"/>
         </a:xfrm>
       </p:grpSpPr>
-      <p:sp>
-        <p:nvSpPr>
-          <p:cNvPr id="2" name="Título 1">
+      <p:pic>
+        <p:nvPicPr>
+          <p:cNvPr id="9" name="Picture 8" descr="Droplets-HD-Content-R1d.png"/>
+          <p:cNvPicPr>
+            <a:picLocks noChangeAspect="1"/>
+          </p:cNvPicPr>
+          <p:nvPr/>
+        </p:nvPicPr>
+        <p:blipFill>
+          <a:blip r:embed="rId2">
             <a:extLst>
-              <a:ext uri="{FF2B5EF4-FFF2-40B4-BE49-F238E27FC236}">
-                <a16:creationId xmlns:a16="http://schemas.microsoft.com/office/drawing/2014/main" id="{815FCD41-EB53-4245-B0FE-57D6F79B29EE}"/>
+              <a:ext uri="{28A0092B-C50C-407E-A947-70E740481C1C}">
+                <a14:useLocalDpi xmlns:a14="http://schemas.microsoft.com/office/drawing/2010/main" val="0"/>
               </a:ext>
             </a:extLst>
-          </p:cNvPr>
+          </a:blip>
+          <a:stretch>
+            <a:fillRect/>
+          </a:stretch>
+        </p:blipFill>
+        <p:spPr>
+          <a:xfrm>
+            <a:off x="0" y="0"/>
+            <a:ext cx="12192000" cy="6858000"/>
+          </a:xfrm>
+          <a:prstGeom prst="rect">
+            <a:avLst/>
+          </a:prstGeom>
+        </p:spPr>
+      </p:pic>
+      <p:sp>
+        <p:nvSpPr>
+          <p:cNvPr id="2" name="Title 1"/>
           <p:cNvSpPr>
             <a:spLocks noGrp="1"/>
           </p:cNvSpPr>
@@ -966,15 +3747,17 @@
         </p:nvSpPr>
         <p:spPr>
           <a:xfrm>
-            <a:off x="831850" y="1709738"/>
-            <a:ext cx="10515600" cy="2852737"/>
-          </a:xfrm>
-        </p:spPr>
-        <p:txBody>
-          <a:bodyPr anchor="b"/>
+            <a:off x="913774" y="828563"/>
+            <a:ext cx="10351752" cy="2736819"/>
+          </a:xfrm>
+        </p:spPr>
+        <p:txBody>
+          <a:bodyPr anchor="b">
+            <a:normAutofit/>
+          </a:bodyPr>
           <a:lstStyle>
             <a:lvl1pPr>
-              <a:defRPr sz="6000"/>
+              <a:defRPr sz="4000"/>
             </a:lvl1pPr>
           </a:lstStyle>
           <a:p>
@@ -982,18 +3765,13 @@
               <a:rPr lang="es-ES"/>
               <a:t>Haga clic para modificar el estilo de título del patrón</a:t>
             </a:r>
-          </a:p>
-        </p:txBody>
-      </p:sp>
-      <p:sp>
-        <p:nvSpPr>
-          <p:cNvPr id="3" name="Marcador de texto 2">
-            <a:extLst>
-              <a:ext uri="{FF2B5EF4-FFF2-40B4-BE49-F238E27FC236}">
-                <a16:creationId xmlns:a16="http://schemas.microsoft.com/office/drawing/2014/main" id="{545BD19F-8834-42A0-9251-70777D1BBA20}"/>
-              </a:ext>
-            </a:extLst>
-          </p:cNvPr>
+            <a:endParaRPr lang="en-US" dirty="0"/>
+          </a:p>
+        </p:txBody>
+      </p:sp>
+      <p:sp>
+        <p:nvSpPr>
+          <p:cNvPr id="3" name="Text Placeholder 2"/>
           <p:cNvSpPr>
             <a:spLocks noGrp="1"/>
           </p:cNvSpPr>
@@ -1003,19 +3781,21 @@
         </p:nvSpPr>
         <p:spPr>
           <a:xfrm>
-            <a:off x="831850" y="4589463"/>
-            <a:ext cx="10515600" cy="1500187"/>
-          </a:xfrm>
-        </p:spPr>
-        <p:txBody>
-          <a:bodyPr/>
+            <a:off x="913774" y="3657457"/>
+            <a:ext cx="10351752" cy="1368183"/>
+          </a:xfrm>
+        </p:spPr>
+        <p:txBody>
+          <a:bodyPr>
+            <a:normAutofit/>
+          </a:bodyPr>
           <a:lstStyle>
-            <a:lvl1pPr marL="0" indent="0">
-              <a:buNone/>
-              <a:defRPr sz="2400">
+            <a:lvl1pPr marL="0" indent="0" algn="ctr">
+              <a:buNone/>
+              <a:defRPr sz="2000">
                 <a:solidFill>
-                  <a:schemeClr val="tx1">
-                    <a:tint val="75000"/>
+                  <a:schemeClr val="bg1">
+                    <a:lumMod val="50000"/>
                   </a:schemeClr>
                 </a:solidFill>
               </a:defRPr>
@@ -1112,13 +3892,7 @@
       </p:sp>
       <p:sp>
         <p:nvSpPr>
-          <p:cNvPr id="4" name="Marcador de fecha 3">
-            <a:extLst>
-              <a:ext uri="{FF2B5EF4-FFF2-40B4-BE49-F238E27FC236}">
-                <a16:creationId xmlns:a16="http://schemas.microsoft.com/office/drawing/2014/main" id="{5F8B1334-7EB9-4C0A-8EAD-7880F2E99F7E}"/>
-              </a:ext>
-            </a:extLst>
-          </p:cNvPr>
+          <p:cNvPr id="4" name="Date Placeholder 3"/>
           <p:cNvSpPr>
             <a:spLocks noGrp="1"/>
           </p:cNvSpPr>
@@ -1133,7 +3907,7 @@
           <a:p>
             <a:fld id="{E5EE0B55-E20F-4275-9E02-1B7D173BE4D6}" type="datetimeFigureOut">
               <a:rPr lang="es-ES" smtClean="0"/>
-              <a:t>22/06/2018</a:t>
+              <a:t>24/06/2018</a:t>
             </a:fld>
             <a:endParaRPr lang="es-ES"/>
           </a:p>
@@ -1141,13 +3915,7 @@
       </p:sp>
       <p:sp>
         <p:nvSpPr>
-          <p:cNvPr id="5" name="Marcador de pie de página 4">
-            <a:extLst>
-              <a:ext uri="{FF2B5EF4-FFF2-40B4-BE49-F238E27FC236}">
-                <a16:creationId xmlns:a16="http://schemas.microsoft.com/office/drawing/2014/main" id="{B5EFF2DB-9A66-4731-A886-D42FF973E52A}"/>
-              </a:ext>
-            </a:extLst>
-          </p:cNvPr>
+          <p:cNvPr id="5" name="Footer Placeholder 4"/>
           <p:cNvSpPr>
             <a:spLocks noGrp="1"/>
           </p:cNvSpPr>
@@ -1166,13 +3934,7 @@
       </p:sp>
       <p:sp>
         <p:nvSpPr>
-          <p:cNvPr id="6" name="Marcador de número de diapositiva 5">
-            <a:extLst>
-              <a:ext uri="{FF2B5EF4-FFF2-40B4-BE49-F238E27FC236}">
-                <a16:creationId xmlns:a16="http://schemas.microsoft.com/office/drawing/2014/main" id="{5AD9BDAE-B77F-4079-818A-3F4DCDBF56B7}"/>
-              </a:ext>
-            </a:extLst>
-          </p:cNvPr>
+          <p:cNvPr id="6" name="Slide Number Placeholder 5"/>
           <p:cNvSpPr>
             <a:spLocks noGrp="1"/>
           </p:cNvSpPr>
@@ -1196,7 +3958,7 @@
     </p:spTree>
     <p:extLst>
       <p:ext uri="{BB962C8B-B14F-4D97-AF65-F5344CB8AC3E}">
-        <p14:creationId xmlns:p14="http://schemas.microsoft.com/office/powerpoint/2010/main" val="251116304"/>
+        <p14:creationId xmlns:p14="http://schemas.microsoft.com/office/powerpoint/2010/main" val="3278073638"/>
       </p:ext>
     </p:extLst>
   </p:cSld>
@@ -1223,15 +3985,39 @@
           <a:chExt cx="0" cy="0"/>
         </a:xfrm>
       </p:grpSpPr>
-      <p:sp>
-        <p:nvSpPr>
-          <p:cNvPr id="2" name="Título 1">
+      <p:pic>
+        <p:nvPicPr>
+          <p:cNvPr id="10" name="Picture 9" descr="Droplets-HD-Content-R1d.png"/>
+          <p:cNvPicPr>
+            <a:picLocks noChangeAspect="1"/>
+          </p:cNvPicPr>
+          <p:nvPr/>
+        </p:nvPicPr>
+        <p:blipFill>
+          <a:blip r:embed="rId2">
             <a:extLst>
-              <a:ext uri="{FF2B5EF4-FFF2-40B4-BE49-F238E27FC236}">
-                <a16:creationId xmlns:a16="http://schemas.microsoft.com/office/drawing/2014/main" id="{E44D5424-20B2-45F5-9B28-F2458B7D96B9}"/>
+              <a:ext uri="{28A0092B-C50C-407E-A947-70E740481C1C}">
+                <a14:useLocalDpi xmlns:a14="http://schemas.microsoft.com/office/drawing/2010/main" val="0"/>
               </a:ext>
             </a:extLst>
-          </p:cNvPr>
+          </a:blip>
+          <a:stretch>
+            <a:fillRect/>
+          </a:stretch>
+        </p:blipFill>
+        <p:spPr>
+          <a:xfrm>
+            <a:off x="0" y="0"/>
+            <a:ext cx="12192000" cy="6858000"/>
+          </a:xfrm>
+          <a:prstGeom prst="rect">
+            <a:avLst/>
+          </a:prstGeom>
+        </p:spPr>
+      </p:pic>
+      <p:sp>
+        <p:nvSpPr>
+          <p:cNvPr id="14" name="Title 1"/>
           <p:cNvSpPr>
             <a:spLocks noGrp="1"/>
           </p:cNvSpPr>
@@ -1239,7 +4025,12 @@
             <p:ph type="title"/>
           </p:nvPr>
         </p:nvSpPr>
-        <p:spPr/>
+        <p:spPr>
+          <a:xfrm>
+            <a:off x="913775" y="618517"/>
+            <a:ext cx="10364451" cy="1596177"/>
+          </a:xfrm>
+        </p:spPr>
         <p:txBody>
           <a:bodyPr/>
           <a:lstStyle/>
@@ -1248,29 +4039,24 @@
               <a:rPr lang="es-ES"/>
               <a:t>Haga clic para modificar el estilo de título del patrón</a:t>
             </a:r>
-          </a:p>
-        </p:txBody>
-      </p:sp>
-      <p:sp>
-        <p:nvSpPr>
-          <p:cNvPr id="3" name="Marcador de contenido 2">
-            <a:extLst>
-              <a:ext uri="{FF2B5EF4-FFF2-40B4-BE49-F238E27FC236}">
-                <a16:creationId xmlns:a16="http://schemas.microsoft.com/office/drawing/2014/main" id="{E97DD693-BF26-4691-B4F2-A72136201E77}"/>
-              </a:ext>
-            </a:extLst>
-          </p:cNvPr>
-          <p:cNvSpPr>
-            <a:spLocks noGrp="1"/>
-          </p:cNvSpPr>
-          <p:nvPr>
-            <p:ph sz="half" idx="1"/>
-          </p:nvPr>
-        </p:nvSpPr>
-        <p:spPr>
-          <a:xfrm>
-            <a:off x="838200" y="1825625"/>
-            <a:ext cx="5181600" cy="4351338"/>
+            <a:endParaRPr lang="en-US" dirty="0"/>
+          </a:p>
+        </p:txBody>
+      </p:sp>
+      <p:sp>
+        <p:nvSpPr>
+          <p:cNvPr id="12" name="Content Placeholder 2"/>
+          <p:cNvSpPr>
+            <a:spLocks noGrp="1"/>
+          </p:cNvSpPr>
+          <p:nvPr>
+            <p:ph sz="quarter" idx="13"/>
+          </p:nvPr>
+        </p:nvSpPr>
+        <p:spPr>
+          <a:xfrm>
+            <a:off x="913774" y="2367092"/>
+            <a:ext cx="5106026" cy="3424107"/>
           </a:xfrm>
         </p:spPr>
         <p:txBody>
@@ -1310,29 +4096,24 @@
               <a:rPr lang="es-ES"/>
               <a:t>Quinto nivel</a:t>
             </a:r>
-          </a:p>
-        </p:txBody>
-      </p:sp>
-      <p:sp>
-        <p:nvSpPr>
-          <p:cNvPr id="4" name="Marcador de contenido 3">
-            <a:extLst>
-              <a:ext uri="{FF2B5EF4-FFF2-40B4-BE49-F238E27FC236}">
-                <a16:creationId xmlns:a16="http://schemas.microsoft.com/office/drawing/2014/main" id="{12E34715-1201-404A-851D-71CA42AD65CC}"/>
-              </a:ext>
-            </a:extLst>
-          </p:cNvPr>
-          <p:cNvSpPr>
-            <a:spLocks noGrp="1"/>
-          </p:cNvSpPr>
-          <p:nvPr>
-            <p:ph sz="half" idx="2"/>
-          </p:nvPr>
-        </p:nvSpPr>
-        <p:spPr>
-          <a:xfrm>
-            <a:off x="6172200" y="1825625"/>
-            <a:ext cx="5181600" cy="4351338"/>
+            <a:endParaRPr lang="en-US" dirty="0"/>
+          </a:p>
+        </p:txBody>
+      </p:sp>
+      <p:sp>
+        <p:nvSpPr>
+          <p:cNvPr id="13" name="Content Placeholder 3"/>
+          <p:cNvSpPr>
+            <a:spLocks noGrp="1"/>
+          </p:cNvSpPr>
+          <p:nvPr>
+            <p:ph sz="quarter" idx="14"/>
+          </p:nvPr>
+        </p:nvSpPr>
+        <p:spPr>
+          <a:xfrm>
+            <a:off x="6172200" y="2367092"/>
+            <a:ext cx="5105400" cy="3424107"/>
           </a:xfrm>
         </p:spPr>
         <p:txBody>
@@ -1372,18 +4153,13 @@
               <a:rPr lang="es-ES"/>
               <a:t>Quinto nivel</a:t>
             </a:r>
-          </a:p>
-        </p:txBody>
-      </p:sp>
-      <p:sp>
-        <p:nvSpPr>
-          <p:cNvPr id="5" name="Marcador de fecha 4">
-            <a:extLst>
-              <a:ext uri="{FF2B5EF4-FFF2-40B4-BE49-F238E27FC236}">
-                <a16:creationId xmlns:a16="http://schemas.microsoft.com/office/drawing/2014/main" id="{E9BD5AA7-1720-4CDD-A6C9-76967D0B8CD4}"/>
-              </a:ext>
-            </a:extLst>
-          </p:cNvPr>
+            <a:endParaRPr lang="en-US" dirty="0"/>
+          </a:p>
+        </p:txBody>
+      </p:sp>
+      <p:sp>
+        <p:nvSpPr>
+          <p:cNvPr id="5" name="Date Placeholder 4"/>
           <p:cNvSpPr>
             <a:spLocks noGrp="1"/>
           </p:cNvSpPr>
@@ -1398,7 +4174,7 @@
           <a:p>
             <a:fld id="{E5EE0B55-E20F-4275-9E02-1B7D173BE4D6}" type="datetimeFigureOut">
               <a:rPr lang="es-ES" smtClean="0"/>
-              <a:t>22/06/2018</a:t>
+              <a:t>24/06/2018</a:t>
             </a:fld>
             <a:endParaRPr lang="es-ES"/>
           </a:p>
@@ -1406,13 +4182,7 @@
       </p:sp>
       <p:sp>
         <p:nvSpPr>
-          <p:cNvPr id="6" name="Marcador de pie de página 5">
-            <a:extLst>
-              <a:ext uri="{FF2B5EF4-FFF2-40B4-BE49-F238E27FC236}">
-                <a16:creationId xmlns:a16="http://schemas.microsoft.com/office/drawing/2014/main" id="{F4EB02C4-6B69-4B9F-80DE-6200BF04E974}"/>
-              </a:ext>
-            </a:extLst>
-          </p:cNvPr>
+          <p:cNvPr id="6" name="Footer Placeholder 5"/>
           <p:cNvSpPr>
             <a:spLocks noGrp="1"/>
           </p:cNvSpPr>
@@ -1431,13 +4201,7 @@
       </p:sp>
       <p:sp>
         <p:nvSpPr>
-          <p:cNvPr id="7" name="Marcador de número de diapositiva 6">
-            <a:extLst>
-              <a:ext uri="{FF2B5EF4-FFF2-40B4-BE49-F238E27FC236}">
-                <a16:creationId xmlns:a16="http://schemas.microsoft.com/office/drawing/2014/main" id="{BC9F6F4A-FF36-4C6E-A113-564BE7EA2B45}"/>
-              </a:ext>
-            </a:extLst>
-          </p:cNvPr>
+          <p:cNvPr id="7" name="Slide Number Placeholder 6"/>
           <p:cNvSpPr>
             <a:spLocks noGrp="1"/>
           </p:cNvSpPr>
@@ -1461,7 +4225,7 @@
     </p:spTree>
     <p:extLst>
       <p:ext uri="{BB962C8B-B14F-4D97-AF65-F5344CB8AC3E}">
-        <p14:creationId xmlns:p14="http://schemas.microsoft.com/office/powerpoint/2010/main" val="4251357941"/>
+        <p14:creationId xmlns:p14="http://schemas.microsoft.com/office/powerpoint/2010/main" val="143718537"/>
       </p:ext>
     </p:extLst>
   </p:cSld>
@@ -1488,15 +4252,39 @@
           <a:chExt cx="0" cy="0"/>
         </a:xfrm>
       </p:grpSpPr>
-      <p:sp>
-        <p:nvSpPr>
-          <p:cNvPr id="2" name="Título 1">
+      <p:pic>
+        <p:nvPicPr>
+          <p:cNvPr id="15" name="Picture 14" descr="Droplets-HD-Content-R1d.png"/>
+          <p:cNvPicPr>
+            <a:picLocks noChangeAspect="1"/>
+          </p:cNvPicPr>
+          <p:nvPr/>
+        </p:nvPicPr>
+        <p:blipFill>
+          <a:blip r:embed="rId2">
             <a:extLst>
-              <a:ext uri="{FF2B5EF4-FFF2-40B4-BE49-F238E27FC236}">
-                <a16:creationId xmlns:a16="http://schemas.microsoft.com/office/drawing/2014/main" id="{D2EC0DC5-B31A-471E-9796-6D3D5A98648E}"/>
+              <a:ext uri="{28A0092B-C50C-407E-A947-70E740481C1C}">
+                <a14:useLocalDpi xmlns:a14="http://schemas.microsoft.com/office/drawing/2010/main" val="0"/>
               </a:ext>
             </a:extLst>
-          </p:cNvPr>
+          </a:blip>
+          <a:stretch>
+            <a:fillRect/>
+          </a:stretch>
+        </p:blipFill>
+        <p:spPr>
+          <a:xfrm>
+            <a:off x="0" y="0"/>
+            <a:ext cx="12192000" cy="6858000"/>
+          </a:xfrm>
+          <a:prstGeom prst="rect">
+            <a:avLst/>
+          </a:prstGeom>
+        </p:spPr>
+      </p:pic>
+      <p:sp>
+        <p:nvSpPr>
+          <p:cNvPr id="14" name="Title 1"/>
           <p:cNvSpPr>
             <a:spLocks noGrp="1"/>
           </p:cNvSpPr>
@@ -1506,8 +4294,8 @@
         </p:nvSpPr>
         <p:spPr>
           <a:xfrm>
-            <a:off x="839788" y="365125"/>
-            <a:ext cx="10515600" cy="1325563"/>
+            <a:off x="913775" y="618517"/>
+            <a:ext cx="10364451" cy="1596177"/>
           </a:xfrm>
         </p:spPr>
         <p:txBody>
@@ -1518,18 +4306,13 @@
               <a:rPr lang="es-ES"/>
               <a:t>Haga clic para modificar el estilo de título del patrón</a:t>
             </a:r>
-          </a:p>
-        </p:txBody>
-      </p:sp>
-      <p:sp>
-        <p:nvSpPr>
-          <p:cNvPr id="3" name="Marcador de texto 2">
-            <a:extLst>
-              <a:ext uri="{FF2B5EF4-FFF2-40B4-BE49-F238E27FC236}">
-                <a16:creationId xmlns:a16="http://schemas.microsoft.com/office/drawing/2014/main" id="{699DB6E8-5F49-4ECD-8EDB-3D2971D7BA16}"/>
-              </a:ext>
-            </a:extLst>
-          </p:cNvPr>
+            <a:endParaRPr lang="en-US" dirty="0"/>
+          </a:p>
+        </p:txBody>
+      </p:sp>
+      <p:sp>
+        <p:nvSpPr>
+          <p:cNvPr id="3" name="Text Placeholder 2"/>
           <p:cNvSpPr>
             <a:spLocks noGrp="1"/>
           </p:cNvSpPr>
@@ -1539,16 +4322,25 @@
         </p:nvSpPr>
         <p:spPr>
           <a:xfrm>
-            <a:off x="839788" y="1681163"/>
-            <a:ext cx="5157787" cy="823912"/>
-          </a:xfrm>
-        </p:spPr>
-        <p:txBody>
-          <a:bodyPr anchor="b"/>
+            <a:off x="1146328" y="2371018"/>
+            <a:ext cx="4873474" cy="679994"/>
+          </a:xfrm>
+        </p:spPr>
+        <p:txBody>
+          <a:bodyPr anchor="b">
+            <a:noAutofit/>
+          </a:bodyPr>
           <a:lstStyle>
             <a:lvl1pPr marL="0" indent="0">
-              <a:buNone/>
-              <a:defRPr sz="2400" b="1"/>
+              <a:lnSpc>
+                <a:spcPct val="85000"/>
+              </a:lnSpc>
+              <a:buNone/>
+              <a:defRPr sz="2600" b="0">
+                <a:solidFill>
+                  <a:schemeClr val="tx1"/>
+                </a:solidFill>
+              </a:defRPr>
             </a:lvl1pPr>
             <a:lvl2pPr marL="457200" indent="0">
               <a:buNone/>
@@ -1594,24 +4386,18 @@
       </p:sp>
       <p:sp>
         <p:nvSpPr>
-          <p:cNvPr id="4" name="Marcador de contenido 3">
-            <a:extLst>
-              <a:ext uri="{FF2B5EF4-FFF2-40B4-BE49-F238E27FC236}">
-                <a16:creationId xmlns:a16="http://schemas.microsoft.com/office/drawing/2014/main" id="{9C304D7E-39F4-4F0B-8226-72A02B11A02A}"/>
-              </a:ext>
-            </a:extLst>
-          </p:cNvPr>
-          <p:cNvSpPr>
-            <a:spLocks noGrp="1"/>
-          </p:cNvSpPr>
-          <p:nvPr>
-            <p:ph sz="half" idx="2"/>
-          </p:nvPr>
-        </p:nvSpPr>
-        <p:spPr>
-          <a:xfrm>
-            <a:off x="839788" y="2505075"/>
-            <a:ext cx="5157787" cy="3684588"/>
+          <p:cNvPr id="12" name="Content Placeholder 3"/>
+          <p:cNvSpPr>
+            <a:spLocks noGrp="1"/>
+          </p:cNvSpPr>
+          <p:nvPr>
+            <p:ph sz="quarter" idx="13"/>
+          </p:nvPr>
+        </p:nvSpPr>
+        <p:spPr>
+          <a:xfrm>
+            <a:off x="913774" y="3051012"/>
+            <a:ext cx="5106027" cy="2740187"/>
           </a:xfrm>
         </p:spPr>
         <p:txBody>
@@ -1651,18 +4437,13 @@
               <a:rPr lang="es-ES"/>
               <a:t>Quinto nivel</a:t>
             </a:r>
-          </a:p>
-        </p:txBody>
-      </p:sp>
-      <p:sp>
-        <p:nvSpPr>
-          <p:cNvPr id="5" name="Marcador de texto 4">
-            <a:extLst>
-              <a:ext uri="{FF2B5EF4-FFF2-40B4-BE49-F238E27FC236}">
-                <a16:creationId xmlns:a16="http://schemas.microsoft.com/office/drawing/2014/main" id="{3FA846A7-7F14-4607-8D93-63325DEF36AA}"/>
-              </a:ext>
-            </a:extLst>
-          </p:cNvPr>
+            <a:endParaRPr lang="en-US" dirty="0"/>
+          </a:p>
+        </p:txBody>
+      </p:sp>
+      <p:sp>
+        <p:nvSpPr>
+          <p:cNvPr id="5" name="Text Placeholder 4"/>
           <p:cNvSpPr>
             <a:spLocks noGrp="1"/>
           </p:cNvSpPr>
@@ -1672,16 +4453,25 @@
         </p:nvSpPr>
         <p:spPr>
           <a:xfrm>
-            <a:off x="6172200" y="1681163"/>
-            <a:ext cx="5183188" cy="823912"/>
-          </a:xfrm>
-        </p:spPr>
-        <p:txBody>
-          <a:bodyPr anchor="b"/>
+            <a:off x="6396423" y="2371018"/>
+            <a:ext cx="4881804" cy="679994"/>
+          </a:xfrm>
+        </p:spPr>
+        <p:txBody>
+          <a:bodyPr anchor="b">
+            <a:noAutofit/>
+          </a:bodyPr>
           <a:lstStyle>
             <a:lvl1pPr marL="0" indent="0">
-              <a:buNone/>
-              <a:defRPr sz="2400" b="1"/>
+              <a:lnSpc>
+                <a:spcPct val="85000"/>
+              </a:lnSpc>
+              <a:buNone/>
+              <a:defRPr sz="2600" b="0">
+                <a:solidFill>
+                  <a:schemeClr val="tx1"/>
+                </a:solidFill>
+              </a:defRPr>
             </a:lvl1pPr>
             <a:lvl2pPr marL="457200" indent="0">
               <a:buNone/>
@@ -1727,24 +4517,18 @@
       </p:sp>
       <p:sp>
         <p:nvSpPr>
-          <p:cNvPr id="6" name="Marcador de contenido 5">
-            <a:extLst>
-              <a:ext uri="{FF2B5EF4-FFF2-40B4-BE49-F238E27FC236}">
-                <a16:creationId xmlns:a16="http://schemas.microsoft.com/office/drawing/2014/main" id="{BFCFD091-9F22-44A5-AEE9-C0B9F8C0A9DF}"/>
-              </a:ext>
-            </a:extLst>
-          </p:cNvPr>
-          <p:cNvSpPr>
-            <a:spLocks noGrp="1"/>
-          </p:cNvSpPr>
-          <p:nvPr>
-            <p:ph sz="quarter" idx="4"/>
-          </p:nvPr>
-        </p:nvSpPr>
-        <p:spPr>
-          <a:xfrm>
-            <a:off x="6172200" y="2505075"/>
-            <a:ext cx="5183188" cy="3684588"/>
+          <p:cNvPr id="13" name="Content Placeholder 5"/>
+          <p:cNvSpPr>
+            <a:spLocks noGrp="1"/>
+          </p:cNvSpPr>
+          <p:nvPr>
+            <p:ph sz="quarter" idx="14"/>
+          </p:nvPr>
+        </p:nvSpPr>
+        <p:spPr>
+          <a:xfrm>
+            <a:off x="6172200" y="3051012"/>
+            <a:ext cx="5105401" cy="2740187"/>
           </a:xfrm>
         </p:spPr>
         <p:txBody>
@@ -1784,18 +4568,13 @@
               <a:rPr lang="es-ES"/>
               <a:t>Quinto nivel</a:t>
             </a:r>
-          </a:p>
-        </p:txBody>
-      </p:sp>
-      <p:sp>
-        <p:nvSpPr>
-          <p:cNvPr id="7" name="Marcador de fecha 6">
-            <a:extLst>
-              <a:ext uri="{FF2B5EF4-FFF2-40B4-BE49-F238E27FC236}">
-                <a16:creationId xmlns:a16="http://schemas.microsoft.com/office/drawing/2014/main" id="{34685A32-47AE-4AA0-98EE-F55803161A75}"/>
-              </a:ext>
-            </a:extLst>
-          </p:cNvPr>
+            <a:endParaRPr lang="en-US" dirty="0"/>
+          </a:p>
+        </p:txBody>
+      </p:sp>
+      <p:sp>
+        <p:nvSpPr>
+          <p:cNvPr id="7" name="Date Placeholder 6"/>
           <p:cNvSpPr>
             <a:spLocks noGrp="1"/>
           </p:cNvSpPr>
@@ -1810,7 +4589,7 @@
           <a:p>
             <a:fld id="{E5EE0B55-E20F-4275-9E02-1B7D173BE4D6}" type="datetimeFigureOut">
               <a:rPr lang="es-ES" smtClean="0"/>
-              <a:t>22/06/2018</a:t>
+              <a:t>24/06/2018</a:t>
             </a:fld>
             <a:endParaRPr lang="es-ES"/>
           </a:p>
@@ -1818,13 +4597,7 @@
       </p:sp>
       <p:sp>
         <p:nvSpPr>
-          <p:cNvPr id="8" name="Marcador de pie de página 7">
-            <a:extLst>
-              <a:ext uri="{FF2B5EF4-FFF2-40B4-BE49-F238E27FC236}">
-                <a16:creationId xmlns:a16="http://schemas.microsoft.com/office/drawing/2014/main" id="{77F4F5A5-87C7-49DD-A358-5EA5134E74ED}"/>
-              </a:ext>
-            </a:extLst>
-          </p:cNvPr>
+          <p:cNvPr id="8" name="Footer Placeholder 7"/>
           <p:cNvSpPr>
             <a:spLocks noGrp="1"/>
           </p:cNvSpPr>
@@ -1843,13 +4616,7 @@
       </p:sp>
       <p:sp>
         <p:nvSpPr>
-          <p:cNvPr id="9" name="Marcador de número de diapositiva 8">
-            <a:extLst>
-              <a:ext uri="{FF2B5EF4-FFF2-40B4-BE49-F238E27FC236}">
-                <a16:creationId xmlns:a16="http://schemas.microsoft.com/office/drawing/2014/main" id="{5CAD738D-B09D-4EC5-82D9-55A1B81DA270}"/>
-              </a:ext>
-            </a:extLst>
-          </p:cNvPr>
+          <p:cNvPr id="9" name="Slide Number Placeholder 8"/>
           <p:cNvSpPr>
             <a:spLocks noGrp="1"/>
           </p:cNvSpPr>
@@ -1873,7 +4640,7 @@
     </p:spTree>
     <p:extLst>
       <p:ext uri="{BB962C8B-B14F-4D97-AF65-F5344CB8AC3E}">
-        <p14:creationId xmlns:p14="http://schemas.microsoft.com/office/powerpoint/2010/main" val="393458510"/>
+        <p14:creationId xmlns:p14="http://schemas.microsoft.com/office/powerpoint/2010/main" val="3965984573"/>
       </p:ext>
     </p:extLst>
   </p:cSld>
@@ -1900,15 +4667,39 @@
           <a:chExt cx="0" cy="0"/>
         </a:xfrm>
       </p:grpSpPr>
-      <p:sp>
-        <p:nvSpPr>
-          <p:cNvPr id="2" name="Título 1">
+      <p:pic>
+        <p:nvPicPr>
+          <p:cNvPr id="8" name="Picture 7" descr="Droplets-HD-Content-R1d.png"/>
+          <p:cNvPicPr>
+            <a:picLocks noChangeAspect="1"/>
+          </p:cNvPicPr>
+          <p:nvPr/>
+        </p:nvPicPr>
+        <p:blipFill>
+          <a:blip r:embed="rId2">
             <a:extLst>
-              <a:ext uri="{FF2B5EF4-FFF2-40B4-BE49-F238E27FC236}">
-                <a16:creationId xmlns:a16="http://schemas.microsoft.com/office/drawing/2014/main" id="{1EF14976-FA8D-4BD4-9399-BEB073AE7948}"/>
+              <a:ext uri="{28A0092B-C50C-407E-A947-70E740481C1C}">
+                <a14:useLocalDpi xmlns:a14="http://schemas.microsoft.com/office/drawing/2010/main" val="0"/>
               </a:ext>
             </a:extLst>
-          </p:cNvPr>
+          </a:blip>
+          <a:stretch>
+            <a:fillRect/>
+          </a:stretch>
+        </p:blipFill>
+        <p:spPr>
+          <a:xfrm>
+            <a:off x="0" y="0"/>
+            <a:ext cx="12192000" cy="6858000"/>
+          </a:xfrm>
+          <a:prstGeom prst="rect">
+            <a:avLst/>
+          </a:prstGeom>
+        </p:spPr>
+      </p:pic>
+      <p:sp>
+        <p:nvSpPr>
+          <p:cNvPr id="2" name="Title 1"/>
           <p:cNvSpPr>
             <a:spLocks noGrp="1"/>
           </p:cNvSpPr>
@@ -1925,18 +4716,13 @@
               <a:rPr lang="es-ES"/>
               <a:t>Haga clic para modificar el estilo de título del patrón</a:t>
             </a:r>
-          </a:p>
-        </p:txBody>
-      </p:sp>
-      <p:sp>
-        <p:nvSpPr>
-          <p:cNvPr id="3" name="Marcador de fecha 2">
-            <a:extLst>
-              <a:ext uri="{FF2B5EF4-FFF2-40B4-BE49-F238E27FC236}">
-                <a16:creationId xmlns:a16="http://schemas.microsoft.com/office/drawing/2014/main" id="{FA252BE9-0635-48B8-AE83-79EB79F0B98D}"/>
-              </a:ext>
-            </a:extLst>
-          </p:cNvPr>
+            <a:endParaRPr lang="en-US" dirty="0"/>
+          </a:p>
+        </p:txBody>
+      </p:sp>
+      <p:sp>
+        <p:nvSpPr>
+          <p:cNvPr id="3" name="Date Placeholder 2"/>
           <p:cNvSpPr>
             <a:spLocks noGrp="1"/>
           </p:cNvSpPr>
@@ -1951,7 +4737,7 @@
           <a:p>
             <a:fld id="{E5EE0B55-E20F-4275-9E02-1B7D173BE4D6}" type="datetimeFigureOut">
               <a:rPr lang="es-ES" smtClean="0"/>
-              <a:t>22/06/2018</a:t>
+              <a:t>24/06/2018</a:t>
             </a:fld>
             <a:endParaRPr lang="es-ES"/>
           </a:p>
@@ -1959,13 +4745,7 @@
       </p:sp>
       <p:sp>
         <p:nvSpPr>
-          <p:cNvPr id="4" name="Marcador de pie de página 3">
-            <a:extLst>
-              <a:ext uri="{FF2B5EF4-FFF2-40B4-BE49-F238E27FC236}">
-                <a16:creationId xmlns:a16="http://schemas.microsoft.com/office/drawing/2014/main" id="{21FA7443-6B8D-42DA-B352-6ACA3DE323A4}"/>
-              </a:ext>
-            </a:extLst>
-          </p:cNvPr>
+          <p:cNvPr id="4" name="Footer Placeholder 3"/>
           <p:cNvSpPr>
             <a:spLocks noGrp="1"/>
           </p:cNvSpPr>
@@ -1984,13 +4764,7 @@
       </p:sp>
       <p:sp>
         <p:nvSpPr>
-          <p:cNvPr id="5" name="Marcador de número de diapositiva 4">
-            <a:extLst>
-              <a:ext uri="{FF2B5EF4-FFF2-40B4-BE49-F238E27FC236}">
-                <a16:creationId xmlns:a16="http://schemas.microsoft.com/office/drawing/2014/main" id="{84652821-E2A9-457C-85FC-07A152D3CF00}"/>
-              </a:ext>
-            </a:extLst>
-          </p:cNvPr>
+          <p:cNvPr id="5" name="Slide Number Placeholder 4"/>
           <p:cNvSpPr>
             <a:spLocks noGrp="1"/>
           </p:cNvSpPr>
@@ -2014,7 +4788,7 @@
     </p:spTree>
     <p:extLst>
       <p:ext uri="{BB962C8B-B14F-4D97-AF65-F5344CB8AC3E}">
-        <p14:creationId xmlns:p14="http://schemas.microsoft.com/office/powerpoint/2010/main" val="961299376"/>
+        <p14:creationId xmlns:p14="http://schemas.microsoft.com/office/powerpoint/2010/main" val="1869913445"/>
       </p:ext>
     </p:extLst>
   </p:cSld>
@@ -2041,15 +4815,39 @@
           <a:chExt cx="0" cy="0"/>
         </a:xfrm>
       </p:grpSpPr>
-      <p:sp>
-        <p:nvSpPr>
-          <p:cNvPr id="2" name="Marcador de fecha 1">
+      <p:pic>
+        <p:nvPicPr>
+          <p:cNvPr id="7" name="Picture 6" descr="Droplets-HD-Content-R1d.png"/>
+          <p:cNvPicPr>
+            <a:picLocks noChangeAspect="1"/>
+          </p:cNvPicPr>
+          <p:nvPr/>
+        </p:nvPicPr>
+        <p:blipFill>
+          <a:blip r:embed="rId2">
             <a:extLst>
-              <a:ext uri="{FF2B5EF4-FFF2-40B4-BE49-F238E27FC236}">
-                <a16:creationId xmlns:a16="http://schemas.microsoft.com/office/drawing/2014/main" id="{AF7F9D2B-C512-450B-8DDF-E2282A96C981}"/>
+              <a:ext uri="{28A0092B-C50C-407E-A947-70E740481C1C}">
+                <a14:useLocalDpi xmlns:a14="http://schemas.microsoft.com/office/drawing/2010/main" val="0"/>
               </a:ext>
             </a:extLst>
-          </p:cNvPr>
+          </a:blip>
+          <a:stretch>
+            <a:fillRect/>
+          </a:stretch>
+        </p:blipFill>
+        <p:spPr>
+          <a:xfrm>
+            <a:off x="0" y="0"/>
+            <a:ext cx="12192000" cy="6858000"/>
+          </a:xfrm>
+          <a:prstGeom prst="rect">
+            <a:avLst/>
+          </a:prstGeom>
+        </p:spPr>
+      </p:pic>
+      <p:sp>
+        <p:nvSpPr>
+          <p:cNvPr id="2" name="Date Placeholder 1"/>
           <p:cNvSpPr>
             <a:spLocks noGrp="1"/>
           </p:cNvSpPr>
@@ -2064,7 +4862,7 @@
           <a:p>
             <a:fld id="{E5EE0B55-E20F-4275-9E02-1B7D173BE4D6}" type="datetimeFigureOut">
               <a:rPr lang="es-ES" smtClean="0"/>
-              <a:t>22/06/2018</a:t>
+              <a:t>24/06/2018</a:t>
             </a:fld>
             <a:endParaRPr lang="es-ES"/>
           </a:p>
@@ -2072,13 +4870,7 @@
       </p:sp>
       <p:sp>
         <p:nvSpPr>
-          <p:cNvPr id="3" name="Marcador de pie de página 2">
-            <a:extLst>
-              <a:ext uri="{FF2B5EF4-FFF2-40B4-BE49-F238E27FC236}">
-                <a16:creationId xmlns:a16="http://schemas.microsoft.com/office/drawing/2014/main" id="{6F563F66-1AA3-496D-9C26-95EB59AF3612}"/>
-              </a:ext>
-            </a:extLst>
-          </p:cNvPr>
+          <p:cNvPr id="3" name="Footer Placeholder 2"/>
           <p:cNvSpPr>
             <a:spLocks noGrp="1"/>
           </p:cNvSpPr>
@@ -2097,13 +4889,7 @@
       </p:sp>
       <p:sp>
         <p:nvSpPr>
-          <p:cNvPr id="4" name="Marcador de número de diapositiva 3">
-            <a:extLst>
-              <a:ext uri="{FF2B5EF4-FFF2-40B4-BE49-F238E27FC236}">
-                <a16:creationId xmlns:a16="http://schemas.microsoft.com/office/drawing/2014/main" id="{3E58AD4C-58C8-4BC7-8C7F-ADD6B36490D7}"/>
-              </a:ext>
-            </a:extLst>
-          </p:cNvPr>
+          <p:cNvPr id="4" name="Slide Number Placeholder 3"/>
           <p:cNvSpPr>
             <a:spLocks noGrp="1"/>
           </p:cNvSpPr>
@@ -2127,7 +4913,7 @@
     </p:spTree>
     <p:extLst>
       <p:ext uri="{BB962C8B-B14F-4D97-AF65-F5344CB8AC3E}">
-        <p14:creationId xmlns:p14="http://schemas.microsoft.com/office/powerpoint/2010/main" val="1615199424"/>
+        <p14:creationId xmlns:p14="http://schemas.microsoft.com/office/powerpoint/2010/main" val="4268757962"/>
       </p:ext>
     </p:extLst>
   </p:cSld>
@@ -2154,15 +4940,39 @@
           <a:chExt cx="0" cy="0"/>
         </a:xfrm>
       </p:grpSpPr>
-      <p:sp>
-        <p:nvSpPr>
-          <p:cNvPr id="2" name="Título 1">
+      <p:pic>
+        <p:nvPicPr>
+          <p:cNvPr id="11" name="Picture 10" descr="Droplets-HD-Content-R1d.png"/>
+          <p:cNvPicPr>
+            <a:picLocks noChangeAspect="1"/>
+          </p:cNvPicPr>
+          <p:nvPr/>
+        </p:nvPicPr>
+        <p:blipFill>
+          <a:blip r:embed="rId2">
             <a:extLst>
-              <a:ext uri="{FF2B5EF4-FFF2-40B4-BE49-F238E27FC236}">
-                <a16:creationId xmlns:a16="http://schemas.microsoft.com/office/drawing/2014/main" id="{3FF6D25F-16D5-4FC9-B49A-AD0E0A5A8A52}"/>
+              <a:ext uri="{28A0092B-C50C-407E-A947-70E740481C1C}">
+                <a14:useLocalDpi xmlns:a14="http://schemas.microsoft.com/office/drawing/2010/main" val="0"/>
               </a:ext>
             </a:extLst>
-          </p:cNvPr>
+          </a:blip>
+          <a:stretch>
+            <a:fillRect/>
+          </a:stretch>
+        </p:blipFill>
+        <p:spPr>
+          <a:xfrm>
+            <a:off x="0" y="0"/>
+            <a:ext cx="12192000" cy="6858000"/>
+          </a:xfrm>
+          <a:prstGeom prst="rect">
+            <a:avLst/>
+          </a:prstGeom>
+        </p:spPr>
+      </p:pic>
+      <p:sp>
+        <p:nvSpPr>
+          <p:cNvPr id="2" name="Title 1"/>
           <p:cNvSpPr>
             <a:spLocks noGrp="1"/>
           </p:cNvSpPr>
@@ -2172,14 +4982,14 @@
         </p:nvSpPr>
         <p:spPr>
           <a:xfrm>
-            <a:off x="839788" y="457200"/>
-            <a:ext cx="3932237" cy="1600200"/>
+            <a:off x="913775" y="609600"/>
+            <a:ext cx="3935688" cy="2023252"/>
           </a:xfrm>
         </p:spPr>
         <p:txBody>
           <a:bodyPr anchor="b"/>
           <a:lstStyle>
-            <a:lvl1pPr>
+            <a:lvl1pPr algn="ctr">
               <a:defRPr sz="3200"/>
             </a:lvl1pPr>
           </a:lstStyle>
@@ -2188,125 +4998,87 @@
               <a:rPr lang="es-ES"/>
               <a:t>Haga clic para modificar el estilo de título del patrón</a:t>
             </a:r>
-          </a:p>
-        </p:txBody>
-      </p:sp>
-      <p:sp>
-        <p:nvSpPr>
-          <p:cNvPr id="3" name="Marcador de contenido 2">
-            <a:extLst>
-              <a:ext uri="{FF2B5EF4-FFF2-40B4-BE49-F238E27FC236}">
-                <a16:creationId xmlns:a16="http://schemas.microsoft.com/office/drawing/2014/main" id="{34129685-7744-4E15-A48A-21F8BEE1B478}"/>
-              </a:ext>
-            </a:extLst>
-          </p:cNvPr>
-          <p:cNvSpPr>
-            <a:spLocks noGrp="1"/>
-          </p:cNvSpPr>
-          <p:nvPr>
-            <p:ph idx="1"/>
-          </p:nvPr>
-        </p:nvSpPr>
-        <p:spPr>
-          <a:xfrm>
-            <a:off x="5183188" y="987425"/>
-            <a:ext cx="6172200" cy="4873625"/>
+            <a:endParaRPr lang="en-US" dirty="0"/>
+          </a:p>
+        </p:txBody>
+      </p:sp>
+      <p:sp>
+        <p:nvSpPr>
+          <p:cNvPr id="10" name="Content Placeholder 2"/>
+          <p:cNvSpPr>
+            <a:spLocks noGrp="1"/>
+          </p:cNvSpPr>
+          <p:nvPr>
+            <p:ph sz="quarter" idx="13"/>
+          </p:nvPr>
+        </p:nvSpPr>
+        <p:spPr>
+          <a:xfrm>
+            <a:off x="5078062" y="609600"/>
+            <a:ext cx="6200163" cy="5181599"/>
+          </a:xfrm>
+        </p:spPr>
+        <p:txBody>
+          <a:bodyPr/>
+          <a:lstStyle/>
+          <a:p>
+            <a:pPr lvl="0"/>
+            <a:r>
+              <a:rPr lang="es-ES"/>
+              <a:t>Editar los estilos de texto del patrón</a:t>
+            </a:r>
+          </a:p>
+          <a:p>
+            <a:pPr lvl="1"/>
+            <a:r>
+              <a:rPr lang="es-ES"/>
+              <a:t>Segundo nivel</a:t>
+            </a:r>
+          </a:p>
+          <a:p>
+            <a:pPr lvl="2"/>
+            <a:r>
+              <a:rPr lang="es-ES"/>
+              <a:t>Tercer nivel</a:t>
+            </a:r>
+          </a:p>
+          <a:p>
+            <a:pPr lvl="3"/>
+            <a:r>
+              <a:rPr lang="es-ES"/>
+              <a:t>Cuarto nivel</a:t>
+            </a:r>
+          </a:p>
+          <a:p>
+            <a:pPr lvl="4"/>
+            <a:r>
+              <a:rPr lang="es-ES"/>
+              <a:t>Quinto nivel</a:t>
+            </a:r>
+            <a:endParaRPr lang="en-US" dirty="0"/>
+          </a:p>
+        </p:txBody>
+      </p:sp>
+      <p:sp>
+        <p:nvSpPr>
+          <p:cNvPr id="4" name="Text Placeholder 3"/>
+          <p:cNvSpPr>
+            <a:spLocks noGrp="1"/>
+          </p:cNvSpPr>
+          <p:nvPr>
+            <p:ph type="body" sz="half" idx="2"/>
+          </p:nvPr>
+        </p:nvSpPr>
+        <p:spPr>
+          <a:xfrm>
+            <a:off x="913774" y="2632852"/>
+            <a:ext cx="3935689" cy="3158348"/>
           </a:xfrm>
         </p:spPr>
         <p:txBody>
           <a:bodyPr/>
           <a:lstStyle>
-            <a:lvl1pPr>
-              <a:defRPr sz="3200"/>
-            </a:lvl1pPr>
-            <a:lvl2pPr>
-              <a:defRPr sz="2800"/>
-            </a:lvl2pPr>
-            <a:lvl3pPr>
-              <a:defRPr sz="2400"/>
-            </a:lvl3pPr>
-            <a:lvl4pPr>
-              <a:defRPr sz="2000"/>
-            </a:lvl4pPr>
-            <a:lvl5pPr>
-              <a:defRPr sz="2000"/>
-            </a:lvl5pPr>
-            <a:lvl6pPr>
-              <a:defRPr sz="2000"/>
-            </a:lvl6pPr>
-            <a:lvl7pPr>
-              <a:defRPr sz="2000"/>
-            </a:lvl7pPr>
-            <a:lvl8pPr>
-              <a:defRPr sz="2000"/>
-            </a:lvl8pPr>
-            <a:lvl9pPr>
-              <a:defRPr sz="2000"/>
-            </a:lvl9pPr>
-          </a:lstStyle>
-          <a:p>
-            <a:pPr lvl="0"/>
-            <a:r>
-              <a:rPr lang="es-ES"/>
-              <a:t>Editar los estilos de texto del patrón</a:t>
-            </a:r>
-          </a:p>
-          <a:p>
-            <a:pPr lvl="1"/>
-            <a:r>
-              <a:rPr lang="es-ES"/>
-              <a:t>Segundo nivel</a:t>
-            </a:r>
-          </a:p>
-          <a:p>
-            <a:pPr lvl="2"/>
-            <a:r>
-              <a:rPr lang="es-ES"/>
-              <a:t>Tercer nivel</a:t>
-            </a:r>
-          </a:p>
-          <a:p>
-            <a:pPr lvl="3"/>
-            <a:r>
-              <a:rPr lang="es-ES"/>
-              <a:t>Cuarto nivel</a:t>
-            </a:r>
-          </a:p>
-          <a:p>
-            <a:pPr lvl="4"/>
-            <a:r>
-              <a:rPr lang="es-ES"/>
-              <a:t>Quinto nivel</a:t>
-            </a:r>
-          </a:p>
-        </p:txBody>
-      </p:sp>
-      <p:sp>
-        <p:nvSpPr>
-          <p:cNvPr id="4" name="Marcador de texto 3">
-            <a:extLst>
-              <a:ext uri="{FF2B5EF4-FFF2-40B4-BE49-F238E27FC236}">
-                <a16:creationId xmlns:a16="http://schemas.microsoft.com/office/drawing/2014/main" id="{C6B7BC18-0807-4385-8B53-353C58149B53}"/>
-              </a:ext>
-            </a:extLst>
-          </p:cNvPr>
-          <p:cNvSpPr>
-            <a:spLocks noGrp="1"/>
-          </p:cNvSpPr>
-          <p:nvPr>
-            <p:ph type="body" sz="half" idx="2"/>
-          </p:nvPr>
-        </p:nvSpPr>
-        <p:spPr>
-          <a:xfrm>
-            <a:off x="839788" y="2057400"/>
-            <a:ext cx="3932237" cy="3811588"/>
-          </a:xfrm>
-        </p:spPr>
-        <p:txBody>
-          <a:bodyPr/>
-          <a:lstStyle>
-            <a:lvl1pPr marL="0" indent="0">
+            <a:lvl1pPr marL="0" indent="0" algn="ctr">
               <a:buNone/>
               <a:defRPr sz="1600"/>
             </a:lvl1pPr>
@@ -2354,13 +5126,7 @@
       </p:sp>
       <p:sp>
         <p:nvSpPr>
-          <p:cNvPr id="5" name="Marcador de fecha 4">
-            <a:extLst>
-              <a:ext uri="{FF2B5EF4-FFF2-40B4-BE49-F238E27FC236}">
-                <a16:creationId xmlns:a16="http://schemas.microsoft.com/office/drawing/2014/main" id="{18738531-B66B-48A3-8BDC-C13344F960EC}"/>
-              </a:ext>
-            </a:extLst>
-          </p:cNvPr>
+          <p:cNvPr id="5" name="Date Placeholder 4"/>
           <p:cNvSpPr>
             <a:spLocks noGrp="1"/>
           </p:cNvSpPr>
@@ -2375,7 +5141,7 @@
           <a:p>
             <a:fld id="{E5EE0B55-E20F-4275-9E02-1B7D173BE4D6}" type="datetimeFigureOut">
               <a:rPr lang="es-ES" smtClean="0"/>
-              <a:t>22/06/2018</a:t>
+              <a:t>24/06/2018</a:t>
             </a:fld>
             <a:endParaRPr lang="es-ES"/>
           </a:p>
@@ -2383,13 +5149,7 @@
       </p:sp>
       <p:sp>
         <p:nvSpPr>
-          <p:cNvPr id="6" name="Marcador de pie de página 5">
-            <a:extLst>
-              <a:ext uri="{FF2B5EF4-FFF2-40B4-BE49-F238E27FC236}">
-                <a16:creationId xmlns:a16="http://schemas.microsoft.com/office/drawing/2014/main" id="{49706BC0-4425-4936-83F5-73A14A50C2A6}"/>
-              </a:ext>
-            </a:extLst>
-          </p:cNvPr>
+          <p:cNvPr id="6" name="Footer Placeholder 5"/>
           <p:cNvSpPr>
             <a:spLocks noGrp="1"/>
           </p:cNvSpPr>
@@ -2408,13 +5168,7 @@
       </p:sp>
       <p:sp>
         <p:nvSpPr>
-          <p:cNvPr id="7" name="Marcador de número de diapositiva 6">
-            <a:extLst>
-              <a:ext uri="{FF2B5EF4-FFF2-40B4-BE49-F238E27FC236}">
-                <a16:creationId xmlns:a16="http://schemas.microsoft.com/office/drawing/2014/main" id="{56F0ED1C-E097-4FDC-9D15-8DA6FB4A1030}"/>
-              </a:ext>
-            </a:extLst>
-          </p:cNvPr>
+          <p:cNvPr id="7" name="Slide Number Placeholder 6"/>
           <p:cNvSpPr>
             <a:spLocks noGrp="1"/>
           </p:cNvSpPr>
@@ -2438,7 +5192,7 @@
     </p:spTree>
     <p:extLst>
       <p:ext uri="{BB962C8B-B14F-4D97-AF65-F5344CB8AC3E}">
-        <p14:creationId xmlns:p14="http://schemas.microsoft.com/office/powerpoint/2010/main" val="1849239207"/>
+        <p14:creationId xmlns:p14="http://schemas.microsoft.com/office/powerpoint/2010/main" val="2320901520"/>
       </p:ext>
     </p:extLst>
   </p:cSld>
@@ -2465,15 +5219,39 @@
           <a:chExt cx="0" cy="0"/>
         </a:xfrm>
       </p:grpSpPr>
-      <p:sp>
-        <p:nvSpPr>
-          <p:cNvPr id="2" name="Título 1">
+      <p:pic>
+        <p:nvPicPr>
+          <p:cNvPr id="10" name="Picture 9" descr="Droplets-HD-Content-R1d.png"/>
+          <p:cNvPicPr>
+            <a:picLocks noChangeAspect="1"/>
+          </p:cNvPicPr>
+          <p:nvPr/>
+        </p:nvPicPr>
+        <p:blipFill>
+          <a:blip r:embed="rId2">
             <a:extLst>
-              <a:ext uri="{FF2B5EF4-FFF2-40B4-BE49-F238E27FC236}">
-                <a16:creationId xmlns:a16="http://schemas.microsoft.com/office/drawing/2014/main" id="{B7A6C055-9E89-41A8-9BE7-0BF341DF6C9E}"/>
+              <a:ext uri="{28A0092B-C50C-407E-A947-70E740481C1C}">
+                <a14:useLocalDpi xmlns:a14="http://schemas.microsoft.com/office/drawing/2010/main" val="0"/>
               </a:ext>
             </a:extLst>
-          </p:cNvPr>
+          </a:blip>
+          <a:stretch>
+            <a:fillRect/>
+          </a:stretch>
+        </p:blipFill>
+        <p:spPr>
+          <a:xfrm>
+            <a:off x="0" y="0"/>
+            <a:ext cx="12192000" cy="6858000"/>
+          </a:xfrm>
+          <a:prstGeom prst="rect">
+            <a:avLst/>
+          </a:prstGeom>
+        </p:spPr>
+      </p:pic>
+      <p:sp>
+        <p:nvSpPr>
+          <p:cNvPr id="2" name="Title 1"/>
           <p:cNvSpPr>
             <a:spLocks noGrp="1"/>
           </p:cNvSpPr>
@@ -2483,14 +5261,14 @@
         </p:nvSpPr>
         <p:spPr>
           <a:xfrm>
-            <a:off x="839788" y="457200"/>
-            <a:ext cx="3932237" cy="1600200"/>
+            <a:off x="913774" y="609600"/>
+            <a:ext cx="5934969" cy="2023254"/>
           </a:xfrm>
         </p:spPr>
         <p:txBody>
           <a:bodyPr anchor="b"/>
           <a:lstStyle>
-            <a:lvl1pPr>
+            <a:lvl1pPr algn="ctr">
               <a:defRPr sz="3200"/>
             </a:lvl1pPr>
           </a:lstStyle>
@@ -2499,20 +5277,15 @@
               <a:rPr lang="es-ES"/>
               <a:t>Haga clic para modificar el estilo de título del patrón</a:t>
             </a:r>
-          </a:p>
-        </p:txBody>
-      </p:sp>
-      <p:sp>
-        <p:nvSpPr>
-          <p:cNvPr id="3" name="Marcador de posición de imagen 2">
-            <a:extLst>
-              <a:ext uri="{FF2B5EF4-FFF2-40B4-BE49-F238E27FC236}">
-                <a16:creationId xmlns:a16="http://schemas.microsoft.com/office/drawing/2014/main" id="{9162372D-BA76-4E36-8070-B74468CA9CB0}"/>
-              </a:ext>
-            </a:extLst>
-          </p:cNvPr>
-          <p:cNvSpPr>
-            <a:spLocks noGrp="1"/>
+            <a:endParaRPr lang="en-US" dirty="0"/>
+          </a:p>
+        </p:txBody>
+      </p:sp>
+      <p:sp>
+        <p:nvSpPr>
+          <p:cNvPr id="3" name="Picture Placeholder 2"/>
+          <p:cNvSpPr>
+            <a:spLocks noGrp="1" noChangeAspect="1"/>
           </p:cNvSpPr>
           <p:nvPr>
             <p:ph type="pic" idx="1"/>
@@ -2520,12 +5293,40 @@
         </p:nvSpPr>
         <p:spPr>
           <a:xfrm>
-            <a:off x="5183188" y="987425"/>
-            <a:ext cx="6172200" cy="4873625"/>
-          </a:xfrm>
-        </p:spPr>
-        <p:txBody>
-          <a:bodyPr/>
+            <a:off x="7424803" y="609601"/>
+            <a:ext cx="3255358" cy="5181600"/>
+          </a:xfrm>
+          <a:prstGeom prst="roundRect">
+            <a:avLst>
+              <a:gd name="adj" fmla="val 4943"/>
+            </a:avLst>
+          </a:prstGeom>
+          <a:noFill/>
+          <a:ln w="82550" cap="sq">
+            <a:solidFill>
+              <a:schemeClr val="bg2">
+                <a:lumMod val="60000"/>
+                <a:lumOff val="40000"/>
+              </a:schemeClr>
+            </a:solidFill>
+            <a:miter lim="800000"/>
+          </a:ln>
+          <a:effectLst/>
+          <a:scene3d>
+            <a:camera prst="orthographicFront"/>
+            <a:lightRig rig="threePt" dir="t">
+              <a:rot lat="0" lon="0" rev="2700000"/>
+            </a:lightRig>
+          </a:scene3d>
+          <a:sp3d contourW="6350">
+            <a:bevelT h="38100"/>
+            <a:contourClr>
+              <a:srgbClr val="C0C0C0"/>
+            </a:contourClr>
+          </a:sp3d>
+        </p:spPr>
+        <p:txBody>
+          <a:bodyPr anchor="t"/>
           <a:lstStyle>
             <a:lvl1pPr marL="0" indent="0">
               <a:buNone/>
@@ -2565,19 +5366,17 @@
             </a:lvl9pPr>
           </a:lstStyle>
           <a:p>
-            <a:endParaRPr lang="es-ES"/>
-          </a:p>
-        </p:txBody>
-      </p:sp>
-      <p:sp>
-        <p:nvSpPr>
-          <p:cNvPr id="4" name="Marcador de texto 3">
-            <a:extLst>
-              <a:ext uri="{FF2B5EF4-FFF2-40B4-BE49-F238E27FC236}">
-                <a16:creationId xmlns:a16="http://schemas.microsoft.com/office/drawing/2014/main" id="{7DF08915-F229-4CF2-9105-ABE252FDBBFF}"/>
-              </a:ext>
-            </a:extLst>
-          </p:cNvPr>
+            <a:r>
+              <a:rPr lang="es-ES"/>
+              <a:t>Haga clic en el icono para agregar una imagen</a:t>
+            </a:r>
+            <a:endParaRPr lang="en-US" dirty="0"/>
+          </a:p>
+        </p:txBody>
+      </p:sp>
+      <p:sp>
+        <p:nvSpPr>
+          <p:cNvPr id="4" name="Text Placeholder 3"/>
           <p:cNvSpPr>
             <a:spLocks noGrp="1"/>
           </p:cNvSpPr>
@@ -2587,14 +5386,14 @@
         </p:nvSpPr>
         <p:spPr>
           <a:xfrm>
-            <a:off x="839788" y="2057400"/>
-            <a:ext cx="3932237" cy="3811588"/>
+            <a:off x="913794" y="2632852"/>
+            <a:ext cx="5934949" cy="3158347"/>
           </a:xfrm>
         </p:spPr>
         <p:txBody>
           <a:bodyPr/>
           <a:lstStyle>
-            <a:lvl1pPr marL="0" indent="0">
+            <a:lvl1pPr marL="0" indent="0" algn="ctr">
               <a:buNone/>
               <a:defRPr sz="1600"/>
             </a:lvl1pPr>
@@ -2642,13 +5441,7 @@
       </p:sp>
       <p:sp>
         <p:nvSpPr>
-          <p:cNvPr id="5" name="Marcador de fecha 4">
-            <a:extLst>
-              <a:ext uri="{FF2B5EF4-FFF2-40B4-BE49-F238E27FC236}">
-                <a16:creationId xmlns:a16="http://schemas.microsoft.com/office/drawing/2014/main" id="{0B68C225-221F-4CD4-950F-97E558243B51}"/>
-              </a:ext>
-            </a:extLst>
-          </p:cNvPr>
+          <p:cNvPr id="5" name="Date Placeholder 4"/>
           <p:cNvSpPr>
             <a:spLocks noGrp="1"/>
           </p:cNvSpPr>
@@ -2663,7 +5456,7 @@
           <a:p>
             <a:fld id="{E5EE0B55-E20F-4275-9E02-1B7D173BE4D6}" type="datetimeFigureOut">
               <a:rPr lang="es-ES" smtClean="0"/>
-              <a:t>22/06/2018</a:t>
+              <a:t>24/06/2018</a:t>
             </a:fld>
             <a:endParaRPr lang="es-ES"/>
           </a:p>
@@ -2671,13 +5464,7 @@
       </p:sp>
       <p:sp>
         <p:nvSpPr>
-          <p:cNvPr id="6" name="Marcador de pie de página 5">
-            <a:extLst>
-              <a:ext uri="{FF2B5EF4-FFF2-40B4-BE49-F238E27FC236}">
-                <a16:creationId xmlns:a16="http://schemas.microsoft.com/office/drawing/2014/main" id="{044651A0-58B1-45E5-854A-91F9BAE60A17}"/>
-              </a:ext>
-            </a:extLst>
-          </p:cNvPr>
+          <p:cNvPr id="6" name="Footer Placeholder 5"/>
           <p:cNvSpPr>
             <a:spLocks noGrp="1"/>
           </p:cNvSpPr>
@@ -2696,13 +5483,7 @@
       </p:sp>
       <p:sp>
         <p:nvSpPr>
-          <p:cNvPr id="7" name="Marcador de número de diapositiva 6">
-            <a:extLst>
-              <a:ext uri="{FF2B5EF4-FFF2-40B4-BE49-F238E27FC236}">
-                <a16:creationId xmlns:a16="http://schemas.microsoft.com/office/drawing/2014/main" id="{DE0D6785-728E-4C4A-A8AA-0B23AFFCD52B}"/>
-              </a:ext>
-            </a:extLst>
-          </p:cNvPr>
+          <p:cNvPr id="7" name="Slide Number Placeholder 6"/>
           <p:cNvSpPr>
             <a:spLocks noGrp="1"/>
           </p:cNvSpPr>
@@ -2726,7 +5507,7 @@
     </p:spTree>
     <p:extLst>
       <p:ext uri="{BB962C8B-B14F-4D97-AF65-F5344CB8AC3E}">
-        <p14:creationId xmlns:p14="http://schemas.microsoft.com/office/powerpoint/2010/main" val="3522384591"/>
+        <p14:creationId xmlns:p14="http://schemas.microsoft.com/office/powerpoint/2010/main" val="3197388564"/>
       </p:ext>
     </p:extLst>
   </p:cSld>
@@ -2740,8 +5521,8 @@
 <p:sldMaster xmlns:a="http://schemas.openxmlformats.org/drawingml/2006/main" xmlns:r="http://schemas.openxmlformats.org/officeDocument/2006/relationships" xmlns:p="http://schemas.openxmlformats.org/presentationml/2006/main">
   <p:cSld>
     <p:bg>
-      <p:bgRef idx="1001">
-        <a:schemeClr val="bg1"/>
+      <p:bgRef idx="1003">
+        <a:schemeClr val="bg2"/>
       </p:bgRef>
     </p:bg>
     <p:spTree>
@@ -2758,30 +5539,66 @@
           <a:chExt cx="0" cy="0"/>
         </a:xfrm>
       </p:grpSpPr>
-      <p:sp>
-        <p:nvSpPr>
-          <p:cNvPr id="2" name="Marcador de título 1">
+      <p:pic>
+        <p:nvPicPr>
+          <p:cNvPr id="1026" name="Picture 2" descr="\\DROBO-FS\QuickDrops\JB\PPTX NG\Droplets\LightingOverlay.png"/>
+          <p:cNvPicPr>
+            <a:picLocks noChangeAspect="1" noChangeArrowheads="1"/>
+          </p:cNvPicPr>
+          <p:nvPr/>
+        </p:nvPicPr>
+        <p:blipFill>
+          <a:blip r:embed="rId19">
+            <a:alphaModFix amt="70000"/>
             <a:extLst>
-              <a:ext uri="{FF2B5EF4-FFF2-40B4-BE49-F238E27FC236}">
-                <a16:creationId xmlns:a16="http://schemas.microsoft.com/office/drawing/2014/main" id="{957D205F-84BF-46D5-B47E-915EA00B1ACD}"/>
+              <a:ext uri="{28A0092B-C50C-407E-A947-70E740481C1C}">
+                <a14:useLocalDpi xmlns:a14="http://schemas.microsoft.com/office/drawing/2010/main" val="0"/>
               </a:ext>
             </a:extLst>
-          </p:cNvPr>
-          <p:cNvSpPr>
-            <a:spLocks noGrp="1"/>
-          </p:cNvSpPr>
-          <p:nvPr>
-            <p:ph type="title"/>
-          </p:nvPr>
-        </p:nvSpPr>
-        <p:spPr>
-          <a:xfrm>
-            <a:off x="838200" y="365125"/>
-            <a:ext cx="10515600" cy="1325563"/>
+          </a:blip>
+          <a:srcRect/>
+          <a:stretch>
+            <a:fillRect/>
+          </a:stretch>
+        </p:blipFill>
+        <p:spPr bwMode="auto">
+          <a:xfrm>
+            <a:off x="0" y="0"/>
+            <a:ext cx="12192003" cy="6858001"/>
           </a:xfrm>
           <a:prstGeom prst="rect">
             <a:avLst/>
           </a:prstGeom>
+          <a:noFill/>
+          <a:extLst>
+            <a:ext uri="{909E8E84-426E-40DD-AFC4-6F175D3DCCD1}">
+              <a14:hiddenFill xmlns:a14="http://schemas.microsoft.com/office/drawing/2010/main">
+                <a:solidFill>
+                  <a:srgbClr val="FFFFFF"/>
+                </a:solidFill>
+              </a14:hiddenFill>
+            </a:ext>
+          </a:extLst>
+        </p:spPr>
+      </p:pic>
+      <p:sp>
+        <p:nvSpPr>
+          <p:cNvPr id="2" name="Title Placeholder 1"/>
+          <p:cNvSpPr>
+            <a:spLocks noGrp="1"/>
+          </p:cNvSpPr>
+          <p:nvPr>
+            <p:ph type="title"/>
+          </p:nvPr>
+        </p:nvSpPr>
+        <p:spPr>
+          <a:xfrm>
+            <a:off x="913775" y="618517"/>
+            <a:ext cx="10364451" cy="1596177"/>
+          </a:xfrm>
+          <a:prstGeom prst="rect">
+            <a:avLst/>
+          </a:prstGeom>
         </p:spPr>
         <p:txBody>
           <a:bodyPr vert="horz" lIns="91440" tIns="45720" rIns="91440" bIns="45720" rtlCol="0" anchor="ctr">
@@ -2793,18 +5610,13 @@
               <a:rPr lang="es-ES"/>
               <a:t>Haga clic para modificar el estilo de título del patrón</a:t>
             </a:r>
-          </a:p>
-        </p:txBody>
-      </p:sp>
-      <p:sp>
-        <p:nvSpPr>
-          <p:cNvPr id="3" name="Marcador de texto 2">
-            <a:extLst>
-              <a:ext uri="{FF2B5EF4-FFF2-40B4-BE49-F238E27FC236}">
-                <a16:creationId xmlns:a16="http://schemas.microsoft.com/office/drawing/2014/main" id="{8C2C8907-6FB5-471E-8C80-AB55D811BCF6}"/>
-              </a:ext>
-            </a:extLst>
-          </p:cNvPr>
+            <a:endParaRPr lang="en-US" dirty="0"/>
+          </a:p>
+        </p:txBody>
+      </p:sp>
+      <p:sp>
+        <p:nvSpPr>
+          <p:cNvPr id="3" name="Text Placeholder 2"/>
           <p:cNvSpPr>
             <a:spLocks noGrp="1"/>
           </p:cNvSpPr>
@@ -2814,8 +5626,8 @@
         </p:nvSpPr>
         <p:spPr>
           <a:xfrm>
-            <a:off x="838200" y="1825625"/>
-            <a:ext cx="10515600" cy="4351338"/>
+            <a:off x="913775" y="2367093"/>
+            <a:ext cx="10364452" cy="3424107"/>
           </a:xfrm>
           <a:prstGeom prst="rect">
             <a:avLst/>
@@ -2860,18 +5672,13 @@
               <a:rPr lang="es-ES"/>
               <a:t>Quinto nivel</a:t>
             </a:r>
-          </a:p>
-        </p:txBody>
-      </p:sp>
-      <p:sp>
-        <p:nvSpPr>
-          <p:cNvPr id="4" name="Marcador de fecha 3">
-            <a:extLst>
-              <a:ext uri="{FF2B5EF4-FFF2-40B4-BE49-F238E27FC236}">
-                <a16:creationId xmlns:a16="http://schemas.microsoft.com/office/drawing/2014/main" id="{1ADC73E8-2A03-465E-A924-2C5A9795C7C6}"/>
-              </a:ext>
-            </a:extLst>
-          </p:cNvPr>
+            <a:endParaRPr lang="en-US" dirty="0"/>
+          </a:p>
+        </p:txBody>
+      </p:sp>
+      <p:sp>
+        <p:nvSpPr>
+          <p:cNvPr id="4" name="Date Placeholder 3"/>
           <p:cNvSpPr>
             <a:spLocks noGrp="1"/>
           </p:cNvSpPr>
@@ -2881,7 +5688,7 @@
         </p:nvSpPr>
         <p:spPr>
           <a:xfrm>
-            <a:off x="838200" y="6356350"/>
+            <a:off x="7678737" y="5883275"/>
             <a:ext cx="2743200" cy="365125"/>
           </a:xfrm>
           <a:prstGeom prst="rect">
@@ -2891,12 +5698,10 @@
         <p:txBody>
           <a:bodyPr vert="horz" lIns="91440" tIns="45720" rIns="91440" bIns="45720" rtlCol="0" anchor="ctr"/>
           <a:lstStyle>
-            <a:lvl1pPr algn="l">
-              <a:defRPr sz="1200">
+            <a:lvl1pPr algn="r">
+              <a:defRPr sz="1000">
                 <a:solidFill>
-                  <a:schemeClr val="tx1">
-                    <a:tint val="75000"/>
-                  </a:schemeClr>
+                  <a:schemeClr val="tx1"/>
                 </a:solidFill>
               </a:defRPr>
             </a:lvl1pPr>
@@ -2904,7 +5709,7 @@
           <a:p>
             <a:fld id="{E5EE0B55-E20F-4275-9E02-1B7D173BE4D6}" type="datetimeFigureOut">
               <a:rPr lang="es-ES" smtClean="0"/>
-              <a:t>22/06/2018</a:t>
+              <a:t>24/06/2018</a:t>
             </a:fld>
             <a:endParaRPr lang="es-ES"/>
           </a:p>
@@ -2912,13 +5717,7 @@
       </p:sp>
       <p:sp>
         <p:nvSpPr>
-          <p:cNvPr id="5" name="Marcador de pie de página 4">
-            <a:extLst>
-              <a:ext uri="{FF2B5EF4-FFF2-40B4-BE49-F238E27FC236}">
-                <a16:creationId xmlns:a16="http://schemas.microsoft.com/office/drawing/2014/main" id="{55069B2C-B2F0-4526-B79C-7EB4599C5520}"/>
-              </a:ext>
-            </a:extLst>
-          </p:cNvPr>
+          <p:cNvPr id="5" name="Footer Placeholder 4"/>
           <p:cNvSpPr>
             <a:spLocks noGrp="1"/>
           </p:cNvSpPr>
@@ -2928,8 +5727,8 @@
         </p:nvSpPr>
         <p:spPr>
           <a:xfrm>
-            <a:off x="4038600" y="6356350"/>
-            <a:ext cx="4114800" cy="365125"/>
+            <a:off x="913774" y="5883275"/>
+            <a:ext cx="6672887" cy="365125"/>
           </a:xfrm>
           <a:prstGeom prst="rect">
             <a:avLst/>
@@ -2938,12 +5737,10 @@
         <p:txBody>
           <a:bodyPr vert="horz" lIns="91440" tIns="45720" rIns="91440" bIns="45720" rtlCol="0" anchor="ctr"/>
           <a:lstStyle>
-            <a:lvl1pPr algn="ctr">
-              <a:defRPr sz="1200">
+            <a:lvl1pPr algn="l">
+              <a:defRPr sz="1000">
                 <a:solidFill>
-                  <a:schemeClr val="tx1">
-                    <a:tint val="75000"/>
-                  </a:schemeClr>
+                  <a:schemeClr val="tx1"/>
                 </a:solidFill>
               </a:defRPr>
             </a:lvl1pPr>
@@ -2955,13 +5752,7 @@
       </p:sp>
       <p:sp>
         <p:nvSpPr>
-          <p:cNvPr id="6" name="Marcador de número de diapositiva 5">
-            <a:extLst>
-              <a:ext uri="{FF2B5EF4-FFF2-40B4-BE49-F238E27FC236}">
-                <a16:creationId xmlns:a16="http://schemas.microsoft.com/office/drawing/2014/main" id="{3BCF5B29-F213-4A24-B788-33FF61C2D075}"/>
-              </a:ext>
-            </a:extLst>
-          </p:cNvPr>
+          <p:cNvPr id="6" name="Slide Number Placeholder 5"/>
           <p:cNvSpPr>
             <a:spLocks noGrp="1"/>
           </p:cNvSpPr>
@@ -2971,8 +5762,8 @@
         </p:nvSpPr>
         <p:spPr>
           <a:xfrm>
-            <a:off x="8610600" y="6356350"/>
-            <a:ext cx="2743200" cy="365125"/>
+            <a:off x="10514011" y="5883275"/>
+            <a:ext cx="764215" cy="365125"/>
           </a:xfrm>
           <a:prstGeom prst="rect">
             <a:avLst/>
@@ -2982,11 +5773,9 @@
           <a:bodyPr vert="horz" lIns="91440" tIns="45720" rIns="91440" bIns="45720" rtlCol="0" anchor="ctr"/>
           <a:lstStyle>
             <a:lvl1pPr algn="r">
-              <a:defRPr sz="1200">
+              <a:defRPr sz="1000">
                 <a:solidFill>
-                  <a:schemeClr val="tx1">
-                    <a:tint val="75000"/>
-                  </a:schemeClr>
+                  <a:schemeClr val="tx1"/>
                 </a:solidFill>
               </a:defRPr>
             </a:lvl1pPr>
@@ -3003,27 +5792,33 @@
     </p:spTree>
     <p:extLst>
       <p:ext uri="{BB962C8B-B14F-4D97-AF65-F5344CB8AC3E}">
-        <p14:creationId xmlns:p14="http://schemas.microsoft.com/office/powerpoint/2010/main" val="1382653253"/>
+        <p14:creationId xmlns:p14="http://schemas.microsoft.com/office/powerpoint/2010/main" val="3760142107"/>
       </p:ext>
     </p:extLst>
   </p:cSld>
   <p:clrMap bg1="lt1" tx1="dk1" bg2="lt2" tx2="dk2" accent1="accent1" accent2="accent2" accent3="accent3" accent4="accent4" accent5="accent5" accent6="accent6" hlink="hlink" folHlink="folHlink"/>
   <p:sldLayoutIdLst>
-    <p:sldLayoutId id="2147483649" r:id="rId1"/>
-    <p:sldLayoutId id="2147483650" r:id="rId2"/>
-    <p:sldLayoutId id="2147483651" r:id="rId3"/>
-    <p:sldLayoutId id="2147483652" r:id="rId4"/>
-    <p:sldLayoutId id="2147483653" r:id="rId5"/>
-    <p:sldLayoutId id="2147483654" r:id="rId6"/>
-    <p:sldLayoutId id="2147483655" r:id="rId7"/>
-    <p:sldLayoutId id="2147483656" r:id="rId8"/>
-    <p:sldLayoutId id="2147483657" r:id="rId9"/>
-    <p:sldLayoutId id="2147483658" r:id="rId10"/>
-    <p:sldLayoutId id="2147483659" r:id="rId11"/>
+    <p:sldLayoutId id="2147483727" r:id="rId1"/>
+    <p:sldLayoutId id="2147483728" r:id="rId2"/>
+    <p:sldLayoutId id="2147483729" r:id="rId3"/>
+    <p:sldLayoutId id="2147483730" r:id="rId4"/>
+    <p:sldLayoutId id="2147483731" r:id="rId5"/>
+    <p:sldLayoutId id="2147483732" r:id="rId6"/>
+    <p:sldLayoutId id="2147483733" r:id="rId7"/>
+    <p:sldLayoutId id="2147483734" r:id="rId8"/>
+    <p:sldLayoutId id="2147483735" r:id="rId9"/>
+    <p:sldLayoutId id="2147483736" r:id="rId10"/>
+    <p:sldLayoutId id="2147483737" r:id="rId11"/>
+    <p:sldLayoutId id="2147483738" r:id="rId12"/>
+    <p:sldLayoutId id="2147483739" r:id="rId13"/>
+    <p:sldLayoutId id="2147483740" r:id="rId14"/>
+    <p:sldLayoutId id="2147483741" r:id="rId15"/>
+    <p:sldLayoutId id="2147483742" r:id="rId16"/>
+    <p:sldLayoutId id="2147483743" r:id="rId17"/>
   </p:sldLayoutIdLst>
   <p:txStyles>
     <p:titleStyle>
-      <a:lvl1pPr algn="l" defTabSz="914400" rtl="0" eaLnBrk="1" latinLnBrk="0" hangingPunct="1">
+      <a:lvl1pPr algn="ctr" defTabSz="914400" rtl="0" eaLnBrk="1" latinLnBrk="0" hangingPunct="1">
         <a:lnSpc>
           <a:spcPct val="90000"/>
         </a:lnSpc>
@@ -3031,10 +5826,11 @@
           <a:spcPct val="0"/>
         </a:spcBef>
         <a:buNone/>
-        <a:defRPr sz="4400" kern="1200">
+        <a:defRPr sz="3600" kern="1200" cap="all" baseline="0">
           <a:solidFill>
             <a:schemeClr val="tx1"/>
           </a:solidFill>
+          <a:effectLst/>
           <a:latin typeface="+mj-lt"/>
           <a:ea typeface="+mj-ea"/>
           <a:cs typeface="+mj-cs"/>
@@ -3044,17 +5840,21 @@
     <p:bodyStyle>
       <a:lvl1pPr marL="228600" indent="-228600" algn="l" defTabSz="914400" rtl="0" eaLnBrk="1" latinLnBrk="0" hangingPunct="1">
         <a:lnSpc>
-          <a:spcPct val="90000"/>
+          <a:spcPct val="120000"/>
         </a:lnSpc>
         <a:spcBef>
           <a:spcPts val="1000"/>
         </a:spcBef>
+        <a:buClr>
+          <a:schemeClr val="tx1"/>
+        </a:buClr>
         <a:buFont typeface="Arial" panose="020B0604020202020204" pitchFamily="34" charset="0"/>
         <a:buChar char="•"/>
-        <a:defRPr sz="2800" kern="1200">
+        <a:defRPr sz="2000" kern="1200" cap="all" baseline="0">
           <a:solidFill>
             <a:schemeClr val="tx1"/>
           </a:solidFill>
+          <a:effectLst/>
           <a:latin typeface="+mn-lt"/>
           <a:ea typeface="+mn-ea"/>
           <a:cs typeface="+mn-cs"/>
@@ -3062,17 +5862,21 @@
       </a:lvl1pPr>
       <a:lvl2pPr marL="685800" indent="-228600" algn="l" defTabSz="914400" rtl="0" eaLnBrk="1" latinLnBrk="0" hangingPunct="1">
         <a:lnSpc>
-          <a:spcPct val="90000"/>
+          <a:spcPct val="120000"/>
         </a:lnSpc>
         <a:spcBef>
           <a:spcPts val="500"/>
         </a:spcBef>
+        <a:buClr>
+          <a:schemeClr val="tx1"/>
+        </a:buClr>
         <a:buFont typeface="Arial" panose="020B0604020202020204" pitchFamily="34" charset="0"/>
         <a:buChar char="•"/>
-        <a:defRPr sz="2400" kern="1200">
+        <a:defRPr sz="1800" kern="1200" cap="all" baseline="0">
           <a:solidFill>
             <a:schemeClr val="tx1"/>
           </a:solidFill>
+          <a:effectLst/>
           <a:latin typeface="+mn-lt"/>
           <a:ea typeface="+mn-ea"/>
           <a:cs typeface="+mn-cs"/>
@@ -3080,17 +5884,21 @@
       </a:lvl2pPr>
       <a:lvl3pPr marL="1143000" indent="-228600" algn="l" defTabSz="914400" rtl="0" eaLnBrk="1" latinLnBrk="0" hangingPunct="1">
         <a:lnSpc>
-          <a:spcPct val="90000"/>
+          <a:spcPct val="120000"/>
         </a:lnSpc>
         <a:spcBef>
           <a:spcPts val="500"/>
         </a:spcBef>
+        <a:buClr>
+          <a:schemeClr val="tx1"/>
+        </a:buClr>
         <a:buFont typeface="Arial" panose="020B0604020202020204" pitchFamily="34" charset="0"/>
         <a:buChar char="•"/>
-        <a:defRPr sz="2000" kern="1200">
+        <a:defRPr sz="1600" kern="1200" cap="all" baseline="0">
           <a:solidFill>
             <a:schemeClr val="tx1"/>
           </a:solidFill>
+          <a:effectLst/>
           <a:latin typeface="+mn-lt"/>
           <a:ea typeface="+mn-ea"/>
           <a:cs typeface="+mn-cs"/>
@@ -3098,17 +5906,21 @@
       </a:lvl3pPr>
       <a:lvl4pPr marL="1600200" indent="-228600" algn="l" defTabSz="914400" rtl="0" eaLnBrk="1" latinLnBrk="0" hangingPunct="1">
         <a:lnSpc>
-          <a:spcPct val="90000"/>
+          <a:spcPct val="120000"/>
         </a:lnSpc>
         <a:spcBef>
           <a:spcPts val="500"/>
         </a:spcBef>
+        <a:buClr>
+          <a:schemeClr val="tx1"/>
+        </a:buClr>
         <a:buFont typeface="Arial" panose="020B0604020202020204" pitchFamily="34" charset="0"/>
         <a:buChar char="•"/>
-        <a:defRPr sz="1800" kern="1200">
+        <a:defRPr sz="1400" kern="1200" cap="all" baseline="0">
           <a:solidFill>
             <a:schemeClr val="tx1"/>
           </a:solidFill>
+          <a:effectLst/>
           <a:latin typeface="+mn-lt"/>
           <a:ea typeface="+mn-ea"/>
           <a:cs typeface="+mn-cs"/>
@@ -3116,17 +5928,21 @@
       </a:lvl4pPr>
       <a:lvl5pPr marL="2057400" indent="-228600" algn="l" defTabSz="914400" rtl="0" eaLnBrk="1" latinLnBrk="0" hangingPunct="1">
         <a:lnSpc>
-          <a:spcPct val="90000"/>
+          <a:spcPct val="120000"/>
         </a:lnSpc>
         <a:spcBef>
           <a:spcPts val="500"/>
         </a:spcBef>
+        <a:buClr>
+          <a:schemeClr val="tx1"/>
+        </a:buClr>
         <a:buFont typeface="Arial" panose="020B0604020202020204" pitchFamily="34" charset="0"/>
         <a:buChar char="•"/>
-        <a:defRPr sz="1800" kern="1200">
+        <a:defRPr sz="1400" kern="1200" cap="all" baseline="0">
           <a:solidFill>
             <a:schemeClr val="tx1"/>
           </a:solidFill>
+          <a:effectLst/>
           <a:latin typeface="+mn-lt"/>
           <a:ea typeface="+mn-ea"/>
           <a:cs typeface="+mn-cs"/>
@@ -3134,17 +5950,21 @@
       </a:lvl5pPr>
       <a:lvl6pPr marL="2514600" indent="-228600" algn="l" defTabSz="914400" rtl="0" eaLnBrk="1" latinLnBrk="0" hangingPunct="1">
         <a:lnSpc>
-          <a:spcPct val="90000"/>
+          <a:spcPct val="120000"/>
         </a:lnSpc>
         <a:spcBef>
           <a:spcPts val="500"/>
         </a:spcBef>
+        <a:buClr>
+          <a:schemeClr val="tx1"/>
+        </a:buClr>
         <a:buFont typeface="Arial" panose="020B0604020202020204" pitchFamily="34" charset="0"/>
         <a:buChar char="•"/>
-        <a:defRPr sz="1800" kern="1200">
+        <a:defRPr sz="1400" kern="1200" cap="all" baseline="0">
           <a:solidFill>
             <a:schemeClr val="tx1"/>
           </a:solidFill>
+          <a:effectLst/>
           <a:latin typeface="+mn-lt"/>
           <a:ea typeface="+mn-ea"/>
           <a:cs typeface="+mn-cs"/>
@@ -3152,17 +5972,21 @@
       </a:lvl6pPr>
       <a:lvl7pPr marL="2971800" indent="-228600" algn="l" defTabSz="914400" rtl="0" eaLnBrk="1" latinLnBrk="0" hangingPunct="1">
         <a:lnSpc>
-          <a:spcPct val="90000"/>
+          <a:spcPct val="120000"/>
         </a:lnSpc>
         <a:spcBef>
           <a:spcPts val="500"/>
         </a:spcBef>
+        <a:buClr>
+          <a:schemeClr val="tx1"/>
+        </a:buClr>
         <a:buFont typeface="Arial" panose="020B0604020202020204" pitchFamily="34" charset="0"/>
         <a:buChar char="•"/>
-        <a:defRPr sz="1800" kern="1200">
+        <a:defRPr sz="1400" kern="1200" cap="all" baseline="0">
           <a:solidFill>
             <a:schemeClr val="tx1"/>
           </a:solidFill>
+          <a:effectLst/>
           <a:latin typeface="+mn-lt"/>
           <a:ea typeface="+mn-ea"/>
           <a:cs typeface="+mn-cs"/>
@@ -3170,17 +5994,21 @@
       </a:lvl7pPr>
       <a:lvl8pPr marL="3429000" indent="-228600" algn="l" defTabSz="914400" rtl="0" eaLnBrk="1" latinLnBrk="0" hangingPunct="1">
         <a:lnSpc>
-          <a:spcPct val="90000"/>
+          <a:spcPct val="120000"/>
         </a:lnSpc>
         <a:spcBef>
           <a:spcPts val="500"/>
         </a:spcBef>
+        <a:buClr>
+          <a:schemeClr val="tx1"/>
+        </a:buClr>
         <a:buFont typeface="Arial" panose="020B0604020202020204" pitchFamily="34" charset="0"/>
         <a:buChar char="•"/>
-        <a:defRPr sz="1800" kern="1200">
+        <a:defRPr sz="1400" kern="1200" cap="all" baseline="0">
           <a:solidFill>
             <a:schemeClr val="tx1"/>
           </a:solidFill>
+          <a:effectLst/>
           <a:latin typeface="+mn-lt"/>
           <a:ea typeface="+mn-ea"/>
           <a:cs typeface="+mn-cs"/>
@@ -3188,17 +6016,21 @@
       </a:lvl8pPr>
       <a:lvl9pPr marL="3886200" indent="-228600" algn="l" defTabSz="914400" rtl="0" eaLnBrk="1" latinLnBrk="0" hangingPunct="1">
         <a:lnSpc>
-          <a:spcPct val="90000"/>
+          <a:spcPct val="120000"/>
         </a:lnSpc>
         <a:spcBef>
           <a:spcPts val="500"/>
         </a:spcBef>
+        <a:buClr>
+          <a:schemeClr val="tx1"/>
+        </a:buClr>
         <a:buFont typeface="Arial" panose="020B0604020202020204" pitchFamily="34" charset="0"/>
         <a:buChar char="•"/>
-        <a:defRPr sz="1800" kern="1200">
+        <a:defRPr sz="1400" kern="1200" cap="all" baseline="0">
           <a:solidFill>
             <a:schemeClr val="tx1"/>
           </a:solidFill>
+          <a:effectLst/>
           <a:latin typeface="+mn-lt"/>
           <a:ea typeface="+mn-ea"/>
           <a:cs typeface="+mn-cs"/>
@@ -3207,7 +6039,7 @@
     </p:bodyStyle>
     <p:otherStyle>
       <a:defPPr>
-        <a:defRPr lang="es-ES"/>
+        <a:defRPr lang="en-US"/>
       </a:defPPr>
       <a:lvl1pPr marL="0" algn="l" defTabSz="914400" rtl="0" eaLnBrk="1" latinLnBrk="0" hangingPunct="1">
         <a:defRPr sz="1800" kern="1200">
@@ -3301,6 +6133,11 @@
       </a:lvl9pPr>
     </p:otherStyle>
   </p:txStyles>
+  <p:extLst>
+    <p:ext uri="{27BBF7A9-308A-43DC-89C8-2F10F3537804}">
+      <p15:sldGuideLst xmlns:p15="http://schemas.microsoft.com/office/powerpoint/2012/main"/>
+    </p:ext>
+  </p:extLst>
 </p:sldMaster>
 </file>
 
@@ -3342,7 +6179,11 @@
           <a:bodyPr/>
           <a:lstStyle/>
           <a:p>
-            <a:endParaRPr lang="es-ES"/>
+            <a:r>
+              <a:rPr lang="es-ES" dirty="0" err="1"/>
+              <a:t>ConnecTour</a:t>
+            </a:r>
+            <a:endParaRPr lang="es-ES" dirty="0"/>
           </a:p>
         </p:txBody>
       </p:sp>
@@ -3367,7 +6208,10 @@
           <a:bodyPr/>
           <a:lstStyle/>
           <a:p>
-            <a:endParaRPr lang="es-ES"/>
+            <a:r>
+              <a:rPr lang="es-ES" dirty="0"/>
+              <a:t>Conectando autóctonos y turistas</a:t>
+            </a:r>
           </a:p>
         </p:txBody>
       </p:sp>
@@ -3384,10 +6228,90 @@
 </p:sld>
 </file>
 
+<file path=ppt/slides/slide2.xml><?xml version="1.0" encoding="utf-8"?>
+<p:sld xmlns:a="http://schemas.openxmlformats.org/drawingml/2006/main" xmlns:r="http://schemas.openxmlformats.org/officeDocument/2006/relationships" xmlns:p="http://schemas.openxmlformats.org/presentationml/2006/main">
+  <p:cSld>
+    <p:spTree>
+      <p:nvGrpSpPr>
+        <p:cNvPr id="1" name=""/>
+        <p:cNvGrpSpPr/>
+        <p:nvPr/>
+      </p:nvGrpSpPr>
+      <p:grpSpPr>
+        <a:xfrm>
+          <a:off x="0" y="0"/>
+          <a:ext cx="0" cy="0"/>
+          <a:chOff x="0" y="0"/>
+          <a:chExt cx="0" cy="0"/>
+        </a:xfrm>
+      </p:grpSpPr>
+      <p:sp>
+        <p:nvSpPr>
+          <p:cNvPr id="2" name="Título 1">
+            <a:extLst>
+              <a:ext uri="{FF2B5EF4-FFF2-40B4-BE49-F238E27FC236}">
+                <a16:creationId xmlns:a16="http://schemas.microsoft.com/office/drawing/2014/main" id="{3B8F6EBB-1886-43DF-A445-7B8D8FBBC27A}"/>
+              </a:ext>
+            </a:extLst>
+          </p:cNvPr>
+          <p:cNvSpPr>
+            <a:spLocks noGrp="1"/>
+          </p:cNvSpPr>
+          <p:nvPr>
+            <p:ph type="title"/>
+          </p:nvPr>
+        </p:nvSpPr>
+        <p:spPr/>
+        <p:txBody>
+          <a:bodyPr/>
+          <a:lstStyle/>
+          <a:p>
+            <a:endParaRPr lang="es-ES" dirty="0"/>
+          </a:p>
+        </p:txBody>
+      </p:sp>
+      <p:sp>
+        <p:nvSpPr>
+          <p:cNvPr id="3" name="Marcador de contenido 2">
+            <a:extLst>
+              <a:ext uri="{FF2B5EF4-FFF2-40B4-BE49-F238E27FC236}">
+                <a16:creationId xmlns:a16="http://schemas.microsoft.com/office/drawing/2014/main" id="{A4302529-F304-4B9C-BE46-2212B75EF026}"/>
+              </a:ext>
+            </a:extLst>
+          </p:cNvPr>
+          <p:cNvSpPr>
+            <a:spLocks noGrp="1"/>
+          </p:cNvSpPr>
+          <p:nvPr>
+            <p:ph sz="quarter" idx="13"/>
+          </p:nvPr>
+        </p:nvSpPr>
+        <p:spPr/>
+        <p:txBody>
+          <a:bodyPr/>
+          <a:lstStyle/>
+          <a:p>
+            <a:endParaRPr lang="es-ES"/>
+          </a:p>
+        </p:txBody>
+      </p:sp>
+    </p:spTree>
+    <p:extLst>
+      <p:ext uri="{BB962C8B-B14F-4D97-AF65-F5344CB8AC3E}">
+        <p14:creationId xmlns:p14="http://schemas.microsoft.com/office/powerpoint/2010/main" val="2704321360"/>
+      </p:ext>
+    </p:extLst>
+  </p:cSld>
+  <p:clrMapOvr>
+    <a:masterClrMapping/>
+  </p:clrMapOvr>
+</p:sld>
+</file>
+
 <file path=ppt/theme/theme1.xml><?xml version="1.0" encoding="utf-8"?>
-<a:theme xmlns:a="http://schemas.openxmlformats.org/drawingml/2006/main" name="Tema de Office">
+<a:theme xmlns:a="http://schemas.openxmlformats.org/drawingml/2006/main" name="Gota">
   <a:themeElements>
-    <a:clrScheme name="Office">
+    <a:clrScheme name="Gota">
       <a:dk1>
         <a:sysClr val="windowText" lastClr="000000"/>
       </a:dk1>
@@ -3395,44 +6319,44 @@
         <a:sysClr val="window" lastClr="FFFFFF"/>
       </a:lt1>
       <a:dk2>
-        <a:srgbClr val="44546A"/>
+        <a:srgbClr val="1C647B"/>
       </a:dk2>
       <a:lt2>
-        <a:srgbClr val="E7E6E6"/>
+        <a:srgbClr val="98B7D3"/>
       </a:lt2>
       <a:accent1>
-        <a:srgbClr val="4472C4"/>
+        <a:srgbClr val="274FA4"/>
       </a:accent1>
       <a:accent2>
-        <a:srgbClr val="ED7D31"/>
+        <a:srgbClr val="48A8D0"/>
       </a:accent2>
       <a:accent3>
-        <a:srgbClr val="A5A5A5"/>
+        <a:srgbClr val="53B18F"/>
       </a:accent3>
       <a:accent4>
-        <a:srgbClr val="FFC000"/>
+        <a:srgbClr val="D78D38"/>
       </a:accent4>
       <a:accent5>
-        <a:srgbClr val="5B9BD5"/>
+        <a:srgbClr val="BA3F51"/>
       </a:accent5>
       <a:accent6>
-        <a:srgbClr val="70AD47"/>
+        <a:srgbClr val="AE52D9"/>
       </a:accent6>
       <a:hlink>
-        <a:srgbClr val="0563C1"/>
+        <a:srgbClr val="2AA2DA"/>
       </a:hlink>
       <a:folHlink>
-        <a:srgbClr val="954F72"/>
+        <a:srgbClr val="76A3B8"/>
       </a:folHlink>
     </a:clrScheme>
-    <a:fontScheme name="Office">
+    <a:fontScheme name="Gota">
       <a:majorFont>
-        <a:latin typeface="Calibri Light" panose="020F0302020204030204"/>
+        <a:latin typeface="Tw Cen MT" panose="020B0602020104020603"/>
         <a:ea typeface=""/>
         <a:cs typeface=""/>
-        <a:font script="Jpan" typeface="游ゴシック Light"/>
+        <a:font script="Jpan" typeface="ＭＳ Ｐゴシック"/>
         <a:font script="Hang" typeface="맑은 고딕"/>
-        <a:font script="Hans" typeface="等线 Light"/>
+        <a:font script="Hans" typeface="宋体"/>
         <a:font script="Hant" typeface="新細明體"/>
         <a:font script="Arab" typeface="Times New Roman"/>
         <a:font script="Hebr" typeface="Times New Roman"/>
@@ -3460,31 +6384,14 @@
         <a:font script="Viet" typeface="Times New Roman"/>
         <a:font script="Uigh" typeface="Microsoft Uighur"/>
         <a:font script="Geor" typeface="Sylfaen"/>
-        <a:font script="Armn" typeface="Arial"/>
-        <a:font script="Bugi" typeface="Leelawadee UI"/>
-        <a:font script="Bopo" typeface="Microsoft JhengHei"/>
-        <a:font script="Java" typeface="Javanese Text"/>
-        <a:font script="Lisu" typeface="Segoe UI"/>
-        <a:font script="Mymr" typeface="Myanmar Text"/>
-        <a:font script="Nkoo" typeface="Ebrima"/>
-        <a:font script="Olck" typeface="Nirmala UI"/>
-        <a:font script="Osma" typeface="Ebrima"/>
-        <a:font script="Phag" typeface="Phagspa"/>
-        <a:font script="Syrn" typeface="Estrangelo Edessa"/>
-        <a:font script="Syrj" typeface="Estrangelo Edessa"/>
-        <a:font script="Syre" typeface="Estrangelo Edessa"/>
-        <a:font script="Sora" typeface="Nirmala UI"/>
-        <a:font script="Tale" typeface="Microsoft Tai Le"/>
-        <a:font script="Talu" typeface="Microsoft New Tai Lue"/>
-        <a:font script="Tfng" typeface="Ebrima"/>
       </a:majorFont>
       <a:minorFont>
-        <a:latin typeface="Calibri" panose="020F0502020204030204"/>
+        <a:latin typeface="Tw Cen MT" panose="020B0602020104020603"/>
         <a:ea typeface=""/>
         <a:cs typeface=""/>
-        <a:font script="Jpan" typeface="游ゴシック"/>
+        <a:font script="Jpan" typeface="ＭＳ Ｐゴシック"/>
         <a:font script="Hang" typeface="맑은 고딕"/>
-        <a:font script="Hans" typeface="等线"/>
+        <a:font script="Hans" typeface="宋体"/>
         <a:font script="Hant" typeface="新細明體"/>
         <a:font script="Arab" typeface="Arial"/>
         <a:font script="Hebr" typeface="Arial"/>
@@ -3512,27 +6419,105 @@
         <a:font script="Viet" typeface="Arial"/>
         <a:font script="Uigh" typeface="Microsoft Uighur"/>
         <a:font script="Geor" typeface="Sylfaen"/>
-        <a:font script="Armn" typeface="Arial"/>
-        <a:font script="Bugi" typeface="Leelawadee UI"/>
-        <a:font script="Bopo" typeface="Microsoft JhengHei"/>
-        <a:font script="Java" typeface="Javanese Text"/>
-        <a:font script="Lisu" typeface="Segoe UI"/>
-        <a:font script="Mymr" typeface="Myanmar Text"/>
-        <a:font script="Nkoo" typeface="Ebrima"/>
-        <a:font script="Olck" typeface="Nirmala UI"/>
-        <a:font script="Osma" typeface="Ebrima"/>
-        <a:font script="Phag" typeface="Phagspa"/>
-        <a:font script="Syrn" typeface="Estrangelo Edessa"/>
-        <a:font script="Syrj" typeface="Estrangelo Edessa"/>
-        <a:font script="Syre" typeface="Estrangelo Edessa"/>
-        <a:font script="Sora" typeface="Nirmala UI"/>
-        <a:font script="Tale" typeface="Microsoft Tai Le"/>
-        <a:font script="Talu" typeface="Microsoft New Tai Lue"/>
-        <a:font script="Tfng" typeface="Ebrima"/>
       </a:minorFont>
     </a:fontScheme>
-    <a:fmtScheme name="Office">
+    <a:fmtScheme name="Gota">
       <a:fillStyleLst>
+        <a:solidFill>
+          <a:schemeClr val="phClr"/>
+        </a:solidFill>
+        <a:solidFill>
+          <a:schemeClr val="phClr">
+            <a:tint val="69000"/>
+            <a:satMod val="105000"/>
+            <a:lumMod val="110000"/>
+          </a:schemeClr>
+        </a:solidFill>
+        <a:gradFill rotWithShape="1">
+          <a:gsLst>
+            <a:gs pos="0">
+              <a:schemeClr val="phClr">
+                <a:tint val="94000"/>
+                <a:satMod val="100000"/>
+                <a:lumMod val="108000"/>
+              </a:schemeClr>
+            </a:gs>
+            <a:gs pos="50000">
+              <a:schemeClr val="phClr">
+                <a:tint val="98000"/>
+                <a:shade val="100000"/>
+                <a:satMod val="100000"/>
+                <a:lumMod val="100000"/>
+              </a:schemeClr>
+            </a:gs>
+            <a:gs pos="100000">
+              <a:schemeClr val="phClr">
+                <a:shade val="72000"/>
+                <a:satMod val="120000"/>
+                <a:lumMod val="100000"/>
+              </a:schemeClr>
+            </a:gs>
+          </a:gsLst>
+          <a:lin ang="5400000" scaled="0"/>
+        </a:gradFill>
+      </a:fillStyleLst>
+      <a:lnStyleLst>
+        <a:ln w="9525" cap="flat" cmpd="sng" algn="ctr">
+          <a:solidFill>
+            <a:schemeClr val="phClr">
+              <a:shade val="60000"/>
+            </a:schemeClr>
+          </a:solidFill>
+          <a:prstDash val="solid"/>
+        </a:ln>
+        <a:ln w="15875" cap="flat" cmpd="sng" algn="ctr">
+          <a:solidFill>
+            <a:schemeClr val="phClr"/>
+          </a:solidFill>
+          <a:prstDash val="solid"/>
+        </a:ln>
+        <a:ln w="22225" cap="flat" cmpd="sng" algn="ctr">
+          <a:solidFill>
+            <a:schemeClr val="phClr"/>
+          </a:solidFill>
+          <a:prstDash val="solid"/>
+        </a:ln>
+      </a:lnStyleLst>
+      <a:effectStyleLst>
+        <a:effectStyle>
+          <a:effectLst/>
+        </a:effectStyle>
+        <a:effectStyle>
+          <a:effectLst>
+            <a:outerShdw blurRad="50800" dist="25400" dir="5400000" rotWithShape="0">
+              <a:srgbClr val="000000">
+                <a:alpha val="28000"/>
+              </a:srgbClr>
+            </a:outerShdw>
+          </a:effectLst>
+        </a:effectStyle>
+        <a:effectStyle>
+          <a:effectLst>
+            <a:outerShdw blurRad="63500" dist="25400" dir="5400000" algn="ctr" rotWithShape="0">
+              <a:srgbClr val="000000">
+                <a:alpha val="69000"/>
+              </a:srgbClr>
+            </a:outerShdw>
+          </a:effectLst>
+          <a:scene3d>
+            <a:camera prst="orthographicFront">
+              <a:rot lat="0" lon="0" rev="0"/>
+            </a:camera>
+            <a:lightRig rig="balanced" dir="t">
+              <a:rot lat="0" lon="0" rev="1200000"/>
+            </a:lightRig>
+          </a:scene3d>
+          <a:sp3d prstMaterial="plastic">
+            <a:bevelT w="25400" h="25400"/>
+          </a:sp3d>
+        </a:effectStyle>
+      </a:effectStyleLst>
+      <a:bgFillStyleLst>
         <a:solidFill>
           <a:schemeClr val="phClr"/>
         </a:solidFill>
@@ -3540,23 +6525,14 @@
           <a:gsLst>
             <a:gs pos="0">
               <a:schemeClr val="phClr">
+                <a:tint val="90000"/>
                 <a:lumMod val="110000"/>
-                <a:satMod val="105000"/>
-                <a:tint val="67000"/>
-              </a:schemeClr>
-            </a:gs>
-            <a:gs pos="50000">
-              <a:schemeClr val="phClr">
-                <a:lumMod val="105000"/>
-                <a:satMod val="103000"/>
-                <a:tint val="73000"/>
               </a:schemeClr>
             </a:gs>
             <a:gs pos="100000">
               <a:schemeClr val="phClr">
-                <a:lumMod val="105000"/>
-                <a:satMod val="109000"/>
-                <a:tint val="81000"/>
+                <a:shade val="64000"/>
+                <a:lumMod val="88000"/>
               </a:schemeClr>
             </a:gs>
           </a:gsLst>
@@ -3566,101 +6542,18 @@
           <a:gsLst>
             <a:gs pos="0">
               <a:schemeClr val="phClr">
-                <a:satMod val="103000"/>
-                <a:lumMod val="102000"/>
-                <a:tint val="94000"/>
-              </a:schemeClr>
-            </a:gs>
-            <a:gs pos="50000">
-              <a:schemeClr val="phClr">
-                <a:satMod val="110000"/>
-                <a:lumMod val="100000"/>
+                <a:tint val="84000"/>
                 <a:shade val="100000"/>
+                <a:hueMod val="92000"/>
+                <a:satMod val="180000"/>
+                <a:lumMod val="114000"/>
               </a:schemeClr>
             </a:gs>
             <a:gs pos="100000">
               <a:schemeClr val="phClr">
-                <a:lumMod val="99000"/>
-                <a:satMod val="120000"/>
-                <a:shade val="78000"/>
-              </a:schemeClr>
-            </a:gs>
-          </a:gsLst>
-          <a:lin ang="5400000" scaled="0"/>
-        </a:gradFill>
-      </a:fillStyleLst>
-      <a:lnStyleLst>
-        <a:ln w="6350" cap="flat" cmpd="sng" algn="ctr">
-          <a:solidFill>
-            <a:schemeClr val="phClr"/>
-          </a:solidFill>
-          <a:prstDash val="solid"/>
-          <a:miter lim="800000"/>
-        </a:ln>
-        <a:ln w="12700" cap="flat" cmpd="sng" algn="ctr">
-          <a:solidFill>
-            <a:schemeClr val="phClr"/>
-          </a:solidFill>
-          <a:prstDash val="solid"/>
-          <a:miter lim="800000"/>
-        </a:ln>
-        <a:ln w="19050" cap="flat" cmpd="sng" algn="ctr">
-          <a:solidFill>
-            <a:schemeClr val="phClr"/>
-          </a:solidFill>
-          <a:prstDash val="solid"/>
-          <a:miter lim="800000"/>
-        </a:ln>
-      </a:lnStyleLst>
-      <a:effectStyleLst>
-        <a:effectStyle>
-          <a:effectLst/>
-        </a:effectStyle>
-        <a:effectStyle>
-          <a:effectLst/>
-        </a:effectStyle>
-        <a:effectStyle>
-          <a:effectLst>
-            <a:outerShdw blurRad="57150" dist="19050" dir="5400000" algn="ctr" rotWithShape="0">
-              <a:srgbClr val="000000">
-                <a:alpha val="63000"/>
-              </a:srgbClr>
-            </a:outerShdw>
-          </a:effectLst>
-        </a:effectStyle>
-      </a:effectStyleLst>
-      <a:bgFillStyleLst>
-        <a:solidFill>
-          <a:schemeClr val="phClr"/>
-        </a:solidFill>
-        <a:solidFill>
-          <a:schemeClr val="phClr">
-            <a:tint val="95000"/>
-            <a:satMod val="170000"/>
-          </a:schemeClr>
-        </a:solidFill>
-        <a:gradFill rotWithShape="1">
-          <a:gsLst>
-            <a:gs pos="0">
-              <a:schemeClr val="phClr">
-                <a:tint val="93000"/>
-                <a:satMod val="150000"/>
-                <a:shade val="98000"/>
-                <a:lumMod val="102000"/>
-              </a:schemeClr>
-            </a:gs>
-            <a:gs pos="50000">
-              <a:schemeClr val="phClr">
-                <a:tint val="98000"/>
-                <a:satMod val="130000"/>
-                <a:shade val="90000"/>
-                <a:lumMod val="103000"/>
-              </a:schemeClr>
-            </a:gs>
-            <a:gs pos="100000">
-              <a:schemeClr val="phClr">
-                <a:shade val="63000"/>
-                <a:satMod val="120000"/>
+                <a:shade val="92000"/>
+                <a:satMod val="170000"/>
+                <a:lumMod val="96000"/>
               </a:schemeClr>
             </a:gs>
           </a:gsLst>
@@ -3673,7 +6566,7 @@
   <a:extraClrSchemeLst/>
   <a:extLst>
     <a:ext uri="{05A4C25C-085E-4340-85A3-A5531E510DB2}">
-      <thm15:themeFamily xmlns:thm15="http://schemas.microsoft.com/office/thememl/2012/main" name="Office Theme" id="{62F939B6-93AF-4DB8-9C6B-D6C7DFDC589F}" vid="{4A3C46E8-61CC-4603-A589-7422A47A8E4A}"/>
+      <thm15:themeFamily xmlns:thm15="http://schemas.microsoft.com/office/thememl/2012/main" name="Droplet" id="{8984A317-299A-4E50-B45D-BFC9EDE2337A}" vid="{DEB094D4-7FD8-4F86-93D5-B0F1341EF586}"/>
     </a:ext>
   </a:extLst>
 </a:theme>

--- a/Documentacion/Hack4SD.pptx
+++ b/Documentacion/Hack4SD.pptx
@@ -2,23 +2,26 @@
 <file path=ppt/presentation.xml><?xml version="1.0" encoding="utf-8"?>
 <p:presentation xmlns:a="http://schemas.openxmlformats.org/drawingml/2006/main" xmlns:r="http://schemas.openxmlformats.org/officeDocument/2006/relationships" xmlns:p="http://schemas.openxmlformats.org/presentationml/2006/main" saveSubsetFonts="1">
   <p:sldMasterIdLst>
-    <p:sldMasterId id="2147483794" r:id="rId1"/>
+    <p:sldMasterId id="2147483878" r:id="rId1"/>
   </p:sldMasterIdLst>
+  <p:notesMasterIdLst>
+    <p:notesMasterId r:id="rId8"/>
+  </p:notesMasterIdLst>
   <p:sldIdLst>
     <p:sldId id="256" r:id="rId2"/>
-    <p:sldId id="261" r:id="rId3"/>
-    <p:sldId id="257" r:id="rId4"/>
-    <p:sldId id="258" r:id="rId5"/>
-    <p:sldId id="260" r:id="rId6"/>
-    <p:sldId id="259" r:id="rId7"/>
+    <p:sldId id="257" r:id="rId3"/>
+    <p:sldId id="261" r:id="rId4"/>
+    <p:sldId id="265" r:id="rId5"/>
+    <p:sldId id="259" r:id="rId6"/>
+    <p:sldId id="264" r:id="rId7"/>
   </p:sldIdLst>
   <p:sldSz cx="12192000" cy="6858000"/>
   <p:notesSz cx="6858000" cy="9144000"/>
   <p:defaultTextStyle>
     <a:defPPr>
-      <a:defRPr lang="es-ES"/>
+      <a:defRPr lang="en-US"/>
     </a:defPPr>
-    <a:lvl1pPr marL="0" algn="l" defTabSz="914400" rtl="0" eaLnBrk="1" latinLnBrk="0" hangingPunct="1">
+    <a:lvl1pPr marL="0" algn="l" defTabSz="457200" rtl="0" eaLnBrk="1" latinLnBrk="0" hangingPunct="1">
       <a:defRPr sz="1800" kern="1200">
         <a:solidFill>
           <a:schemeClr val="tx1"/>
@@ -28,7 +31,7 @@
         <a:cs typeface="+mn-cs"/>
       </a:defRPr>
     </a:lvl1pPr>
-    <a:lvl2pPr marL="457200" algn="l" defTabSz="914400" rtl="0" eaLnBrk="1" latinLnBrk="0" hangingPunct="1">
+    <a:lvl2pPr marL="457200" algn="l" defTabSz="457200" rtl="0" eaLnBrk="1" latinLnBrk="0" hangingPunct="1">
       <a:defRPr sz="1800" kern="1200">
         <a:solidFill>
           <a:schemeClr val="tx1"/>
@@ -38,7 +41,7 @@
         <a:cs typeface="+mn-cs"/>
       </a:defRPr>
     </a:lvl2pPr>
-    <a:lvl3pPr marL="914400" algn="l" defTabSz="914400" rtl="0" eaLnBrk="1" latinLnBrk="0" hangingPunct="1">
+    <a:lvl3pPr marL="914400" algn="l" defTabSz="457200" rtl="0" eaLnBrk="1" latinLnBrk="0" hangingPunct="1">
       <a:defRPr sz="1800" kern="1200">
         <a:solidFill>
           <a:schemeClr val="tx1"/>
@@ -48,7 +51,7 @@
         <a:cs typeface="+mn-cs"/>
       </a:defRPr>
     </a:lvl3pPr>
-    <a:lvl4pPr marL="1371600" algn="l" defTabSz="914400" rtl="0" eaLnBrk="1" latinLnBrk="0" hangingPunct="1">
+    <a:lvl4pPr marL="1371600" algn="l" defTabSz="457200" rtl="0" eaLnBrk="1" latinLnBrk="0" hangingPunct="1">
       <a:defRPr sz="1800" kern="1200">
         <a:solidFill>
           <a:schemeClr val="tx1"/>
@@ -58,7 +61,7 @@
         <a:cs typeface="+mn-cs"/>
       </a:defRPr>
     </a:lvl4pPr>
-    <a:lvl5pPr marL="1828800" algn="l" defTabSz="914400" rtl="0" eaLnBrk="1" latinLnBrk="0" hangingPunct="1">
+    <a:lvl5pPr marL="1828800" algn="l" defTabSz="457200" rtl="0" eaLnBrk="1" latinLnBrk="0" hangingPunct="1">
       <a:defRPr sz="1800" kern="1200">
         <a:solidFill>
           <a:schemeClr val="tx1"/>
@@ -68,7 +71,7 @@
         <a:cs typeface="+mn-cs"/>
       </a:defRPr>
     </a:lvl5pPr>
-    <a:lvl6pPr marL="2286000" algn="l" defTabSz="914400" rtl="0" eaLnBrk="1" latinLnBrk="0" hangingPunct="1">
+    <a:lvl6pPr marL="2286000" algn="l" defTabSz="457200" rtl="0" eaLnBrk="1" latinLnBrk="0" hangingPunct="1">
       <a:defRPr sz="1800" kern="1200">
         <a:solidFill>
           <a:schemeClr val="tx1"/>
@@ -78,7 +81,7 @@
         <a:cs typeface="+mn-cs"/>
       </a:defRPr>
     </a:lvl6pPr>
-    <a:lvl7pPr marL="2743200" algn="l" defTabSz="914400" rtl="0" eaLnBrk="1" latinLnBrk="0" hangingPunct="1">
+    <a:lvl7pPr marL="2743200" algn="l" defTabSz="457200" rtl="0" eaLnBrk="1" latinLnBrk="0" hangingPunct="1">
       <a:defRPr sz="1800" kern="1200">
         <a:solidFill>
           <a:schemeClr val="tx1"/>
@@ -88,7 +91,7 @@
         <a:cs typeface="+mn-cs"/>
       </a:defRPr>
     </a:lvl7pPr>
-    <a:lvl8pPr marL="3200400" algn="l" defTabSz="914400" rtl="0" eaLnBrk="1" latinLnBrk="0" hangingPunct="1">
+    <a:lvl8pPr marL="3200400" algn="l" defTabSz="457200" rtl="0" eaLnBrk="1" latinLnBrk="0" hangingPunct="1">
       <a:defRPr sz="1800" kern="1200">
         <a:solidFill>
           <a:schemeClr val="tx1"/>
@@ -98,7 +101,7 @@
         <a:cs typeface="+mn-cs"/>
       </a:defRPr>
     </a:lvl8pPr>
-    <a:lvl9pPr marL="3657600" algn="l" defTabSz="914400" rtl="0" eaLnBrk="1" latinLnBrk="0" hangingPunct="1">
+    <a:lvl9pPr marL="3657600" algn="l" defTabSz="457200" rtl="0" eaLnBrk="1" latinLnBrk="0" hangingPunct="1">
       <a:defRPr sz="1800" kern="1200">
         <a:solidFill>
           <a:schemeClr val="tx1"/>
@@ -117,8 +120,453 @@
 </p:presentation>
 </file>
 
+<file path=ppt/commentAuthors.xml><?xml version="1.0" encoding="utf-8"?>
+<p:cmAuthorLst xmlns:a="http://schemas.openxmlformats.org/drawingml/2006/main" xmlns:r="http://schemas.openxmlformats.org/officeDocument/2006/relationships" xmlns:p="http://schemas.openxmlformats.org/presentationml/2006/main">
+  <p:cmAuthor id="1" name="Miguel Ángel Argómaniz Mira" initials="MÁAM" lastIdx="1" clrIdx="0">
+    <p:extLst>
+      <p:ext uri="{19B8F6BF-5375-455C-9EA6-DF929625EA0E}">
+        <p15:presenceInfo xmlns:p15="http://schemas.microsoft.com/office/powerpoint/2012/main" userId="S-1-12-1-2872531917-1137667021-1351376785-1652790543" providerId="AD"/>
+      </p:ext>
+    </p:extLst>
+  </p:cmAuthor>
+</p:cmAuthorLst>
+</file>
+
+<file path=ppt/notesMasters/notesMaster1.xml><?xml version="1.0" encoding="utf-8"?>
+<p:notesMaster xmlns:a="http://schemas.openxmlformats.org/drawingml/2006/main" xmlns:r="http://schemas.openxmlformats.org/officeDocument/2006/relationships" xmlns:p="http://schemas.openxmlformats.org/presentationml/2006/main">
+  <p:cSld>
+    <p:bg>
+      <p:bgRef idx="1001">
+        <a:schemeClr val="bg1"/>
+      </p:bgRef>
+    </p:bg>
+    <p:spTree>
+      <p:nvGrpSpPr>
+        <p:cNvPr id="1" name=""/>
+        <p:cNvGrpSpPr/>
+        <p:nvPr/>
+      </p:nvGrpSpPr>
+      <p:grpSpPr>
+        <a:xfrm>
+          <a:off x="0" y="0"/>
+          <a:ext cx="0" cy="0"/>
+          <a:chOff x="0" y="0"/>
+          <a:chExt cx="0" cy="0"/>
+        </a:xfrm>
+      </p:grpSpPr>
+      <p:sp>
+        <p:nvSpPr>
+          <p:cNvPr id="2" name="Marcador de encabezado 1"/>
+          <p:cNvSpPr>
+            <a:spLocks noGrp="1"/>
+          </p:cNvSpPr>
+          <p:nvPr>
+            <p:ph type="hdr" sz="quarter"/>
+          </p:nvPr>
+        </p:nvSpPr>
+        <p:spPr>
+          <a:xfrm>
+            <a:off x="0" y="0"/>
+            <a:ext cx="2971800" cy="458788"/>
+          </a:xfrm>
+          <a:prstGeom prst="rect">
+            <a:avLst/>
+          </a:prstGeom>
+        </p:spPr>
+        <p:txBody>
+          <a:bodyPr vert="horz" lIns="91440" tIns="45720" rIns="91440" bIns="45720" rtlCol="0"/>
+          <a:lstStyle>
+            <a:lvl1pPr algn="l">
+              <a:defRPr sz="1200"/>
+            </a:lvl1pPr>
+          </a:lstStyle>
+          <a:p>
+            <a:endParaRPr lang="es-ES"/>
+          </a:p>
+        </p:txBody>
+      </p:sp>
+      <p:sp>
+        <p:nvSpPr>
+          <p:cNvPr id="3" name="Marcador de fecha 2"/>
+          <p:cNvSpPr>
+            <a:spLocks noGrp="1"/>
+          </p:cNvSpPr>
+          <p:nvPr>
+            <p:ph type="dt" idx="1"/>
+          </p:nvPr>
+        </p:nvSpPr>
+        <p:spPr>
+          <a:xfrm>
+            <a:off x="3884613" y="0"/>
+            <a:ext cx="2971800" cy="458788"/>
+          </a:xfrm>
+          <a:prstGeom prst="rect">
+            <a:avLst/>
+          </a:prstGeom>
+        </p:spPr>
+        <p:txBody>
+          <a:bodyPr vert="horz" lIns="91440" tIns="45720" rIns="91440" bIns="45720" rtlCol="0"/>
+          <a:lstStyle>
+            <a:lvl1pPr algn="r">
+              <a:defRPr sz="1200"/>
+            </a:lvl1pPr>
+          </a:lstStyle>
+          <a:p>
+            <a:fld id="{C7F4BE22-0193-4189-A636-BD7FCD4B9CBB}" type="datetimeFigureOut">
+              <a:rPr lang="es-ES" smtClean="0"/>
+              <a:t>24/06/2018</a:t>
+            </a:fld>
+            <a:endParaRPr lang="es-ES"/>
+          </a:p>
+        </p:txBody>
+      </p:sp>
+      <p:sp>
+        <p:nvSpPr>
+          <p:cNvPr id="4" name="Marcador de imagen de diapositiva 3"/>
+          <p:cNvSpPr>
+            <a:spLocks noGrp="1" noRot="1" noChangeAspect="1"/>
+          </p:cNvSpPr>
+          <p:nvPr>
+            <p:ph type="sldImg" idx="2"/>
+          </p:nvPr>
+        </p:nvSpPr>
+        <p:spPr>
+          <a:xfrm>
+            <a:off x="685800" y="1143000"/>
+            <a:ext cx="5486400" cy="3086100"/>
+          </a:xfrm>
+          <a:prstGeom prst="rect">
+            <a:avLst/>
+          </a:prstGeom>
+          <a:noFill/>
+          <a:ln w="12700">
+            <a:solidFill>
+              <a:prstClr val="black"/>
+            </a:solidFill>
+          </a:ln>
+        </p:spPr>
+        <p:txBody>
+          <a:bodyPr vert="horz" lIns="91440" tIns="45720" rIns="91440" bIns="45720" rtlCol="0" anchor="ctr"/>
+          <a:lstStyle/>
+          <a:p>
+            <a:endParaRPr lang="es-ES"/>
+          </a:p>
+        </p:txBody>
+      </p:sp>
+      <p:sp>
+        <p:nvSpPr>
+          <p:cNvPr id="5" name="Marcador de notas 4"/>
+          <p:cNvSpPr>
+            <a:spLocks noGrp="1"/>
+          </p:cNvSpPr>
+          <p:nvPr>
+            <p:ph type="body" sz="quarter" idx="3"/>
+          </p:nvPr>
+        </p:nvSpPr>
+        <p:spPr>
+          <a:xfrm>
+            <a:off x="685800" y="4400550"/>
+            <a:ext cx="5486400" cy="3600450"/>
+          </a:xfrm>
+          <a:prstGeom prst="rect">
+            <a:avLst/>
+          </a:prstGeom>
+        </p:spPr>
+        <p:txBody>
+          <a:bodyPr vert="horz" lIns="91440" tIns="45720" rIns="91440" bIns="45720" rtlCol="0"/>
+          <a:lstStyle/>
+          <a:p>
+            <a:pPr lvl="0"/>
+            <a:r>
+              <a:rPr lang="es-ES"/>
+              <a:t>Editar los estilos de texto del patrón</a:t>
+            </a:r>
+          </a:p>
+          <a:p>
+            <a:pPr lvl="1"/>
+            <a:r>
+              <a:rPr lang="es-ES"/>
+              <a:t>Segundo nivel</a:t>
+            </a:r>
+          </a:p>
+          <a:p>
+            <a:pPr lvl="2"/>
+            <a:r>
+              <a:rPr lang="es-ES"/>
+              <a:t>Tercer nivel</a:t>
+            </a:r>
+          </a:p>
+          <a:p>
+            <a:pPr lvl="3"/>
+            <a:r>
+              <a:rPr lang="es-ES"/>
+              <a:t>Cuarto nivel</a:t>
+            </a:r>
+          </a:p>
+          <a:p>
+            <a:pPr lvl="4"/>
+            <a:r>
+              <a:rPr lang="es-ES"/>
+              <a:t>Quinto nivel</a:t>
+            </a:r>
+          </a:p>
+        </p:txBody>
+      </p:sp>
+      <p:sp>
+        <p:nvSpPr>
+          <p:cNvPr id="6" name="Marcador de pie de página 5"/>
+          <p:cNvSpPr>
+            <a:spLocks noGrp="1"/>
+          </p:cNvSpPr>
+          <p:nvPr>
+            <p:ph type="ftr" sz="quarter" idx="4"/>
+          </p:nvPr>
+        </p:nvSpPr>
+        <p:spPr>
+          <a:xfrm>
+            <a:off x="0" y="8685213"/>
+            <a:ext cx="2971800" cy="458787"/>
+          </a:xfrm>
+          <a:prstGeom prst="rect">
+            <a:avLst/>
+          </a:prstGeom>
+        </p:spPr>
+        <p:txBody>
+          <a:bodyPr vert="horz" lIns="91440" tIns="45720" rIns="91440" bIns="45720" rtlCol="0" anchor="b"/>
+          <a:lstStyle>
+            <a:lvl1pPr algn="l">
+              <a:defRPr sz="1200"/>
+            </a:lvl1pPr>
+          </a:lstStyle>
+          <a:p>
+            <a:endParaRPr lang="es-ES"/>
+          </a:p>
+        </p:txBody>
+      </p:sp>
+      <p:sp>
+        <p:nvSpPr>
+          <p:cNvPr id="7" name="Marcador de número de diapositiva 6"/>
+          <p:cNvSpPr>
+            <a:spLocks noGrp="1"/>
+          </p:cNvSpPr>
+          <p:nvPr>
+            <p:ph type="sldNum" sz="quarter" idx="5"/>
+          </p:nvPr>
+        </p:nvSpPr>
+        <p:spPr>
+          <a:xfrm>
+            <a:off x="3884613" y="8685213"/>
+            <a:ext cx="2971800" cy="458787"/>
+          </a:xfrm>
+          <a:prstGeom prst="rect">
+            <a:avLst/>
+          </a:prstGeom>
+        </p:spPr>
+        <p:txBody>
+          <a:bodyPr vert="horz" lIns="91440" tIns="45720" rIns="91440" bIns="45720" rtlCol="0" anchor="b"/>
+          <a:lstStyle>
+            <a:lvl1pPr algn="r">
+              <a:defRPr sz="1200"/>
+            </a:lvl1pPr>
+          </a:lstStyle>
+          <a:p>
+            <a:fld id="{95BCD494-EE32-4D4B-A1DC-5CF0C590A7D2}" type="slidenum">
+              <a:rPr lang="es-ES" smtClean="0"/>
+              <a:t>‹Nº›</a:t>
+            </a:fld>
+            <a:endParaRPr lang="es-ES"/>
+          </a:p>
+        </p:txBody>
+      </p:sp>
+    </p:spTree>
+    <p:extLst>
+      <p:ext uri="{BB962C8B-B14F-4D97-AF65-F5344CB8AC3E}">
+        <p14:creationId xmlns:p14="http://schemas.microsoft.com/office/powerpoint/2010/main" val="672004669"/>
+      </p:ext>
+    </p:extLst>
+  </p:cSld>
+  <p:clrMap bg1="lt1" tx1="dk1" bg2="lt2" tx2="dk2" accent1="accent1" accent2="accent2" accent3="accent3" accent4="accent4" accent5="accent5" accent6="accent6" hlink="hlink" folHlink="folHlink"/>
+  <p:notesStyle>
+    <a:lvl1pPr marL="0" algn="l" defTabSz="914400" rtl="0" eaLnBrk="1" latinLnBrk="0" hangingPunct="1">
+      <a:defRPr sz="1200" kern="1200">
+        <a:solidFill>
+          <a:schemeClr val="tx1"/>
+        </a:solidFill>
+        <a:latin typeface="+mn-lt"/>
+        <a:ea typeface="+mn-ea"/>
+        <a:cs typeface="+mn-cs"/>
+      </a:defRPr>
+    </a:lvl1pPr>
+    <a:lvl2pPr marL="457200" algn="l" defTabSz="914400" rtl="0" eaLnBrk="1" latinLnBrk="0" hangingPunct="1">
+      <a:defRPr sz="1200" kern="1200">
+        <a:solidFill>
+          <a:schemeClr val="tx1"/>
+        </a:solidFill>
+        <a:latin typeface="+mn-lt"/>
+        <a:ea typeface="+mn-ea"/>
+        <a:cs typeface="+mn-cs"/>
+      </a:defRPr>
+    </a:lvl2pPr>
+    <a:lvl3pPr marL="914400" algn="l" defTabSz="914400" rtl="0" eaLnBrk="1" latinLnBrk="0" hangingPunct="1">
+      <a:defRPr sz="1200" kern="1200">
+        <a:solidFill>
+          <a:schemeClr val="tx1"/>
+        </a:solidFill>
+        <a:latin typeface="+mn-lt"/>
+        <a:ea typeface="+mn-ea"/>
+        <a:cs typeface="+mn-cs"/>
+      </a:defRPr>
+    </a:lvl3pPr>
+    <a:lvl4pPr marL="1371600" algn="l" defTabSz="914400" rtl="0" eaLnBrk="1" latinLnBrk="0" hangingPunct="1">
+      <a:defRPr sz="1200" kern="1200">
+        <a:solidFill>
+          <a:schemeClr val="tx1"/>
+        </a:solidFill>
+        <a:latin typeface="+mn-lt"/>
+        <a:ea typeface="+mn-ea"/>
+        <a:cs typeface="+mn-cs"/>
+      </a:defRPr>
+    </a:lvl4pPr>
+    <a:lvl5pPr marL="1828800" algn="l" defTabSz="914400" rtl="0" eaLnBrk="1" latinLnBrk="0" hangingPunct="1">
+      <a:defRPr sz="1200" kern="1200">
+        <a:solidFill>
+          <a:schemeClr val="tx1"/>
+        </a:solidFill>
+        <a:latin typeface="+mn-lt"/>
+        <a:ea typeface="+mn-ea"/>
+        <a:cs typeface="+mn-cs"/>
+      </a:defRPr>
+    </a:lvl5pPr>
+    <a:lvl6pPr marL="2286000" algn="l" defTabSz="914400" rtl="0" eaLnBrk="1" latinLnBrk="0" hangingPunct="1">
+      <a:defRPr sz="1200" kern="1200">
+        <a:solidFill>
+          <a:schemeClr val="tx1"/>
+        </a:solidFill>
+        <a:latin typeface="+mn-lt"/>
+        <a:ea typeface="+mn-ea"/>
+        <a:cs typeface="+mn-cs"/>
+      </a:defRPr>
+    </a:lvl6pPr>
+    <a:lvl7pPr marL="2743200" algn="l" defTabSz="914400" rtl="0" eaLnBrk="1" latinLnBrk="0" hangingPunct="1">
+      <a:defRPr sz="1200" kern="1200">
+        <a:solidFill>
+          <a:schemeClr val="tx1"/>
+        </a:solidFill>
+        <a:latin typeface="+mn-lt"/>
+        <a:ea typeface="+mn-ea"/>
+        <a:cs typeface="+mn-cs"/>
+      </a:defRPr>
+    </a:lvl7pPr>
+    <a:lvl8pPr marL="3200400" algn="l" defTabSz="914400" rtl="0" eaLnBrk="1" latinLnBrk="0" hangingPunct="1">
+      <a:defRPr sz="1200" kern="1200">
+        <a:solidFill>
+          <a:schemeClr val="tx1"/>
+        </a:solidFill>
+        <a:latin typeface="+mn-lt"/>
+        <a:ea typeface="+mn-ea"/>
+        <a:cs typeface="+mn-cs"/>
+      </a:defRPr>
+    </a:lvl8pPr>
+    <a:lvl9pPr marL="3657600" algn="l" defTabSz="914400" rtl="0" eaLnBrk="1" latinLnBrk="0" hangingPunct="1">
+      <a:defRPr sz="1200" kern="1200">
+        <a:solidFill>
+          <a:schemeClr val="tx1"/>
+        </a:solidFill>
+        <a:latin typeface="+mn-lt"/>
+        <a:ea typeface="+mn-ea"/>
+        <a:cs typeface="+mn-cs"/>
+      </a:defRPr>
+    </a:lvl9pPr>
+  </p:notesStyle>
+</p:notesMaster>
+</file>
+
+<file path=ppt/notesSlides/notesSlide1.xml><?xml version="1.0" encoding="utf-8"?>
+<p:notes xmlns:a="http://schemas.openxmlformats.org/drawingml/2006/main" xmlns:r="http://schemas.openxmlformats.org/officeDocument/2006/relationships" xmlns:p="http://schemas.openxmlformats.org/presentationml/2006/main">
+  <p:cSld>
+    <p:spTree>
+      <p:nvGrpSpPr>
+        <p:cNvPr id="1" name=""/>
+        <p:cNvGrpSpPr/>
+        <p:nvPr/>
+      </p:nvGrpSpPr>
+      <p:grpSpPr>
+        <a:xfrm>
+          <a:off x="0" y="0"/>
+          <a:ext cx="0" cy="0"/>
+          <a:chOff x="0" y="0"/>
+          <a:chExt cx="0" cy="0"/>
+        </a:xfrm>
+      </p:grpSpPr>
+      <p:sp>
+        <p:nvSpPr>
+          <p:cNvPr id="2" name="Marcador de imagen de diapositiva 1"/>
+          <p:cNvSpPr>
+            <a:spLocks noGrp="1" noRot="1" noChangeAspect="1"/>
+          </p:cNvSpPr>
+          <p:nvPr>
+            <p:ph type="sldImg"/>
+          </p:nvPr>
+        </p:nvSpPr>
+        <p:spPr/>
+      </p:sp>
+      <p:sp>
+        <p:nvSpPr>
+          <p:cNvPr id="3" name="Marcador de notas 2"/>
+          <p:cNvSpPr>
+            <a:spLocks noGrp="1"/>
+          </p:cNvSpPr>
+          <p:nvPr>
+            <p:ph type="body" idx="1"/>
+          </p:nvPr>
+        </p:nvSpPr>
+        <p:spPr/>
+        <p:txBody>
+          <a:bodyPr/>
+          <a:lstStyle/>
+          <a:p>
+            <a:endParaRPr lang="es-ES" dirty="0"/>
+          </a:p>
+        </p:txBody>
+      </p:sp>
+      <p:sp>
+        <p:nvSpPr>
+          <p:cNvPr id="4" name="Marcador de número de diapositiva 3"/>
+          <p:cNvSpPr>
+            <a:spLocks noGrp="1"/>
+          </p:cNvSpPr>
+          <p:nvPr>
+            <p:ph type="sldNum" sz="quarter" idx="10"/>
+          </p:nvPr>
+        </p:nvSpPr>
+        <p:spPr/>
+        <p:txBody>
+          <a:bodyPr/>
+          <a:lstStyle/>
+          <a:p>
+            <a:fld id="{95BCD494-EE32-4D4B-A1DC-5CF0C590A7D2}" type="slidenum">
+              <a:rPr lang="es-ES" smtClean="0"/>
+              <a:t>3</a:t>
+            </a:fld>
+            <a:endParaRPr lang="es-ES"/>
+          </a:p>
+        </p:txBody>
+      </p:sp>
+    </p:spTree>
+    <p:extLst>
+      <p:ext uri="{BB962C8B-B14F-4D97-AF65-F5344CB8AC3E}">
+        <p14:creationId xmlns:p14="http://schemas.microsoft.com/office/powerpoint/2010/main" val="2052732597"/>
+      </p:ext>
+    </p:extLst>
+  </p:cSld>
+  <p:clrMapOvr>
+    <a:masterClrMapping/>
+  </p:clrMapOvr>
+</p:notes>
+</file>
+
 <file path=ppt/slideLayouts/slideLayout1.xml><?xml version="1.0" encoding="utf-8"?>
-<p:sldLayout xmlns:a="http://schemas.openxmlformats.org/drawingml/2006/main" xmlns:r="http://schemas.openxmlformats.org/officeDocument/2006/relationships" xmlns:p="http://schemas.openxmlformats.org/presentationml/2006/main" type="title" preserve="1">
+<p:sldLayout xmlns:a="http://schemas.openxmlformats.org/drawingml/2006/main" xmlns:r="http://schemas.openxmlformats.org/officeDocument/2006/relationships" xmlns:p="http://schemas.openxmlformats.org/presentationml/2006/main" showMasterSp="0" type="title" preserve="1">
   <p:cSld name="Diapositiva de título">
     <p:spTree>
       <p:nvGrpSpPr>
@@ -134,15 +582,539 @@
           <a:chExt cx="0" cy="0"/>
         </a:xfrm>
       </p:grpSpPr>
-      <p:sp>
-        <p:nvSpPr>
-          <p:cNvPr id="2" name="Título 1">
-            <a:extLst>
-              <a:ext uri="{FF2B5EF4-FFF2-40B4-BE49-F238E27FC236}">
-                <a16:creationId xmlns:a16="http://schemas.microsoft.com/office/drawing/2014/main" id="{99CE1EDB-E6CF-4984-8D18-571525B3C845}"/>
-              </a:ext>
-            </a:extLst>
-          </p:cNvPr>
+      <p:grpSp>
+        <p:nvGrpSpPr>
+          <p:cNvPr id="7" name="Group 6"/>
+          <p:cNvGrpSpPr/>
+          <p:nvPr/>
+        </p:nvGrpSpPr>
+        <p:grpSpPr>
+          <a:xfrm>
+            <a:off x="0" y="-8467"/>
+            <a:ext cx="12192000" cy="6866467"/>
+            <a:chOff x="0" y="-8467"/>
+            <a:chExt cx="12192000" cy="6866467"/>
+          </a:xfrm>
+        </p:grpSpPr>
+        <p:cxnSp>
+          <p:nvCxnSpPr>
+            <p:cNvPr id="32" name="Straight Connector 31"/>
+            <p:cNvCxnSpPr/>
+            <p:nvPr/>
+          </p:nvCxnSpPr>
+          <p:spPr>
+            <a:xfrm>
+              <a:off x="9371012" y="0"/>
+              <a:ext cx="1219200" cy="6858000"/>
+            </a:xfrm>
+            <a:prstGeom prst="line">
+              <a:avLst/>
+            </a:prstGeom>
+            <a:ln w="9525">
+              <a:solidFill>
+                <a:schemeClr val="bg1">
+                  <a:lumMod val="75000"/>
+                </a:schemeClr>
+              </a:solidFill>
+            </a:ln>
+          </p:spPr>
+          <p:style>
+            <a:lnRef idx="2">
+              <a:schemeClr val="accent1"/>
+            </a:lnRef>
+            <a:fillRef idx="0">
+              <a:schemeClr val="accent1"/>
+            </a:fillRef>
+            <a:effectRef idx="1">
+              <a:schemeClr val="accent1"/>
+            </a:effectRef>
+            <a:fontRef idx="minor">
+              <a:schemeClr val="tx1"/>
+            </a:fontRef>
+          </p:style>
+        </p:cxnSp>
+        <p:cxnSp>
+          <p:nvCxnSpPr>
+            <p:cNvPr id="21" name="Straight Connector 20"/>
+            <p:cNvCxnSpPr/>
+            <p:nvPr/>
+          </p:nvCxnSpPr>
+          <p:spPr>
+            <a:xfrm flipH="1">
+              <a:off x="7425267" y="3681413"/>
+              <a:ext cx="4763558" cy="3176587"/>
+            </a:xfrm>
+            <a:prstGeom prst="line">
+              <a:avLst/>
+            </a:prstGeom>
+            <a:ln w="9525">
+              <a:solidFill>
+                <a:schemeClr val="bg1">
+                  <a:lumMod val="85000"/>
+                </a:schemeClr>
+              </a:solidFill>
+            </a:ln>
+          </p:spPr>
+          <p:style>
+            <a:lnRef idx="2">
+              <a:schemeClr val="accent1"/>
+            </a:lnRef>
+            <a:fillRef idx="0">
+              <a:schemeClr val="accent1"/>
+            </a:fillRef>
+            <a:effectRef idx="1">
+              <a:schemeClr val="accent1"/>
+            </a:effectRef>
+            <a:fontRef idx="minor">
+              <a:schemeClr val="tx1"/>
+            </a:fontRef>
+          </p:style>
+        </p:cxnSp>
+        <p:sp>
+          <p:nvSpPr>
+            <p:cNvPr id="24" name="Rectangle 23"/>
+            <p:cNvSpPr/>
+            <p:nvPr/>
+          </p:nvSpPr>
+          <p:spPr>
+            <a:xfrm>
+              <a:off x="9181476" y="-8467"/>
+              <a:ext cx="3007349" cy="6866467"/>
+            </a:xfrm>
+            <a:custGeom>
+              <a:avLst/>
+              <a:gdLst/>
+              <a:ahLst/>
+              <a:cxnLst/>
+              <a:rect l="l" t="t" r="r" b="b"/>
+              <a:pathLst>
+                <a:path w="3007349" h="6866467">
+                  <a:moveTo>
+                    <a:pt x="2045532" y="0"/>
+                  </a:moveTo>
+                  <a:lnTo>
+                    <a:pt x="3007349" y="0"/>
+                  </a:lnTo>
+                  <a:lnTo>
+                    <a:pt x="3007349" y="6866467"/>
+                  </a:lnTo>
+                  <a:lnTo>
+                    <a:pt x="0" y="6866467"/>
+                  </a:lnTo>
+                  <a:lnTo>
+                    <a:pt x="2045532" y="0"/>
+                  </a:lnTo>
+                  <a:close/>
+                </a:path>
+              </a:pathLst>
+            </a:custGeom>
+            <a:solidFill>
+              <a:schemeClr val="accent1">
+                <a:alpha val="30000"/>
+              </a:schemeClr>
+            </a:solidFill>
+            <a:ln>
+              <a:noFill/>
+            </a:ln>
+            <a:effectLst/>
+          </p:spPr>
+          <p:style>
+            <a:lnRef idx="1">
+              <a:schemeClr val="accent1"/>
+            </a:lnRef>
+            <a:fillRef idx="3">
+              <a:schemeClr val="accent1"/>
+            </a:fillRef>
+            <a:effectRef idx="2">
+              <a:schemeClr val="accent1"/>
+            </a:effectRef>
+            <a:fontRef idx="minor">
+              <a:schemeClr val="lt1"/>
+            </a:fontRef>
+          </p:style>
+        </p:sp>
+        <p:sp>
+          <p:nvSpPr>
+            <p:cNvPr id="26" name="Rectangle 25"/>
+            <p:cNvSpPr/>
+            <p:nvPr/>
+          </p:nvSpPr>
+          <p:spPr>
+            <a:xfrm>
+              <a:off x="9603442" y="-8467"/>
+              <a:ext cx="2588558" cy="6866467"/>
+            </a:xfrm>
+            <a:custGeom>
+              <a:avLst/>
+              <a:gdLst/>
+              <a:ahLst/>
+              <a:cxnLst/>
+              <a:rect l="l" t="t" r="r" b="b"/>
+              <a:pathLst>
+                <a:path w="2573311" h="6866467">
+                  <a:moveTo>
+                    <a:pt x="0" y="0"/>
+                  </a:moveTo>
+                  <a:lnTo>
+                    <a:pt x="2573311" y="0"/>
+                  </a:lnTo>
+                  <a:lnTo>
+                    <a:pt x="2573311" y="6866467"/>
+                  </a:lnTo>
+                  <a:lnTo>
+                    <a:pt x="1202336" y="6866467"/>
+                  </a:lnTo>
+                  <a:lnTo>
+                    <a:pt x="0" y="0"/>
+                  </a:lnTo>
+                  <a:close/>
+                </a:path>
+              </a:pathLst>
+            </a:custGeom>
+            <a:solidFill>
+              <a:schemeClr val="accent1">
+                <a:alpha val="20000"/>
+              </a:schemeClr>
+            </a:solidFill>
+            <a:ln>
+              <a:noFill/>
+            </a:ln>
+            <a:effectLst/>
+          </p:spPr>
+          <p:style>
+            <a:lnRef idx="1">
+              <a:schemeClr val="accent1"/>
+            </a:lnRef>
+            <a:fillRef idx="3">
+              <a:schemeClr val="accent1"/>
+            </a:fillRef>
+            <a:effectRef idx="2">
+              <a:schemeClr val="accent1"/>
+            </a:effectRef>
+            <a:fontRef idx="minor">
+              <a:schemeClr val="lt1"/>
+            </a:fontRef>
+          </p:style>
+        </p:sp>
+        <p:sp>
+          <p:nvSpPr>
+            <p:cNvPr id="27" name="Isosceles Triangle 26"/>
+            <p:cNvSpPr/>
+            <p:nvPr/>
+          </p:nvSpPr>
+          <p:spPr>
+            <a:xfrm>
+              <a:off x="8932333" y="3048000"/>
+              <a:ext cx="3259667" cy="3810000"/>
+            </a:xfrm>
+            <a:prstGeom prst="triangle">
+              <a:avLst>
+                <a:gd name="adj" fmla="val 100000"/>
+              </a:avLst>
+            </a:prstGeom>
+            <a:solidFill>
+              <a:schemeClr val="accent2">
+                <a:alpha val="72000"/>
+              </a:schemeClr>
+            </a:solidFill>
+            <a:ln>
+              <a:noFill/>
+            </a:ln>
+            <a:effectLst/>
+          </p:spPr>
+          <p:style>
+            <a:lnRef idx="1">
+              <a:schemeClr val="accent1"/>
+            </a:lnRef>
+            <a:fillRef idx="3">
+              <a:schemeClr val="accent1"/>
+            </a:fillRef>
+            <a:effectRef idx="2">
+              <a:schemeClr val="accent1"/>
+            </a:effectRef>
+            <a:fontRef idx="minor">
+              <a:schemeClr val="lt1"/>
+            </a:fontRef>
+          </p:style>
+        </p:sp>
+        <p:sp>
+          <p:nvSpPr>
+            <p:cNvPr id="28" name="Rectangle 27"/>
+            <p:cNvSpPr/>
+            <p:nvPr/>
+          </p:nvSpPr>
+          <p:spPr>
+            <a:xfrm>
+              <a:off x="9334500" y="-8467"/>
+              <a:ext cx="2854326" cy="6866467"/>
+            </a:xfrm>
+            <a:custGeom>
+              <a:avLst/>
+              <a:gdLst/>
+              <a:ahLst/>
+              <a:cxnLst/>
+              <a:rect l="l" t="t" r="r" b="b"/>
+              <a:pathLst>
+                <a:path w="2858013" h="6866467">
+                  <a:moveTo>
+                    <a:pt x="0" y="0"/>
+                  </a:moveTo>
+                  <a:lnTo>
+                    <a:pt x="2858013" y="0"/>
+                  </a:lnTo>
+                  <a:lnTo>
+                    <a:pt x="2858013" y="6866467"/>
+                  </a:lnTo>
+                  <a:lnTo>
+                    <a:pt x="2473942" y="6866467"/>
+                  </a:lnTo>
+                  <a:lnTo>
+                    <a:pt x="0" y="0"/>
+                  </a:lnTo>
+                  <a:close/>
+                </a:path>
+              </a:pathLst>
+            </a:custGeom>
+            <a:solidFill>
+              <a:schemeClr val="accent2">
+                <a:lumMod val="75000"/>
+                <a:alpha val="70000"/>
+              </a:schemeClr>
+            </a:solidFill>
+            <a:ln>
+              <a:noFill/>
+            </a:ln>
+            <a:effectLst/>
+          </p:spPr>
+          <p:style>
+            <a:lnRef idx="1">
+              <a:schemeClr val="accent1"/>
+            </a:lnRef>
+            <a:fillRef idx="3">
+              <a:schemeClr val="accent1"/>
+            </a:fillRef>
+            <a:effectRef idx="2">
+              <a:schemeClr val="accent1"/>
+            </a:effectRef>
+            <a:fontRef idx="minor">
+              <a:schemeClr val="lt1"/>
+            </a:fontRef>
+          </p:style>
+        </p:sp>
+        <p:sp>
+          <p:nvSpPr>
+            <p:cNvPr id="29" name="Rectangle 28"/>
+            <p:cNvSpPr/>
+            <p:nvPr/>
+          </p:nvSpPr>
+          <p:spPr>
+            <a:xfrm>
+              <a:off x="10898730" y="-8467"/>
+              <a:ext cx="1290094" cy="6866467"/>
+            </a:xfrm>
+            <a:custGeom>
+              <a:avLst/>
+              <a:gdLst/>
+              <a:ahLst/>
+              <a:cxnLst/>
+              <a:rect l="l" t="t" r="r" b="b"/>
+              <a:pathLst>
+                <a:path w="1290094" h="6858000">
+                  <a:moveTo>
+                    <a:pt x="1019735" y="0"/>
+                  </a:moveTo>
+                  <a:lnTo>
+                    <a:pt x="1290094" y="0"/>
+                  </a:lnTo>
+                  <a:lnTo>
+                    <a:pt x="1290094" y="6858000"/>
+                  </a:lnTo>
+                  <a:lnTo>
+                    <a:pt x="0" y="6858000"/>
+                  </a:lnTo>
+                  <a:lnTo>
+                    <a:pt x="1019735" y="0"/>
+                  </a:lnTo>
+                  <a:close/>
+                </a:path>
+              </a:pathLst>
+            </a:custGeom>
+            <a:solidFill>
+              <a:schemeClr val="accent1">
+                <a:lumMod val="60000"/>
+                <a:lumOff val="40000"/>
+                <a:alpha val="70000"/>
+              </a:schemeClr>
+            </a:solidFill>
+            <a:ln>
+              <a:noFill/>
+            </a:ln>
+            <a:effectLst/>
+          </p:spPr>
+          <p:style>
+            <a:lnRef idx="1">
+              <a:schemeClr val="accent1"/>
+            </a:lnRef>
+            <a:fillRef idx="3">
+              <a:schemeClr val="accent1"/>
+            </a:fillRef>
+            <a:effectRef idx="2">
+              <a:schemeClr val="accent1"/>
+            </a:effectRef>
+            <a:fontRef idx="minor">
+              <a:schemeClr val="lt1"/>
+            </a:fontRef>
+          </p:style>
+        </p:sp>
+        <p:sp>
+          <p:nvSpPr>
+            <p:cNvPr id="30" name="Rectangle 29"/>
+            <p:cNvSpPr/>
+            <p:nvPr/>
+          </p:nvSpPr>
+          <p:spPr>
+            <a:xfrm>
+              <a:off x="10938999" y="-8467"/>
+              <a:ext cx="1249825" cy="6866467"/>
+            </a:xfrm>
+            <a:custGeom>
+              <a:avLst/>
+              <a:gdLst/>
+              <a:ahLst/>
+              <a:cxnLst/>
+              <a:rect l="l" t="t" r="r" b="b"/>
+              <a:pathLst>
+                <a:path w="1249825" h="6858000">
+                  <a:moveTo>
+                    <a:pt x="0" y="0"/>
+                  </a:moveTo>
+                  <a:lnTo>
+                    <a:pt x="1249825" y="0"/>
+                  </a:lnTo>
+                  <a:lnTo>
+                    <a:pt x="1249825" y="6858000"/>
+                  </a:lnTo>
+                  <a:lnTo>
+                    <a:pt x="1109382" y="6858000"/>
+                  </a:lnTo>
+                  <a:lnTo>
+                    <a:pt x="0" y="0"/>
+                  </a:lnTo>
+                  <a:close/>
+                </a:path>
+              </a:pathLst>
+            </a:custGeom>
+            <a:solidFill>
+              <a:schemeClr val="accent1">
+                <a:alpha val="65000"/>
+              </a:schemeClr>
+            </a:solidFill>
+            <a:ln>
+              <a:noFill/>
+            </a:ln>
+            <a:effectLst/>
+          </p:spPr>
+          <p:style>
+            <a:lnRef idx="1">
+              <a:schemeClr val="accent1"/>
+            </a:lnRef>
+            <a:fillRef idx="3">
+              <a:schemeClr val="accent1"/>
+            </a:fillRef>
+            <a:effectRef idx="2">
+              <a:schemeClr val="accent1"/>
+            </a:effectRef>
+            <a:fontRef idx="minor">
+              <a:schemeClr val="lt1"/>
+            </a:fontRef>
+          </p:style>
+        </p:sp>
+        <p:sp>
+          <p:nvSpPr>
+            <p:cNvPr id="31" name="Isosceles Triangle 30"/>
+            <p:cNvSpPr/>
+            <p:nvPr/>
+          </p:nvSpPr>
+          <p:spPr>
+            <a:xfrm>
+              <a:off x="10371666" y="3589867"/>
+              <a:ext cx="1817159" cy="3268133"/>
+            </a:xfrm>
+            <a:prstGeom prst="triangle">
+              <a:avLst>
+                <a:gd name="adj" fmla="val 100000"/>
+              </a:avLst>
+            </a:prstGeom>
+            <a:solidFill>
+              <a:schemeClr val="accent1">
+                <a:alpha val="80000"/>
+              </a:schemeClr>
+            </a:solidFill>
+            <a:ln>
+              <a:noFill/>
+            </a:ln>
+            <a:effectLst/>
+          </p:spPr>
+          <p:style>
+            <a:lnRef idx="1">
+              <a:schemeClr val="accent1"/>
+            </a:lnRef>
+            <a:fillRef idx="3">
+              <a:schemeClr val="accent1"/>
+            </a:fillRef>
+            <a:effectRef idx="2">
+              <a:schemeClr val="accent1"/>
+            </a:effectRef>
+            <a:fontRef idx="minor">
+              <a:schemeClr val="lt1"/>
+            </a:fontRef>
+          </p:style>
+        </p:sp>
+        <p:sp>
+          <p:nvSpPr>
+            <p:cNvPr id="19" name="Isosceles Triangle 18"/>
+            <p:cNvSpPr/>
+            <p:nvPr/>
+          </p:nvSpPr>
+          <p:spPr>
+            <a:xfrm rot="10800000">
+              <a:off x="0" y="0"/>
+              <a:ext cx="842596" cy="5666154"/>
+            </a:xfrm>
+            <a:prstGeom prst="triangle">
+              <a:avLst>
+                <a:gd name="adj" fmla="val 100000"/>
+              </a:avLst>
+            </a:prstGeom>
+            <a:solidFill>
+              <a:schemeClr val="accent1">
+                <a:alpha val="85000"/>
+              </a:schemeClr>
+            </a:solidFill>
+            <a:ln>
+              <a:noFill/>
+            </a:ln>
+            <a:effectLst/>
+          </p:spPr>
+          <p:style>
+            <a:lnRef idx="1">
+              <a:schemeClr val="accent1"/>
+            </a:lnRef>
+            <a:fillRef idx="3">
+              <a:schemeClr val="accent1"/>
+            </a:fillRef>
+            <a:effectRef idx="2">
+              <a:schemeClr val="accent1"/>
+            </a:effectRef>
+            <a:fontRef idx="minor">
+              <a:schemeClr val="lt1"/>
+            </a:fontRef>
+          </p:style>
+        </p:sp>
+      </p:grpSp>
+      <p:sp>
+        <p:nvSpPr>
+          <p:cNvPr id="2" name="Title 1"/>
           <p:cNvSpPr>
             <a:spLocks noGrp="1"/>
           </p:cNvSpPr>
@@ -152,15 +1124,21 @@
         </p:nvSpPr>
         <p:spPr>
           <a:xfrm>
-            <a:off x="1524000" y="1122363"/>
-            <a:ext cx="9144000" cy="2387600"/>
+            <a:off x="1507067" y="2404534"/>
+            <a:ext cx="7766936" cy="1646302"/>
           </a:xfrm>
         </p:spPr>
         <p:txBody>
-          <a:bodyPr anchor="b"/>
+          <a:bodyPr anchor="b">
+            <a:noAutofit/>
+          </a:bodyPr>
           <a:lstStyle>
-            <a:lvl1pPr algn="ctr">
-              <a:defRPr sz="6000"/>
+            <a:lvl1pPr algn="r">
+              <a:defRPr sz="5400">
+                <a:solidFill>
+                  <a:schemeClr val="accent1"/>
+                </a:solidFill>
+              </a:defRPr>
             </a:lvl1pPr>
           </a:lstStyle>
           <a:p>
@@ -168,18 +1146,13 @@
               <a:rPr lang="es-ES"/>
               <a:t>Haga clic para modificar el estilo de título del patrón</a:t>
             </a:r>
-          </a:p>
-        </p:txBody>
-      </p:sp>
-      <p:sp>
-        <p:nvSpPr>
-          <p:cNvPr id="3" name="Subtítulo 2">
-            <a:extLst>
-              <a:ext uri="{FF2B5EF4-FFF2-40B4-BE49-F238E27FC236}">
-                <a16:creationId xmlns:a16="http://schemas.microsoft.com/office/drawing/2014/main" id="{C18A1E43-872C-429F-B598-A47D120095CB}"/>
-              </a:ext>
-            </a:extLst>
-          </p:cNvPr>
+            <a:endParaRPr lang="en-US" dirty="0"/>
+          </a:p>
+        </p:txBody>
+      </p:sp>
+      <p:sp>
+        <p:nvSpPr>
+          <p:cNvPr id="3" name="Subtitle 2"/>
           <p:cNvSpPr>
             <a:spLocks noGrp="1"/>
           </p:cNvSpPr>
@@ -189,48 +1162,103 @@
         </p:nvSpPr>
         <p:spPr>
           <a:xfrm>
-            <a:off x="1524000" y="3602038"/>
-            <a:ext cx="9144000" cy="1655762"/>
+            <a:off x="1507067" y="4050833"/>
+            <a:ext cx="7766936" cy="1096899"/>
           </a:xfrm>
         </p:spPr>
         <p:txBody>
-          <a:bodyPr/>
+          <a:bodyPr anchor="t"/>
           <a:lstStyle>
-            <a:lvl1pPr marL="0" indent="0" algn="ctr">
-              <a:buNone/>
-              <a:defRPr sz="2400"/>
+            <a:lvl1pPr marL="0" indent="0" algn="r">
+              <a:buNone/>
+              <a:defRPr>
+                <a:solidFill>
+                  <a:schemeClr val="tx1">
+                    <a:lumMod val="50000"/>
+                    <a:lumOff val="50000"/>
+                  </a:schemeClr>
+                </a:solidFill>
+              </a:defRPr>
             </a:lvl1pPr>
             <a:lvl2pPr marL="457200" indent="0" algn="ctr">
               <a:buNone/>
-              <a:defRPr sz="2000"/>
+              <a:defRPr>
+                <a:solidFill>
+                  <a:schemeClr val="tx1">
+                    <a:tint val="75000"/>
+                  </a:schemeClr>
+                </a:solidFill>
+              </a:defRPr>
             </a:lvl2pPr>
             <a:lvl3pPr marL="914400" indent="0" algn="ctr">
               <a:buNone/>
-              <a:defRPr sz="1800"/>
+              <a:defRPr>
+                <a:solidFill>
+                  <a:schemeClr val="tx1">
+                    <a:tint val="75000"/>
+                  </a:schemeClr>
+                </a:solidFill>
+              </a:defRPr>
             </a:lvl3pPr>
             <a:lvl4pPr marL="1371600" indent="0" algn="ctr">
               <a:buNone/>
-              <a:defRPr sz="1600"/>
+              <a:defRPr>
+                <a:solidFill>
+                  <a:schemeClr val="tx1">
+                    <a:tint val="75000"/>
+                  </a:schemeClr>
+                </a:solidFill>
+              </a:defRPr>
             </a:lvl4pPr>
             <a:lvl5pPr marL="1828800" indent="0" algn="ctr">
               <a:buNone/>
-              <a:defRPr sz="1600"/>
+              <a:defRPr>
+                <a:solidFill>
+                  <a:schemeClr val="tx1">
+                    <a:tint val="75000"/>
+                  </a:schemeClr>
+                </a:solidFill>
+              </a:defRPr>
             </a:lvl5pPr>
             <a:lvl6pPr marL="2286000" indent="0" algn="ctr">
               <a:buNone/>
-              <a:defRPr sz="1600"/>
+              <a:defRPr>
+                <a:solidFill>
+                  <a:schemeClr val="tx1">
+                    <a:tint val="75000"/>
+                  </a:schemeClr>
+                </a:solidFill>
+              </a:defRPr>
             </a:lvl6pPr>
             <a:lvl7pPr marL="2743200" indent="0" algn="ctr">
               <a:buNone/>
-              <a:defRPr sz="1600"/>
+              <a:defRPr>
+                <a:solidFill>
+                  <a:schemeClr val="tx1">
+                    <a:tint val="75000"/>
+                  </a:schemeClr>
+                </a:solidFill>
+              </a:defRPr>
             </a:lvl7pPr>
             <a:lvl8pPr marL="3200400" indent="0" algn="ctr">
               <a:buNone/>
-              <a:defRPr sz="1600"/>
+              <a:defRPr>
+                <a:solidFill>
+                  <a:schemeClr val="tx1">
+                    <a:tint val="75000"/>
+                  </a:schemeClr>
+                </a:solidFill>
+              </a:defRPr>
             </a:lvl8pPr>
             <a:lvl9pPr marL="3657600" indent="0" algn="ctr">
               <a:buNone/>
-              <a:defRPr sz="1600"/>
+              <a:defRPr>
+                <a:solidFill>
+                  <a:schemeClr val="tx1">
+                    <a:tint val="75000"/>
+                  </a:schemeClr>
+                </a:solidFill>
+              </a:defRPr>
             </a:lvl9pPr>
           </a:lstStyle>
           <a:p>
@@ -238,18 +1266,13 @@
               <a:rPr lang="es-ES"/>
               <a:t>Haga clic para modificar el estilo de subtítulo del patrón</a:t>
             </a:r>
-          </a:p>
-        </p:txBody>
-      </p:sp>
-      <p:sp>
-        <p:nvSpPr>
-          <p:cNvPr id="4" name="Marcador de fecha 3">
-            <a:extLst>
-              <a:ext uri="{FF2B5EF4-FFF2-40B4-BE49-F238E27FC236}">
-                <a16:creationId xmlns:a16="http://schemas.microsoft.com/office/drawing/2014/main" id="{78B665E5-99D6-40BA-9C34-75042B0061A3}"/>
-              </a:ext>
-            </a:extLst>
-          </p:cNvPr>
+            <a:endParaRPr lang="en-US" dirty="0"/>
+          </a:p>
+        </p:txBody>
+      </p:sp>
+      <p:sp>
+        <p:nvSpPr>
+          <p:cNvPr id="4" name="Date Placeholder 3"/>
           <p:cNvSpPr>
             <a:spLocks noGrp="1"/>
           </p:cNvSpPr>
@@ -272,13 +1295,7 @@
       </p:sp>
       <p:sp>
         <p:nvSpPr>
-          <p:cNvPr id="5" name="Marcador de pie de página 4">
-            <a:extLst>
-              <a:ext uri="{FF2B5EF4-FFF2-40B4-BE49-F238E27FC236}">
-                <a16:creationId xmlns:a16="http://schemas.microsoft.com/office/drawing/2014/main" id="{7EC2D654-47A6-4B29-9CFD-7ECAAFF881D2}"/>
-              </a:ext>
-            </a:extLst>
-          </p:cNvPr>
+          <p:cNvPr id="5" name="Footer Placeholder 4"/>
           <p:cNvSpPr>
             <a:spLocks noGrp="1"/>
           </p:cNvSpPr>
@@ -297,13 +1314,7 @@
       </p:sp>
       <p:sp>
         <p:nvSpPr>
-          <p:cNvPr id="6" name="Marcador de número de diapositiva 5">
-            <a:extLst>
-              <a:ext uri="{FF2B5EF4-FFF2-40B4-BE49-F238E27FC236}">
-                <a16:creationId xmlns:a16="http://schemas.microsoft.com/office/drawing/2014/main" id="{79407B7D-A694-43A4-ADBA-528E6FCFBA5C}"/>
-              </a:ext>
-            </a:extLst>
-          </p:cNvPr>
+          <p:cNvPr id="6" name="Slide Number Placeholder 5"/>
           <p:cNvSpPr>
             <a:spLocks noGrp="1"/>
           </p:cNvSpPr>
@@ -327,7 +1338,7 @@
     </p:spTree>
     <p:extLst>
       <p:ext uri="{BB962C8B-B14F-4D97-AF65-F5344CB8AC3E}">
-        <p14:creationId xmlns:p14="http://schemas.microsoft.com/office/powerpoint/2010/main" val="714541476"/>
+        <p14:creationId xmlns:p14="http://schemas.microsoft.com/office/powerpoint/2010/main" val="1219655970"/>
       </p:ext>
     </p:extLst>
   </p:cSld>
@@ -338,6 +1349,1619 @@
 </file>
 
 <file path=ppt/slideLayouts/slideLayout10.xml><?xml version="1.0" encoding="utf-8"?>
+<p:sldLayout xmlns:a="http://schemas.openxmlformats.org/drawingml/2006/main" xmlns:r="http://schemas.openxmlformats.org/officeDocument/2006/relationships" xmlns:p="http://schemas.openxmlformats.org/presentationml/2006/main" preserve="1">
+  <p:cSld name="Título y descripción">
+    <p:spTree>
+      <p:nvGrpSpPr>
+        <p:cNvPr id="1" name=""/>
+        <p:cNvGrpSpPr/>
+        <p:nvPr/>
+      </p:nvGrpSpPr>
+      <p:grpSpPr>
+        <a:xfrm>
+          <a:off x="0" y="0"/>
+          <a:ext cx="0" cy="0"/>
+          <a:chOff x="0" y="0"/>
+          <a:chExt cx="0" cy="0"/>
+        </a:xfrm>
+      </p:grpSpPr>
+      <p:sp>
+        <p:nvSpPr>
+          <p:cNvPr id="2" name="Title 1"/>
+          <p:cNvSpPr>
+            <a:spLocks noGrp="1"/>
+          </p:cNvSpPr>
+          <p:nvPr>
+            <p:ph type="title"/>
+          </p:nvPr>
+        </p:nvSpPr>
+        <p:spPr>
+          <a:xfrm>
+            <a:off x="677335" y="609600"/>
+            <a:ext cx="8596668" cy="3403600"/>
+          </a:xfrm>
+        </p:spPr>
+        <p:txBody>
+          <a:bodyPr anchor="ctr">
+            <a:normAutofit/>
+          </a:bodyPr>
+          <a:lstStyle>
+            <a:lvl1pPr algn="l">
+              <a:defRPr sz="4400" b="0" cap="none"/>
+            </a:lvl1pPr>
+          </a:lstStyle>
+          <a:p>
+            <a:r>
+              <a:rPr lang="es-ES"/>
+              <a:t>Haga clic para modificar el estilo de título del patrón</a:t>
+            </a:r>
+            <a:endParaRPr lang="en-US" dirty="0"/>
+          </a:p>
+        </p:txBody>
+      </p:sp>
+      <p:sp>
+        <p:nvSpPr>
+          <p:cNvPr id="3" name="Text Placeholder 2"/>
+          <p:cNvSpPr>
+            <a:spLocks noGrp="1"/>
+          </p:cNvSpPr>
+          <p:nvPr>
+            <p:ph type="body" idx="1"/>
+          </p:nvPr>
+        </p:nvSpPr>
+        <p:spPr>
+          <a:xfrm>
+            <a:off x="677335" y="4470400"/>
+            <a:ext cx="8596668" cy="1570962"/>
+          </a:xfrm>
+        </p:spPr>
+        <p:txBody>
+          <a:bodyPr anchor="ctr">
+            <a:normAutofit/>
+          </a:bodyPr>
+          <a:lstStyle>
+            <a:lvl1pPr marL="0" indent="0" algn="l">
+              <a:buNone/>
+              <a:defRPr sz="1800">
+                <a:solidFill>
+                  <a:schemeClr val="tx1">
+                    <a:lumMod val="75000"/>
+                    <a:lumOff val="25000"/>
+                  </a:schemeClr>
+                </a:solidFill>
+              </a:defRPr>
+            </a:lvl1pPr>
+            <a:lvl2pPr marL="457200" indent="0">
+              <a:buNone/>
+              <a:defRPr sz="1800">
+                <a:solidFill>
+                  <a:schemeClr val="tx1">
+                    <a:tint val="75000"/>
+                  </a:schemeClr>
+                </a:solidFill>
+              </a:defRPr>
+            </a:lvl2pPr>
+            <a:lvl3pPr marL="914400" indent="0">
+              <a:buNone/>
+              <a:defRPr sz="1600">
+                <a:solidFill>
+                  <a:schemeClr val="tx1">
+                    <a:tint val="75000"/>
+                  </a:schemeClr>
+                </a:solidFill>
+              </a:defRPr>
+            </a:lvl3pPr>
+            <a:lvl4pPr marL="1371600" indent="0">
+              <a:buNone/>
+              <a:defRPr sz="1400">
+                <a:solidFill>
+                  <a:schemeClr val="tx1">
+                    <a:tint val="75000"/>
+                  </a:schemeClr>
+                </a:solidFill>
+              </a:defRPr>
+            </a:lvl4pPr>
+            <a:lvl5pPr marL="1828800" indent="0">
+              <a:buNone/>
+              <a:defRPr sz="1400">
+                <a:solidFill>
+                  <a:schemeClr val="tx1">
+                    <a:tint val="75000"/>
+                  </a:schemeClr>
+                </a:solidFill>
+              </a:defRPr>
+            </a:lvl5pPr>
+            <a:lvl6pPr marL="2286000" indent="0">
+              <a:buNone/>
+              <a:defRPr sz="1400">
+                <a:solidFill>
+                  <a:schemeClr val="tx1">
+                    <a:tint val="75000"/>
+                  </a:schemeClr>
+                </a:solidFill>
+              </a:defRPr>
+            </a:lvl6pPr>
+            <a:lvl7pPr marL="2743200" indent="0">
+              <a:buNone/>
+              <a:defRPr sz="1400">
+                <a:solidFill>
+                  <a:schemeClr val="tx1">
+                    <a:tint val="75000"/>
+                  </a:schemeClr>
+                </a:solidFill>
+              </a:defRPr>
+            </a:lvl7pPr>
+            <a:lvl8pPr marL="3200400" indent="0">
+              <a:buNone/>
+              <a:defRPr sz="1400">
+                <a:solidFill>
+                  <a:schemeClr val="tx1">
+                    <a:tint val="75000"/>
+                  </a:schemeClr>
+                </a:solidFill>
+              </a:defRPr>
+            </a:lvl8pPr>
+            <a:lvl9pPr marL="3657600" indent="0">
+              <a:buNone/>
+              <a:defRPr sz="1400">
+                <a:solidFill>
+                  <a:schemeClr val="tx1">
+                    <a:tint val="75000"/>
+                  </a:schemeClr>
+                </a:solidFill>
+              </a:defRPr>
+            </a:lvl9pPr>
+          </a:lstStyle>
+          <a:p>
+            <a:pPr lvl="0"/>
+            <a:r>
+              <a:rPr lang="es-ES"/>
+              <a:t>Editar los estilos de texto del patrón</a:t>
+            </a:r>
+          </a:p>
+        </p:txBody>
+      </p:sp>
+      <p:sp>
+        <p:nvSpPr>
+          <p:cNvPr id="4" name="Date Placeholder 3"/>
+          <p:cNvSpPr>
+            <a:spLocks noGrp="1"/>
+          </p:cNvSpPr>
+          <p:nvPr>
+            <p:ph type="dt" sz="half" idx="10"/>
+          </p:nvPr>
+        </p:nvSpPr>
+        <p:spPr/>
+        <p:txBody>
+          <a:bodyPr/>
+          <a:lstStyle/>
+          <a:p>
+            <a:fld id="{E5EE0B55-E20F-4275-9E02-1B7D173BE4D6}" type="datetimeFigureOut">
+              <a:rPr lang="es-ES" smtClean="0"/>
+              <a:t>24/06/2018</a:t>
+            </a:fld>
+            <a:endParaRPr lang="es-ES"/>
+          </a:p>
+        </p:txBody>
+      </p:sp>
+      <p:sp>
+        <p:nvSpPr>
+          <p:cNvPr id="5" name="Footer Placeholder 4"/>
+          <p:cNvSpPr>
+            <a:spLocks noGrp="1"/>
+          </p:cNvSpPr>
+          <p:nvPr>
+            <p:ph type="ftr" sz="quarter" idx="11"/>
+          </p:nvPr>
+        </p:nvSpPr>
+        <p:spPr/>
+        <p:txBody>
+          <a:bodyPr/>
+          <a:lstStyle/>
+          <a:p>
+            <a:endParaRPr lang="es-ES"/>
+          </a:p>
+        </p:txBody>
+      </p:sp>
+      <p:sp>
+        <p:nvSpPr>
+          <p:cNvPr id="6" name="Slide Number Placeholder 5"/>
+          <p:cNvSpPr>
+            <a:spLocks noGrp="1"/>
+          </p:cNvSpPr>
+          <p:nvPr>
+            <p:ph type="sldNum" sz="quarter" idx="12"/>
+          </p:nvPr>
+        </p:nvSpPr>
+        <p:spPr/>
+        <p:txBody>
+          <a:bodyPr/>
+          <a:lstStyle/>
+          <a:p>
+            <a:fld id="{C3DD02CD-FE90-4A7A-AB24-EEB232EC0F04}" type="slidenum">
+              <a:rPr lang="es-ES" smtClean="0"/>
+              <a:t>‹Nº›</a:t>
+            </a:fld>
+            <a:endParaRPr lang="es-ES"/>
+          </a:p>
+        </p:txBody>
+      </p:sp>
+    </p:spTree>
+    <p:extLst>
+      <p:ext uri="{BB962C8B-B14F-4D97-AF65-F5344CB8AC3E}">
+        <p14:creationId xmlns:p14="http://schemas.microsoft.com/office/powerpoint/2010/main" val="4067661277"/>
+      </p:ext>
+    </p:extLst>
+  </p:cSld>
+  <p:clrMapOvr>
+    <a:masterClrMapping/>
+  </p:clrMapOvr>
+</p:sldLayout>
+</file>
+
+<file path=ppt/slideLayouts/slideLayout11.xml><?xml version="1.0" encoding="utf-8"?>
+<p:sldLayout xmlns:a="http://schemas.openxmlformats.org/drawingml/2006/main" xmlns:r="http://schemas.openxmlformats.org/officeDocument/2006/relationships" xmlns:p="http://schemas.openxmlformats.org/presentationml/2006/main" preserve="1">
+  <p:cSld name="Cita con descripción">
+    <p:spTree>
+      <p:nvGrpSpPr>
+        <p:cNvPr id="1" name=""/>
+        <p:cNvGrpSpPr/>
+        <p:nvPr/>
+      </p:nvGrpSpPr>
+      <p:grpSpPr>
+        <a:xfrm>
+          <a:off x="0" y="0"/>
+          <a:ext cx="0" cy="0"/>
+          <a:chOff x="0" y="0"/>
+          <a:chExt cx="0" cy="0"/>
+        </a:xfrm>
+      </p:grpSpPr>
+      <p:sp>
+        <p:nvSpPr>
+          <p:cNvPr id="2" name="Title 1"/>
+          <p:cNvSpPr>
+            <a:spLocks noGrp="1"/>
+          </p:cNvSpPr>
+          <p:nvPr>
+            <p:ph type="title"/>
+          </p:nvPr>
+        </p:nvSpPr>
+        <p:spPr>
+          <a:xfrm>
+            <a:off x="931334" y="609600"/>
+            <a:ext cx="8094134" cy="3022600"/>
+          </a:xfrm>
+        </p:spPr>
+        <p:txBody>
+          <a:bodyPr anchor="ctr">
+            <a:normAutofit/>
+          </a:bodyPr>
+          <a:lstStyle>
+            <a:lvl1pPr algn="l">
+              <a:defRPr sz="4400" b="0" cap="none"/>
+            </a:lvl1pPr>
+          </a:lstStyle>
+          <a:p>
+            <a:r>
+              <a:rPr lang="es-ES"/>
+              <a:t>Haga clic para modificar el estilo de título del patrón</a:t>
+            </a:r>
+            <a:endParaRPr lang="en-US" dirty="0"/>
+          </a:p>
+        </p:txBody>
+      </p:sp>
+      <p:sp>
+        <p:nvSpPr>
+          <p:cNvPr id="23" name="Text Placeholder 9"/>
+          <p:cNvSpPr>
+            <a:spLocks noGrp="1"/>
+          </p:cNvSpPr>
+          <p:nvPr>
+            <p:ph type="body" sz="quarter" idx="13"/>
+          </p:nvPr>
+        </p:nvSpPr>
+        <p:spPr>
+          <a:xfrm>
+            <a:off x="1366139" y="3632200"/>
+            <a:ext cx="7224524" cy="381000"/>
+          </a:xfrm>
+        </p:spPr>
+        <p:txBody>
+          <a:bodyPr anchor="ctr">
+            <a:noAutofit/>
+          </a:bodyPr>
+          <a:lstStyle>
+            <a:lvl1pPr marL="0" indent="0">
+              <a:buFontTx/>
+              <a:buNone/>
+              <a:defRPr sz="1600">
+                <a:solidFill>
+                  <a:schemeClr val="tx1">
+                    <a:lumMod val="50000"/>
+                    <a:lumOff val="50000"/>
+                  </a:schemeClr>
+                </a:solidFill>
+              </a:defRPr>
+            </a:lvl1pPr>
+            <a:lvl2pPr marL="457200" indent="0">
+              <a:buFontTx/>
+              <a:buNone/>
+              <a:defRPr/>
+            </a:lvl2pPr>
+            <a:lvl3pPr marL="914400" indent="0">
+              <a:buFontTx/>
+              <a:buNone/>
+              <a:defRPr/>
+            </a:lvl3pPr>
+            <a:lvl4pPr marL="1371600" indent="0">
+              <a:buFontTx/>
+              <a:buNone/>
+              <a:defRPr/>
+            </a:lvl4pPr>
+            <a:lvl5pPr marL="1828800" indent="0">
+              <a:buFontTx/>
+              <a:buNone/>
+              <a:defRPr/>
+            </a:lvl5pPr>
+          </a:lstStyle>
+          <a:p>
+            <a:pPr lvl="0"/>
+            <a:r>
+              <a:rPr lang="es-ES"/>
+              <a:t>Editar los estilos de texto del patrón</a:t>
+            </a:r>
+          </a:p>
+        </p:txBody>
+      </p:sp>
+      <p:sp>
+        <p:nvSpPr>
+          <p:cNvPr id="3" name="Text Placeholder 2"/>
+          <p:cNvSpPr>
+            <a:spLocks noGrp="1"/>
+          </p:cNvSpPr>
+          <p:nvPr>
+            <p:ph type="body" idx="1"/>
+          </p:nvPr>
+        </p:nvSpPr>
+        <p:spPr>
+          <a:xfrm>
+            <a:off x="677335" y="4470400"/>
+            <a:ext cx="8596668" cy="1570962"/>
+          </a:xfrm>
+        </p:spPr>
+        <p:txBody>
+          <a:bodyPr anchor="ctr">
+            <a:normAutofit/>
+          </a:bodyPr>
+          <a:lstStyle>
+            <a:lvl1pPr marL="0" indent="0" algn="l">
+              <a:buNone/>
+              <a:defRPr sz="1800">
+                <a:solidFill>
+                  <a:schemeClr val="tx1">
+                    <a:lumMod val="75000"/>
+                    <a:lumOff val="25000"/>
+                  </a:schemeClr>
+                </a:solidFill>
+              </a:defRPr>
+            </a:lvl1pPr>
+            <a:lvl2pPr marL="457200" indent="0">
+              <a:buNone/>
+              <a:defRPr sz="1800">
+                <a:solidFill>
+                  <a:schemeClr val="tx1">
+                    <a:tint val="75000"/>
+                  </a:schemeClr>
+                </a:solidFill>
+              </a:defRPr>
+            </a:lvl2pPr>
+            <a:lvl3pPr marL="914400" indent="0">
+              <a:buNone/>
+              <a:defRPr sz="1600">
+                <a:solidFill>
+                  <a:schemeClr val="tx1">
+                    <a:tint val="75000"/>
+                  </a:schemeClr>
+                </a:solidFill>
+              </a:defRPr>
+            </a:lvl3pPr>
+            <a:lvl4pPr marL="1371600" indent="0">
+              <a:buNone/>
+              <a:defRPr sz="1400">
+                <a:solidFill>
+                  <a:schemeClr val="tx1">
+                    <a:tint val="75000"/>
+                  </a:schemeClr>
+                </a:solidFill>
+              </a:defRPr>
+            </a:lvl4pPr>
+            <a:lvl5pPr marL="1828800" indent="0">
+              <a:buNone/>
+              <a:defRPr sz="1400">
+                <a:solidFill>
+                  <a:schemeClr val="tx1">
+                    <a:tint val="75000"/>
+                  </a:schemeClr>
+                </a:solidFill>
+              </a:defRPr>
+            </a:lvl5pPr>
+            <a:lvl6pPr marL="2286000" indent="0">
+              <a:buNone/>
+              <a:defRPr sz="1400">
+                <a:solidFill>
+                  <a:schemeClr val="tx1">
+                    <a:tint val="75000"/>
+                  </a:schemeClr>
+                </a:solidFill>
+              </a:defRPr>
+            </a:lvl6pPr>
+            <a:lvl7pPr marL="2743200" indent="0">
+              <a:buNone/>
+              <a:defRPr sz="1400">
+                <a:solidFill>
+                  <a:schemeClr val="tx1">
+                    <a:tint val="75000"/>
+                  </a:schemeClr>
+                </a:solidFill>
+              </a:defRPr>
+            </a:lvl7pPr>
+            <a:lvl8pPr marL="3200400" indent="0">
+              <a:buNone/>
+              <a:defRPr sz="1400">
+                <a:solidFill>
+                  <a:schemeClr val="tx1">
+                    <a:tint val="75000"/>
+                  </a:schemeClr>
+                </a:solidFill>
+              </a:defRPr>
+            </a:lvl8pPr>
+            <a:lvl9pPr marL="3657600" indent="0">
+              <a:buNone/>
+              <a:defRPr sz="1400">
+                <a:solidFill>
+                  <a:schemeClr val="tx1">
+                    <a:tint val="75000"/>
+                  </a:schemeClr>
+                </a:solidFill>
+              </a:defRPr>
+            </a:lvl9pPr>
+          </a:lstStyle>
+          <a:p>
+            <a:pPr lvl="0"/>
+            <a:r>
+              <a:rPr lang="es-ES"/>
+              <a:t>Editar los estilos de texto del patrón</a:t>
+            </a:r>
+          </a:p>
+        </p:txBody>
+      </p:sp>
+      <p:sp>
+        <p:nvSpPr>
+          <p:cNvPr id="4" name="Date Placeholder 3"/>
+          <p:cNvSpPr>
+            <a:spLocks noGrp="1"/>
+          </p:cNvSpPr>
+          <p:nvPr>
+            <p:ph type="dt" sz="half" idx="10"/>
+          </p:nvPr>
+        </p:nvSpPr>
+        <p:spPr/>
+        <p:txBody>
+          <a:bodyPr/>
+          <a:lstStyle/>
+          <a:p>
+            <a:fld id="{E5EE0B55-E20F-4275-9E02-1B7D173BE4D6}" type="datetimeFigureOut">
+              <a:rPr lang="es-ES" smtClean="0"/>
+              <a:t>24/06/2018</a:t>
+            </a:fld>
+            <a:endParaRPr lang="es-ES"/>
+          </a:p>
+        </p:txBody>
+      </p:sp>
+      <p:sp>
+        <p:nvSpPr>
+          <p:cNvPr id="5" name="Footer Placeholder 4"/>
+          <p:cNvSpPr>
+            <a:spLocks noGrp="1"/>
+          </p:cNvSpPr>
+          <p:nvPr>
+            <p:ph type="ftr" sz="quarter" idx="11"/>
+          </p:nvPr>
+        </p:nvSpPr>
+        <p:spPr/>
+        <p:txBody>
+          <a:bodyPr/>
+          <a:lstStyle/>
+          <a:p>
+            <a:endParaRPr lang="es-ES"/>
+          </a:p>
+        </p:txBody>
+      </p:sp>
+      <p:sp>
+        <p:nvSpPr>
+          <p:cNvPr id="6" name="Slide Number Placeholder 5"/>
+          <p:cNvSpPr>
+            <a:spLocks noGrp="1"/>
+          </p:cNvSpPr>
+          <p:nvPr>
+            <p:ph type="sldNum" sz="quarter" idx="12"/>
+          </p:nvPr>
+        </p:nvSpPr>
+        <p:spPr/>
+        <p:txBody>
+          <a:bodyPr/>
+          <a:lstStyle/>
+          <a:p>
+            <a:fld id="{C3DD02CD-FE90-4A7A-AB24-EEB232EC0F04}" type="slidenum">
+              <a:rPr lang="es-ES" smtClean="0"/>
+              <a:t>‹Nº›</a:t>
+            </a:fld>
+            <a:endParaRPr lang="es-ES"/>
+          </a:p>
+        </p:txBody>
+      </p:sp>
+      <p:sp>
+        <p:nvSpPr>
+          <p:cNvPr id="20" name="TextBox 19"/>
+          <p:cNvSpPr txBox="1"/>
+          <p:nvPr/>
+        </p:nvSpPr>
+        <p:spPr>
+          <a:xfrm>
+            <a:off x="541870" y="790378"/>
+            <a:ext cx="609600" cy="584776"/>
+          </a:xfrm>
+          <a:prstGeom prst="rect">
+            <a:avLst/>
+          </a:prstGeom>
+        </p:spPr>
+        <p:txBody>
+          <a:bodyPr vert="horz" lIns="91440" tIns="45720" rIns="91440" bIns="45720" rtlCol="0" anchor="ctr">
+            <a:noAutofit/>
+          </a:bodyPr>
+          <a:lstStyle/>
+          <a:p>
+            <a:pPr lvl="0"/>
+            <a:r>
+              <a:rPr lang="en-US" sz="8000" baseline="0" dirty="0">
+                <a:ln w="3175" cmpd="sng">
+                  <a:noFill/>
+                </a:ln>
+                <a:solidFill>
+                  <a:schemeClr val="accent1">
+                    <a:lumMod val="60000"/>
+                    <a:lumOff val="40000"/>
+                  </a:schemeClr>
+                </a:solidFill>
+                <a:effectLst/>
+                <a:latin typeface="Arial"/>
+              </a:rPr>
+              <a:t>“</a:t>
+            </a:r>
+          </a:p>
+        </p:txBody>
+      </p:sp>
+      <p:sp>
+        <p:nvSpPr>
+          <p:cNvPr id="22" name="TextBox 21"/>
+          <p:cNvSpPr txBox="1"/>
+          <p:nvPr/>
+        </p:nvSpPr>
+        <p:spPr>
+          <a:xfrm>
+            <a:off x="8893011" y="2886556"/>
+            <a:ext cx="609600" cy="584776"/>
+          </a:xfrm>
+          <a:prstGeom prst="rect">
+            <a:avLst/>
+          </a:prstGeom>
+        </p:spPr>
+        <p:txBody>
+          <a:bodyPr vert="horz" lIns="91440" tIns="45720" rIns="91440" bIns="45720" rtlCol="0" anchor="ctr">
+            <a:noAutofit/>
+          </a:bodyPr>
+          <a:lstStyle/>
+          <a:p>
+            <a:pPr lvl="0"/>
+            <a:r>
+              <a:rPr lang="en-US" sz="8000" baseline="0" dirty="0">
+                <a:ln w="3175" cmpd="sng">
+                  <a:noFill/>
+                </a:ln>
+                <a:solidFill>
+                  <a:schemeClr val="accent1">
+                    <a:lumMod val="60000"/>
+                    <a:lumOff val="40000"/>
+                  </a:schemeClr>
+                </a:solidFill>
+                <a:latin typeface="Arial"/>
+              </a:rPr>
+              <a:t>”</a:t>
+            </a:r>
+            <a:endParaRPr lang="en-US" dirty="0">
+              <a:solidFill>
+                <a:schemeClr val="accent1">
+                  <a:lumMod val="60000"/>
+                  <a:lumOff val="40000"/>
+                </a:schemeClr>
+              </a:solidFill>
+              <a:latin typeface="Arial"/>
+            </a:endParaRPr>
+          </a:p>
+        </p:txBody>
+      </p:sp>
+    </p:spTree>
+    <p:extLst>
+      <p:ext uri="{BB962C8B-B14F-4D97-AF65-F5344CB8AC3E}">
+        <p14:creationId xmlns:p14="http://schemas.microsoft.com/office/powerpoint/2010/main" val="4126753285"/>
+      </p:ext>
+    </p:extLst>
+  </p:cSld>
+  <p:clrMapOvr>
+    <a:masterClrMapping/>
+  </p:clrMapOvr>
+</p:sldLayout>
+</file>
+
+<file path=ppt/slideLayouts/slideLayout12.xml><?xml version="1.0" encoding="utf-8"?>
+<p:sldLayout xmlns:a="http://schemas.openxmlformats.org/drawingml/2006/main" xmlns:r="http://schemas.openxmlformats.org/officeDocument/2006/relationships" xmlns:p="http://schemas.openxmlformats.org/presentationml/2006/main" preserve="1">
+  <p:cSld name="Tarjeta de nombre">
+    <p:spTree>
+      <p:nvGrpSpPr>
+        <p:cNvPr id="1" name=""/>
+        <p:cNvGrpSpPr/>
+        <p:nvPr/>
+      </p:nvGrpSpPr>
+      <p:grpSpPr>
+        <a:xfrm>
+          <a:off x="0" y="0"/>
+          <a:ext cx="0" cy="0"/>
+          <a:chOff x="0" y="0"/>
+          <a:chExt cx="0" cy="0"/>
+        </a:xfrm>
+      </p:grpSpPr>
+      <p:sp>
+        <p:nvSpPr>
+          <p:cNvPr id="2" name="Title 1"/>
+          <p:cNvSpPr>
+            <a:spLocks noGrp="1"/>
+          </p:cNvSpPr>
+          <p:nvPr>
+            <p:ph type="title"/>
+          </p:nvPr>
+        </p:nvSpPr>
+        <p:spPr>
+          <a:xfrm>
+            <a:off x="677335" y="1931988"/>
+            <a:ext cx="8596668" cy="2595460"/>
+          </a:xfrm>
+        </p:spPr>
+        <p:txBody>
+          <a:bodyPr anchor="b">
+            <a:normAutofit/>
+          </a:bodyPr>
+          <a:lstStyle>
+            <a:lvl1pPr algn="l">
+              <a:defRPr sz="4400" b="0" cap="none"/>
+            </a:lvl1pPr>
+          </a:lstStyle>
+          <a:p>
+            <a:r>
+              <a:rPr lang="es-ES"/>
+              <a:t>Haga clic para modificar el estilo de título del patrón</a:t>
+            </a:r>
+            <a:endParaRPr lang="en-US" dirty="0"/>
+          </a:p>
+        </p:txBody>
+      </p:sp>
+      <p:sp>
+        <p:nvSpPr>
+          <p:cNvPr id="3" name="Text Placeholder 2"/>
+          <p:cNvSpPr>
+            <a:spLocks noGrp="1"/>
+          </p:cNvSpPr>
+          <p:nvPr>
+            <p:ph type="body" idx="1"/>
+          </p:nvPr>
+        </p:nvSpPr>
+        <p:spPr>
+          <a:xfrm>
+            <a:off x="677335" y="4527448"/>
+            <a:ext cx="8596668" cy="1513914"/>
+          </a:xfrm>
+        </p:spPr>
+        <p:txBody>
+          <a:bodyPr anchor="t">
+            <a:normAutofit/>
+          </a:bodyPr>
+          <a:lstStyle>
+            <a:lvl1pPr marL="0" indent="0" algn="l">
+              <a:buNone/>
+              <a:defRPr sz="1800">
+                <a:solidFill>
+                  <a:schemeClr val="tx1">
+                    <a:lumMod val="75000"/>
+                    <a:lumOff val="25000"/>
+                  </a:schemeClr>
+                </a:solidFill>
+              </a:defRPr>
+            </a:lvl1pPr>
+            <a:lvl2pPr marL="457200" indent="0">
+              <a:buNone/>
+              <a:defRPr sz="1800">
+                <a:solidFill>
+                  <a:schemeClr val="tx1">
+                    <a:tint val="75000"/>
+                  </a:schemeClr>
+                </a:solidFill>
+              </a:defRPr>
+            </a:lvl2pPr>
+            <a:lvl3pPr marL="914400" indent="0">
+              <a:buNone/>
+              <a:defRPr sz="1600">
+                <a:solidFill>
+                  <a:schemeClr val="tx1">
+                    <a:tint val="75000"/>
+                  </a:schemeClr>
+                </a:solidFill>
+              </a:defRPr>
+            </a:lvl3pPr>
+            <a:lvl4pPr marL="1371600" indent="0">
+              <a:buNone/>
+              <a:defRPr sz="1400">
+                <a:solidFill>
+                  <a:schemeClr val="tx1">
+                    <a:tint val="75000"/>
+                  </a:schemeClr>
+                </a:solidFill>
+              </a:defRPr>
+            </a:lvl4pPr>
+            <a:lvl5pPr marL="1828800" indent="0">
+              <a:buNone/>
+              <a:defRPr sz="1400">
+                <a:solidFill>
+                  <a:schemeClr val="tx1">
+                    <a:tint val="75000"/>
+                  </a:schemeClr>
+                </a:solidFill>
+              </a:defRPr>
+            </a:lvl5pPr>
+            <a:lvl6pPr marL="2286000" indent="0">
+              <a:buNone/>
+              <a:defRPr sz="1400">
+                <a:solidFill>
+                  <a:schemeClr val="tx1">
+                    <a:tint val="75000"/>
+                  </a:schemeClr>
+                </a:solidFill>
+              </a:defRPr>
+            </a:lvl6pPr>
+            <a:lvl7pPr marL="2743200" indent="0">
+              <a:buNone/>
+              <a:defRPr sz="1400">
+                <a:solidFill>
+                  <a:schemeClr val="tx1">
+                    <a:tint val="75000"/>
+                  </a:schemeClr>
+                </a:solidFill>
+              </a:defRPr>
+            </a:lvl7pPr>
+            <a:lvl8pPr marL="3200400" indent="0">
+              <a:buNone/>
+              <a:defRPr sz="1400">
+                <a:solidFill>
+                  <a:schemeClr val="tx1">
+                    <a:tint val="75000"/>
+                  </a:schemeClr>
+                </a:solidFill>
+              </a:defRPr>
+            </a:lvl8pPr>
+            <a:lvl9pPr marL="3657600" indent="0">
+              <a:buNone/>
+              <a:defRPr sz="1400">
+                <a:solidFill>
+                  <a:schemeClr val="tx1">
+                    <a:tint val="75000"/>
+                  </a:schemeClr>
+                </a:solidFill>
+              </a:defRPr>
+            </a:lvl9pPr>
+          </a:lstStyle>
+          <a:p>
+            <a:pPr lvl="0"/>
+            <a:r>
+              <a:rPr lang="es-ES"/>
+              <a:t>Editar los estilos de texto del patrón</a:t>
+            </a:r>
+          </a:p>
+        </p:txBody>
+      </p:sp>
+      <p:sp>
+        <p:nvSpPr>
+          <p:cNvPr id="4" name="Date Placeholder 3"/>
+          <p:cNvSpPr>
+            <a:spLocks noGrp="1"/>
+          </p:cNvSpPr>
+          <p:nvPr>
+            <p:ph type="dt" sz="half" idx="10"/>
+          </p:nvPr>
+        </p:nvSpPr>
+        <p:spPr/>
+        <p:txBody>
+          <a:bodyPr/>
+          <a:lstStyle/>
+          <a:p>
+            <a:fld id="{E5EE0B55-E20F-4275-9E02-1B7D173BE4D6}" type="datetimeFigureOut">
+              <a:rPr lang="es-ES" smtClean="0"/>
+              <a:t>24/06/2018</a:t>
+            </a:fld>
+            <a:endParaRPr lang="es-ES"/>
+          </a:p>
+        </p:txBody>
+      </p:sp>
+      <p:sp>
+        <p:nvSpPr>
+          <p:cNvPr id="5" name="Footer Placeholder 4"/>
+          <p:cNvSpPr>
+            <a:spLocks noGrp="1"/>
+          </p:cNvSpPr>
+          <p:nvPr>
+            <p:ph type="ftr" sz="quarter" idx="11"/>
+          </p:nvPr>
+        </p:nvSpPr>
+        <p:spPr/>
+        <p:txBody>
+          <a:bodyPr/>
+          <a:lstStyle/>
+          <a:p>
+            <a:endParaRPr lang="es-ES"/>
+          </a:p>
+        </p:txBody>
+      </p:sp>
+      <p:sp>
+        <p:nvSpPr>
+          <p:cNvPr id="6" name="Slide Number Placeholder 5"/>
+          <p:cNvSpPr>
+            <a:spLocks noGrp="1"/>
+          </p:cNvSpPr>
+          <p:nvPr>
+            <p:ph type="sldNum" sz="quarter" idx="12"/>
+          </p:nvPr>
+        </p:nvSpPr>
+        <p:spPr/>
+        <p:txBody>
+          <a:bodyPr/>
+          <a:lstStyle/>
+          <a:p>
+            <a:fld id="{C3DD02CD-FE90-4A7A-AB24-EEB232EC0F04}" type="slidenum">
+              <a:rPr lang="es-ES" smtClean="0"/>
+              <a:t>‹Nº›</a:t>
+            </a:fld>
+            <a:endParaRPr lang="es-ES"/>
+          </a:p>
+        </p:txBody>
+      </p:sp>
+    </p:spTree>
+    <p:extLst>
+      <p:ext uri="{BB962C8B-B14F-4D97-AF65-F5344CB8AC3E}">
+        <p14:creationId xmlns:p14="http://schemas.microsoft.com/office/powerpoint/2010/main" val="1993673018"/>
+      </p:ext>
+    </p:extLst>
+  </p:cSld>
+  <p:clrMapOvr>
+    <a:masterClrMapping/>
+  </p:clrMapOvr>
+</p:sldLayout>
+</file>
+
+<file path=ppt/slideLayouts/slideLayout13.xml><?xml version="1.0" encoding="utf-8"?>
+<p:sldLayout xmlns:a="http://schemas.openxmlformats.org/drawingml/2006/main" xmlns:r="http://schemas.openxmlformats.org/officeDocument/2006/relationships" xmlns:p="http://schemas.openxmlformats.org/presentationml/2006/main" preserve="1">
+  <p:cSld name="Citar la tarjeta de nombre">
+    <p:spTree>
+      <p:nvGrpSpPr>
+        <p:cNvPr id="1" name=""/>
+        <p:cNvGrpSpPr/>
+        <p:nvPr/>
+      </p:nvGrpSpPr>
+      <p:grpSpPr>
+        <a:xfrm>
+          <a:off x="0" y="0"/>
+          <a:ext cx="0" cy="0"/>
+          <a:chOff x="0" y="0"/>
+          <a:chExt cx="0" cy="0"/>
+        </a:xfrm>
+      </p:grpSpPr>
+      <p:sp>
+        <p:nvSpPr>
+          <p:cNvPr id="2" name="Title 1"/>
+          <p:cNvSpPr>
+            <a:spLocks noGrp="1"/>
+          </p:cNvSpPr>
+          <p:nvPr>
+            <p:ph type="title"/>
+          </p:nvPr>
+        </p:nvSpPr>
+        <p:spPr>
+          <a:xfrm>
+            <a:off x="931334" y="609600"/>
+            <a:ext cx="8094134" cy="3022600"/>
+          </a:xfrm>
+        </p:spPr>
+        <p:txBody>
+          <a:bodyPr anchor="ctr">
+            <a:normAutofit/>
+          </a:bodyPr>
+          <a:lstStyle>
+            <a:lvl1pPr algn="l">
+              <a:defRPr sz="4400" b="0" cap="none"/>
+            </a:lvl1pPr>
+          </a:lstStyle>
+          <a:p>
+            <a:r>
+              <a:rPr lang="es-ES"/>
+              <a:t>Haga clic para modificar el estilo de título del patrón</a:t>
+            </a:r>
+            <a:endParaRPr lang="en-US" dirty="0"/>
+          </a:p>
+        </p:txBody>
+      </p:sp>
+      <p:sp>
+        <p:nvSpPr>
+          <p:cNvPr id="23" name="Text Placeholder 9"/>
+          <p:cNvSpPr>
+            <a:spLocks noGrp="1"/>
+          </p:cNvSpPr>
+          <p:nvPr>
+            <p:ph type="body" sz="quarter" idx="13"/>
+          </p:nvPr>
+        </p:nvSpPr>
+        <p:spPr>
+          <a:xfrm>
+            <a:off x="677332" y="4013200"/>
+            <a:ext cx="8596669" cy="514248"/>
+          </a:xfrm>
+        </p:spPr>
+        <p:txBody>
+          <a:bodyPr anchor="b">
+            <a:noAutofit/>
+          </a:bodyPr>
+          <a:lstStyle>
+            <a:lvl1pPr marL="0" indent="0">
+              <a:buFontTx/>
+              <a:buNone/>
+              <a:defRPr sz="2400">
+                <a:solidFill>
+                  <a:schemeClr val="tx1">
+                    <a:lumMod val="75000"/>
+                    <a:lumOff val="25000"/>
+                  </a:schemeClr>
+                </a:solidFill>
+              </a:defRPr>
+            </a:lvl1pPr>
+            <a:lvl2pPr marL="457200" indent="0">
+              <a:buFontTx/>
+              <a:buNone/>
+              <a:defRPr/>
+            </a:lvl2pPr>
+            <a:lvl3pPr marL="914400" indent="0">
+              <a:buFontTx/>
+              <a:buNone/>
+              <a:defRPr/>
+            </a:lvl3pPr>
+            <a:lvl4pPr marL="1371600" indent="0">
+              <a:buFontTx/>
+              <a:buNone/>
+              <a:defRPr/>
+            </a:lvl4pPr>
+            <a:lvl5pPr marL="1828800" indent="0">
+              <a:buFontTx/>
+              <a:buNone/>
+              <a:defRPr/>
+            </a:lvl5pPr>
+          </a:lstStyle>
+          <a:p>
+            <a:pPr lvl="0"/>
+            <a:r>
+              <a:rPr lang="es-ES"/>
+              <a:t>Editar los estilos de texto del patrón</a:t>
+            </a:r>
+          </a:p>
+        </p:txBody>
+      </p:sp>
+      <p:sp>
+        <p:nvSpPr>
+          <p:cNvPr id="3" name="Text Placeholder 2"/>
+          <p:cNvSpPr>
+            <a:spLocks noGrp="1"/>
+          </p:cNvSpPr>
+          <p:nvPr>
+            <p:ph type="body" idx="1"/>
+          </p:nvPr>
+        </p:nvSpPr>
+        <p:spPr>
+          <a:xfrm>
+            <a:off x="677335" y="4527448"/>
+            <a:ext cx="8596668" cy="1513914"/>
+          </a:xfrm>
+        </p:spPr>
+        <p:txBody>
+          <a:bodyPr anchor="t">
+            <a:normAutofit/>
+          </a:bodyPr>
+          <a:lstStyle>
+            <a:lvl1pPr marL="0" indent="0" algn="l">
+              <a:buNone/>
+              <a:defRPr sz="1800">
+                <a:solidFill>
+                  <a:schemeClr val="tx1">
+                    <a:lumMod val="50000"/>
+                    <a:lumOff val="50000"/>
+                  </a:schemeClr>
+                </a:solidFill>
+              </a:defRPr>
+            </a:lvl1pPr>
+            <a:lvl2pPr marL="457200" indent="0">
+              <a:buNone/>
+              <a:defRPr sz="1800">
+                <a:solidFill>
+                  <a:schemeClr val="tx1">
+                    <a:tint val="75000"/>
+                  </a:schemeClr>
+                </a:solidFill>
+              </a:defRPr>
+            </a:lvl2pPr>
+            <a:lvl3pPr marL="914400" indent="0">
+              <a:buNone/>
+              <a:defRPr sz="1600">
+                <a:solidFill>
+                  <a:schemeClr val="tx1">
+                    <a:tint val="75000"/>
+                  </a:schemeClr>
+                </a:solidFill>
+              </a:defRPr>
+            </a:lvl3pPr>
+            <a:lvl4pPr marL="1371600" indent="0">
+              <a:buNone/>
+              <a:defRPr sz="1400">
+                <a:solidFill>
+                  <a:schemeClr val="tx1">
+                    <a:tint val="75000"/>
+                  </a:schemeClr>
+                </a:solidFill>
+              </a:defRPr>
+            </a:lvl4pPr>
+            <a:lvl5pPr marL="1828800" indent="0">
+              <a:buNone/>
+              <a:defRPr sz="1400">
+                <a:solidFill>
+                  <a:schemeClr val="tx1">
+                    <a:tint val="75000"/>
+                  </a:schemeClr>
+                </a:solidFill>
+              </a:defRPr>
+            </a:lvl5pPr>
+            <a:lvl6pPr marL="2286000" indent="0">
+              <a:buNone/>
+              <a:defRPr sz="1400">
+                <a:solidFill>
+                  <a:schemeClr val="tx1">
+                    <a:tint val="75000"/>
+                  </a:schemeClr>
+                </a:solidFill>
+              </a:defRPr>
+            </a:lvl6pPr>
+            <a:lvl7pPr marL="2743200" indent="0">
+              <a:buNone/>
+              <a:defRPr sz="1400">
+                <a:solidFill>
+                  <a:schemeClr val="tx1">
+                    <a:tint val="75000"/>
+                  </a:schemeClr>
+                </a:solidFill>
+              </a:defRPr>
+            </a:lvl7pPr>
+            <a:lvl8pPr marL="3200400" indent="0">
+              <a:buNone/>
+              <a:defRPr sz="1400">
+                <a:solidFill>
+                  <a:schemeClr val="tx1">
+                    <a:tint val="75000"/>
+                  </a:schemeClr>
+                </a:solidFill>
+              </a:defRPr>
+            </a:lvl8pPr>
+            <a:lvl9pPr marL="3657600" indent="0">
+              <a:buNone/>
+              <a:defRPr sz="1400">
+                <a:solidFill>
+                  <a:schemeClr val="tx1">
+                    <a:tint val="75000"/>
+                  </a:schemeClr>
+                </a:solidFill>
+              </a:defRPr>
+            </a:lvl9pPr>
+          </a:lstStyle>
+          <a:p>
+            <a:pPr lvl="0"/>
+            <a:r>
+              <a:rPr lang="es-ES"/>
+              <a:t>Editar los estilos de texto del patrón</a:t>
+            </a:r>
+          </a:p>
+        </p:txBody>
+      </p:sp>
+      <p:sp>
+        <p:nvSpPr>
+          <p:cNvPr id="4" name="Date Placeholder 3"/>
+          <p:cNvSpPr>
+            <a:spLocks noGrp="1"/>
+          </p:cNvSpPr>
+          <p:nvPr>
+            <p:ph type="dt" sz="half" idx="10"/>
+          </p:nvPr>
+        </p:nvSpPr>
+        <p:spPr/>
+        <p:txBody>
+          <a:bodyPr/>
+          <a:lstStyle/>
+          <a:p>
+            <a:fld id="{E5EE0B55-E20F-4275-9E02-1B7D173BE4D6}" type="datetimeFigureOut">
+              <a:rPr lang="es-ES" smtClean="0"/>
+              <a:t>24/06/2018</a:t>
+            </a:fld>
+            <a:endParaRPr lang="es-ES"/>
+          </a:p>
+        </p:txBody>
+      </p:sp>
+      <p:sp>
+        <p:nvSpPr>
+          <p:cNvPr id="5" name="Footer Placeholder 4"/>
+          <p:cNvSpPr>
+            <a:spLocks noGrp="1"/>
+          </p:cNvSpPr>
+          <p:nvPr>
+            <p:ph type="ftr" sz="quarter" idx="11"/>
+          </p:nvPr>
+        </p:nvSpPr>
+        <p:spPr/>
+        <p:txBody>
+          <a:bodyPr/>
+          <a:lstStyle/>
+          <a:p>
+            <a:endParaRPr lang="es-ES"/>
+          </a:p>
+        </p:txBody>
+      </p:sp>
+      <p:sp>
+        <p:nvSpPr>
+          <p:cNvPr id="6" name="Slide Number Placeholder 5"/>
+          <p:cNvSpPr>
+            <a:spLocks noGrp="1"/>
+          </p:cNvSpPr>
+          <p:nvPr>
+            <p:ph type="sldNum" sz="quarter" idx="12"/>
+          </p:nvPr>
+        </p:nvSpPr>
+        <p:spPr/>
+        <p:txBody>
+          <a:bodyPr/>
+          <a:lstStyle/>
+          <a:p>
+            <a:fld id="{C3DD02CD-FE90-4A7A-AB24-EEB232EC0F04}" type="slidenum">
+              <a:rPr lang="es-ES" smtClean="0"/>
+              <a:t>‹Nº›</a:t>
+            </a:fld>
+            <a:endParaRPr lang="es-ES"/>
+          </a:p>
+        </p:txBody>
+      </p:sp>
+      <p:sp>
+        <p:nvSpPr>
+          <p:cNvPr id="24" name="TextBox 23"/>
+          <p:cNvSpPr txBox="1"/>
+          <p:nvPr/>
+        </p:nvSpPr>
+        <p:spPr>
+          <a:xfrm>
+            <a:off x="541870" y="790378"/>
+            <a:ext cx="609600" cy="584776"/>
+          </a:xfrm>
+          <a:prstGeom prst="rect">
+            <a:avLst/>
+          </a:prstGeom>
+        </p:spPr>
+        <p:txBody>
+          <a:bodyPr vert="horz" lIns="91440" tIns="45720" rIns="91440" bIns="45720" rtlCol="0" anchor="ctr">
+            <a:noAutofit/>
+          </a:bodyPr>
+          <a:lstStyle/>
+          <a:p>
+            <a:pPr lvl="0"/>
+            <a:r>
+              <a:rPr lang="en-US" sz="8000" baseline="0" dirty="0">
+                <a:ln w="3175" cmpd="sng">
+                  <a:noFill/>
+                </a:ln>
+                <a:solidFill>
+                  <a:schemeClr val="accent1">
+                    <a:lumMod val="60000"/>
+                    <a:lumOff val="40000"/>
+                  </a:schemeClr>
+                </a:solidFill>
+                <a:effectLst/>
+                <a:latin typeface="Arial"/>
+              </a:rPr>
+              <a:t>“</a:t>
+            </a:r>
+          </a:p>
+        </p:txBody>
+      </p:sp>
+      <p:sp>
+        <p:nvSpPr>
+          <p:cNvPr id="25" name="TextBox 24"/>
+          <p:cNvSpPr txBox="1"/>
+          <p:nvPr/>
+        </p:nvSpPr>
+        <p:spPr>
+          <a:xfrm>
+            <a:off x="8893011" y="2886556"/>
+            <a:ext cx="609600" cy="584776"/>
+          </a:xfrm>
+          <a:prstGeom prst="rect">
+            <a:avLst/>
+          </a:prstGeom>
+        </p:spPr>
+        <p:txBody>
+          <a:bodyPr vert="horz" lIns="91440" tIns="45720" rIns="91440" bIns="45720" rtlCol="0" anchor="ctr">
+            <a:noAutofit/>
+          </a:bodyPr>
+          <a:lstStyle/>
+          <a:p>
+            <a:pPr lvl="0"/>
+            <a:r>
+              <a:rPr lang="en-US" sz="8000" baseline="0" dirty="0">
+                <a:ln w="3175" cmpd="sng">
+                  <a:noFill/>
+                </a:ln>
+                <a:solidFill>
+                  <a:schemeClr val="accent1">
+                    <a:lumMod val="60000"/>
+                    <a:lumOff val="40000"/>
+                  </a:schemeClr>
+                </a:solidFill>
+                <a:effectLst/>
+                <a:latin typeface="Arial"/>
+              </a:rPr>
+              <a:t>”</a:t>
+            </a:r>
+          </a:p>
+        </p:txBody>
+      </p:sp>
+    </p:spTree>
+    <p:extLst>
+      <p:ext uri="{BB962C8B-B14F-4D97-AF65-F5344CB8AC3E}">
+        <p14:creationId xmlns:p14="http://schemas.microsoft.com/office/powerpoint/2010/main" val="1662403512"/>
+      </p:ext>
+    </p:extLst>
+  </p:cSld>
+  <p:clrMapOvr>
+    <a:masterClrMapping/>
+  </p:clrMapOvr>
+</p:sldLayout>
+</file>
+
+<file path=ppt/slideLayouts/slideLayout14.xml><?xml version="1.0" encoding="utf-8"?>
+<p:sldLayout xmlns:a="http://schemas.openxmlformats.org/drawingml/2006/main" xmlns:r="http://schemas.openxmlformats.org/officeDocument/2006/relationships" xmlns:p="http://schemas.openxmlformats.org/presentationml/2006/main" preserve="1">
+  <p:cSld name="Verdadero o falso">
+    <p:spTree>
+      <p:nvGrpSpPr>
+        <p:cNvPr id="1" name=""/>
+        <p:cNvGrpSpPr/>
+        <p:nvPr/>
+      </p:nvGrpSpPr>
+      <p:grpSpPr>
+        <a:xfrm>
+          <a:off x="0" y="0"/>
+          <a:ext cx="0" cy="0"/>
+          <a:chOff x="0" y="0"/>
+          <a:chExt cx="0" cy="0"/>
+        </a:xfrm>
+      </p:grpSpPr>
+      <p:sp>
+        <p:nvSpPr>
+          <p:cNvPr id="2" name="Title 1"/>
+          <p:cNvSpPr>
+            <a:spLocks noGrp="1"/>
+          </p:cNvSpPr>
+          <p:nvPr>
+            <p:ph type="title"/>
+          </p:nvPr>
+        </p:nvSpPr>
+        <p:spPr>
+          <a:xfrm>
+            <a:off x="685799" y="609600"/>
+            <a:ext cx="8588203" cy="3022600"/>
+          </a:xfrm>
+        </p:spPr>
+        <p:txBody>
+          <a:bodyPr anchor="ctr">
+            <a:normAutofit/>
+          </a:bodyPr>
+          <a:lstStyle>
+            <a:lvl1pPr algn="l">
+              <a:defRPr sz="4400" b="0" cap="none"/>
+            </a:lvl1pPr>
+          </a:lstStyle>
+          <a:p>
+            <a:r>
+              <a:rPr lang="es-ES"/>
+              <a:t>Haga clic para modificar el estilo de título del patrón</a:t>
+            </a:r>
+            <a:endParaRPr lang="en-US" dirty="0"/>
+          </a:p>
+        </p:txBody>
+      </p:sp>
+      <p:sp>
+        <p:nvSpPr>
+          <p:cNvPr id="23" name="Text Placeholder 9"/>
+          <p:cNvSpPr>
+            <a:spLocks noGrp="1"/>
+          </p:cNvSpPr>
+          <p:nvPr>
+            <p:ph type="body" sz="quarter" idx="13"/>
+          </p:nvPr>
+        </p:nvSpPr>
+        <p:spPr>
+          <a:xfrm>
+            <a:off x="677332" y="4013200"/>
+            <a:ext cx="8596669" cy="514248"/>
+          </a:xfrm>
+        </p:spPr>
+        <p:txBody>
+          <a:bodyPr anchor="b">
+            <a:noAutofit/>
+          </a:bodyPr>
+          <a:lstStyle>
+            <a:lvl1pPr marL="0" indent="0">
+              <a:buFontTx/>
+              <a:buNone/>
+              <a:defRPr sz="2400">
+                <a:solidFill>
+                  <a:schemeClr val="accent1"/>
+                </a:solidFill>
+              </a:defRPr>
+            </a:lvl1pPr>
+            <a:lvl2pPr marL="457200" indent="0">
+              <a:buFontTx/>
+              <a:buNone/>
+              <a:defRPr/>
+            </a:lvl2pPr>
+            <a:lvl3pPr marL="914400" indent="0">
+              <a:buFontTx/>
+              <a:buNone/>
+              <a:defRPr/>
+            </a:lvl3pPr>
+            <a:lvl4pPr marL="1371600" indent="0">
+              <a:buFontTx/>
+              <a:buNone/>
+              <a:defRPr/>
+            </a:lvl4pPr>
+            <a:lvl5pPr marL="1828800" indent="0">
+              <a:buFontTx/>
+              <a:buNone/>
+              <a:defRPr/>
+            </a:lvl5pPr>
+          </a:lstStyle>
+          <a:p>
+            <a:pPr lvl="0"/>
+            <a:r>
+              <a:rPr lang="es-ES"/>
+              <a:t>Editar los estilos de texto del patrón</a:t>
+            </a:r>
+          </a:p>
+        </p:txBody>
+      </p:sp>
+      <p:sp>
+        <p:nvSpPr>
+          <p:cNvPr id="3" name="Text Placeholder 2"/>
+          <p:cNvSpPr>
+            <a:spLocks noGrp="1"/>
+          </p:cNvSpPr>
+          <p:nvPr>
+            <p:ph type="body" idx="1"/>
+          </p:nvPr>
+        </p:nvSpPr>
+        <p:spPr>
+          <a:xfrm>
+            <a:off x="677335" y="4527448"/>
+            <a:ext cx="8596668" cy="1513914"/>
+          </a:xfrm>
+        </p:spPr>
+        <p:txBody>
+          <a:bodyPr anchor="t">
+            <a:normAutofit/>
+          </a:bodyPr>
+          <a:lstStyle>
+            <a:lvl1pPr marL="0" indent="0" algn="l">
+              <a:buNone/>
+              <a:defRPr sz="1800">
+                <a:solidFill>
+                  <a:schemeClr val="tx1">
+                    <a:lumMod val="50000"/>
+                    <a:lumOff val="50000"/>
+                  </a:schemeClr>
+                </a:solidFill>
+              </a:defRPr>
+            </a:lvl1pPr>
+            <a:lvl2pPr marL="457200" indent="0">
+              <a:buNone/>
+              <a:defRPr sz="1800">
+                <a:solidFill>
+                  <a:schemeClr val="tx1">
+                    <a:tint val="75000"/>
+                  </a:schemeClr>
+                </a:solidFill>
+              </a:defRPr>
+            </a:lvl2pPr>
+            <a:lvl3pPr marL="914400" indent="0">
+              <a:buNone/>
+              <a:defRPr sz="1600">
+                <a:solidFill>
+                  <a:schemeClr val="tx1">
+                    <a:tint val="75000"/>
+                  </a:schemeClr>
+                </a:solidFill>
+              </a:defRPr>
+            </a:lvl3pPr>
+            <a:lvl4pPr marL="1371600" indent="0">
+              <a:buNone/>
+              <a:defRPr sz="1400">
+                <a:solidFill>
+                  <a:schemeClr val="tx1">
+                    <a:tint val="75000"/>
+                  </a:schemeClr>
+                </a:solidFill>
+              </a:defRPr>
+            </a:lvl4pPr>
+            <a:lvl5pPr marL="1828800" indent="0">
+              <a:buNone/>
+              <a:defRPr sz="1400">
+                <a:solidFill>
+                  <a:schemeClr val="tx1">
+                    <a:tint val="75000"/>
+                  </a:schemeClr>
+                </a:solidFill>
+              </a:defRPr>
+            </a:lvl5pPr>
+            <a:lvl6pPr marL="2286000" indent="0">
+              <a:buNone/>
+              <a:defRPr sz="1400">
+                <a:solidFill>
+                  <a:schemeClr val="tx1">
+                    <a:tint val="75000"/>
+                  </a:schemeClr>
+                </a:solidFill>
+              </a:defRPr>
+            </a:lvl6pPr>
+            <a:lvl7pPr marL="2743200" indent="0">
+              <a:buNone/>
+              <a:defRPr sz="1400">
+                <a:solidFill>
+                  <a:schemeClr val="tx1">
+                    <a:tint val="75000"/>
+                  </a:schemeClr>
+                </a:solidFill>
+              </a:defRPr>
+            </a:lvl7pPr>
+            <a:lvl8pPr marL="3200400" indent="0">
+              <a:buNone/>
+              <a:defRPr sz="1400">
+                <a:solidFill>
+                  <a:schemeClr val="tx1">
+                    <a:tint val="75000"/>
+                  </a:schemeClr>
+                </a:solidFill>
+              </a:defRPr>
+            </a:lvl8pPr>
+            <a:lvl9pPr marL="3657600" indent="0">
+              <a:buNone/>
+              <a:defRPr sz="1400">
+                <a:solidFill>
+                  <a:schemeClr val="tx1">
+                    <a:tint val="75000"/>
+                  </a:schemeClr>
+                </a:solidFill>
+              </a:defRPr>
+            </a:lvl9pPr>
+          </a:lstStyle>
+          <a:p>
+            <a:pPr lvl="0"/>
+            <a:r>
+              <a:rPr lang="es-ES"/>
+              <a:t>Editar los estilos de texto del patrón</a:t>
+            </a:r>
+          </a:p>
+        </p:txBody>
+      </p:sp>
+      <p:sp>
+        <p:nvSpPr>
+          <p:cNvPr id="4" name="Date Placeholder 3"/>
+          <p:cNvSpPr>
+            <a:spLocks noGrp="1"/>
+          </p:cNvSpPr>
+          <p:nvPr>
+            <p:ph type="dt" sz="half" idx="10"/>
+          </p:nvPr>
+        </p:nvSpPr>
+        <p:spPr/>
+        <p:txBody>
+          <a:bodyPr/>
+          <a:lstStyle/>
+          <a:p>
+            <a:fld id="{E5EE0B55-E20F-4275-9E02-1B7D173BE4D6}" type="datetimeFigureOut">
+              <a:rPr lang="es-ES" smtClean="0"/>
+              <a:t>24/06/2018</a:t>
+            </a:fld>
+            <a:endParaRPr lang="es-ES"/>
+          </a:p>
+        </p:txBody>
+      </p:sp>
+      <p:sp>
+        <p:nvSpPr>
+          <p:cNvPr id="5" name="Footer Placeholder 4"/>
+          <p:cNvSpPr>
+            <a:spLocks noGrp="1"/>
+          </p:cNvSpPr>
+          <p:nvPr>
+            <p:ph type="ftr" sz="quarter" idx="11"/>
+          </p:nvPr>
+        </p:nvSpPr>
+        <p:spPr/>
+        <p:txBody>
+          <a:bodyPr/>
+          <a:lstStyle/>
+          <a:p>
+            <a:endParaRPr lang="es-ES"/>
+          </a:p>
+        </p:txBody>
+      </p:sp>
+      <p:sp>
+        <p:nvSpPr>
+          <p:cNvPr id="6" name="Slide Number Placeholder 5"/>
+          <p:cNvSpPr>
+            <a:spLocks noGrp="1"/>
+          </p:cNvSpPr>
+          <p:nvPr>
+            <p:ph type="sldNum" sz="quarter" idx="12"/>
+          </p:nvPr>
+        </p:nvSpPr>
+        <p:spPr/>
+        <p:txBody>
+          <a:bodyPr/>
+          <a:lstStyle/>
+          <a:p>
+            <a:fld id="{C3DD02CD-FE90-4A7A-AB24-EEB232EC0F04}" type="slidenum">
+              <a:rPr lang="es-ES" smtClean="0"/>
+              <a:t>‹Nº›</a:t>
+            </a:fld>
+            <a:endParaRPr lang="es-ES"/>
+          </a:p>
+        </p:txBody>
+      </p:sp>
+    </p:spTree>
+    <p:extLst>
+      <p:ext uri="{BB962C8B-B14F-4D97-AF65-F5344CB8AC3E}">
+        <p14:creationId xmlns:p14="http://schemas.microsoft.com/office/powerpoint/2010/main" val="3602986275"/>
+      </p:ext>
+    </p:extLst>
+  </p:cSld>
+  <p:clrMapOvr>
+    <a:masterClrMapping/>
+  </p:clrMapOvr>
+</p:sldLayout>
+</file>
+
+<file path=ppt/slideLayouts/slideLayout15.xml><?xml version="1.0" encoding="utf-8"?>
 <p:sldLayout xmlns:a="http://schemas.openxmlformats.org/drawingml/2006/main" xmlns:r="http://schemas.openxmlformats.org/officeDocument/2006/relationships" xmlns:p="http://schemas.openxmlformats.org/presentationml/2006/main" type="vertTx" preserve="1">
   <p:cSld name="Título y texto vertical">
     <p:spTree>
@@ -356,13 +2980,7 @@
       </p:grpSpPr>
       <p:sp>
         <p:nvSpPr>
-          <p:cNvPr id="2" name="Título 1">
-            <a:extLst>
-              <a:ext uri="{FF2B5EF4-FFF2-40B4-BE49-F238E27FC236}">
-                <a16:creationId xmlns:a16="http://schemas.microsoft.com/office/drawing/2014/main" id="{C868EF0C-03EF-490B-8F85-D2694353C5EA}"/>
-              </a:ext>
-            </a:extLst>
-          </p:cNvPr>
+          <p:cNvPr id="2" name="Title 1"/>
           <p:cNvSpPr>
             <a:spLocks noGrp="1"/>
           </p:cNvSpPr>
@@ -379,18 +2997,13 @@
               <a:rPr lang="es-ES"/>
               <a:t>Haga clic para modificar el estilo de título del patrón</a:t>
             </a:r>
-          </a:p>
-        </p:txBody>
-      </p:sp>
-      <p:sp>
-        <p:nvSpPr>
-          <p:cNvPr id="3" name="Marcador de texto vertical 2">
-            <a:extLst>
-              <a:ext uri="{FF2B5EF4-FFF2-40B4-BE49-F238E27FC236}">
-                <a16:creationId xmlns:a16="http://schemas.microsoft.com/office/drawing/2014/main" id="{477F1783-E45B-4972-844F-D42D1AE4FF6C}"/>
-              </a:ext>
-            </a:extLst>
-          </p:cNvPr>
+            <a:endParaRPr lang="en-US" dirty="0"/>
+          </a:p>
+        </p:txBody>
+      </p:sp>
+      <p:sp>
+        <p:nvSpPr>
+          <p:cNvPr id="3" name="Vertical Text Placeholder 2"/>
           <p:cNvSpPr>
             <a:spLocks noGrp="1"/>
           </p:cNvSpPr>
@@ -436,18 +3049,13 @@
               <a:rPr lang="es-ES"/>
               <a:t>Quinto nivel</a:t>
             </a:r>
-          </a:p>
-        </p:txBody>
-      </p:sp>
-      <p:sp>
-        <p:nvSpPr>
-          <p:cNvPr id="4" name="Marcador de fecha 3">
-            <a:extLst>
-              <a:ext uri="{FF2B5EF4-FFF2-40B4-BE49-F238E27FC236}">
-                <a16:creationId xmlns:a16="http://schemas.microsoft.com/office/drawing/2014/main" id="{4BED1B5A-E9B5-44C3-A90C-E5C0D24C7223}"/>
-              </a:ext>
-            </a:extLst>
-          </p:cNvPr>
+            <a:endParaRPr lang="en-US" dirty="0"/>
+          </a:p>
+        </p:txBody>
+      </p:sp>
+      <p:sp>
+        <p:nvSpPr>
+          <p:cNvPr id="4" name="Date Placeholder 3"/>
           <p:cNvSpPr>
             <a:spLocks noGrp="1"/>
           </p:cNvSpPr>
@@ -470,13 +3078,7 @@
       </p:sp>
       <p:sp>
         <p:nvSpPr>
-          <p:cNvPr id="5" name="Marcador de pie de página 4">
-            <a:extLst>
-              <a:ext uri="{FF2B5EF4-FFF2-40B4-BE49-F238E27FC236}">
-                <a16:creationId xmlns:a16="http://schemas.microsoft.com/office/drawing/2014/main" id="{0D46B194-1548-4D6B-BE00-564912A64BA5}"/>
-              </a:ext>
-            </a:extLst>
-          </p:cNvPr>
+          <p:cNvPr id="5" name="Footer Placeholder 4"/>
           <p:cNvSpPr>
             <a:spLocks noGrp="1"/>
           </p:cNvSpPr>
@@ -495,13 +3097,7 @@
       </p:sp>
       <p:sp>
         <p:nvSpPr>
-          <p:cNvPr id="6" name="Marcador de número de diapositiva 5">
-            <a:extLst>
-              <a:ext uri="{FF2B5EF4-FFF2-40B4-BE49-F238E27FC236}">
-                <a16:creationId xmlns:a16="http://schemas.microsoft.com/office/drawing/2014/main" id="{F929000D-D776-4945-8558-CBD1756E55CF}"/>
-              </a:ext>
-            </a:extLst>
-          </p:cNvPr>
+          <p:cNvPr id="6" name="Slide Number Placeholder 5"/>
           <p:cNvSpPr>
             <a:spLocks noGrp="1"/>
           </p:cNvSpPr>
@@ -525,7 +3121,7 @@
     </p:spTree>
     <p:extLst>
       <p:ext uri="{BB962C8B-B14F-4D97-AF65-F5344CB8AC3E}">
-        <p14:creationId xmlns:p14="http://schemas.microsoft.com/office/powerpoint/2010/main" val="2333964390"/>
+        <p14:creationId xmlns:p14="http://schemas.microsoft.com/office/powerpoint/2010/main" val="3782905601"/>
       </p:ext>
     </p:extLst>
   </p:cSld>
@@ -535,7 +3131,7 @@
 </p:sldLayout>
 </file>
 
-<file path=ppt/slideLayouts/slideLayout11.xml><?xml version="1.0" encoding="utf-8"?>
+<file path=ppt/slideLayouts/slideLayout16.xml><?xml version="1.0" encoding="utf-8"?>
 <p:sldLayout xmlns:a="http://schemas.openxmlformats.org/drawingml/2006/main" xmlns:r="http://schemas.openxmlformats.org/officeDocument/2006/relationships" xmlns:p="http://schemas.openxmlformats.org/presentationml/2006/main" type="vertTitleAndTx" preserve="1">
   <p:cSld name="Título vertical y texto">
     <p:spTree>
@@ -554,13 +3150,7 @@
       </p:grpSpPr>
       <p:sp>
         <p:nvSpPr>
-          <p:cNvPr id="2" name="Título vertical 1">
-            <a:extLst>
-              <a:ext uri="{FF2B5EF4-FFF2-40B4-BE49-F238E27FC236}">
-                <a16:creationId xmlns:a16="http://schemas.microsoft.com/office/drawing/2014/main" id="{7C0D777A-4DFD-455F-BE2A-C822910ACB84}"/>
-              </a:ext>
-            </a:extLst>
-          </p:cNvPr>
+          <p:cNvPr id="2" name="Vertical Title 1"/>
           <p:cNvSpPr>
             <a:spLocks noGrp="1"/>
           </p:cNvSpPr>
@@ -570,30 +3160,25 @@
         </p:nvSpPr>
         <p:spPr>
           <a:xfrm>
-            <a:off x="8724900" y="365125"/>
-            <a:ext cx="2628900" cy="5811838"/>
+            <a:off x="7967673" y="609599"/>
+            <a:ext cx="1304743" cy="5251451"/>
           </a:xfrm>
         </p:spPr>
         <p:txBody>
-          <a:bodyPr vert="eaVert"/>
+          <a:bodyPr vert="eaVert" anchor="ctr"/>
           <a:lstStyle/>
           <a:p>
             <a:r>
               <a:rPr lang="es-ES"/>
               <a:t>Haga clic para modificar el estilo de título del patrón</a:t>
             </a:r>
-          </a:p>
-        </p:txBody>
-      </p:sp>
-      <p:sp>
-        <p:nvSpPr>
-          <p:cNvPr id="3" name="Marcador de texto vertical 2">
-            <a:extLst>
-              <a:ext uri="{FF2B5EF4-FFF2-40B4-BE49-F238E27FC236}">
-                <a16:creationId xmlns:a16="http://schemas.microsoft.com/office/drawing/2014/main" id="{E6725D4D-4BDD-4FEF-A494-1B8016E7B140}"/>
-              </a:ext>
-            </a:extLst>
-          </p:cNvPr>
+            <a:endParaRPr lang="en-US" dirty="0"/>
+          </a:p>
+        </p:txBody>
+      </p:sp>
+      <p:sp>
+        <p:nvSpPr>
+          <p:cNvPr id="3" name="Vertical Text Placeholder 2"/>
           <p:cNvSpPr>
             <a:spLocks noGrp="1"/>
           </p:cNvSpPr>
@@ -603,8 +3188,8 @@
         </p:nvSpPr>
         <p:spPr>
           <a:xfrm>
-            <a:off x="838200" y="365125"/>
-            <a:ext cx="7734300" cy="5811838"/>
+            <a:off x="677335" y="609600"/>
+            <a:ext cx="7060150" cy="5251450"/>
           </a:xfrm>
         </p:spPr>
         <p:txBody>
@@ -644,18 +3229,13 @@
               <a:rPr lang="es-ES"/>
               <a:t>Quinto nivel</a:t>
             </a:r>
-          </a:p>
-        </p:txBody>
-      </p:sp>
-      <p:sp>
-        <p:nvSpPr>
-          <p:cNvPr id="4" name="Marcador de fecha 3">
-            <a:extLst>
-              <a:ext uri="{FF2B5EF4-FFF2-40B4-BE49-F238E27FC236}">
-                <a16:creationId xmlns:a16="http://schemas.microsoft.com/office/drawing/2014/main" id="{2B68E278-570C-453E-BB65-D90F5E70135C}"/>
-              </a:ext>
-            </a:extLst>
-          </p:cNvPr>
+            <a:endParaRPr lang="en-US" dirty="0"/>
+          </a:p>
+        </p:txBody>
+      </p:sp>
+      <p:sp>
+        <p:nvSpPr>
+          <p:cNvPr id="4" name="Date Placeholder 3"/>
           <p:cNvSpPr>
             <a:spLocks noGrp="1"/>
           </p:cNvSpPr>
@@ -678,13 +3258,7 @@
       </p:sp>
       <p:sp>
         <p:nvSpPr>
-          <p:cNvPr id="5" name="Marcador de pie de página 4">
-            <a:extLst>
-              <a:ext uri="{FF2B5EF4-FFF2-40B4-BE49-F238E27FC236}">
-                <a16:creationId xmlns:a16="http://schemas.microsoft.com/office/drawing/2014/main" id="{3E668669-F75C-4821-B0A9-749A14BE74F2}"/>
-              </a:ext>
-            </a:extLst>
-          </p:cNvPr>
+          <p:cNvPr id="5" name="Footer Placeholder 4"/>
           <p:cNvSpPr>
             <a:spLocks noGrp="1"/>
           </p:cNvSpPr>
@@ -703,13 +3277,7 @@
       </p:sp>
       <p:sp>
         <p:nvSpPr>
-          <p:cNvPr id="6" name="Marcador de número de diapositiva 5">
-            <a:extLst>
-              <a:ext uri="{FF2B5EF4-FFF2-40B4-BE49-F238E27FC236}">
-                <a16:creationId xmlns:a16="http://schemas.microsoft.com/office/drawing/2014/main" id="{7A82078E-4DC3-4928-AAF7-4ACA28FCB115}"/>
-              </a:ext>
-            </a:extLst>
-          </p:cNvPr>
+          <p:cNvPr id="6" name="Slide Number Placeholder 5"/>
           <p:cNvSpPr>
             <a:spLocks noGrp="1"/>
           </p:cNvSpPr>
@@ -733,7 +3301,7 @@
     </p:spTree>
     <p:extLst>
       <p:ext uri="{BB962C8B-B14F-4D97-AF65-F5344CB8AC3E}">
-        <p14:creationId xmlns:p14="http://schemas.microsoft.com/office/powerpoint/2010/main" val="468116127"/>
+        <p14:creationId xmlns:p14="http://schemas.microsoft.com/office/powerpoint/2010/main" val="426963623"/>
       </p:ext>
     </p:extLst>
   </p:cSld>
@@ -743,7 +3311,7 @@
 </p:sldLayout>
 </file>
 
-<file path=ppt/slideLayouts/slideLayout12.xml><?xml version="1.0" encoding="utf-8"?>
+<file path=ppt/slideLayouts/slideLayout17.xml><?xml version="1.0" encoding="utf-8"?>
 <p:sldLayout xmlns:a="http://schemas.openxmlformats.org/drawingml/2006/main" xmlns:r="http://schemas.openxmlformats.org/officeDocument/2006/relationships" xmlns:p="http://schemas.openxmlformats.org/presentationml/2006/main" type="obj">
   <p:cSld name="1_Título y objetos">
     <p:spTree>
@@ -908,7 +3476,7 @@
     </p:spTree>
     <p:extLst>
       <p:ext uri="{BB962C8B-B14F-4D97-AF65-F5344CB8AC3E}">
-        <p14:creationId xmlns:p14="http://schemas.microsoft.com/office/powerpoint/2010/main" val="2859066741"/>
+        <p14:creationId xmlns:p14="http://schemas.microsoft.com/office/powerpoint/2010/main" val="3645005631"/>
       </p:ext>
     </p:extLst>
   </p:cSld>
@@ -937,13 +3505,7 @@
       </p:grpSpPr>
       <p:sp>
         <p:nvSpPr>
-          <p:cNvPr id="2" name="Título 1">
-            <a:extLst>
-              <a:ext uri="{FF2B5EF4-FFF2-40B4-BE49-F238E27FC236}">
-                <a16:creationId xmlns:a16="http://schemas.microsoft.com/office/drawing/2014/main" id="{46EC4B4F-3793-4A81-B088-23CB18419BCC}"/>
-              </a:ext>
-            </a:extLst>
-          </p:cNvPr>
+          <p:cNvPr id="2" name="Title 1"/>
           <p:cNvSpPr>
             <a:spLocks noGrp="1"/>
           </p:cNvSpPr>
@@ -953,25 +3515,26 @@
         </p:nvSpPr>
         <p:spPr/>
         <p:txBody>
-          <a:bodyPr/>
-          <a:lstStyle/>
+          <a:bodyPr>
+            <a:normAutofit/>
+          </a:bodyPr>
+          <a:lstStyle>
+            <a:lvl1pPr>
+              <a:defRPr sz="3600"/>
+            </a:lvl1pPr>
+          </a:lstStyle>
           <a:p>
             <a:r>
               <a:rPr lang="es-ES"/>
               <a:t>Haga clic para modificar el estilo de título del patrón</a:t>
             </a:r>
-          </a:p>
-        </p:txBody>
-      </p:sp>
-      <p:sp>
-        <p:nvSpPr>
-          <p:cNvPr id="3" name="Marcador de contenido 2">
-            <a:extLst>
-              <a:ext uri="{FF2B5EF4-FFF2-40B4-BE49-F238E27FC236}">
-                <a16:creationId xmlns:a16="http://schemas.microsoft.com/office/drawing/2014/main" id="{CEDA5E1E-1A87-4A16-A671-1EBABCD6768C}"/>
-              </a:ext>
-            </a:extLst>
-          </p:cNvPr>
+            <a:endParaRPr lang="en-US" dirty="0"/>
+          </a:p>
+        </p:txBody>
+      </p:sp>
+      <p:sp>
+        <p:nvSpPr>
+          <p:cNvPr id="3" name="Content Placeholder 2"/>
           <p:cNvSpPr>
             <a:spLocks noGrp="1"/>
           </p:cNvSpPr>
@@ -1017,18 +3580,13 @@
               <a:rPr lang="es-ES"/>
               <a:t>Quinto nivel</a:t>
             </a:r>
-          </a:p>
-        </p:txBody>
-      </p:sp>
-      <p:sp>
-        <p:nvSpPr>
-          <p:cNvPr id="4" name="Marcador de fecha 3">
-            <a:extLst>
-              <a:ext uri="{FF2B5EF4-FFF2-40B4-BE49-F238E27FC236}">
-                <a16:creationId xmlns:a16="http://schemas.microsoft.com/office/drawing/2014/main" id="{90D4D0CA-A773-4DA0-B8D5-E0BAFD51B390}"/>
-              </a:ext>
-            </a:extLst>
-          </p:cNvPr>
+            <a:endParaRPr lang="en-US" dirty="0"/>
+          </a:p>
+        </p:txBody>
+      </p:sp>
+      <p:sp>
+        <p:nvSpPr>
+          <p:cNvPr id="4" name="Date Placeholder 3"/>
           <p:cNvSpPr>
             <a:spLocks noGrp="1"/>
           </p:cNvSpPr>
@@ -1051,13 +3609,7 @@
       </p:sp>
       <p:sp>
         <p:nvSpPr>
-          <p:cNvPr id="5" name="Marcador de pie de página 4">
-            <a:extLst>
-              <a:ext uri="{FF2B5EF4-FFF2-40B4-BE49-F238E27FC236}">
-                <a16:creationId xmlns:a16="http://schemas.microsoft.com/office/drawing/2014/main" id="{F4F02B6A-D279-4F74-AEC4-A207C39C1994}"/>
-              </a:ext>
-            </a:extLst>
-          </p:cNvPr>
+          <p:cNvPr id="5" name="Footer Placeholder 4"/>
           <p:cNvSpPr>
             <a:spLocks noGrp="1"/>
           </p:cNvSpPr>
@@ -1076,13 +3628,7 @@
       </p:sp>
       <p:sp>
         <p:nvSpPr>
-          <p:cNvPr id="6" name="Marcador de número de diapositiva 5">
-            <a:extLst>
-              <a:ext uri="{FF2B5EF4-FFF2-40B4-BE49-F238E27FC236}">
-                <a16:creationId xmlns:a16="http://schemas.microsoft.com/office/drawing/2014/main" id="{C9478872-24B7-4269-9D94-A929A6FDEB8B}"/>
-              </a:ext>
-            </a:extLst>
-          </p:cNvPr>
+          <p:cNvPr id="6" name="Slide Number Placeholder 5"/>
           <p:cNvSpPr>
             <a:spLocks noGrp="1"/>
           </p:cNvSpPr>
@@ -1106,7 +3652,7 @@
     </p:spTree>
     <p:extLst>
       <p:ext uri="{BB962C8B-B14F-4D97-AF65-F5344CB8AC3E}">
-        <p14:creationId xmlns:p14="http://schemas.microsoft.com/office/powerpoint/2010/main" val="1251850196"/>
+        <p14:creationId xmlns:p14="http://schemas.microsoft.com/office/powerpoint/2010/main" val="1236580238"/>
       </p:ext>
     </p:extLst>
   </p:cSld>
@@ -1135,13 +3681,7 @@
       </p:grpSpPr>
       <p:sp>
         <p:nvSpPr>
-          <p:cNvPr id="2" name="Título 1">
-            <a:extLst>
-              <a:ext uri="{FF2B5EF4-FFF2-40B4-BE49-F238E27FC236}">
-                <a16:creationId xmlns:a16="http://schemas.microsoft.com/office/drawing/2014/main" id="{FA0BFCB0-8546-446C-BDA0-D5968677018B}"/>
-              </a:ext>
-            </a:extLst>
-          </p:cNvPr>
+          <p:cNvPr id="2" name="Title 1"/>
           <p:cNvSpPr>
             <a:spLocks noGrp="1"/>
           </p:cNvSpPr>
@@ -1151,15 +3691,15 @@
         </p:nvSpPr>
         <p:spPr>
           <a:xfrm>
-            <a:off x="831850" y="1709738"/>
-            <a:ext cx="10515600" cy="2852737"/>
+            <a:off x="677335" y="2700867"/>
+            <a:ext cx="8596668" cy="1826581"/>
           </a:xfrm>
         </p:spPr>
         <p:txBody>
           <a:bodyPr anchor="b"/>
           <a:lstStyle>
-            <a:lvl1pPr>
-              <a:defRPr sz="6000"/>
+            <a:lvl1pPr algn="l">
+              <a:defRPr sz="4000" b="0" cap="none"/>
             </a:lvl1pPr>
           </a:lstStyle>
           <a:p>
@@ -1167,18 +3707,13 @@
               <a:rPr lang="es-ES"/>
               <a:t>Haga clic para modificar el estilo de título del patrón</a:t>
             </a:r>
-          </a:p>
-        </p:txBody>
-      </p:sp>
-      <p:sp>
-        <p:nvSpPr>
-          <p:cNvPr id="3" name="Marcador de texto 2">
-            <a:extLst>
-              <a:ext uri="{FF2B5EF4-FFF2-40B4-BE49-F238E27FC236}">
-                <a16:creationId xmlns:a16="http://schemas.microsoft.com/office/drawing/2014/main" id="{F6732C49-9A3A-444F-9CCC-8FA93331CE7A}"/>
-              </a:ext>
-            </a:extLst>
-          </p:cNvPr>
+            <a:endParaRPr lang="en-US" dirty="0"/>
+          </a:p>
+        </p:txBody>
+      </p:sp>
+      <p:sp>
+        <p:nvSpPr>
+          <p:cNvPr id="3" name="Text Placeholder 2"/>
           <p:cNvSpPr>
             <a:spLocks noGrp="1"/>
           </p:cNvSpPr>
@@ -1188,26 +3723,27 @@
         </p:nvSpPr>
         <p:spPr>
           <a:xfrm>
-            <a:off x="831850" y="4589463"/>
-            <a:ext cx="10515600" cy="1500187"/>
+            <a:off x="677335" y="4527448"/>
+            <a:ext cx="8596668" cy="860400"/>
           </a:xfrm>
         </p:spPr>
         <p:txBody>
-          <a:bodyPr/>
+          <a:bodyPr anchor="t"/>
           <a:lstStyle>
-            <a:lvl1pPr marL="0" indent="0">
-              <a:buNone/>
-              <a:defRPr sz="2400">
+            <a:lvl1pPr marL="0" indent="0" algn="l">
+              <a:buNone/>
+              <a:defRPr sz="2000">
                 <a:solidFill>
                   <a:schemeClr val="tx1">
-                    <a:tint val="75000"/>
+                    <a:lumMod val="50000"/>
+                    <a:lumOff val="50000"/>
                   </a:schemeClr>
                 </a:solidFill>
               </a:defRPr>
             </a:lvl1pPr>
             <a:lvl2pPr marL="457200" indent="0">
               <a:buNone/>
-              <a:defRPr sz="2000">
+              <a:defRPr sz="1800">
                 <a:solidFill>
                   <a:schemeClr val="tx1">
                     <a:tint val="75000"/>
@@ -1217,7 +3753,7 @@
             </a:lvl2pPr>
             <a:lvl3pPr marL="914400" indent="0">
               <a:buNone/>
-              <a:defRPr sz="1800">
+              <a:defRPr sz="1600">
                 <a:solidFill>
                   <a:schemeClr val="tx1">
                     <a:tint val="75000"/>
@@ -1227,7 +3763,7 @@
             </a:lvl3pPr>
             <a:lvl4pPr marL="1371600" indent="0">
               <a:buNone/>
-              <a:defRPr sz="1600">
+              <a:defRPr sz="1400">
                 <a:solidFill>
                   <a:schemeClr val="tx1">
                     <a:tint val="75000"/>
@@ -1237,7 +3773,7 @@
             </a:lvl4pPr>
             <a:lvl5pPr marL="1828800" indent="0">
               <a:buNone/>
-              <a:defRPr sz="1600">
+              <a:defRPr sz="1400">
                 <a:solidFill>
                   <a:schemeClr val="tx1">
                     <a:tint val="75000"/>
@@ -1247,7 +3783,7 @@
             </a:lvl5pPr>
             <a:lvl6pPr marL="2286000" indent="0">
               <a:buNone/>
-              <a:defRPr sz="1600">
+              <a:defRPr sz="1400">
                 <a:solidFill>
                   <a:schemeClr val="tx1">
                     <a:tint val="75000"/>
@@ -1257,7 +3793,7 @@
             </a:lvl6pPr>
             <a:lvl7pPr marL="2743200" indent="0">
               <a:buNone/>
-              <a:defRPr sz="1600">
+              <a:defRPr sz="1400">
                 <a:solidFill>
                   <a:schemeClr val="tx1">
                     <a:tint val="75000"/>
@@ -1267,7 +3803,7 @@
             </a:lvl7pPr>
             <a:lvl8pPr marL="3200400" indent="0">
               <a:buNone/>
-              <a:defRPr sz="1600">
+              <a:defRPr sz="1400">
                 <a:solidFill>
                   <a:schemeClr val="tx1">
                     <a:tint val="75000"/>
@@ -1277,7 +3813,7 @@
             </a:lvl8pPr>
             <a:lvl9pPr marL="3657600" indent="0">
               <a:buNone/>
-              <a:defRPr sz="1600">
+              <a:defRPr sz="1400">
                 <a:solidFill>
                   <a:schemeClr val="tx1">
                     <a:tint val="75000"/>
@@ -1297,13 +3833,7 @@
       </p:sp>
       <p:sp>
         <p:nvSpPr>
-          <p:cNvPr id="4" name="Marcador de fecha 3">
-            <a:extLst>
-              <a:ext uri="{FF2B5EF4-FFF2-40B4-BE49-F238E27FC236}">
-                <a16:creationId xmlns:a16="http://schemas.microsoft.com/office/drawing/2014/main" id="{C04616DD-B958-455E-B693-F3719C2788C7}"/>
-              </a:ext>
-            </a:extLst>
-          </p:cNvPr>
+          <p:cNvPr id="4" name="Date Placeholder 3"/>
           <p:cNvSpPr>
             <a:spLocks noGrp="1"/>
           </p:cNvSpPr>
@@ -1326,13 +3856,7 @@
       </p:sp>
       <p:sp>
         <p:nvSpPr>
-          <p:cNvPr id="5" name="Marcador de pie de página 4">
-            <a:extLst>
-              <a:ext uri="{FF2B5EF4-FFF2-40B4-BE49-F238E27FC236}">
-                <a16:creationId xmlns:a16="http://schemas.microsoft.com/office/drawing/2014/main" id="{F560C6CC-6F81-40FF-B287-030F51135B28}"/>
-              </a:ext>
-            </a:extLst>
-          </p:cNvPr>
+          <p:cNvPr id="5" name="Footer Placeholder 4"/>
           <p:cNvSpPr>
             <a:spLocks noGrp="1"/>
           </p:cNvSpPr>
@@ -1351,13 +3875,7 @@
       </p:sp>
       <p:sp>
         <p:nvSpPr>
-          <p:cNvPr id="6" name="Marcador de número de diapositiva 5">
-            <a:extLst>
-              <a:ext uri="{FF2B5EF4-FFF2-40B4-BE49-F238E27FC236}">
-                <a16:creationId xmlns:a16="http://schemas.microsoft.com/office/drawing/2014/main" id="{42807922-E5D0-46D9-9ECA-6020F949DFDB}"/>
-              </a:ext>
-            </a:extLst>
-          </p:cNvPr>
+          <p:cNvPr id="6" name="Slide Number Placeholder 5"/>
           <p:cNvSpPr>
             <a:spLocks noGrp="1"/>
           </p:cNvSpPr>
@@ -1381,7 +3899,7 @@
     </p:spTree>
     <p:extLst>
       <p:ext uri="{BB962C8B-B14F-4D97-AF65-F5344CB8AC3E}">
-        <p14:creationId xmlns:p14="http://schemas.microsoft.com/office/powerpoint/2010/main" val="2853533383"/>
+        <p14:creationId xmlns:p14="http://schemas.microsoft.com/office/powerpoint/2010/main" val="4114729930"/>
       </p:ext>
     </p:extLst>
   </p:cSld>
@@ -1410,13 +3928,7 @@
       </p:grpSpPr>
       <p:sp>
         <p:nvSpPr>
-          <p:cNvPr id="2" name="Título 1">
-            <a:extLst>
-              <a:ext uri="{FF2B5EF4-FFF2-40B4-BE49-F238E27FC236}">
-                <a16:creationId xmlns:a16="http://schemas.microsoft.com/office/drawing/2014/main" id="{C7D614AB-0ACE-4309-A6F2-4B7E3DB2DD6F}"/>
-              </a:ext>
-            </a:extLst>
-          </p:cNvPr>
+          <p:cNvPr id="2" name="Title 1"/>
           <p:cNvSpPr>
             <a:spLocks noGrp="1"/>
           </p:cNvSpPr>
@@ -1433,18 +3945,13 @@
               <a:rPr lang="es-ES"/>
               <a:t>Haga clic para modificar el estilo de título del patrón</a:t>
             </a:r>
-          </a:p>
-        </p:txBody>
-      </p:sp>
-      <p:sp>
-        <p:nvSpPr>
-          <p:cNvPr id="3" name="Marcador de contenido 2">
-            <a:extLst>
-              <a:ext uri="{FF2B5EF4-FFF2-40B4-BE49-F238E27FC236}">
-                <a16:creationId xmlns:a16="http://schemas.microsoft.com/office/drawing/2014/main" id="{0C811D28-3668-41B9-A98E-B68E8E8FC347}"/>
-              </a:ext>
-            </a:extLst>
-          </p:cNvPr>
+            <a:endParaRPr lang="en-US" dirty="0"/>
+          </a:p>
+        </p:txBody>
+      </p:sp>
+      <p:sp>
+        <p:nvSpPr>
+          <p:cNvPr id="3" name="Content Placeholder 2"/>
           <p:cNvSpPr>
             <a:spLocks noGrp="1"/>
           </p:cNvSpPr>
@@ -1454,8 +3961,8 @@
         </p:nvSpPr>
         <p:spPr>
           <a:xfrm>
-            <a:off x="838200" y="1825625"/>
-            <a:ext cx="5181600" cy="4351338"/>
+            <a:off x="677334" y="2160589"/>
+            <a:ext cx="4184035" cy="3880772"/>
           </a:xfrm>
         </p:spPr>
         <p:txBody>
@@ -1495,18 +4002,13 @@
               <a:rPr lang="es-ES"/>
               <a:t>Quinto nivel</a:t>
             </a:r>
-          </a:p>
-        </p:txBody>
-      </p:sp>
-      <p:sp>
-        <p:nvSpPr>
-          <p:cNvPr id="4" name="Marcador de contenido 3">
-            <a:extLst>
-              <a:ext uri="{FF2B5EF4-FFF2-40B4-BE49-F238E27FC236}">
-                <a16:creationId xmlns:a16="http://schemas.microsoft.com/office/drawing/2014/main" id="{E8AC2DF4-EC21-4027-A944-DC980CEB9558}"/>
-              </a:ext>
-            </a:extLst>
-          </p:cNvPr>
+            <a:endParaRPr lang="en-US" dirty="0"/>
+          </a:p>
+        </p:txBody>
+      </p:sp>
+      <p:sp>
+        <p:nvSpPr>
+          <p:cNvPr id="4" name="Content Placeholder 3"/>
           <p:cNvSpPr>
             <a:spLocks noGrp="1"/>
           </p:cNvSpPr>
@@ -1516,8 +4018,8 @@
         </p:nvSpPr>
         <p:spPr>
           <a:xfrm>
-            <a:off x="6172200" y="1825625"/>
-            <a:ext cx="5181600" cy="4351338"/>
+            <a:off x="5089970" y="2160589"/>
+            <a:ext cx="4184034" cy="3880773"/>
           </a:xfrm>
         </p:spPr>
         <p:txBody>
@@ -1557,18 +4059,13 @@
               <a:rPr lang="es-ES"/>
               <a:t>Quinto nivel</a:t>
             </a:r>
-          </a:p>
-        </p:txBody>
-      </p:sp>
-      <p:sp>
-        <p:nvSpPr>
-          <p:cNvPr id="5" name="Marcador de fecha 4">
-            <a:extLst>
-              <a:ext uri="{FF2B5EF4-FFF2-40B4-BE49-F238E27FC236}">
-                <a16:creationId xmlns:a16="http://schemas.microsoft.com/office/drawing/2014/main" id="{B7F2549E-749A-4185-B27C-B5D7DBC11D2F}"/>
-              </a:ext>
-            </a:extLst>
-          </p:cNvPr>
+            <a:endParaRPr lang="en-US" dirty="0"/>
+          </a:p>
+        </p:txBody>
+      </p:sp>
+      <p:sp>
+        <p:nvSpPr>
+          <p:cNvPr id="5" name="Date Placeholder 4"/>
           <p:cNvSpPr>
             <a:spLocks noGrp="1"/>
           </p:cNvSpPr>
@@ -1591,13 +4088,7 @@
       </p:sp>
       <p:sp>
         <p:nvSpPr>
-          <p:cNvPr id="6" name="Marcador de pie de página 5">
-            <a:extLst>
-              <a:ext uri="{FF2B5EF4-FFF2-40B4-BE49-F238E27FC236}">
-                <a16:creationId xmlns:a16="http://schemas.microsoft.com/office/drawing/2014/main" id="{329AE4AE-5464-4023-A95F-790C38903D2E}"/>
-              </a:ext>
-            </a:extLst>
-          </p:cNvPr>
+          <p:cNvPr id="6" name="Footer Placeholder 5"/>
           <p:cNvSpPr>
             <a:spLocks noGrp="1"/>
           </p:cNvSpPr>
@@ -1616,13 +4107,7 @@
       </p:sp>
       <p:sp>
         <p:nvSpPr>
-          <p:cNvPr id="7" name="Marcador de número de diapositiva 6">
-            <a:extLst>
-              <a:ext uri="{FF2B5EF4-FFF2-40B4-BE49-F238E27FC236}">
-                <a16:creationId xmlns:a16="http://schemas.microsoft.com/office/drawing/2014/main" id="{145D4A86-9F9F-4CFE-AD29-E2D466E7A629}"/>
-              </a:ext>
-            </a:extLst>
-          </p:cNvPr>
+          <p:cNvPr id="7" name="Slide Number Placeholder 6"/>
           <p:cNvSpPr>
             <a:spLocks noGrp="1"/>
           </p:cNvSpPr>
@@ -1646,7 +4131,7 @@
     </p:spTree>
     <p:extLst>
       <p:ext uri="{BB962C8B-B14F-4D97-AF65-F5344CB8AC3E}">
-        <p14:creationId xmlns:p14="http://schemas.microsoft.com/office/powerpoint/2010/main" val="3091842551"/>
+        <p14:creationId xmlns:p14="http://schemas.microsoft.com/office/powerpoint/2010/main" val="3145747246"/>
       </p:ext>
     </p:extLst>
   </p:cSld>
@@ -1675,65 +4160,55 @@
       </p:grpSpPr>
       <p:sp>
         <p:nvSpPr>
-          <p:cNvPr id="2" name="Título 1">
-            <a:extLst>
-              <a:ext uri="{FF2B5EF4-FFF2-40B4-BE49-F238E27FC236}">
-                <a16:creationId xmlns:a16="http://schemas.microsoft.com/office/drawing/2014/main" id="{FDEE2984-8884-4A5D-BABF-AD466DD7B132}"/>
-              </a:ext>
-            </a:extLst>
-          </p:cNvPr>
+          <p:cNvPr id="2" name="Title 1"/>
           <p:cNvSpPr>
             <a:spLocks noGrp="1"/>
           </p:cNvSpPr>
           <p:nvPr>
             <p:ph type="title"/>
+          </p:nvPr>
+        </p:nvSpPr>
+        <p:spPr/>
+        <p:txBody>
+          <a:bodyPr/>
+          <a:lstStyle>
+            <a:lvl1pPr>
+              <a:defRPr/>
+            </a:lvl1pPr>
+          </a:lstStyle>
+          <a:p>
+            <a:r>
+              <a:rPr lang="es-ES"/>
+              <a:t>Haga clic para modificar el estilo de título del patrón</a:t>
+            </a:r>
+            <a:endParaRPr lang="en-US" dirty="0"/>
+          </a:p>
+        </p:txBody>
+      </p:sp>
+      <p:sp>
+        <p:nvSpPr>
+          <p:cNvPr id="3" name="Text Placeholder 2"/>
+          <p:cNvSpPr>
+            <a:spLocks noGrp="1"/>
+          </p:cNvSpPr>
+          <p:nvPr>
+            <p:ph type="body" idx="1"/>
           </p:nvPr>
         </p:nvSpPr>
         <p:spPr>
           <a:xfrm>
-            <a:off x="839788" y="365125"/>
-            <a:ext cx="10515600" cy="1325563"/>
+            <a:off x="675745" y="2160983"/>
+            <a:ext cx="4185623" cy="576262"/>
           </a:xfrm>
         </p:spPr>
         <p:txBody>
-          <a:bodyPr/>
-          <a:lstStyle/>
-          <a:p>
-            <a:r>
-              <a:rPr lang="es-ES"/>
-              <a:t>Haga clic para modificar el estilo de título del patrón</a:t>
-            </a:r>
-          </a:p>
-        </p:txBody>
-      </p:sp>
-      <p:sp>
-        <p:nvSpPr>
-          <p:cNvPr id="3" name="Marcador de texto 2">
-            <a:extLst>
-              <a:ext uri="{FF2B5EF4-FFF2-40B4-BE49-F238E27FC236}">
-                <a16:creationId xmlns:a16="http://schemas.microsoft.com/office/drawing/2014/main" id="{B8427502-DE9B-4256-908F-F4C2667FB3BF}"/>
-              </a:ext>
-            </a:extLst>
-          </p:cNvPr>
-          <p:cNvSpPr>
-            <a:spLocks noGrp="1"/>
-          </p:cNvSpPr>
-          <p:nvPr>
-            <p:ph type="body" idx="1"/>
-          </p:nvPr>
-        </p:nvSpPr>
-        <p:spPr>
-          <a:xfrm>
-            <a:off x="839788" y="1681163"/>
-            <a:ext cx="5157787" cy="823912"/>
-          </a:xfrm>
-        </p:spPr>
-        <p:txBody>
-          <a:bodyPr anchor="b"/>
+          <a:bodyPr anchor="b">
+            <a:noAutofit/>
+          </a:bodyPr>
           <a:lstStyle>
             <a:lvl1pPr marL="0" indent="0">
               <a:buNone/>
-              <a:defRPr sz="2400" b="1"/>
+              <a:defRPr sz="2400" b="0"/>
             </a:lvl1pPr>
             <a:lvl2pPr marL="457200" indent="0">
               <a:buNone/>
@@ -1779,13 +4254,7 @@
       </p:sp>
       <p:sp>
         <p:nvSpPr>
-          <p:cNvPr id="4" name="Marcador de contenido 3">
-            <a:extLst>
-              <a:ext uri="{FF2B5EF4-FFF2-40B4-BE49-F238E27FC236}">
-                <a16:creationId xmlns:a16="http://schemas.microsoft.com/office/drawing/2014/main" id="{883A852C-83CD-4837-B2F3-103520973396}"/>
-              </a:ext>
-            </a:extLst>
-          </p:cNvPr>
+          <p:cNvPr id="4" name="Content Placeholder 3"/>
           <p:cNvSpPr>
             <a:spLocks noGrp="1"/>
           </p:cNvSpPr>
@@ -1795,12 +4264,14 @@
         </p:nvSpPr>
         <p:spPr>
           <a:xfrm>
-            <a:off x="839788" y="2505075"/>
-            <a:ext cx="5157787" cy="3684588"/>
+            <a:off x="675745" y="2737245"/>
+            <a:ext cx="4185623" cy="3304117"/>
           </a:xfrm>
         </p:spPr>
         <p:txBody>
-          <a:bodyPr/>
+          <a:bodyPr>
+            <a:normAutofit/>
+          </a:bodyPr>
           <a:lstStyle/>
           <a:p>
             <a:pPr lvl="0"/>
@@ -1836,18 +4307,13 @@
               <a:rPr lang="es-ES"/>
               <a:t>Quinto nivel</a:t>
             </a:r>
-          </a:p>
-        </p:txBody>
-      </p:sp>
-      <p:sp>
-        <p:nvSpPr>
-          <p:cNvPr id="5" name="Marcador de texto 4">
-            <a:extLst>
-              <a:ext uri="{FF2B5EF4-FFF2-40B4-BE49-F238E27FC236}">
-                <a16:creationId xmlns:a16="http://schemas.microsoft.com/office/drawing/2014/main" id="{D7E0DCC9-F240-4570-BE72-DA70700230C2}"/>
-              </a:ext>
-            </a:extLst>
-          </p:cNvPr>
+            <a:endParaRPr lang="en-US" dirty="0"/>
+          </a:p>
+        </p:txBody>
+      </p:sp>
+      <p:sp>
+        <p:nvSpPr>
+          <p:cNvPr id="5" name="Text Placeholder 4"/>
           <p:cNvSpPr>
             <a:spLocks noGrp="1"/>
           </p:cNvSpPr>
@@ -1857,16 +4323,18 @@
         </p:nvSpPr>
         <p:spPr>
           <a:xfrm>
-            <a:off x="6172200" y="1681163"/>
-            <a:ext cx="5183188" cy="823912"/>
+            <a:off x="5088383" y="2160983"/>
+            <a:ext cx="4185618" cy="576262"/>
           </a:xfrm>
         </p:spPr>
         <p:txBody>
-          <a:bodyPr anchor="b"/>
+          <a:bodyPr anchor="b">
+            <a:noAutofit/>
+          </a:bodyPr>
           <a:lstStyle>
             <a:lvl1pPr marL="0" indent="0">
               <a:buNone/>
-              <a:defRPr sz="2400" b="1"/>
+              <a:defRPr sz="2400" b="0"/>
             </a:lvl1pPr>
             <a:lvl2pPr marL="457200" indent="0">
               <a:buNone/>
@@ -1912,13 +4380,7 @@
       </p:sp>
       <p:sp>
         <p:nvSpPr>
-          <p:cNvPr id="6" name="Marcador de contenido 5">
-            <a:extLst>
-              <a:ext uri="{FF2B5EF4-FFF2-40B4-BE49-F238E27FC236}">
-                <a16:creationId xmlns:a16="http://schemas.microsoft.com/office/drawing/2014/main" id="{9A2C21DB-51C7-4EFE-B1A4-C74A1F75D520}"/>
-              </a:ext>
-            </a:extLst>
-          </p:cNvPr>
+          <p:cNvPr id="6" name="Content Placeholder 5"/>
           <p:cNvSpPr>
             <a:spLocks noGrp="1"/>
           </p:cNvSpPr>
@@ -1928,12 +4390,14 @@
         </p:nvSpPr>
         <p:spPr>
           <a:xfrm>
-            <a:off x="6172200" y="2505075"/>
-            <a:ext cx="5183188" cy="3684588"/>
+            <a:off x="5088384" y="2737245"/>
+            <a:ext cx="4185617" cy="3304117"/>
           </a:xfrm>
         </p:spPr>
         <p:txBody>
-          <a:bodyPr/>
+          <a:bodyPr>
+            <a:normAutofit/>
+          </a:bodyPr>
           <a:lstStyle/>
           <a:p>
             <a:pPr lvl="0"/>
@@ -1969,18 +4433,13 @@
               <a:rPr lang="es-ES"/>
               <a:t>Quinto nivel</a:t>
             </a:r>
-          </a:p>
-        </p:txBody>
-      </p:sp>
-      <p:sp>
-        <p:nvSpPr>
-          <p:cNvPr id="7" name="Marcador de fecha 6">
-            <a:extLst>
-              <a:ext uri="{FF2B5EF4-FFF2-40B4-BE49-F238E27FC236}">
-                <a16:creationId xmlns:a16="http://schemas.microsoft.com/office/drawing/2014/main" id="{0351C628-CF37-45EB-944D-2E989A65EDE1}"/>
-              </a:ext>
-            </a:extLst>
-          </p:cNvPr>
+            <a:endParaRPr lang="en-US" dirty="0"/>
+          </a:p>
+        </p:txBody>
+      </p:sp>
+      <p:sp>
+        <p:nvSpPr>
+          <p:cNvPr id="7" name="Date Placeholder 6"/>
           <p:cNvSpPr>
             <a:spLocks noGrp="1"/>
           </p:cNvSpPr>
@@ -2003,13 +4462,7 @@
       </p:sp>
       <p:sp>
         <p:nvSpPr>
-          <p:cNvPr id="8" name="Marcador de pie de página 7">
-            <a:extLst>
-              <a:ext uri="{FF2B5EF4-FFF2-40B4-BE49-F238E27FC236}">
-                <a16:creationId xmlns:a16="http://schemas.microsoft.com/office/drawing/2014/main" id="{DA4DC481-023D-42DB-BF96-6A273BD9BED6}"/>
-              </a:ext>
-            </a:extLst>
-          </p:cNvPr>
+          <p:cNvPr id="8" name="Footer Placeholder 7"/>
           <p:cNvSpPr>
             <a:spLocks noGrp="1"/>
           </p:cNvSpPr>
@@ -2028,13 +4481,7 @@
       </p:sp>
       <p:sp>
         <p:nvSpPr>
-          <p:cNvPr id="9" name="Marcador de número de diapositiva 8">
-            <a:extLst>
-              <a:ext uri="{FF2B5EF4-FFF2-40B4-BE49-F238E27FC236}">
-                <a16:creationId xmlns:a16="http://schemas.microsoft.com/office/drawing/2014/main" id="{800BEF5D-99D7-4386-BCCB-6BB30CD08E26}"/>
-              </a:ext>
-            </a:extLst>
-          </p:cNvPr>
+          <p:cNvPr id="9" name="Slide Number Placeholder 8"/>
           <p:cNvSpPr>
             <a:spLocks noGrp="1"/>
           </p:cNvSpPr>
@@ -2058,7 +4505,7 @@
     </p:spTree>
     <p:extLst>
       <p:ext uri="{BB962C8B-B14F-4D97-AF65-F5344CB8AC3E}">
-        <p14:creationId xmlns:p14="http://schemas.microsoft.com/office/powerpoint/2010/main" val="1400331179"/>
+        <p14:creationId xmlns:p14="http://schemas.microsoft.com/office/powerpoint/2010/main" val="2416682323"/>
       </p:ext>
     </p:extLst>
   </p:cSld>
@@ -2087,13 +4534,7 @@
       </p:grpSpPr>
       <p:sp>
         <p:nvSpPr>
-          <p:cNvPr id="2" name="Título 1">
-            <a:extLst>
-              <a:ext uri="{FF2B5EF4-FFF2-40B4-BE49-F238E27FC236}">
-                <a16:creationId xmlns:a16="http://schemas.microsoft.com/office/drawing/2014/main" id="{1FAC30AD-5860-4F94-A289-172476723AC1}"/>
-              </a:ext>
-            </a:extLst>
-          </p:cNvPr>
+          <p:cNvPr id="2" name="Title 1"/>
           <p:cNvSpPr>
             <a:spLocks noGrp="1"/>
           </p:cNvSpPr>
@@ -2101,7 +4542,12 @@
             <p:ph type="title"/>
           </p:nvPr>
         </p:nvSpPr>
-        <p:spPr/>
+        <p:spPr>
+          <a:xfrm>
+            <a:off x="677334" y="609600"/>
+            <a:ext cx="8596668" cy="1320800"/>
+          </a:xfrm>
+        </p:spPr>
         <p:txBody>
           <a:bodyPr/>
           <a:lstStyle/>
@@ -2110,18 +4556,13 @@
               <a:rPr lang="es-ES"/>
               <a:t>Haga clic para modificar el estilo de título del patrón</a:t>
             </a:r>
-          </a:p>
-        </p:txBody>
-      </p:sp>
-      <p:sp>
-        <p:nvSpPr>
-          <p:cNvPr id="3" name="Marcador de fecha 2">
-            <a:extLst>
-              <a:ext uri="{FF2B5EF4-FFF2-40B4-BE49-F238E27FC236}">
-                <a16:creationId xmlns:a16="http://schemas.microsoft.com/office/drawing/2014/main" id="{7C9D72CC-E50F-440B-88B9-3361A25D6801}"/>
-              </a:ext>
-            </a:extLst>
-          </p:cNvPr>
+            <a:endParaRPr lang="en-US" dirty="0"/>
+          </a:p>
+        </p:txBody>
+      </p:sp>
+      <p:sp>
+        <p:nvSpPr>
+          <p:cNvPr id="3" name="Date Placeholder 2"/>
           <p:cNvSpPr>
             <a:spLocks noGrp="1"/>
           </p:cNvSpPr>
@@ -2144,13 +4585,7 @@
       </p:sp>
       <p:sp>
         <p:nvSpPr>
-          <p:cNvPr id="4" name="Marcador de pie de página 3">
-            <a:extLst>
-              <a:ext uri="{FF2B5EF4-FFF2-40B4-BE49-F238E27FC236}">
-                <a16:creationId xmlns:a16="http://schemas.microsoft.com/office/drawing/2014/main" id="{1B1249E1-1274-42FD-8314-BFB843A0AB14}"/>
-              </a:ext>
-            </a:extLst>
-          </p:cNvPr>
+          <p:cNvPr id="4" name="Footer Placeholder 3"/>
           <p:cNvSpPr>
             <a:spLocks noGrp="1"/>
           </p:cNvSpPr>
@@ -2169,13 +4604,7 @@
       </p:sp>
       <p:sp>
         <p:nvSpPr>
-          <p:cNvPr id="5" name="Marcador de número de diapositiva 4">
-            <a:extLst>
-              <a:ext uri="{FF2B5EF4-FFF2-40B4-BE49-F238E27FC236}">
-                <a16:creationId xmlns:a16="http://schemas.microsoft.com/office/drawing/2014/main" id="{24251E91-8E64-441B-A1CD-A4FDE58D1E2F}"/>
-              </a:ext>
-            </a:extLst>
-          </p:cNvPr>
+          <p:cNvPr id="5" name="Slide Number Placeholder 4"/>
           <p:cNvSpPr>
             <a:spLocks noGrp="1"/>
           </p:cNvSpPr>
@@ -2199,7 +4628,7 @@
     </p:spTree>
     <p:extLst>
       <p:ext uri="{BB962C8B-B14F-4D97-AF65-F5344CB8AC3E}">
-        <p14:creationId xmlns:p14="http://schemas.microsoft.com/office/powerpoint/2010/main" val="1033259483"/>
+        <p14:creationId xmlns:p14="http://schemas.microsoft.com/office/powerpoint/2010/main" val="3318541731"/>
       </p:ext>
     </p:extLst>
   </p:cSld>
@@ -2228,13 +4657,7 @@
       </p:grpSpPr>
       <p:sp>
         <p:nvSpPr>
-          <p:cNvPr id="2" name="Marcador de fecha 1">
-            <a:extLst>
-              <a:ext uri="{FF2B5EF4-FFF2-40B4-BE49-F238E27FC236}">
-                <a16:creationId xmlns:a16="http://schemas.microsoft.com/office/drawing/2014/main" id="{4699E52A-5062-4219-B416-473272F6AFA7}"/>
-              </a:ext>
-            </a:extLst>
-          </p:cNvPr>
+          <p:cNvPr id="2" name="Date Placeholder 1"/>
           <p:cNvSpPr>
             <a:spLocks noGrp="1"/>
           </p:cNvSpPr>
@@ -2257,13 +4680,7 @@
       </p:sp>
       <p:sp>
         <p:nvSpPr>
-          <p:cNvPr id="3" name="Marcador de pie de página 2">
-            <a:extLst>
-              <a:ext uri="{FF2B5EF4-FFF2-40B4-BE49-F238E27FC236}">
-                <a16:creationId xmlns:a16="http://schemas.microsoft.com/office/drawing/2014/main" id="{E28A31E9-079A-4E27-8CEC-3EF8D62B2225}"/>
-              </a:ext>
-            </a:extLst>
-          </p:cNvPr>
+          <p:cNvPr id="3" name="Footer Placeholder 2"/>
           <p:cNvSpPr>
             <a:spLocks noGrp="1"/>
           </p:cNvSpPr>
@@ -2282,13 +4699,7 @@
       </p:sp>
       <p:sp>
         <p:nvSpPr>
-          <p:cNvPr id="4" name="Marcador de número de diapositiva 3">
-            <a:extLst>
-              <a:ext uri="{FF2B5EF4-FFF2-40B4-BE49-F238E27FC236}">
-                <a16:creationId xmlns:a16="http://schemas.microsoft.com/office/drawing/2014/main" id="{EAA2C5AC-1706-44CE-BEBD-7583AFE1790C}"/>
-              </a:ext>
-            </a:extLst>
-          </p:cNvPr>
+          <p:cNvPr id="4" name="Slide Number Placeholder 3"/>
           <p:cNvSpPr>
             <a:spLocks noGrp="1"/>
           </p:cNvSpPr>
@@ -2312,7 +4723,7 @@
     </p:spTree>
     <p:extLst>
       <p:ext uri="{BB962C8B-B14F-4D97-AF65-F5344CB8AC3E}">
-        <p14:creationId xmlns:p14="http://schemas.microsoft.com/office/powerpoint/2010/main" val="101548652"/>
+        <p14:creationId xmlns:p14="http://schemas.microsoft.com/office/powerpoint/2010/main" val="3253090360"/>
       </p:ext>
     </p:extLst>
   </p:cSld>
@@ -2341,13 +4752,7 @@
       </p:grpSpPr>
       <p:sp>
         <p:nvSpPr>
-          <p:cNvPr id="2" name="Título 1">
-            <a:extLst>
-              <a:ext uri="{FF2B5EF4-FFF2-40B4-BE49-F238E27FC236}">
-                <a16:creationId xmlns:a16="http://schemas.microsoft.com/office/drawing/2014/main" id="{55660CF1-D8E5-4CF1-B0B2-2C36CE06753C}"/>
-              </a:ext>
-            </a:extLst>
-          </p:cNvPr>
+          <p:cNvPr id="2" name="Title 1"/>
           <p:cNvSpPr>
             <a:spLocks noGrp="1"/>
           </p:cNvSpPr>
@@ -2357,15 +4762,17 @@
         </p:nvSpPr>
         <p:spPr>
           <a:xfrm>
-            <a:off x="839788" y="457200"/>
-            <a:ext cx="3932237" cy="1600200"/>
+            <a:off x="677334" y="1498604"/>
+            <a:ext cx="3854528" cy="1278466"/>
           </a:xfrm>
         </p:spPr>
         <p:txBody>
-          <a:bodyPr anchor="b"/>
+          <a:bodyPr anchor="b">
+            <a:normAutofit/>
+          </a:bodyPr>
           <a:lstStyle>
             <a:lvl1pPr>
-              <a:defRPr sz="3200"/>
+              <a:defRPr sz="2000"/>
             </a:lvl1pPr>
           </a:lstStyle>
           <a:p>
@@ -2373,18 +4780,13 @@
               <a:rPr lang="es-ES"/>
               <a:t>Haga clic para modificar el estilo de título del patrón</a:t>
             </a:r>
-          </a:p>
-        </p:txBody>
-      </p:sp>
-      <p:sp>
-        <p:nvSpPr>
-          <p:cNvPr id="3" name="Marcador de contenido 2">
-            <a:extLst>
-              <a:ext uri="{FF2B5EF4-FFF2-40B4-BE49-F238E27FC236}">
-                <a16:creationId xmlns:a16="http://schemas.microsoft.com/office/drawing/2014/main" id="{A084C62F-FD0D-4B0A-B8DA-C36B4CF825B4}"/>
-              </a:ext>
-            </a:extLst>
-          </p:cNvPr>
+            <a:endParaRPr lang="en-US" dirty="0"/>
+          </a:p>
+        </p:txBody>
+      </p:sp>
+      <p:sp>
+        <p:nvSpPr>
+          <p:cNvPr id="3" name="Content Placeholder 2"/>
           <p:cNvSpPr>
             <a:spLocks noGrp="1"/>
           </p:cNvSpPr>
@@ -2394,41 +4796,15 @@
         </p:nvSpPr>
         <p:spPr>
           <a:xfrm>
-            <a:off x="5183188" y="987425"/>
-            <a:ext cx="6172200" cy="4873625"/>
+            <a:off x="4760461" y="514924"/>
+            <a:ext cx="4513541" cy="5526437"/>
           </a:xfrm>
         </p:spPr>
         <p:txBody>
-          <a:bodyPr/>
-          <a:lstStyle>
-            <a:lvl1pPr>
-              <a:defRPr sz="3200"/>
-            </a:lvl1pPr>
-            <a:lvl2pPr>
-              <a:defRPr sz="2800"/>
-            </a:lvl2pPr>
-            <a:lvl3pPr>
-              <a:defRPr sz="2400"/>
-            </a:lvl3pPr>
-            <a:lvl4pPr>
-              <a:defRPr sz="2000"/>
-            </a:lvl4pPr>
-            <a:lvl5pPr>
-              <a:defRPr sz="2000"/>
-            </a:lvl5pPr>
-            <a:lvl6pPr>
-              <a:defRPr sz="2000"/>
-            </a:lvl6pPr>
-            <a:lvl7pPr>
-              <a:defRPr sz="2000"/>
-            </a:lvl7pPr>
-            <a:lvl8pPr>
-              <a:defRPr sz="2000"/>
-            </a:lvl8pPr>
-            <a:lvl9pPr>
-              <a:defRPr sz="2000"/>
-            </a:lvl9pPr>
-          </a:lstStyle>
+          <a:bodyPr>
+            <a:normAutofit/>
+          </a:bodyPr>
+          <a:lstStyle/>
           <a:p>
             <a:pPr lvl="0"/>
             <a:r>
@@ -2463,18 +4839,13 @@
               <a:rPr lang="es-ES"/>
               <a:t>Quinto nivel</a:t>
             </a:r>
-          </a:p>
-        </p:txBody>
-      </p:sp>
-      <p:sp>
-        <p:nvSpPr>
-          <p:cNvPr id="4" name="Marcador de texto 3">
-            <a:extLst>
-              <a:ext uri="{FF2B5EF4-FFF2-40B4-BE49-F238E27FC236}">
-                <a16:creationId xmlns:a16="http://schemas.microsoft.com/office/drawing/2014/main" id="{998C039F-B447-4A13-A1FB-EA8EC4F1442D}"/>
-              </a:ext>
-            </a:extLst>
-          </p:cNvPr>
+            <a:endParaRPr lang="en-US" dirty="0"/>
+          </a:p>
+        </p:txBody>
+      </p:sp>
+      <p:sp>
+        <p:nvSpPr>
+          <p:cNvPr id="4" name="Text Placeholder 3"/>
           <p:cNvSpPr>
             <a:spLocks noGrp="1"/>
           </p:cNvSpPr>
@@ -2484,46 +4855,48 @@
         </p:nvSpPr>
         <p:spPr>
           <a:xfrm>
-            <a:off x="839788" y="2057400"/>
-            <a:ext cx="3932237" cy="3811588"/>
+            <a:off x="677334" y="2777069"/>
+            <a:ext cx="3854528" cy="2584449"/>
           </a:xfrm>
         </p:spPr>
         <p:txBody>
-          <a:bodyPr/>
+          <a:bodyPr>
+            <a:normAutofit/>
+          </a:bodyPr>
           <a:lstStyle>
             <a:lvl1pPr marL="0" indent="0">
               <a:buNone/>
-              <a:defRPr sz="1600"/>
+              <a:defRPr sz="1400"/>
             </a:lvl1pPr>
-            <a:lvl2pPr marL="457200" indent="0">
+            <a:lvl2pPr marL="457063" indent="0">
               <a:buNone/>
               <a:defRPr sz="1400"/>
             </a:lvl2pPr>
-            <a:lvl3pPr marL="914400" indent="0">
+            <a:lvl3pPr marL="914126" indent="0">
               <a:buNone/>
               <a:defRPr sz="1200"/>
             </a:lvl3pPr>
-            <a:lvl4pPr marL="1371600" indent="0">
+            <a:lvl4pPr marL="1371189" indent="0">
               <a:buNone/>
               <a:defRPr sz="1000"/>
             </a:lvl4pPr>
-            <a:lvl5pPr marL="1828800" indent="0">
+            <a:lvl5pPr marL="1828251" indent="0">
               <a:buNone/>
               <a:defRPr sz="1000"/>
             </a:lvl5pPr>
-            <a:lvl6pPr marL="2286000" indent="0">
+            <a:lvl6pPr marL="2285314" indent="0">
               <a:buNone/>
               <a:defRPr sz="1000"/>
             </a:lvl6pPr>
-            <a:lvl7pPr marL="2743200" indent="0">
+            <a:lvl7pPr marL="2742377" indent="0">
               <a:buNone/>
               <a:defRPr sz="1000"/>
             </a:lvl7pPr>
-            <a:lvl8pPr marL="3200400" indent="0">
+            <a:lvl8pPr marL="3199440" indent="0">
               <a:buNone/>
               <a:defRPr sz="1000"/>
             </a:lvl8pPr>
-            <a:lvl9pPr marL="3657600" indent="0">
+            <a:lvl9pPr marL="3656503" indent="0">
               <a:buNone/>
               <a:defRPr sz="1000"/>
             </a:lvl9pPr>
@@ -2539,13 +4912,7 @@
       </p:sp>
       <p:sp>
         <p:nvSpPr>
-          <p:cNvPr id="5" name="Marcador de fecha 4">
-            <a:extLst>
-              <a:ext uri="{FF2B5EF4-FFF2-40B4-BE49-F238E27FC236}">
-                <a16:creationId xmlns:a16="http://schemas.microsoft.com/office/drawing/2014/main" id="{79B5949F-B011-4C60-879F-B30054DA6072}"/>
-              </a:ext>
-            </a:extLst>
-          </p:cNvPr>
+          <p:cNvPr id="5" name="Date Placeholder 4"/>
           <p:cNvSpPr>
             <a:spLocks noGrp="1"/>
           </p:cNvSpPr>
@@ -2568,13 +4935,7 @@
       </p:sp>
       <p:sp>
         <p:nvSpPr>
-          <p:cNvPr id="6" name="Marcador de pie de página 5">
-            <a:extLst>
-              <a:ext uri="{FF2B5EF4-FFF2-40B4-BE49-F238E27FC236}">
-                <a16:creationId xmlns:a16="http://schemas.microsoft.com/office/drawing/2014/main" id="{4322A982-AB28-4704-949E-4744DD15409C}"/>
-              </a:ext>
-            </a:extLst>
-          </p:cNvPr>
+          <p:cNvPr id="6" name="Footer Placeholder 5"/>
           <p:cNvSpPr>
             <a:spLocks noGrp="1"/>
           </p:cNvSpPr>
@@ -2593,13 +4954,7 @@
       </p:sp>
       <p:sp>
         <p:nvSpPr>
-          <p:cNvPr id="7" name="Marcador de número de diapositiva 6">
-            <a:extLst>
-              <a:ext uri="{FF2B5EF4-FFF2-40B4-BE49-F238E27FC236}">
-                <a16:creationId xmlns:a16="http://schemas.microsoft.com/office/drawing/2014/main" id="{D3CEB5C6-B7CC-44A7-B9BB-CC2B450E916D}"/>
-              </a:ext>
-            </a:extLst>
-          </p:cNvPr>
+          <p:cNvPr id="7" name="Slide Number Placeholder 6"/>
           <p:cNvSpPr>
             <a:spLocks noGrp="1"/>
           </p:cNvSpPr>
@@ -2623,7 +4978,7 @@
     </p:spTree>
     <p:extLst>
       <p:ext uri="{BB962C8B-B14F-4D97-AF65-F5344CB8AC3E}">
-        <p14:creationId xmlns:p14="http://schemas.microsoft.com/office/powerpoint/2010/main" val="2414137213"/>
+        <p14:creationId xmlns:p14="http://schemas.microsoft.com/office/powerpoint/2010/main" val="908993215"/>
       </p:ext>
     </p:extLst>
   </p:cSld>
@@ -2652,13 +5007,7 @@
       </p:grpSpPr>
       <p:sp>
         <p:nvSpPr>
-          <p:cNvPr id="2" name="Título 1">
-            <a:extLst>
-              <a:ext uri="{FF2B5EF4-FFF2-40B4-BE49-F238E27FC236}">
-                <a16:creationId xmlns:a16="http://schemas.microsoft.com/office/drawing/2014/main" id="{B8057516-F187-42C3-BB8E-576F85C23F10}"/>
-              </a:ext>
-            </a:extLst>
-          </p:cNvPr>
+          <p:cNvPr id="2" name="Title 1"/>
           <p:cNvSpPr>
             <a:spLocks noGrp="1"/>
           </p:cNvSpPr>
@@ -2668,15 +5017,17 @@
         </p:nvSpPr>
         <p:spPr>
           <a:xfrm>
-            <a:off x="839788" y="457200"/>
-            <a:ext cx="3932237" cy="1600200"/>
+            <a:off x="677334" y="4800600"/>
+            <a:ext cx="8596667" cy="566738"/>
           </a:xfrm>
         </p:spPr>
         <p:txBody>
-          <a:bodyPr anchor="b"/>
+          <a:bodyPr anchor="b">
+            <a:normAutofit/>
+          </a:bodyPr>
           <a:lstStyle>
-            <a:lvl1pPr>
-              <a:defRPr sz="3200"/>
+            <a:lvl1pPr algn="l">
+              <a:defRPr sz="2400" b="0"/>
             </a:lvl1pPr>
           </a:lstStyle>
           <a:p>
@@ -2684,20 +5035,15 @@
               <a:rPr lang="es-ES"/>
               <a:t>Haga clic para modificar el estilo de título del patrón</a:t>
             </a:r>
-          </a:p>
-        </p:txBody>
-      </p:sp>
-      <p:sp>
-        <p:nvSpPr>
-          <p:cNvPr id="3" name="Marcador de posición de imagen 2">
-            <a:extLst>
-              <a:ext uri="{FF2B5EF4-FFF2-40B4-BE49-F238E27FC236}">
-                <a16:creationId xmlns:a16="http://schemas.microsoft.com/office/drawing/2014/main" id="{EF1CE5AE-AB85-4177-B9B2-80ADCA81051A}"/>
-              </a:ext>
-            </a:extLst>
-          </p:cNvPr>
-          <p:cNvSpPr>
-            <a:spLocks noGrp="1"/>
+            <a:endParaRPr lang="en-US" dirty="0"/>
+          </a:p>
+        </p:txBody>
+      </p:sp>
+      <p:sp>
+        <p:nvSpPr>
+          <p:cNvPr id="3" name="Picture Placeholder 2"/>
+          <p:cNvSpPr>
+            <a:spLocks noGrp="1" noChangeAspect="1"/>
           </p:cNvSpPr>
           <p:nvPr>
             <p:ph type="pic" idx="1"/>
@@ -2705,118 +5051,120 @@
         </p:nvSpPr>
         <p:spPr>
           <a:xfrm>
-            <a:off x="5183188" y="987425"/>
-            <a:ext cx="6172200" cy="4873625"/>
+            <a:off x="677334" y="609600"/>
+            <a:ext cx="8596668" cy="3845718"/>
           </a:xfrm>
         </p:spPr>
         <p:txBody>
-          <a:bodyPr/>
+          <a:bodyPr anchor="t">
+            <a:normAutofit/>
+          </a:bodyPr>
           <a:lstStyle>
-            <a:lvl1pPr marL="0" indent="0">
-              <a:buNone/>
-              <a:defRPr sz="3200"/>
-            </a:lvl1pPr>
-            <a:lvl2pPr marL="457200" indent="0">
-              <a:buNone/>
-              <a:defRPr sz="2800"/>
-            </a:lvl2pPr>
-            <a:lvl3pPr marL="914400" indent="0">
-              <a:buNone/>
-              <a:defRPr sz="2400"/>
-            </a:lvl3pPr>
-            <a:lvl4pPr marL="1371600" indent="0">
-              <a:buNone/>
-              <a:defRPr sz="2000"/>
-            </a:lvl4pPr>
-            <a:lvl5pPr marL="1828800" indent="0">
-              <a:buNone/>
-              <a:defRPr sz="2000"/>
-            </a:lvl5pPr>
-            <a:lvl6pPr marL="2286000" indent="0">
-              <a:buNone/>
-              <a:defRPr sz="2000"/>
-            </a:lvl6pPr>
-            <a:lvl7pPr marL="2743200" indent="0">
-              <a:buNone/>
-              <a:defRPr sz="2000"/>
-            </a:lvl7pPr>
-            <a:lvl8pPr marL="3200400" indent="0">
-              <a:buNone/>
-              <a:defRPr sz="2000"/>
-            </a:lvl8pPr>
-            <a:lvl9pPr marL="3657600" indent="0">
-              <a:buNone/>
-              <a:defRPr sz="2000"/>
-            </a:lvl9pPr>
-          </a:lstStyle>
-          <a:p>
-            <a:endParaRPr lang="es-ES"/>
-          </a:p>
-        </p:txBody>
-      </p:sp>
-      <p:sp>
-        <p:nvSpPr>
-          <p:cNvPr id="4" name="Marcador de texto 3">
-            <a:extLst>
-              <a:ext uri="{FF2B5EF4-FFF2-40B4-BE49-F238E27FC236}">
-                <a16:creationId xmlns:a16="http://schemas.microsoft.com/office/drawing/2014/main" id="{97ABE8D6-7B8B-433D-9F40-8A5B1E513F82}"/>
-              </a:ext>
-            </a:extLst>
-          </p:cNvPr>
-          <p:cNvSpPr>
-            <a:spLocks noGrp="1"/>
-          </p:cNvSpPr>
-          <p:nvPr>
-            <p:ph type="body" sz="half" idx="2"/>
-          </p:nvPr>
-        </p:nvSpPr>
-        <p:spPr>
-          <a:xfrm>
-            <a:off x="839788" y="2057400"/>
-            <a:ext cx="3932237" cy="3811588"/>
-          </a:xfrm>
-        </p:spPr>
-        <p:txBody>
-          <a:bodyPr/>
-          <a:lstStyle>
-            <a:lvl1pPr marL="0" indent="0">
+            <a:lvl1pPr marL="0" indent="0" algn="ctr">
               <a:buNone/>
               <a:defRPr sz="1600"/>
             </a:lvl1pPr>
             <a:lvl2pPr marL="457200" indent="0">
               <a:buNone/>
-              <a:defRPr sz="1400"/>
+              <a:defRPr sz="1600"/>
             </a:lvl2pPr>
             <a:lvl3pPr marL="914400" indent="0">
               <a:buNone/>
-              <a:defRPr sz="1200"/>
+              <a:defRPr sz="1600"/>
             </a:lvl3pPr>
             <a:lvl4pPr marL="1371600" indent="0">
               <a:buNone/>
-              <a:defRPr sz="1000"/>
+              <a:defRPr sz="1600"/>
             </a:lvl4pPr>
             <a:lvl5pPr marL="1828800" indent="0">
               <a:buNone/>
-              <a:defRPr sz="1000"/>
+              <a:defRPr sz="1600"/>
             </a:lvl5pPr>
             <a:lvl6pPr marL="2286000" indent="0">
               <a:buNone/>
-              <a:defRPr sz="1000"/>
+              <a:defRPr sz="1600"/>
             </a:lvl6pPr>
             <a:lvl7pPr marL="2743200" indent="0">
               <a:buNone/>
-              <a:defRPr sz="1000"/>
+              <a:defRPr sz="1600"/>
             </a:lvl7pPr>
             <a:lvl8pPr marL="3200400" indent="0">
               <a:buNone/>
-              <a:defRPr sz="1000"/>
+              <a:defRPr sz="1600"/>
             </a:lvl8pPr>
             <a:lvl9pPr marL="3657600" indent="0">
               <a:buNone/>
-              <a:defRPr sz="1000"/>
+              <a:defRPr sz="1600"/>
             </a:lvl9pPr>
           </a:lstStyle>
           <a:p>
+            <a:r>
+              <a:rPr lang="es-ES"/>
+              <a:t>Haga clic en el icono para agregar una imagen</a:t>
+            </a:r>
+            <a:endParaRPr lang="en-US" dirty="0"/>
+          </a:p>
+        </p:txBody>
+      </p:sp>
+      <p:sp>
+        <p:nvSpPr>
+          <p:cNvPr id="4" name="Text Placeholder 3"/>
+          <p:cNvSpPr>
+            <a:spLocks noGrp="1"/>
+          </p:cNvSpPr>
+          <p:nvPr>
+            <p:ph type="body" sz="half" idx="2"/>
+          </p:nvPr>
+        </p:nvSpPr>
+        <p:spPr>
+          <a:xfrm>
+            <a:off x="677334" y="5367338"/>
+            <a:ext cx="8596667" cy="674024"/>
+          </a:xfrm>
+        </p:spPr>
+        <p:txBody>
+          <a:bodyPr>
+            <a:normAutofit/>
+          </a:bodyPr>
+          <a:lstStyle>
+            <a:lvl1pPr marL="0" indent="0">
+              <a:buNone/>
+              <a:defRPr sz="1200"/>
+            </a:lvl1pPr>
+            <a:lvl2pPr marL="457200" indent="0">
+              <a:buNone/>
+              <a:defRPr sz="1200"/>
+            </a:lvl2pPr>
+            <a:lvl3pPr marL="914400" indent="0">
+              <a:buNone/>
+              <a:defRPr sz="1000"/>
+            </a:lvl3pPr>
+            <a:lvl4pPr marL="1371600" indent="0">
+              <a:buNone/>
+              <a:defRPr sz="900"/>
+            </a:lvl4pPr>
+            <a:lvl5pPr marL="1828800" indent="0">
+              <a:buNone/>
+              <a:defRPr sz="900"/>
+            </a:lvl5pPr>
+            <a:lvl6pPr marL="2286000" indent="0">
+              <a:buNone/>
+              <a:defRPr sz="900"/>
+            </a:lvl6pPr>
+            <a:lvl7pPr marL="2743200" indent="0">
+              <a:buNone/>
+              <a:defRPr sz="900"/>
+            </a:lvl7pPr>
+            <a:lvl8pPr marL="3200400" indent="0">
+              <a:buNone/>
+              <a:defRPr sz="900"/>
+            </a:lvl8pPr>
+            <a:lvl9pPr marL="3657600" indent="0">
+              <a:buNone/>
+              <a:defRPr sz="900"/>
+            </a:lvl9pPr>
+          </a:lstStyle>
+          <a:p>
             <a:pPr lvl="0"/>
             <a:r>
               <a:rPr lang="es-ES"/>
@@ -2827,13 +5175,7 @@
       </p:sp>
       <p:sp>
         <p:nvSpPr>
-          <p:cNvPr id="5" name="Marcador de fecha 4">
-            <a:extLst>
-              <a:ext uri="{FF2B5EF4-FFF2-40B4-BE49-F238E27FC236}">
-                <a16:creationId xmlns:a16="http://schemas.microsoft.com/office/drawing/2014/main" id="{1CC6CDC9-4D98-479A-BFEF-A140D690D1BE}"/>
-              </a:ext>
-            </a:extLst>
-          </p:cNvPr>
+          <p:cNvPr id="5" name="Date Placeholder 4"/>
           <p:cNvSpPr>
             <a:spLocks noGrp="1"/>
           </p:cNvSpPr>
@@ -2856,13 +5198,7 @@
       </p:sp>
       <p:sp>
         <p:nvSpPr>
-          <p:cNvPr id="6" name="Marcador de pie de página 5">
-            <a:extLst>
-              <a:ext uri="{FF2B5EF4-FFF2-40B4-BE49-F238E27FC236}">
-                <a16:creationId xmlns:a16="http://schemas.microsoft.com/office/drawing/2014/main" id="{D0B979D0-DD51-4EEF-8E57-13F5EC676279}"/>
-              </a:ext>
-            </a:extLst>
-          </p:cNvPr>
+          <p:cNvPr id="6" name="Footer Placeholder 5"/>
           <p:cNvSpPr>
             <a:spLocks noGrp="1"/>
           </p:cNvSpPr>
@@ -2875,19 +5211,13 @@
           <a:bodyPr/>
           <a:lstStyle/>
           <a:p>
-            <a:endParaRPr lang="es-ES"/>
-          </a:p>
-        </p:txBody>
-      </p:sp>
-      <p:sp>
-        <p:nvSpPr>
-          <p:cNvPr id="7" name="Marcador de número de diapositiva 6">
-            <a:extLst>
-              <a:ext uri="{FF2B5EF4-FFF2-40B4-BE49-F238E27FC236}">
-                <a16:creationId xmlns:a16="http://schemas.microsoft.com/office/drawing/2014/main" id="{D42B45CF-DEF4-4F8C-BB13-437A9E8EE283}"/>
-              </a:ext>
-            </a:extLst>
-          </p:cNvPr>
+            <a:endParaRPr lang="en-US" dirty="0"/>
+          </a:p>
+        </p:txBody>
+      </p:sp>
+      <p:sp>
+        <p:nvSpPr>
+          <p:cNvPr id="7" name="Slide Number Placeholder 6"/>
           <p:cNvSpPr>
             <a:spLocks noGrp="1"/>
           </p:cNvSpPr>
@@ -2911,7 +5241,7 @@
     </p:spTree>
     <p:extLst>
       <p:ext uri="{BB962C8B-B14F-4D97-AF65-F5344CB8AC3E}">
-        <p14:creationId xmlns:p14="http://schemas.microsoft.com/office/powerpoint/2010/main" val="2233931220"/>
+        <p14:creationId xmlns:p14="http://schemas.microsoft.com/office/powerpoint/2010/main" val="4286800033"/>
       </p:ext>
     </p:extLst>
   </p:cSld>
@@ -2943,15 +5273,539 @@
           <a:chExt cx="0" cy="0"/>
         </a:xfrm>
       </p:grpSpPr>
-      <p:sp>
-        <p:nvSpPr>
-          <p:cNvPr id="2" name="Marcador de título 1">
-            <a:extLst>
-              <a:ext uri="{FF2B5EF4-FFF2-40B4-BE49-F238E27FC236}">
-                <a16:creationId xmlns:a16="http://schemas.microsoft.com/office/drawing/2014/main" id="{BE32D607-7025-4BF4-BC9B-07BCED776362}"/>
-              </a:ext>
-            </a:extLst>
-          </p:cNvPr>
+      <p:grpSp>
+        <p:nvGrpSpPr>
+          <p:cNvPr id="7" name="Group 6"/>
+          <p:cNvGrpSpPr/>
+          <p:nvPr/>
+        </p:nvGrpSpPr>
+        <p:grpSpPr>
+          <a:xfrm>
+            <a:off x="0" y="-8467"/>
+            <a:ext cx="12192000" cy="6866467"/>
+            <a:chOff x="0" y="-8467"/>
+            <a:chExt cx="12192000" cy="6866467"/>
+          </a:xfrm>
+        </p:grpSpPr>
+        <p:cxnSp>
+          <p:nvCxnSpPr>
+            <p:cNvPr id="20" name="Straight Connector 19"/>
+            <p:cNvCxnSpPr/>
+            <p:nvPr/>
+          </p:nvCxnSpPr>
+          <p:spPr>
+            <a:xfrm>
+              <a:off x="9371012" y="0"/>
+              <a:ext cx="1219200" cy="6858000"/>
+            </a:xfrm>
+            <a:prstGeom prst="line">
+              <a:avLst/>
+            </a:prstGeom>
+            <a:ln w="9525">
+              <a:solidFill>
+                <a:schemeClr val="bg1">
+                  <a:lumMod val="75000"/>
+                </a:schemeClr>
+              </a:solidFill>
+            </a:ln>
+          </p:spPr>
+          <p:style>
+            <a:lnRef idx="2">
+              <a:schemeClr val="accent1"/>
+            </a:lnRef>
+            <a:fillRef idx="0">
+              <a:schemeClr val="accent1"/>
+            </a:fillRef>
+            <a:effectRef idx="1">
+              <a:schemeClr val="accent1"/>
+            </a:effectRef>
+            <a:fontRef idx="minor">
+              <a:schemeClr val="tx1"/>
+            </a:fontRef>
+          </p:style>
+        </p:cxnSp>
+        <p:cxnSp>
+          <p:nvCxnSpPr>
+            <p:cNvPr id="21" name="Straight Connector 20"/>
+            <p:cNvCxnSpPr/>
+            <p:nvPr/>
+          </p:nvCxnSpPr>
+          <p:spPr>
+            <a:xfrm flipH="1">
+              <a:off x="7425267" y="3681413"/>
+              <a:ext cx="4763558" cy="3176587"/>
+            </a:xfrm>
+            <a:prstGeom prst="line">
+              <a:avLst/>
+            </a:prstGeom>
+            <a:ln w="9525">
+              <a:solidFill>
+                <a:schemeClr val="bg1">
+                  <a:lumMod val="85000"/>
+                </a:schemeClr>
+              </a:solidFill>
+            </a:ln>
+          </p:spPr>
+          <p:style>
+            <a:lnRef idx="2">
+              <a:schemeClr val="accent1"/>
+            </a:lnRef>
+            <a:fillRef idx="0">
+              <a:schemeClr val="accent1"/>
+            </a:fillRef>
+            <a:effectRef idx="1">
+              <a:schemeClr val="accent1"/>
+            </a:effectRef>
+            <a:fontRef idx="minor">
+              <a:schemeClr val="tx1"/>
+            </a:fontRef>
+          </p:style>
+        </p:cxnSp>
+        <p:sp>
+          <p:nvSpPr>
+            <p:cNvPr id="22" name="Rectangle 23"/>
+            <p:cNvSpPr/>
+            <p:nvPr/>
+          </p:nvSpPr>
+          <p:spPr>
+            <a:xfrm>
+              <a:off x="9181476" y="-8467"/>
+              <a:ext cx="3007349" cy="6866467"/>
+            </a:xfrm>
+            <a:custGeom>
+              <a:avLst/>
+              <a:gdLst/>
+              <a:ahLst/>
+              <a:cxnLst/>
+              <a:rect l="l" t="t" r="r" b="b"/>
+              <a:pathLst>
+                <a:path w="3007349" h="6866467">
+                  <a:moveTo>
+                    <a:pt x="2045532" y="0"/>
+                  </a:moveTo>
+                  <a:lnTo>
+                    <a:pt x="3007349" y="0"/>
+                  </a:lnTo>
+                  <a:lnTo>
+                    <a:pt x="3007349" y="6866467"/>
+                  </a:lnTo>
+                  <a:lnTo>
+                    <a:pt x="0" y="6866467"/>
+                  </a:lnTo>
+                  <a:lnTo>
+                    <a:pt x="2045532" y="0"/>
+                  </a:lnTo>
+                  <a:close/>
+                </a:path>
+              </a:pathLst>
+            </a:custGeom>
+            <a:solidFill>
+              <a:schemeClr val="accent1">
+                <a:alpha val="30000"/>
+              </a:schemeClr>
+            </a:solidFill>
+            <a:ln>
+              <a:noFill/>
+            </a:ln>
+            <a:effectLst/>
+          </p:spPr>
+          <p:style>
+            <a:lnRef idx="1">
+              <a:schemeClr val="accent1"/>
+            </a:lnRef>
+            <a:fillRef idx="3">
+              <a:schemeClr val="accent1"/>
+            </a:fillRef>
+            <a:effectRef idx="2">
+              <a:schemeClr val="accent1"/>
+            </a:effectRef>
+            <a:fontRef idx="minor">
+              <a:schemeClr val="lt1"/>
+            </a:fontRef>
+          </p:style>
+        </p:sp>
+        <p:sp>
+          <p:nvSpPr>
+            <p:cNvPr id="23" name="Rectangle 25"/>
+            <p:cNvSpPr/>
+            <p:nvPr/>
+          </p:nvSpPr>
+          <p:spPr>
+            <a:xfrm>
+              <a:off x="9603442" y="-8467"/>
+              <a:ext cx="2588558" cy="6866467"/>
+            </a:xfrm>
+            <a:custGeom>
+              <a:avLst/>
+              <a:gdLst/>
+              <a:ahLst/>
+              <a:cxnLst/>
+              <a:rect l="l" t="t" r="r" b="b"/>
+              <a:pathLst>
+                <a:path w="2573311" h="6866467">
+                  <a:moveTo>
+                    <a:pt x="0" y="0"/>
+                  </a:moveTo>
+                  <a:lnTo>
+                    <a:pt x="2573311" y="0"/>
+                  </a:lnTo>
+                  <a:lnTo>
+                    <a:pt x="2573311" y="6866467"/>
+                  </a:lnTo>
+                  <a:lnTo>
+                    <a:pt x="1202336" y="6866467"/>
+                  </a:lnTo>
+                  <a:lnTo>
+                    <a:pt x="0" y="0"/>
+                  </a:lnTo>
+                  <a:close/>
+                </a:path>
+              </a:pathLst>
+            </a:custGeom>
+            <a:solidFill>
+              <a:schemeClr val="accent1">
+                <a:alpha val="20000"/>
+              </a:schemeClr>
+            </a:solidFill>
+            <a:ln>
+              <a:noFill/>
+            </a:ln>
+            <a:effectLst/>
+          </p:spPr>
+          <p:style>
+            <a:lnRef idx="1">
+              <a:schemeClr val="accent1"/>
+            </a:lnRef>
+            <a:fillRef idx="3">
+              <a:schemeClr val="accent1"/>
+            </a:fillRef>
+            <a:effectRef idx="2">
+              <a:schemeClr val="accent1"/>
+            </a:effectRef>
+            <a:fontRef idx="minor">
+              <a:schemeClr val="lt1"/>
+            </a:fontRef>
+          </p:style>
+        </p:sp>
+        <p:sp>
+          <p:nvSpPr>
+            <p:cNvPr id="24" name="Isosceles Triangle 23"/>
+            <p:cNvSpPr/>
+            <p:nvPr/>
+          </p:nvSpPr>
+          <p:spPr>
+            <a:xfrm>
+              <a:off x="8932333" y="3048000"/>
+              <a:ext cx="3259667" cy="3810000"/>
+            </a:xfrm>
+            <a:prstGeom prst="triangle">
+              <a:avLst>
+                <a:gd name="adj" fmla="val 100000"/>
+              </a:avLst>
+            </a:prstGeom>
+            <a:solidFill>
+              <a:schemeClr val="accent2">
+                <a:alpha val="72000"/>
+              </a:schemeClr>
+            </a:solidFill>
+            <a:ln>
+              <a:noFill/>
+            </a:ln>
+            <a:effectLst/>
+          </p:spPr>
+          <p:style>
+            <a:lnRef idx="1">
+              <a:schemeClr val="accent1"/>
+            </a:lnRef>
+            <a:fillRef idx="3">
+              <a:schemeClr val="accent1"/>
+            </a:fillRef>
+            <a:effectRef idx="2">
+              <a:schemeClr val="accent1"/>
+            </a:effectRef>
+            <a:fontRef idx="minor">
+              <a:schemeClr val="lt1"/>
+            </a:fontRef>
+          </p:style>
+        </p:sp>
+        <p:sp>
+          <p:nvSpPr>
+            <p:cNvPr id="25" name="Rectangle 27"/>
+            <p:cNvSpPr/>
+            <p:nvPr/>
+          </p:nvSpPr>
+          <p:spPr>
+            <a:xfrm>
+              <a:off x="9334500" y="-8467"/>
+              <a:ext cx="2854326" cy="6866467"/>
+            </a:xfrm>
+            <a:custGeom>
+              <a:avLst/>
+              <a:gdLst/>
+              <a:ahLst/>
+              <a:cxnLst/>
+              <a:rect l="l" t="t" r="r" b="b"/>
+              <a:pathLst>
+                <a:path w="2858013" h="6866467">
+                  <a:moveTo>
+                    <a:pt x="0" y="0"/>
+                  </a:moveTo>
+                  <a:lnTo>
+                    <a:pt x="2858013" y="0"/>
+                  </a:lnTo>
+                  <a:lnTo>
+                    <a:pt x="2858013" y="6866467"/>
+                  </a:lnTo>
+                  <a:lnTo>
+                    <a:pt x="2473942" y="6866467"/>
+                  </a:lnTo>
+                  <a:lnTo>
+                    <a:pt x="0" y="0"/>
+                  </a:lnTo>
+                  <a:close/>
+                </a:path>
+              </a:pathLst>
+            </a:custGeom>
+            <a:solidFill>
+              <a:schemeClr val="accent2">
+                <a:lumMod val="75000"/>
+                <a:alpha val="70000"/>
+              </a:schemeClr>
+            </a:solidFill>
+            <a:ln>
+              <a:noFill/>
+            </a:ln>
+            <a:effectLst/>
+          </p:spPr>
+          <p:style>
+            <a:lnRef idx="1">
+              <a:schemeClr val="accent1"/>
+            </a:lnRef>
+            <a:fillRef idx="3">
+              <a:schemeClr val="accent1"/>
+            </a:fillRef>
+            <a:effectRef idx="2">
+              <a:schemeClr val="accent1"/>
+            </a:effectRef>
+            <a:fontRef idx="minor">
+              <a:schemeClr val="lt1"/>
+            </a:fontRef>
+          </p:style>
+        </p:sp>
+        <p:sp>
+          <p:nvSpPr>
+            <p:cNvPr id="26" name="Rectangle 28"/>
+            <p:cNvSpPr/>
+            <p:nvPr/>
+          </p:nvSpPr>
+          <p:spPr>
+            <a:xfrm>
+              <a:off x="10898730" y="-8467"/>
+              <a:ext cx="1290094" cy="6866467"/>
+            </a:xfrm>
+            <a:custGeom>
+              <a:avLst/>
+              <a:gdLst/>
+              <a:ahLst/>
+              <a:cxnLst/>
+              <a:rect l="l" t="t" r="r" b="b"/>
+              <a:pathLst>
+                <a:path w="1290094" h="6858000">
+                  <a:moveTo>
+                    <a:pt x="1019735" y="0"/>
+                  </a:moveTo>
+                  <a:lnTo>
+                    <a:pt x="1290094" y="0"/>
+                  </a:lnTo>
+                  <a:lnTo>
+                    <a:pt x="1290094" y="6858000"/>
+                  </a:lnTo>
+                  <a:lnTo>
+                    <a:pt x="0" y="6858000"/>
+                  </a:lnTo>
+                  <a:lnTo>
+                    <a:pt x="1019735" y="0"/>
+                  </a:lnTo>
+                  <a:close/>
+                </a:path>
+              </a:pathLst>
+            </a:custGeom>
+            <a:solidFill>
+              <a:schemeClr val="accent1">
+                <a:lumMod val="60000"/>
+                <a:lumOff val="40000"/>
+                <a:alpha val="70000"/>
+              </a:schemeClr>
+            </a:solidFill>
+            <a:ln>
+              <a:noFill/>
+            </a:ln>
+            <a:effectLst/>
+          </p:spPr>
+          <p:style>
+            <a:lnRef idx="1">
+              <a:schemeClr val="accent1"/>
+            </a:lnRef>
+            <a:fillRef idx="3">
+              <a:schemeClr val="accent1"/>
+            </a:fillRef>
+            <a:effectRef idx="2">
+              <a:schemeClr val="accent1"/>
+            </a:effectRef>
+            <a:fontRef idx="minor">
+              <a:schemeClr val="lt1"/>
+            </a:fontRef>
+          </p:style>
+        </p:sp>
+        <p:sp>
+          <p:nvSpPr>
+            <p:cNvPr id="27" name="Rectangle 29"/>
+            <p:cNvSpPr/>
+            <p:nvPr/>
+          </p:nvSpPr>
+          <p:spPr>
+            <a:xfrm>
+              <a:off x="10938999" y="-8467"/>
+              <a:ext cx="1249825" cy="6866467"/>
+            </a:xfrm>
+            <a:custGeom>
+              <a:avLst/>
+              <a:gdLst/>
+              <a:ahLst/>
+              <a:cxnLst/>
+              <a:rect l="l" t="t" r="r" b="b"/>
+              <a:pathLst>
+                <a:path w="1249825" h="6858000">
+                  <a:moveTo>
+                    <a:pt x="0" y="0"/>
+                  </a:moveTo>
+                  <a:lnTo>
+                    <a:pt x="1249825" y="0"/>
+                  </a:lnTo>
+                  <a:lnTo>
+                    <a:pt x="1249825" y="6858000"/>
+                  </a:lnTo>
+                  <a:lnTo>
+                    <a:pt x="1109382" y="6858000"/>
+                  </a:lnTo>
+                  <a:lnTo>
+                    <a:pt x="0" y="0"/>
+                  </a:lnTo>
+                  <a:close/>
+                </a:path>
+              </a:pathLst>
+            </a:custGeom>
+            <a:solidFill>
+              <a:schemeClr val="accent1">
+                <a:alpha val="65000"/>
+              </a:schemeClr>
+            </a:solidFill>
+            <a:ln>
+              <a:noFill/>
+            </a:ln>
+            <a:effectLst/>
+          </p:spPr>
+          <p:style>
+            <a:lnRef idx="1">
+              <a:schemeClr val="accent1"/>
+            </a:lnRef>
+            <a:fillRef idx="3">
+              <a:schemeClr val="accent1"/>
+            </a:fillRef>
+            <a:effectRef idx="2">
+              <a:schemeClr val="accent1"/>
+            </a:effectRef>
+            <a:fontRef idx="minor">
+              <a:schemeClr val="lt1"/>
+            </a:fontRef>
+          </p:style>
+        </p:sp>
+        <p:sp>
+          <p:nvSpPr>
+            <p:cNvPr id="28" name="Isosceles Triangle 27"/>
+            <p:cNvSpPr/>
+            <p:nvPr/>
+          </p:nvSpPr>
+          <p:spPr>
+            <a:xfrm>
+              <a:off x="10371666" y="3589867"/>
+              <a:ext cx="1817159" cy="3268133"/>
+            </a:xfrm>
+            <a:prstGeom prst="triangle">
+              <a:avLst>
+                <a:gd name="adj" fmla="val 100000"/>
+              </a:avLst>
+            </a:prstGeom>
+            <a:solidFill>
+              <a:schemeClr val="accent1">
+                <a:alpha val="80000"/>
+              </a:schemeClr>
+            </a:solidFill>
+            <a:ln>
+              <a:noFill/>
+            </a:ln>
+            <a:effectLst/>
+          </p:spPr>
+          <p:style>
+            <a:lnRef idx="1">
+              <a:schemeClr val="accent1"/>
+            </a:lnRef>
+            <a:fillRef idx="3">
+              <a:schemeClr val="accent1"/>
+            </a:fillRef>
+            <a:effectRef idx="2">
+              <a:schemeClr val="accent1"/>
+            </a:effectRef>
+            <a:fontRef idx="minor">
+              <a:schemeClr val="lt1"/>
+            </a:fontRef>
+          </p:style>
+        </p:sp>
+        <p:sp>
+          <p:nvSpPr>
+            <p:cNvPr id="29" name="Isosceles Triangle 28"/>
+            <p:cNvSpPr/>
+            <p:nvPr/>
+          </p:nvSpPr>
+          <p:spPr>
+            <a:xfrm>
+              <a:off x="0" y="4013200"/>
+              <a:ext cx="448733" cy="2844800"/>
+            </a:xfrm>
+            <a:prstGeom prst="triangle">
+              <a:avLst>
+                <a:gd name="adj" fmla="val 0"/>
+              </a:avLst>
+            </a:prstGeom>
+            <a:solidFill>
+              <a:schemeClr val="accent1">
+                <a:alpha val="85000"/>
+              </a:schemeClr>
+            </a:solidFill>
+            <a:ln>
+              <a:noFill/>
+            </a:ln>
+            <a:effectLst/>
+          </p:spPr>
+          <p:style>
+            <a:lnRef idx="1">
+              <a:schemeClr val="accent1"/>
+            </a:lnRef>
+            <a:fillRef idx="3">
+              <a:schemeClr val="accent1"/>
+            </a:fillRef>
+            <a:effectRef idx="2">
+              <a:schemeClr val="accent1"/>
+            </a:effectRef>
+            <a:fontRef idx="minor">
+              <a:schemeClr val="lt1"/>
+            </a:fontRef>
+          </p:style>
+        </p:sp>
+      </p:grpSp>
+      <p:sp>
+        <p:nvSpPr>
+          <p:cNvPr id="2" name="Title Placeholder 1"/>
           <p:cNvSpPr>
             <a:spLocks noGrp="1"/>
           </p:cNvSpPr>
@@ -2961,15 +5815,15 @@
         </p:nvSpPr>
         <p:spPr>
           <a:xfrm>
-            <a:off x="838200" y="365125"/>
-            <a:ext cx="10515600" cy="1325563"/>
+            <a:off x="677334" y="609600"/>
+            <a:ext cx="8596668" cy="1320800"/>
           </a:xfrm>
           <a:prstGeom prst="rect">
             <a:avLst/>
           </a:prstGeom>
         </p:spPr>
         <p:txBody>
-          <a:bodyPr vert="horz" lIns="91440" tIns="45720" rIns="91440" bIns="45720" rtlCol="0" anchor="ctr">
+          <a:bodyPr vert="horz" lIns="91440" tIns="45720" rIns="91440" bIns="45720" rtlCol="0" anchor="t">
             <a:normAutofit/>
           </a:bodyPr>
           <a:lstStyle/>
@@ -2978,18 +5832,13 @@
               <a:rPr lang="es-ES"/>
               <a:t>Haga clic para modificar el estilo de título del patrón</a:t>
             </a:r>
-          </a:p>
-        </p:txBody>
-      </p:sp>
-      <p:sp>
-        <p:nvSpPr>
-          <p:cNvPr id="3" name="Marcador de texto 2">
-            <a:extLst>
-              <a:ext uri="{FF2B5EF4-FFF2-40B4-BE49-F238E27FC236}">
-                <a16:creationId xmlns:a16="http://schemas.microsoft.com/office/drawing/2014/main" id="{06DF8DCA-7840-46FC-9B46-7C62EDD512EA}"/>
-              </a:ext>
-            </a:extLst>
-          </p:cNvPr>
+            <a:endParaRPr lang="en-US" dirty="0"/>
+          </a:p>
+        </p:txBody>
+      </p:sp>
+      <p:sp>
+        <p:nvSpPr>
+          <p:cNvPr id="3" name="Text Placeholder 2"/>
           <p:cNvSpPr>
             <a:spLocks noGrp="1"/>
           </p:cNvSpPr>
@@ -2999,8 +5848,8 @@
         </p:nvSpPr>
         <p:spPr>
           <a:xfrm>
-            <a:off x="838200" y="1825625"/>
-            <a:ext cx="10515600" cy="4351338"/>
+            <a:off x="677334" y="2160589"/>
+            <a:ext cx="8596668" cy="3880773"/>
           </a:xfrm>
           <a:prstGeom prst="rect">
             <a:avLst/>
@@ -3045,18 +5894,13 @@
               <a:rPr lang="es-ES"/>
               <a:t>Quinto nivel</a:t>
             </a:r>
-          </a:p>
-        </p:txBody>
-      </p:sp>
-      <p:sp>
-        <p:nvSpPr>
-          <p:cNvPr id="4" name="Marcador de fecha 3">
-            <a:extLst>
-              <a:ext uri="{FF2B5EF4-FFF2-40B4-BE49-F238E27FC236}">
-                <a16:creationId xmlns:a16="http://schemas.microsoft.com/office/drawing/2014/main" id="{6B80523D-CFB5-436A-9DF9-AFC893C91745}"/>
-              </a:ext>
-            </a:extLst>
-          </p:cNvPr>
+            <a:endParaRPr lang="en-US" dirty="0"/>
+          </a:p>
+        </p:txBody>
+      </p:sp>
+      <p:sp>
+        <p:nvSpPr>
+          <p:cNvPr id="4" name="Date Placeholder 3"/>
           <p:cNvSpPr>
             <a:spLocks noGrp="1"/>
           </p:cNvSpPr>
@@ -3066,8 +5910,8 @@
         </p:nvSpPr>
         <p:spPr>
           <a:xfrm>
-            <a:off x="838200" y="6356350"/>
-            <a:ext cx="2743200" cy="365125"/>
+            <a:off x="7205133" y="6041362"/>
+            <a:ext cx="911939" cy="365125"/>
           </a:xfrm>
           <a:prstGeom prst="rect">
             <a:avLst/>
@@ -3076,8 +5920,8 @@
         <p:txBody>
           <a:bodyPr vert="horz" lIns="91440" tIns="45720" rIns="91440" bIns="45720" rtlCol="0" anchor="ctr"/>
           <a:lstStyle>
-            <a:lvl1pPr algn="l">
-              <a:defRPr sz="1200">
+            <a:lvl1pPr algn="r">
+              <a:defRPr sz="900">
                 <a:solidFill>
                   <a:schemeClr val="tx1">
                     <a:tint val="75000"/>
@@ -3097,13 +5941,7 @@
       </p:sp>
       <p:sp>
         <p:nvSpPr>
-          <p:cNvPr id="5" name="Marcador de pie de página 4">
-            <a:extLst>
-              <a:ext uri="{FF2B5EF4-FFF2-40B4-BE49-F238E27FC236}">
-                <a16:creationId xmlns:a16="http://schemas.microsoft.com/office/drawing/2014/main" id="{E8543C59-6F0F-43B6-8D59-9138D92C29B3}"/>
-              </a:ext>
-            </a:extLst>
-          </p:cNvPr>
+          <p:cNvPr id="5" name="Footer Placeholder 4"/>
           <p:cNvSpPr>
             <a:spLocks noGrp="1"/>
           </p:cNvSpPr>
@@ -3113,8 +5951,8 @@
         </p:nvSpPr>
         <p:spPr>
           <a:xfrm>
-            <a:off x="4038600" y="6356350"/>
-            <a:ext cx="4114800" cy="365125"/>
+            <a:off x="677334" y="6041362"/>
+            <a:ext cx="6297612" cy="365125"/>
           </a:xfrm>
           <a:prstGeom prst="rect">
             <a:avLst/>
@@ -3123,8 +5961,8 @@
         <p:txBody>
           <a:bodyPr vert="horz" lIns="91440" tIns="45720" rIns="91440" bIns="45720" rtlCol="0" anchor="ctr"/>
           <a:lstStyle>
-            <a:lvl1pPr algn="ctr">
-              <a:defRPr sz="1200">
+            <a:lvl1pPr algn="l">
+              <a:defRPr sz="900">
                 <a:solidFill>
                   <a:schemeClr val="tx1">
                     <a:tint val="75000"/>
@@ -3140,13 +5978,7 @@
       </p:sp>
       <p:sp>
         <p:nvSpPr>
-          <p:cNvPr id="6" name="Marcador de número de diapositiva 5">
-            <a:extLst>
-              <a:ext uri="{FF2B5EF4-FFF2-40B4-BE49-F238E27FC236}">
-                <a16:creationId xmlns:a16="http://schemas.microsoft.com/office/drawing/2014/main" id="{2FFA7D07-86F9-4806-8C0A-AFAA62195D72}"/>
-              </a:ext>
-            </a:extLst>
-          </p:cNvPr>
+          <p:cNvPr id="6" name="Slide Number Placeholder 5"/>
           <p:cNvSpPr>
             <a:spLocks noGrp="1"/>
           </p:cNvSpPr>
@@ -3156,8 +5988,8 @@
         </p:nvSpPr>
         <p:spPr>
           <a:xfrm>
-            <a:off x="8610600" y="6356350"/>
-            <a:ext cx="2743200" cy="365125"/>
+            <a:off x="8590663" y="6041362"/>
+            <a:ext cx="683339" cy="365125"/>
           </a:xfrm>
           <a:prstGeom prst="rect">
             <a:avLst/>
@@ -3167,11 +5999,9 @@
           <a:bodyPr vert="horz" lIns="91440" tIns="45720" rIns="91440" bIns="45720" rtlCol="0" anchor="ctr"/>
           <a:lstStyle>
             <a:lvl1pPr algn="r">
-              <a:defRPr sz="1200">
+              <a:defRPr sz="900">
                 <a:solidFill>
-                  <a:schemeClr val="tx1">
-                    <a:tint val="75000"/>
-                  </a:schemeClr>
+                  <a:schemeClr val="accent1"/>
                 </a:solidFill>
               </a:defRPr>
             </a:lvl1pPr>
@@ -3188,56 +6018,336 @@
     </p:spTree>
     <p:extLst>
       <p:ext uri="{BB962C8B-B14F-4D97-AF65-F5344CB8AC3E}">
-        <p14:creationId xmlns:p14="http://schemas.microsoft.com/office/powerpoint/2010/main" val="628777916"/>
+        <p14:creationId xmlns:p14="http://schemas.microsoft.com/office/powerpoint/2010/main" val="3928884228"/>
       </p:ext>
     </p:extLst>
   </p:cSld>
   <p:clrMap bg1="lt1" tx1="dk1" bg2="lt2" tx2="dk2" accent1="accent1" accent2="accent2" accent3="accent3" accent4="accent4" accent5="accent5" accent6="accent6" hlink="hlink" folHlink="folHlink"/>
   <p:sldLayoutIdLst>
-    <p:sldLayoutId id="2147483795" r:id="rId1"/>
-    <p:sldLayoutId id="2147483796" r:id="rId2"/>
-    <p:sldLayoutId id="2147483797" r:id="rId3"/>
-    <p:sldLayoutId id="2147483798" r:id="rId4"/>
-    <p:sldLayoutId id="2147483799" r:id="rId5"/>
-    <p:sldLayoutId id="2147483800" r:id="rId6"/>
-    <p:sldLayoutId id="2147483801" r:id="rId7"/>
-    <p:sldLayoutId id="2147483802" r:id="rId8"/>
-    <p:sldLayoutId id="2147483803" r:id="rId9"/>
-    <p:sldLayoutId id="2147483804" r:id="rId10"/>
-    <p:sldLayoutId id="2147483805" r:id="rId11"/>
-    <p:sldLayoutId id="2147483806" r:id="rId12"/>
+    <p:sldLayoutId id="2147483879" r:id="rId1"/>
+    <p:sldLayoutId id="2147483880" r:id="rId2"/>
+    <p:sldLayoutId id="2147483881" r:id="rId3"/>
+    <p:sldLayoutId id="2147483882" r:id="rId4"/>
+    <p:sldLayoutId id="2147483883" r:id="rId5"/>
+    <p:sldLayoutId id="2147483884" r:id="rId6"/>
+    <p:sldLayoutId id="2147483885" r:id="rId7"/>
+    <p:sldLayoutId id="2147483886" r:id="rId8"/>
+    <p:sldLayoutId id="2147483887" r:id="rId9"/>
+    <p:sldLayoutId id="2147483888" r:id="rId10"/>
+    <p:sldLayoutId id="2147483889" r:id="rId11"/>
+    <p:sldLayoutId id="2147483890" r:id="rId12"/>
+    <p:sldLayoutId id="2147483891" r:id="rId13"/>
+    <p:sldLayoutId id="2147483892" r:id="rId14"/>
+    <p:sldLayoutId id="2147483893" r:id="rId15"/>
+    <p:sldLayoutId id="2147483894" r:id="rId16"/>
+    <p:sldLayoutId id="2147483895" r:id="rId17"/>
   </p:sldLayoutIdLst>
   <p:txStyles>
     <p:titleStyle>
-      <a:lvl1pPr algn="l" defTabSz="914400" rtl="0" eaLnBrk="1" latinLnBrk="0" hangingPunct="1">
-        <a:lnSpc>
-          <a:spcPct val="90000"/>
-        </a:lnSpc>
+      <a:lvl1pPr algn="l" defTabSz="457200" rtl="0" eaLnBrk="1" latinLnBrk="0" hangingPunct="1">
         <a:spcBef>
           <a:spcPct val="0"/>
         </a:spcBef>
         <a:buNone/>
-        <a:defRPr sz="4400" kern="1200">
+        <a:defRPr sz="3600" kern="1200">
           <a:solidFill>
-            <a:schemeClr val="tx1"/>
+            <a:schemeClr val="accent1"/>
           </a:solidFill>
           <a:latin typeface="+mj-lt"/>
           <a:ea typeface="+mj-ea"/>
           <a:cs typeface="+mj-cs"/>
         </a:defRPr>
       </a:lvl1pPr>
+      <a:lvl2pPr eaLnBrk="1" hangingPunct="1">
+        <a:defRPr>
+          <a:solidFill>
+            <a:schemeClr val="tx2"/>
+          </a:solidFill>
+        </a:defRPr>
+      </a:lvl2pPr>
+      <a:lvl3pPr eaLnBrk="1" hangingPunct="1">
+        <a:defRPr>
+          <a:solidFill>
+            <a:schemeClr val="tx2"/>
+          </a:solidFill>
+        </a:defRPr>
+      </a:lvl3pPr>
+      <a:lvl4pPr eaLnBrk="1" hangingPunct="1">
+        <a:defRPr>
+          <a:solidFill>
+            <a:schemeClr val="tx2"/>
+          </a:solidFill>
+        </a:defRPr>
+      </a:lvl4pPr>
+      <a:lvl5pPr eaLnBrk="1" hangingPunct="1">
+        <a:defRPr>
+          <a:solidFill>
+            <a:schemeClr val="tx2"/>
+          </a:solidFill>
+        </a:defRPr>
+      </a:lvl5pPr>
+      <a:lvl6pPr eaLnBrk="1" hangingPunct="1">
+        <a:defRPr>
+          <a:solidFill>
+            <a:schemeClr val="tx2"/>
+          </a:solidFill>
+        </a:defRPr>
+      </a:lvl6pPr>
+      <a:lvl7pPr eaLnBrk="1" hangingPunct="1">
+        <a:defRPr>
+          <a:solidFill>
+            <a:schemeClr val="tx2"/>
+          </a:solidFill>
+        </a:defRPr>
+      </a:lvl7pPr>
+      <a:lvl8pPr eaLnBrk="1" hangingPunct="1">
+        <a:defRPr>
+          <a:solidFill>
+            <a:schemeClr val="tx2"/>
+          </a:solidFill>
+        </a:defRPr>
+      </a:lvl8pPr>
+      <a:lvl9pPr eaLnBrk="1" hangingPunct="1">
+        <a:defRPr>
+          <a:solidFill>
+            <a:schemeClr val="tx2"/>
+          </a:solidFill>
+        </a:defRPr>
+      </a:lvl9pPr>
     </p:titleStyle>
     <p:bodyStyle>
-      <a:lvl1pPr marL="228600" indent="-228600" algn="l" defTabSz="914400" rtl="0" eaLnBrk="1" latinLnBrk="0" hangingPunct="1">
-        <a:lnSpc>
-          <a:spcPct val="90000"/>
-        </a:lnSpc>
+      <a:lvl1pPr marL="342900" indent="-342900" algn="l" defTabSz="457200" rtl="0" eaLnBrk="1" latinLnBrk="0" hangingPunct="1">
         <a:spcBef>
           <a:spcPts val="1000"/>
         </a:spcBef>
-        <a:buFont typeface="Arial" panose="020B0604020202020204" pitchFamily="34" charset="0"/>
-        <a:buChar char="•"/>
-        <a:defRPr sz="2800" kern="1200">
+        <a:spcAft>
+          <a:spcPts val="0"/>
+        </a:spcAft>
+        <a:buClr>
+          <a:schemeClr val="accent1"/>
+        </a:buClr>
+        <a:buSzPct val="80000"/>
+        <a:buFont typeface="Wingdings 3" charset="2"/>
+        <a:buChar char=""/>
+        <a:defRPr sz="1800" kern="1200">
+          <a:solidFill>
+            <a:schemeClr val="tx1">
+              <a:lumMod val="75000"/>
+              <a:lumOff val="25000"/>
+            </a:schemeClr>
+          </a:solidFill>
+          <a:latin typeface="+mn-lt"/>
+          <a:ea typeface="+mn-ea"/>
+          <a:cs typeface="+mn-cs"/>
+        </a:defRPr>
+      </a:lvl1pPr>
+      <a:lvl2pPr marL="742950" indent="-285750" algn="l" defTabSz="457200" rtl="0" eaLnBrk="1" latinLnBrk="0" hangingPunct="1">
+        <a:spcBef>
+          <a:spcPts val="1000"/>
+        </a:spcBef>
+        <a:spcAft>
+          <a:spcPts val="0"/>
+        </a:spcAft>
+        <a:buClr>
+          <a:schemeClr val="accent1"/>
+        </a:buClr>
+        <a:buSzPct val="80000"/>
+        <a:buFont typeface="Wingdings 3" charset="2"/>
+        <a:buChar char=""/>
+        <a:defRPr sz="1600" kern="1200">
+          <a:solidFill>
+            <a:schemeClr val="tx1">
+              <a:lumMod val="75000"/>
+              <a:lumOff val="25000"/>
+            </a:schemeClr>
+          </a:solidFill>
+          <a:latin typeface="+mn-lt"/>
+          <a:ea typeface="+mn-ea"/>
+          <a:cs typeface="+mn-cs"/>
+        </a:defRPr>
+      </a:lvl2pPr>
+      <a:lvl3pPr marL="1143000" indent="-228600" algn="l" defTabSz="457200" rtl="0" eaLnBrk="1" latinLnBrk="0" hangingPunct="1">
+        <a:spcBef>
+          <a:spcPts val="1000"/>
+        </a:spcBef>
+        <a:spcAft>
+          <a:spcPts val="0"/>
+        </a:spcAft>
+        <a:buClr>
+          <a:schemeClr val="accent1"/>
+        </a:buClr>
+        <a:buSzPct val="80000"/>
+        <a:buFont typeface="Wingdings 3" charset="2"/>
+        <a:buChar char=""/>
+        <a:defRPr sz="1400" kern="1200">
+          <a:solidFill>
+            <a:schemeClr val="tx1">
+              <a:lumMod val="75000"/>
+              <a:lumOff val="25000"/>
+            </a:schemeClr>
+          </a:solidFill>
+          <a:latin typeface="+mn-lt"/>
+          <a:ea typeface="+mn-ea"/>
+          <a:cs typeface="+mn-cs"/>
+        </a:defRPr>
+      </a:lvl3pPr>
+      <a:lvl4pPr marL="1600200" indent="-228600" algn="l" defTabSz="457200" rtl="0" eaLnBrk="1" latinLnBrk="0" hangingPunct="1">
+        <a:spcBef>
+          <a:spcPts val="1000"/>
+        </a:spcBef>
+        <a:spcAft>
+          <a:spcPts val="0"/>
+        </a:spcAft>
+        <a:buClr>
+          <a:schemeClr val="accent1"/>
+        </a:buClr>
+        <a:buSzPct val="80000"/>
+        <a:buFont typeface="Wingdings 3" charset="2"/>
+        <a:buChar char=""/>
+        <a:defRPr sz="1200" kern="1200">
+          <a:solidFill>
+            <a:schemeClr val="tx1">
+              <a:lumMod val="75000"/>
+              <a:lumOff val="25000"/>
+            </a:schemeClr>
+          </a:solidFill>
+          <a:latin typeface="+mn-lt"/>
+          <a:ea typeface="+mn-ea"/>
+          <a:cs typeface="+mn-cs"/>
+        </a:defRPr>
+      </a:lvl4pPr>
+      <a:lvl5pPr marL="2057400" indent="-228600" algn="l" defTabSz="457200" rtl="0" eaLnBrk="1" latinLnBrk="0" hangingPunct="1">
+        <a:spcBef>
+          <a:spcPts val="1000"/>
+        </a:spcBef>
+        <a:spcAft>
+          <a:spcPts val="0"/>
+        </a:spcAft>
+        <a:buClr>
+          <a:schemeClr val="accent1"/>
+        </a:buClr>
+        <a:buSzPct val="80000"/>
+        <a:buFont typeface="Wingdings 3" charset="2"/>
+        <a:buChar char=""/>
+        <a:defRPr sz="1200" kern="1200">
+          <a:solidFill>
+            <a:schemeClr val="tx1">
+              <a:lumMod val="75000"/>
+              <a:lumOff val="25000"/>
+            </a:schemeClr>
+          </a:solidFill>
+          <a:latin typeface="+mn-lt"/>
+          <a:ea typeface="+mn-ea"/>
+          <a:cs typeface="+mn-cs"/>
+        </a:defRPr>
+      </a:lvl5pPr>
+      <a:lvl6pPr marL="2514600" indent="-228600" algn="l" defTabSz="457200" rtl="0" eaLnBrk="1" latinLnBrk="0" hangingPunct="1">
+        <a:spcBef>
+          <a:spcPts val="1000"/>
+        </a:spcBef>
+        <a:spcAft>
+          <a:spcPts val="0"/>
+        </a:spcAft>
+        <a:buClr>
+          <a:schemeClr val="accent1"/>
+        </a:buClr>
+        <a:buSzPct val="80000"/>
+        <a:buFont typeface="Wingdings 3" charset="2"/>
+        <a:buChar char=""/>
+        <a:defRPr sz="1200" kern="1200">
+          <a:solidFill>
+            <a:schemeClr val="tx1">
+              <a:lumMod val="75000"/>
+              <a:lumOff val="25000"/>
+            </a:schemeClr>
+          </a:solidFill>
+          <a:latin typeface="+mn-lt"/>
+          <a:ea typeface="+mn-ea"/>
+          <a:cs typeface="+mn-cs"/>
+        </a:defRPr>
+      </a:lvl6pPr>
+      <a:lvl7pPr marL="2971800" indent="-228600" algn="l" defTabSz="457200" rtl="0" eaLnBrk="1" latinLnBrk="0" hangingPunct="1">
+        <a:spcBef>
+          <a:spcPts val="1000"/>
+        </a:spcBef>
+        <a:spcAft>
+          <a:spcPts val="0"/>
+        </a:spcAft>
+        <a:buClr>
+          <a:schemeClr val="accent1"/>
+        </a:buClr>
+        <a:buSzPct val="80000"/>
+        <a:buFont typeface="Wingdings 3" charset="2"/>
+        <a:buChar char=""/>
+        <a:defRPr sz="1200" kern="1200">
+          <a:solidFill>
+            <a:schemeClr val="tx1">
+              <a:lumMod val="75000"/>
+              <a:lumOff val="25000"/>
+            </a:schemeClr>
+          </a:solidFill>
+          <a:latin typeface="+mn-lt"/>
+          <a:ea typeface="+mn-ea"/>
+          <a:cs typeface="+mn-cs"/>
+        </a:defRPr>
+      </a:lvl7pPr>
+      <a:lvl8pPr marL="3429000" indent="-228600" algn="l" defTabSz="457200" rtl="0" eaLnBrk="1" latinLnBrk="0" hangingPunct="1">
+        <a:spcBef>
+          <a:spcPts val="1000"/>
+        </a:spcBef>
+        <a:spcAft>
+          <a:spcPts val="0"/>
+        </a:spcAft>
+        <a:buClr>
+          <a:schemeClr val="accent1"/>
+        </a:buClr>
+        <a:buSzPct val="80000"/>
+        <a:buFont typeface="Wingdings 3" charset="2"/>
+        <a:buChar char=""/>
+        <a:defRPr sz="1200" kern="1200">
+          <a:solidFill>
+            <a:schemeClr val="tx1">
+              <a:lumMod val="75000"/>
+              <a:lumOff val="25000"/>
+            </a:schemeClr>
+          </a:solidFill>
+          <a:latin typeface="+mn-lt"/>
+          <a:ea typeface="+mn-ea"/>
+          <a:cs typeface="+mn-cs"/>
+        </a:defRPr>
+      </a:lvl8pPr>
+      <a:lvl9pPr marL="3886200" indent="-228600" algn="l" defTabSz="457200" rtl="0" eaLnBrk="1" latinLnBrk="0" hangingPunct="1">
+        <a:spcBef>
+          <a:spcPts val="1000"/>
+        </a:spcBef>
+        <a:spcAft>
+          <a:spcPts val="0"/>
+        </a:spcAft>
+        <a:buClr>
+          <a:schemeClr val="accent1"/>
+        </a:buClr>
+        <a:buSzPct val="80000"/>
+        <a:buFont typeface="Wingdings 3" charset="2"/>
+        <a:buChar char=""/>
+        <a:defRPr sz="1200" kern="1200">
+          <a:solidFill>
+            <a:schemeClr val="tx1">
+              <a:lumMod val="75000"/>
+              <a:lumOff val="25000"/>
+            </a:schemeClr>
+          </a:solidFill>
+          <a:latin typeface="+mn-lt"/>
+          <a:ea typeface="+mn-ea"/>
+          <a:cs typeface="+mn-cs"/>
+        </a:defRPr>
+      </a:lvl9pPr>
+    </p:bodyStyle>
+    <p:otherStyle>
+      <a:defPPr>
+        <a:defRPr lang="en-US"/>
+      </a:defPPr>
+      <a:lvl1pPr marL="0" algn="l" defTabSz="457200" rtl="0" eaLnBrk="1" latinLnBrk="0" hangingPunct="1">
+        <a:defRPr sz="1800" kern="1200">
           <a:solidFill>
             <a:schemeClr val="tx1"/>
           </a:solidFill>
@@ -3246,16 +6356,8 @@
           <a:cs typeface="+mn-cs"/>
         </a:defRPr>
       </a:lvl1pPr>
-      <a:lvl2pPr marL="685800" indent="-228600" algn="l" defTabSz="914400" rtl="0" eaLnBrk="1" latinLnBrk="0" hangingPunct="1">
-        <a:lnSpc>
-          <a:spcPct val="90000"/>
-        </a:lnSpc>
-        <a:spcBef>
-          <a:spcPts val="500"/>
-        </a:spcBef>
-        <a:buFont typeface="Arial" panose="020B0604020202020204" pitchFamily="34" charset="0"/>
-        <a:buChar char="•"/>
-        <a:defRPr sz="2400" kern="1200">
+      <a:lvl2pPr marL="457200" algn="l" defTabSz="457200" rtl="0" eaLnBrk="1" latinLnBrk="0" hangingPunct="1">
+        <a:defRPr sz="1800" kern="1200">
           <a:solidFill>
             <a:schemeClr val="tx1"/>
           </a:solidFill>
@@ -3264,16 +6366,8 @@
           <a:cs typeface="+mn-cs"/>
         </a:defRPr>
       </a:lvl2pPr>
-      <a:lvl3pPr marL="1143000" indent="-228600" algn="l" defTabSz="914400" rtl="0" eaLnBrk="1" latinLnBrk="0" hangingPunct="1">
-        <a:lnSpc>
-          <a:spcPct val="90000"/>
-        </a:lnSpc>
-        <a:spcBef>
-          <a:spcPts val="500"/>
-        </a:spcBef>
-        <a:buFont typeface="Arial" panose="020B0604020202020204" pitchFamily="34" charset="0"/>
-        <a:buChar char="•"/>
-        <a:defRPr sz="2000" kern="1200">
+      <a:lvl3pPr marL="914400" algn="l" defTabSz="457200" rtl="0" eaLnBrk="1" latinLnBrk="0" hangingPunct="1">
+        <a:defRPr sz="1800" kern="1200">
           <a:solidFill>
             <a:schemeClr val="tx1"/>
           </a:solidFill>
@@ -3282,15 +6376,7 @@
           <a:cs typeface="+mn-cs"/>
         </a:defRPr>
       </a:lvl3pPr>
-      <a:lvl4pPr marL="1600200" indent="-228600" algn="l" defTabSz="914400" rtl="0" eaLnBrk="1" latinLnBrk="0" hangingPunct="1">
-        <a:lnSpc>
-          <a:spcPct val="90000"/>
-        </a:lnSpc>
-        <a:spcBef>
-          <a:spcPts val="500"/>
-        </a:spcBef>
-        <a:buFont typeface="Arial" panose="020B0604020202020204" pitchFamily="34" charset="0"/>
-        <a:buChar char="•"/>
+      <a:lvl4pPr marL="1371600" algn="l" defTabSz="457200" rtl="0" eaLnBrk="1" latinLnBrk="0" hangingPunct="1">
         <a:defRPr sz="1800" kern="1200">
           <a:solidFill>
             <a:schemeClr val="tx1"/>
@@ -3300,15 +6386,7 @@
           <a:cs typeface="+mn-cs"/>
         </a:defRPr>
       </a:lvl4pPr>
-      <a:lvl5pPr marL="2057400" indent="-228600" algn="l" defTabSz="914400" rtl="0" eaLnBrk="1" latinLnBrk="0" hangingPunct="1">
-        <a:lnSpc>
-          <a:spcPct val="90000"/>
-        </a:lnSpc>
-        <a:spcBef>
-          <a:spcPts val="500"/>
-        </a:spcBef>
-        <a:buFont typeface="Arial" panose="020B0604020202020204" pitchFamily="34" charset="0"/>
-        <a:buChar char="•"/>
+      <a:lvl5pPr marL="1828800" algn="l" defTabSz="457200" rtl="0" eaLnBrk="1" latinLnBrk="0" hangingPunct="1">
         <a:defRPr sz="1800" kern="1200">
           <a:solidFill>
             <a:schemeClr val="tx1"/>
@@ -3318,15 +6396,7 @@
           <a:cs typeface="+mn-cs"/>
         </a:defRPr>
       </a:lvl5pPr>
-      <a:lvl6pPr marL="2514600" indent="-228600" algn="l" defTabSz="914400" rtl="0" eaLnBrk="1" latinLnBrk="0" hangingPunct="1">
-        <a:lnSpc>
-          <a:spcPct val="90000"/>
-        </a:lnSpc>
-        <a:spcBef>
-          <a:spcPts val="500"/>
-        </a:spcBef>
-        <a:buFont typeface="Arial" panose="020B0604020202020204" pitchFamily="34" charset="0"/>
-        <a:buChar char="•"/>
+      <a:lvl6pPr marL="2286000" algn="l" defTabSz="457200" rtl="0" eaLnBrk="1" latinLnBrk="0" hangingPunct="1">
         <a:defRPr sz="1800" kern="1200">
           <a:solidFill>
             <a:schemeClr val="tx1"/>
@@ -3336,15 +6406,7 @@
           <a:cs typeface="+mn-cs"/>
         </a:defRPr>
       </a:lvl6pPr>
-      <a:lvl7pPr marL="2971800" indent="-228600" algn="l" defTabSz="914400" rtl="0" eaLnBrk="1" latinLnBrk="0" hangingPunct="1">
-        <a:lnSpc>
-          <a:spcPct val="90000"/>
-        </a:lnSpc>
-        <a:spcBef>
-          <a:spcPts val="500"/>
-        </a:spcBef>
-        <a:buFont typeface="Arial" panose="020B0604020202020204" pitchFamily="34" charset="0"/>
-        <a:buChar char="•"/>
+      <a:lvl7pPr marL="2743200" algn="l" defTabSz="457200" rtl="0" eaLnBrk="1" latinLnBrk="0" hangingPunct="1">
         <a:defRPr sz="1800" kern="1200">
           <a:solidFill>
             <a:schemeClr val="tx1"/>
@@ -3354,15 +6416,7 @@
           <a:cs typeface="+mn-cs"/>
         </a:defRPr>
       </a:lvl7pPr>
-      <a:lvl8pPr marL="3429000" indent="-228600" algn="l" defTabSz="914400" rtl="0" eaLnBrk="1" latinLnBrk="0" hangingPunct="1">
-        <a:lnSpc>
-          <a:spcPct val="90000"/>
-        </a:lnSpc>
-        <a:spcBef>
-          <a:spcPts val="500"/>
-        </a:spcBef>
-        <a:buFont typeface="Arial" panose="020B0604020202020204" pitchFamily="34" charset="0"/>
-        <a:buChar char="•"/>
+      <a:lvl8pPr marL="3200400" algn="l" defTabSz="457200" rtl="0" eaLnBrk="1" latinLnBrk="0" hangingPunct="1">
         <a:defRPr sz="1800" kern="1200">
           <a:solidFill>
             <a:schemeClr val="tx1"/>
@@ -3372,110 +6426,7 @@
           <a:cs typeface="+mn-cs"/>
         </a:defRPr>
       </a:lvl8pPr>
-      <a:lvl9pPr marL="3886200" indent="-228600" algn="l" defTabSz="914400" rtl="0" eaLnBrk="1" latinLnBrk="0" hangingPunct="1">
-        <a:lnSpc>
-          <a:spcPct val="90000"/>
-        </a:lnSpc>
-        <a:spcBef>
-          <a:spcPts val="500"/>
-        </a:spcBef>
-        <a:buFont typeface="Arial" panose="020B0604020202020204" pitchFamily="34" charset="0"/>
-        <a:buChar char="•"/>
-        <a:defRPr sz="1800" kern="1200">
-          <a:solidFill>
-            <a:schemeClr val="tx1"/>
-          </a:solidFill>
-          <a:latin typeface="+mn-lt"/>
-          <a:ea typeface="+mn-ea"/>
-          <a:cs typeface="+mn-cs"/>
-        </a:defRPr>
-      </a:lvl9pPr>
-    </p:bodyStyle>
-    <p:otherStyle>
-      <a:defPPr>
-        <a:defRPr lang="es-ES"/>
-      </a:defPPr>
-      <a:lvl1pPr marL="0" algn="l" defTabSz="914400" rtl="0" eaLnBrk="1" latinLnBrk="0" hangingPunct="1">
-        <a:defRPr sz="1800" kern="1200">
-          <a:solidFill>
-            <a:schemeClr val="tx1"/>
-          </a:solidFill>
-          <a:latin typeface="+mn-lt"/>
-          <a:ea typeface="+mn-ea"/>
-          <a:cs typeface="+mn-cs"/>
-        </a:defRPr>
-      </a:lvl1pPr>
-      <a:lvl2pPr marL="457200" algn="l" defTabSz="914400" rtl="0" eaLnBrk="1" latinLnBrk="0" hangingPunct="1">
-        <a:defRPr sz="1800" kern="1200">
-          <a:solidFill>
-            <a:schemeClr val="tx1"/>
-          </a:solidFill>
-          <a:latin typeface="+mn-lt"/>
-          <a:ea typeface="+mn-ea"/>
-          <a:cs typeface="+mn-cs"/>
-        </a:defRPr>
-      </a:lvl2pPr>
-      <a:lvl3pPr marL="914400" algn="l" defTabSz="914400" rtl="0" eaLnBrk="1" latinLnBrk="0" hangingPunct="1">
-        <a:defRPr sz="1800" kern="1200">
-          <a:solidFill>
-            <a:schemeClr val="tx1"/>
-          </a:solidFill>
-          <a:latin typeface="+mn-lt"/>
-          <a:ea typeface="+mn-ea"/>
-          <a:cs typeface="+mn-cs"/>
-        </a:defRPr>
-      </a:lvl3pPr>
-      <a:lvl4pPr marL="1371600" algn="l" defTabSz="914400" rtl="0" eaLnBrk="1" latinLnBrk="0" hangingPunct="1">
-        <a:defRPr sz="1800" kern="1200">
-          <a:solidFill>
-            <a:schemeClr val="tx1"/>
-          </a:solidFill>
-          <a:latin typeface="+mn-lt"/>
-          <a:ea typeface="+mn-ea"/>
-          <a:cs typeface="+mn-cs"/>
-        </a:defRPr>
-      </a:lvl4pPr>
-      <a:lvl5pPr marL="1828800" algn="l" defTabSz="914400" rtl="0" eaLnBrk="1" latinLnBrk="0" hangingPunct="1">
-        <a:defRPr sz="1800" kern="1200">
-          <a:solidFill>
-            <a:schemeClr val="tx1"/>
-          </a:solidFill>
-          <a:latin typeface="+mn-lt"/>
-          <a:ea typeface="+mn-ea"/>
-          <a:cs typeface="+mn-cs"/>
-        </a:defRPr>
-      </a:lvl5pPr>
-      <a:lvl6pPr marL="2286000" algn="l" defTabSz="914400" rtl="0" eaLnBrk="1" latinLnBrk="0" hangingPunct="1">
-        <a:defRPr sz="1800" kern="1200">
-          <a:solidFill>
-            <a:schemeClr val="tx1"/>
-          </a:solidFill>
-          <a:latin typeface="+mn-lt"/>
-          <a:ea typeface="+mn-ea"/>
-          <a:cs typeface="+mn-cs"/>
-        </a:defRPr>
-      </a:lvl6pPr>
-      <a:lvl7pPr marL="2743200" algn="l" defTabSz="914400" rtl="0" eaLnBrk="1" latinLnBrk="0" hangingPunct="1">
-        <a:defRPr sz="1800" kern="1200">
-          <a:solidFill>
-            <a:schemeClr val="tx1"/>
-          </a:solidFill>
-          <a:latin typeface="+mn-lt"/>
-          <a:ea typeface="+mn-ea"/>
-          <a:cs typeface="+mn-cs"/>
-        </a:defRPr>
-      </a:lvl7pPr>
-      <a:lvl8pPr marL="3200400" algn="l" defTabSz="914400" rtl="0" eaLnBrk="1" latinLnBrk="0" hangingPunct="1">
-        <a:defRPr sz="1800" kern="1200">
-          <a:solidFill>
-            <a:schemeClr val="tx1"/>
-          </a:solidFill>
-          <a:latin typeface="+mn-lt"/>
-          <a:ea typeface="+mn-ea"/>
-          <a:cs typeface="+mn-cs"/>
-        </a:defRPr>
-      </a:lvl8pPr>
-      <a:lvl9pPr marL="3657600" algn="l" defTabSz="914400" rtl="0" eaLnBrk="1" latinLnBrk="0" hangingPunct="1">
+      <a:lvl9pPr marL="3657600" algn="l" defTabSz="457200" rtl="0" eaLnBrk="1" latinLnBrk="0" hangingPunct="1">
         <a:defRPr sz="1800" kern="1200">
           <a:solidFill>
             <a:schemeClr val="tx1"/>
@@ -3533,7 +6484,7 @@
         </p:blipFill>
         <p:spPr>
           <a:xfrm>
-            <a:off x="0" y="1063869"/>
+            <a:off x="0" y="790697"/>
             <a:ext cx="12192000" cy="5276605"/>
           </a:xfrm>
           <a:prstGeom prst="rect">
@@ -3576,140 +6527,6 @@
           <p:cNvPr id="2" name="Título 1">
             <a:extLst>
               <a:ext uri="{FF2B5EF4-FFF2-40B4-BE49-F238E27FC236}">
-                <a16:creationId xmlns:a16="http://schemas.microsoft.com/office/drawing/2014/main" id="{CAF97F09-D282-4E5E-B22E-CD1CF7C19267}"/>
-              </a:ext>
-            </a:extLst>
-          </p:cNvPr>
-          <p:cNvSpPr>
-            <a:spLocks noGrp="1"/>
-          </p:cNvSpPr>
-          <p:nvPr>
-            <p:ph type="title"/>
-          </p:nvPr>
-        </p:nvSpPr>
-        <p:spPr/>
-        <p:txBody>
-          <a:bodyPr/>
-          <a:lstStyle/>
-          <a:p>
-            <a:r>
-              <a:rPr lang="es-ES" dirty="0"/>
-              <a:t>Objetivos</a:t>
-            </a:r>
-          </a:p>
-        </p:txBody>
-      </p:sp>
-      <p:sp>
-        <p:nvSpPr>
-          <p:cNvPr id="3" name="Marcador de contenido 2">
-            <a:extLst>
-              <a:ext uri="{FF2B5EF4-FFF2-40B4-BE49-F238E27FC236}">
-                <a16:creationId xmlns:a16="http://schemas.microsoft.com/office/drawing/2014/main" id="{79404276-A894-4FD4-A3F6-256CBEB2D085}"/>
-              </a:ext>
-            </a:extLst>
-          </p:cNvPr>
-          <p:cNvSpPr>
-            <a:spLocks noGrp="1"/>
-          </p:cNvSpPr>
-          <p:nvPr>
-            <p:ph idx="1"/>
-          </p:nvPr>
-        </p:nvSpPr>
-        <p:spPr/>
-        <p:txBody>
-          <a:bodyPr/>
-          <a:lstStyle/>
-          <a:p>
-            <a:r>
-              <a:rPr lang="es-ES" dirty="0"/>
-              <a:t>Interacción entre personas</a:t>
-            </a:r>
-          </a:p>
-          <a:p>
-            <a:r>
-              <a:rPr lang="es-ES" dirty="0"/>
-              <a:t>Proporcionar experiencias memorables</a:t>
-            </a:r>
-          </a:p>
-          <a:p>
-            <a:r>
-              <a:rPr lang="es-ES" dirty="0"/>
-              <a:t>Mejorar las experiencias</a:t>
-            </a:r>
-          </a:p>
-          <a:p>
-            <a:r>
-              <a:rPr lang="es-ES" dirty="0"/>
-              <a:t>Compartir la vivencia</a:t>
-            </a:r>
-          </a:p>
-          <a:p>
-            <a:r>
-              <a:rPr lang="es-ES" dirty="0"/>
-              <a:t>Solicitar sugerencias</a:t>
-            </a:r>
-          </a:p>
-          <a:p>
-            <a:r>
-              <a:rPr lang="es-ES" dirty="0"/>
-              <a:t>Proponer ideas sostenibles</a:t>
-            </a:r>
-          </a:p>
-          <a:p>
-            <a:r>
-              <a:rPr lang="es-ES" dirty="0"/>
-              <a:t>Conservar atractivos turísticos</a:t>
-            </a:r>
-          </a:p>
-          <a:p>
-            <a:r>
-              <a:rPr lang="es-ES" dirty="0"/>
-              <a:t>Evitar el turismo masificado</a:t>
-            </a:r>
-          </a:p>
-          <a:p>
-            <a:pPr marL="0" indent="0">
-              <a:buNone/>
-            </a:pPr>
-            <a:endParaRPr lang="es-ES" dirty="0"/>
-          </a:p>
-        </p:txBody>
-      </p:sp>
-    </p:spTree>
-    <p:extLst>
-      <p:ext uri="{BB962C8B-B14F-4D97-AF65-F5344CB8AC3E}">
-        <p14:creationId xmlns:p14="http://schemas.microsoft.com/office/powerpoint/2010/main" val="1102556358"/>
-      </p:ext>
-    </p:extLst>
-  </p:cSld>
-  <p:clrMapOvr>
-    <a:masterClrMapping/>
-  </p:clrMapOvr>
-</p:sld>
-</file>
-
-<file path=ppt/slides/slide3.xml><?xml version="1.0" encoding="utf-8"?>
-<p:sld xmlns:a="http://schemas.openxmlformats.org/drawingml/2006/main" xmlns:r="http://schemas.openxmlformats.org/officeDocument/2006/relationships" xmlns:p="http://schemas.openxmlformats.org/presentationml/2006/main">
-  <p:cSld>
-    <p:spTree>
-      <p:nvGrpSpPr>
-        <p:cNvPr id="1" name=""/>
-        <p:cNvGrpSpPr/>
-        <p:nvPr/>
-      </p:nvGrpSpPr>
-      <p:grpSpPr>
-        <a:xfrm>
-          <a:off x="0" y="0"/>
-          <a:ext cx="0" cy="0"/>
-          <a:chOff x="0" y="0"/>
-          <a:chExt cx="0" cy="0"/>
-        </a:xfrm>
-      </p:grpSpPr>
-      <p:sp>
-        <p:nvSpPr>
-          <p:cNvPr id="2" name="Título 1">
-            <a:extLst>
-              <a:ext uri="{FF2B5EF4-FFF2-40B4-BE49-F238E27FC236}">
                 <a16:creationId xmlns:a16="http://schemas.microsoft.com/office/drawing/2014/main" id="{3B8F6EBB-1886-43DF-A445-7B8D8FBBC27A}"/>
               </a:ext>
             </a:extLst>
@@ -3728,7 +6545,7 @@
           <a:p>
             <a:r>
               <a:rPr lang="es-ES" dirty="0"/>
-              <a:t>Interacción entre personas</a:t>
+              <a:t>Motivación</a:t>
             </a:r>
           </a:p>
         </p:txBody>
@@ -3764,8 +6581,53 @@
         </p:blipFill>
         <p:spPr bwMode="auto">
           <a:xfrm>
-            <a:off x="3374903" y="2105208"/>
-            <a:ext cx="5442193" cy="4081645"/>
+            <a:off x="542925" y="1637578"/>
+            <a:ext cx="3963761" cy="2972821"/>
+          </a:xfrm>
+          <a:prstGeom prst="rect">
+            <a:avLst/>
+          </a:prstGeom>
+          <a:noFill/>
+          <a:extLst>
+            <a:ext uri="{909E8E84-426E-40DD-AFC4-6F175D3DCCD1}">
+              <a14:hiddenFill xmlns:a14="http://schemas.microsoft.com/office/drawing/2010/main">
+                <a:solidFill>
+                  <a:srgbClr val="FFFFFF"/>
+                </a:solidFill>
+              </a14:hiddenFill>
+            </a:ext>
+          </a:extLst>
+        </p:spPr>
+      </p:pic>
+      <p:pic>
+        <p:nvPicPr>
+          <p:cNvPr id="4" name="Picture 2" descr="http://e00-elmundo.uecdn.es/assets/multimedia/imagenes/2017/03/04/14885907553446.jpg">
+            <a:extLst>
+              <a:ext uri="{FF2B5EF4-FFF2-40B4-BE49-F238E27FC236}">
+                <a16:creationId xmlns:a16="http://schemas.microsoft.com/office/drawing/2014/main" id="{5FA73020-69C9-430C-BCA9-6D0CFB2148E1}"/>
+              </a:ext>
+            </a:extLst>
+          </p:cNvPr>
+          <p:cNvPicPr>
+            <a:picLocks noChangeAspect="1" noChangeArrowheads="1"/>
+          </p:cNvPicPr>
+          <p:nvPr/>
+        </p:nvPicPr>
+        <p:blipFill rotWithShape="1">
+          <a:blip r:embed="rId3">
+            <a:extLst>
+              <a:ext uri="{28A0092B-C50C-407E-A947-70E740481C1C}">
+                <a14:useLocalDpi xmlns:a14="http://schemas.microsoft.com/office/drawing/2010/main" val="0"/>
+              </a:ext>
+            </a:extLst>
+          </a:blip>
+          <a:srcRect l="10499" t="45151" r="41795" b="5991"/>
+          <a:stretch/>
+        </p:blipFill>
+        <p:spPr bwMode="auto">
+          <a:xfrm>
+            <a:off x="5045510" y="1637578"/>
+            <a:ext cx="4149613" cy="3187385"/>
           </a:xfrm>
           <a:prstGeom prst="rect">
             <a:avLst/>
@@ -3795,6 +6657,140 @@
 </p:sld>
 </file>
 
+<file path=ppt/slides/slide3.xml><?xml version="1.0" encoding="utf-8"?>
+<p:sld xmlns:a="http://schemas.openxmlformats.org/drawingml/2006/main" xmlns:r="http://schemas.openxmlformats.org/officeDocument/2006/relationships" xmlns:p="http://schemas.openxmlformats.org/presentationml/2006/main">
+  <p:cSld>
+    <p:spTree>
+      <p:nvGrpSpPr>
+        <p:cNvPr id="1" name=""/>
+        <p:cNvGrpSpPr/>
+        <p:nvPr/>
+      </p:nvGrpSpPr>
+      <p:grpSpPr>
+        <a:xfrm>
+          <a:off x="0" y="0"/>
+          <a:ext cx="0" cy="0"/>
+          <a:chOff x="0" y="0"/>
+          <a:chExt cx="0" cy="0"/>
+        </a:xfrm>
+      </p:grpSpPr>
+      <p:sp>
+        <p:nvSpPr>
+          <p:cNvPr id="2" name="Título 1">
+            <a:extLst>
+              <a:ext uri="{FF2B5EF4-FFF2-40B4-BE49-F238E27FC236}">
+                <a16:creationId xmlns:a16="http://schemas.microsoft.com/office/drawing/2014/main" id="{CAF97F09-D282-4E5E-B22E-CD1CF7C19267}"/>
+              </a:ext>
+            </a:extLst>
+          </p:cNvPr>
+          <p:cNvSpPr>
+            <a:spLocks noGrp="1"/>
+          </p:cNvSpPr>
+          <p:nvPr>
+            <p:ph type="title"/>
+          </p:nvPr>
+        </p:nvSpPr>
+        <p:spPr>
+          <a:xfrm>
+            <a:off x="677334" y="581608"/>
+            <a:ext cx="8596668" cy="799323"/>
+          </a:xfrm>
+        </p:spPr>
+        <p:txBody>
+          <a:bodyPr/>
+          <a:lstStyle/>
+          <a:p>
+            <a:r>
+              <a:rPr lang="es-ES" dirty="0"/>
+              <a:t>Utilidad</a:t>
+            </a:r>
+          </a:p>
+        </p:txBody>
+      </p:sp>
+      <p:sp>
+        <p:nvSpPr>
+          <p:cNvPr id="3" name="Marcador de contenido 2">
+            <a:extLst>
+              <a:ext uri="{FF2B5EF4-FFF2-40B4-BE49-F238E27FC236}">
+                <a16:creationId xmlns:a16="http://schemas.microsoft.com/office/drawing/2014/main" id="{79404276-A894-4FD4-A3F6-256CBEB2D085}"/>
+              </a:ext>
+            </a:extLst>
+          </p:cNvPr>
+          <p:cNvSpPr>
+            <a:spLocks noGrp="1"/>
+          </p:cNvSpPr>
+          <p:nvPr>
+            <p:ph idx="1"/>
+          </p:nvPr>
+        </p:nvSpPr>
+        <p:spPr>
+          <a:xfrm>
+            <a:off x="677334" y="1665894"/>
+            <a:ext cx="8596668" cy="3880773"/>
+          </a:xfrm>
+        </p:spPr>
+        <p:txBody>
+          <a:bodyPr>
+            <a:normAutofit/>
+          </a:bodyPr>
+          <a:lstStyle/>
+          <a:p>
+            <a:r>
+              <a:rPr lang="es-ES" sz="2000" dirty="0"/>
+              <a:t>Interacción entre personas</a:t>
+            </a:r>
+          </a:p>
+          <a:p>
+            <a:endParaRPr lang="es-ES" sz="2000" dirty="0"/>
+          </a:p>
+          <a:p>
+            <a:r>
+              <a:rPr lang="es-ES" sz="2000" dirty="0"/>
+              <a:t>Proporcionar experiencias</a:t>
+            </a:r>
+          </a:p>
+          <a:p>
+            <a:endParaRPr lang="es-ES" sz="2000" dirty="0"/>
+          </a:p>
+          <a:p>
+            <a:r>
+              <a:rPr lang="es-ES" sz="2000" dirty="0"/>
+              <a:t>Compartir la vivencia</a:t>
+            </a:r>
+          </a:p>
+          <a:p>
+            <a:endParaRPr lang="es-ES" sz="2000" dirty="0"/>
+          </a:p>
+          <a:p>
+            <a:r>
+              <a:rPr lang="es-ES" sz="2000" dirty="0"/>
+              <a:t>Proporcionar ideas sostenibles</a:t>
+            </a:r>
+          </a:p>
+          <a:p>
+            <a:endParaRPr lang="es-ES" sz="2000" dirty="0"/>
+          </a:p>
+          <a:p>
+            <a:r>
+              <a:rPr lang="es-ES" sz="2000" dirty="0"/>
+              <a:t>Preservar cultura local</a:t>
+            </a:r>
+          </a:p>
+        </p:txBody>
+      </p:sp>
+    </p:spTree>
+    <p:extLst>
+      <p:ext uri="{BB962C8B-B14F-4D97-AF65-F5344CB8AC3E}">
+        <p14:creationId xmlns:p14="http://schemas.microsoft.com/office/powerpoint/2010/main" val="1102556358"/>
+      </p:ext>
+    </p:extLst>
+  </p:cSld>
+  <p:clrMapOvr>
+    <a:masterClrMapping/>
+  </p:clrMapOvr>
+</p:sld>
+</file>
+
 <file path=ppt/slides/slide4.xml><?xml version="1.0" encoding="utf-8"?>
 <p:sld xmlns:a="http://schemas.openxmlformats.org/drawingml/2006/main" xmlns:r="http://schemas.openxmlformats.org/officeDocument/2006/relationships" xmlns:p="http://schemas.openxmlformats.org/presentationml/2006/main">
   <p:cSld>
@@ -3817,7 +6813,7 @@
           <p:cNvPr id="2" name="Título 1">
             <a:extLst>
               <a:ext uri="{FF2B5EF4-FFF2-40B4-BE49-F238E27FC236}">
-                <a16:creationId xmlns:a16="http://schemas.microsoft.com/office/drawing/2014/main" id="{BE836BA3-8E28-40AE-A213-75F074F90012}"/>
+                <a16:creationId xmlns:a16="http://schemas.microsoft.com/office/drawing/2014/main" id="{E1E26719-D2E3-4515-9BE9-2534DE5C5569}"/>
               </a:ext>
             </a:extLst>
           </p:cNvPr>
@@ -3828,50 +6824,1034 @@
             <p:ph type="title"/>
           </p:nvPr>
         </p:nvSpPr>
-        <p:spPr/>
+        <p:spPr>
+          <a:xfrm>
+            <a:off x="677334" y="609600"/>
+            <a:ext cx="8596668" cy="1320800"/>
+          </a:xfrm>
+        </p:spPr>
         <p:txBody>
           <a:bodyPr/>
           <a:lstStyle/>
           <a:p>
             <a:r>
               <a:rPr lang="es-ES" dirty="0"/>
-              <a:t>Experiencias memorables</a:t>
-            </a:r>
-          </a:p>
-        </p:txBody>
-      </p:sp>
-      <p:sp>
-        <p:nvSpPr>
-          <p:cNvPr id="3" name="Marcador de contenido 2">
+              <a:t>Pilares de Sostenibilidad</a:t>
+            </a:r>
+          </a:p>
+        </p:txBody>
+      </p:sp>
+      <p:sp>
+        <p:nvSpPr>
+          <p:cNvPr id="4" name="Elipse 3">
             <a:extLst>
               <a:ext uri="{FF2B5EF4-FFF2-40B4-BE49-F238E27FC236}">
-                <a16:creationId xmlns:a16="http://schemas.microsoft.com/office/drawing/2014/main" id="{4FE7A24A-335B-4932-9A2F-422F779BF881}"/>
+                <a16:creationId xmlns:a16="http://schemas.microsoft.com/office/drawing/2014/main" id="{00F4B6AF-5B62-4C32-818C-38893B5AA4FC}"/>
               </a:ext>
             </a:extLst>
           </p:cNvPr>
-          <p:cNvSpPr>
-            <a:spLocks noGrp="1"/>
-          </p:cNvSpPr>
-          <p:nvPr>
-            <p:ph sz="quarter" idx="13"/>
-          </p:nvPr>
-        </p:nvSpPr>
-        <p:spPr/>
-        <p:txBody>
-          <a:bodyPr/>
-          <a:lstStyle/>
-          <a:p>
+          <p:cNvSpPr/>
+          <p:nvPr/>
+        </p:nvSpPr>
+        <p:spPr>
+          <a:xfrm>
+            <a:off x="772585" y="4864744"/>
+            <a:ext cx="1895475" cy="657225"/>
+          </a:xfrm>
+          <a:prstGeom prst="ellipse">
+            <a:avLst/>
+          </a:prstGeom>
+        </p:spPr>
+        <p:style>
+          <a:lnRef idx="2">
+            <a:schemeClr val="accent1">
+              <a:shade val="50000"/>
+            </a:schemeClr>
+          </a:lnRef>
+          <a:fillRef idx="1">
+            <a:schemeClr val="accent1"/>
+          </a:fillRef>
+          <a:effectRef idx="0">
+            <a:schemeClr val="accent1"/>
+          </a:effectRef>
+          <a:fontRef idx="minor">
+            <a:schemeClr val="lt1"/>
+          </a:fontRef>
+        </p:style>
+        <p:txBody>
+          <a:bodyPr rtlCol="0" anchor="ctr"/>
+          <a:lstStyle/>
+          <a:p>
+            <a:pPr algn="ctr"/>
             <a:r>
               <a:rPr lang="es-ES" dirty="0"/>
-              <a:t>El local propone actividades a los turistas</a:t>
-            </a:r>
+              <a:t>Ideas Sostenibles</a:t>
+            </a:r>
+          </a:p>
+        </p:txBody>
+      </p:sp>
+      <p:sp>
+        <p:nvSpPr>
+          <p:cNvPr id="5" name="Elipse 4">
+            <a:extLst>
+              <a:ext uri="{FF2B5EF4-FFF2-40B4-BE49-F238E27FC236}">
+                <a16:creationId xmlns:a16="http://schemas.microsoft.com/office/drawing/2014/main" id="{267BB43B-8443-4A88-9009-BC506023782A}"/>
+              </a:ext>
+            </a:extLst>
+          </p:cNvPr>
+          <p:cNvSpPr/>
+          <p:nvPr/>
+        </p:nvSpPr>
+        <p:spPr>
+          <a:xfrm>
+            <a:off x="7387699" y="1750071"/>
+            <a:ext cx="1895475" cy="657225"/>
+          </a:xfrm>
+          <a:prstGeom prst="ellipse">
+            <a:avLst/>
+          </a:prstGeom>
+        </p:spPr>
+        <p:style>
+          <a:lnRef idx="2">
+            <a:schemeClr val="accent1">
+              <a:shade val="50000"/>
+            </a:schemeClr>
+          </a:lnRef>
+          <a:fillRef idx="1">
+            <a:schemeClr val="accent1"/>
+          </a:fillRef>
+          <a:effectRef idx="0">
+            <a:schemeClr val="accent1"/>
+          </a:effectRef>
+          <a:fontRef idx="minor">
+            <a:schemeClr val="lt1"/>
+          </a:fontRef>
+        </p:style>
+        <p:txBody>
+          <a:bodyPr rtlCol="0" anchor="ctr"/>
+          <a:lstStyle/>
+          <a:p>
+            <a:pPr algn="ctr"/>
+            <a:r>
+              <a:rPr lang="es-ES" dirty="0"/>
+              <a:t>Económico</a:t>
+            </a:r>
+          </a:p>
+        </p:txBody>
+      </p:sp>
+      <p:sp>
+        <p:nvSpPr>
+          <p:cNvPr id="6" name="Elipse 5">
+            <a:extLst>
+              <a:ext uri="{FF2B5EF4-FFF2-40B4-BE49-F238E27FC236}">
+                <a16:creationId xmlns:a16="http://schemas.microsoft.com/office/drawing/2014/main" id="{1EDB09CD-BE53-4F54-B06E-36AD487D9086}"/>
+              </a:ext>
+            </a:extLst>
+          </p:cNvPr>
+          <p:cNvSpPr/>
+          <p:nvPr/>
+        </p:nvSpPr>
+        <p:spPr>
+          <a:xfrm>
+            <a:off x="4058712" y="1750072"/>
+            <a:ext cx="1895475" cy="657225"/>
+          </a:xfrm>
+          <a:prstGeom prst="ellipse">
+            <a:avLst/>
+          </a:prstGeom>
+        </p:spPr>
+        <p:style>
+          <a:lnRef idx="2">
+            <a:schemeClr val="accent1">
+              <a:shade val="50000"/>
+            </a:schemeClr>
+          </a:lnRef>
+          <a:fillRef idx="1">
+            <a:schemeClr val="accent1"/>
+          </a:fillRef>
+          <a:effectRef idx="0">
+            <a:schemeClr val="accent1"/>
+          </a:effectRef>
+          <a:fontRef idx="minor">
+            <a:schemeClr val="lt1"/>
+          </a:fontRef>
+        </p:style>
+        <p:txBody>
+          <a:bodyPr rtlCol="0" anchor="ctr"/>
+          <a:lstStyle/>
+          <a:p>
+            <a:pPr algn="ctr"/>
+            <a:r>
+              <a:rPr lang="es-ES" dirty="0"/>
+              <a:t>Socio-Cultural</a:t>
+            </a:r>
+          </a:p>
+        </p:txBody>
+      </p:sp>
+      <p:sp>
+        <p:nvSpPr>
+          <p:cNvPr id="7" name="Elipse 6">
+            <a:extLst>
+              <a:ext uri="{FF2B5EF4-FFF2-40B4-BE49-F238E27FC236}">
+                <a16:creationId xmlns:a16="http://schemas.microsoft.com/office/drawing/2014/main" id="{1DCF4895-CBBD-4A46-87FF-CD290150F94E}"/>
+              </a:ext>
+            </a:extLst>
+          </p:cNvPr>
+          <p:cNvSpPr/>
+          <p:nvPr/>
+        </p:nvSpPr>
+        <p:spPr>
+          <a:xfrm>
+            <a:off x="604577" y="2807348"/>
+            <a:ext cx="2231485" cy="657225"/>
+          </a:xfrm>
+          <a:prstGeom prst="ellipse">
+            <a:avLst/>
+          </a:prstGeom>
+        </p:spPr>
+        <p:style>
+          <a:lnRef idx="2">
+            <a:schemeClr val="accent1">
+              <a:shade val="50000"/>
+            </a:schemeClr>
+          </a:lnRef>
+          <a:fillRef idx="1">
+            <a:schemeClr val="accent1"/>
+          </a:fillRef>
+          <a:effectRef idx="0">
+            <a:schemeClr val="accent1"/>
+          </a:effectRef>
+          <a:fontRef idx="minor">
+            <a:schemeClr val="lt1"/>
+          </a:fontRef>
+        </p:style>
+        <p:txBody>
+          <a:bodyPr rtlCol="0" anchor="ctr"/>
+          <a:lstStyle/>
+          <a:p>
+            <a:pPr algn="ctr"/>
+            <a:r>
+              <a:rPr lang="es-ES" dirty="0"/>
+              <a:t>Conservación Ambiental</a:t>
+            </a:r>
+          </a:p>
+        </p:txBody>
+      </p:sp>
+      <p:sp>
+        <p:nvSpPr>
+          <p:cNvPr id="10" name="Elipse 9">
+            <a:extLst>
+              <a:ext uri="{FF2B5EF4-FFF2-40B4-BE49-F238E27FC236}">
+                <a16:creationId xmlns:a16="http://schemas.microsoft.com/office/drawing/2014/main" id="{CE73C6F3-7492-4F96-9A91-64116E3D32AB}"/>
+              </a:ext>
+            </a:extLst>
+          </p:cNvPr>
+          <p:cNvSpPr/>
+          <p:nvPr/>
+        </p:nvSpPr>
+        <p:spPr>
+          <a:xfrm>
+            <a:off x="772585" y="3836046"/>
+            <a:ext cx="1895475" cy="657225"/>
+          </a:xfrm>
+          <a:prstGeom prst="ellipse">
+            <a:avLst/>
+          </a:prstGeom>
+        </p:spPr>
+        <p:style>
+          <a:lnRef idx="2">
+            <a:schemeClr val="accent1">
+              <a:shade val="50000"/>
+            </a:schemeClr>
+          </a:lnRef>
+          <a:fillRef idx="1">
+            <a:schemeClr val="accent1"/>
+          </a:fillRef>
+          <a:effectRef idx="0">
+            <a:schemeClr val="accent1"/>
+          </a:effectRef>
+          <a:fontRef idx="minor">
+            <a:schemeClr val="lt1"/>
+          </a:fontRef>
+        </p:style>
+        <p:txBody>
+          <a:bodyPr rtlCol="0" anchor="ctr"/>
+          <a:lstStyle/>
+          <a:p>
+            <a:pPr algn="ctr"/>
+            <a:r>
+              <a:rPr lang="es-ES" dirty="0"/>
+              <a:t>Campañas</a:t>
+            </a:r>
+          </a:p>
+        </p:txBody>
+      </p:sp>
+      <p:sp>
+        <p:nvSpPr>
+          <p:cNvPr id="11" name="Elipse 10">
+            <a:extLst>
+              <a:ext uri="{FF2B5EF4-FFF2-40B4-BE49-F238E27FC236}">
+                <a16:creationId xmlns:a16="http://schemas.microsoft.com/office/drawing/2014/main" id="{31FC40FC-0510-4393-AE1F-FE4D6E56BEF6}"/>
+              </a:ext>
+            </a:extLst>
+          </p:cNvPr>
+          <p:cNvSpPr/>
+          <p:nvPr/>
+        </p:nvSpPr>
+        <p:spPr>
+          <a:xfrm>
+            <a:off x="772585" y="1750071"/>
+            <a:ext cx="1895475" cy="657225"/>
+          </a:xfrm>
+          <a:prstGeom prst="ellipse">
+            <a:avLst/>
+          </a:prstGeom>
+        </p:spPr>
+        <p:style>
+          <a:lnRef idx="2">
+            <a:schemeClr val="accent1">
+              <a:shade val="50000"/>
+            </a:schemeClr>
+          </a:lnRef>
+          <a:fillRef idx="1">
+            <a:schemeClr val="accent1"/>
+          </a:fillRef>
+          <a:effectRef idx="0">
+            <a:schemeClr val="accent1"/>
+          </a:effectRef>
+          <a:fontRef idx="minor">
+            <a:schemeClr val="lt1"/>
+          </a:fontRef>
+        </p:style>
+        <p:txBody>
+          <a:bodyPr rtlCol="0" anchor="ctr"/>
+          <a:lstStyle/>
+          <a:p>
+            <a:pPr algn="ctr"/>
+            <a:r>
+              <a:rPr lang="es-ES" dirty="0"/>
+              <a:t>Ambiental</a:t>
+            </a:r>
+          </a:p>
+        </p:txBody>
+      </p:sp>
+      <p:sp>
+        <p:nvSpPr>
+          <p:cNvPr id="12" name="Elipse 11">
+            <a:extLst>
+              <a:ext uri="{FF2B5EF4-FFF2-40B4-BE49-F238E27FC236}">
+                <a16:creationId xmlns:a16="http://schemas.microsoft.com/office/drawing/2014/main" id="{C6F343C3-6755-499E-96C1-A567AC3B69B6}"/>
+              </a:ext>
+            </a:extLst>
+          </p:cNvPr>
+          <p:cNvSpPr/>
+          <p:nvPr/>
+        </p:nvSpPr>
+        <p:spPr>
+          <a:xfrm>
+            <a:off x="3508826" y="2815097"/>
+            <a:ext cx="3014282" cy="657225"/>
+          </a:xfrm>
+          <a:prstGeom prst="ellipse">
+            <a:avLst/>
+          </a:prstGeom>
+        </p:spPr>
+        <p:style>
+          <a:lnRef idx="2">
+            <a:schemeClr val="accent1">
+              <a:shade val="50000"/>
+            </a:schemeClr>
+          </a:lnRef>
+          <a:fillRef idx="1">
+            <a:schemeClr val="accent1"/>
+          </a:fillRef>
+          <a:effectRef idx="0">
+            <a:schemeClr val="accent1"/>
+          </a:effectRef>
+          <a:fontRef idx="minor">
+            <a:schemeClr val="lt1"/>
+          </a:fontRef>
+        </p:style>
+        <p:txBody>
+          <a:bodyPr rtlCol="0" anchor="ctr"/>
+          <a:lstStyle/>
+          <a:p>
+            <a:pPr algn="ctr"/>
+            <a:r>
+              <a:rPr lang="es-ES" dirty="0"/>
+              <a:t>Interacción </a:t>
+            </a:r>
+          </a:p>
+          <a:p>
+            <a:pPr algn="ctr"/>
+            <a:r>
+              <a:rPr lang="es-ES" dirty="0"/>
+              <a:t>Turista-Comunidad</a:t>
+            </a:r>
+          </a:p>
+        </p:txBody>
+      </p:sp>
+      <p:sp>
+        <p:nvSpPr>
+          <p:cNvPr id="13" name="Elipse 12">
+            <a:extLst>
+              <a:ext uri="{FF2B5EF4-FFF2-40B4-BE49-F238E27FC236}">
+                <a16:creationId xmlns:a16="http://schemas.microsoft.com/office/drawing/2014/main" id="{FF2E6B4D-AF3A-4B31-9D18-FC4A6014E056}"/>
+              </a:ext>
+            </a:extLst>
+          </p:cNvPr>
+          <p:cNvSpPr/>
+          <p:nvPr/>
+        </p:nvSpPr>
+        <p:spPr>
+          <a:xfrm>
+            <a:off x="3915835" y="3847950"/>
+            <a:ext cx="2181225" cy="657225"/>
+          </a:xfrm>
+          <a:prstGeom prst="ellipse">
+            <a:avLst/>
+          </a:prstGeom>
+        </p:spPr>
+        <p:style>
+          <a:lnRef idx="2">
+            <a:schemeClr val="accent1">
+              <a:shade val="50000"/>
+            </a:schemeClr>
+          </a:lnRef>
+          <a:fillRef idx="1">
+            <a:schemeClr val="accent1"/>
+          </a:fillRef>
+          <a:effectRef idx="0">
+            <a:schemeClr val="accent1"/>
+          </a:effectRef>
+          <a:fontRef idx="minor">
+            <a:schemeClr val="lt1"/>
+          </a:fontRef>
+        </p:style>
+        <p:txBody>
+          <a:bodyPr rtlCol="0" anchor="ctr"/>
+          <a:lstStyle/>
+          <a:p>
+            <a:pPr algn="ctr"/>
+            <a:r>
+              <a:rPr lang="es-ES" dirty="0"/>
+              <a:t>Valoración de la Cultura</a:t>
+            </a:r>
+          </a:p>
+        </p:txBody>
+      </p:sp>
+      <p:sp>
+        <p:nvSpPr>
+          <p:cNvPr id="14" name="Elipse 13">
+            <a:extLst>
+              <a:ext uri="{FF2B5EF4-FFF2-40B4-BE49-F238E27FC236}">
+                <a16:creationId xmlns:a16="http://schemas.microsoft.com/office/drawing/2014/main" id="{F0EB5965-2E78-4A46-B755-33A90D0FC667}"/>
+              </a:ext>
+            </a:extLst>
+          </p:cNvPr>
+          <p:cNvSpPr/>
+          <p:nvPr/>
+        </p:nvSpPr>
+        <p:spPr>
+          <a:xfrm>
+            <a:off x="3834873" y="4883792"/>
+            <a:ext cx="2495550" cy="657225"/>
+          </a:xfrm>
+          <a:prstGeom prst="ellipse">
+            <a:avLst/>
+          </a:prstGeom>
+        </p:spPr>
+        <p:style>
+          <a:lnRef idx="2">
+            <a:schemeClr val="accent1">
+              <a:shade val="50000"/>
+            </a:schemeClr>
+          </a:lnRef>
+          <a:fillRef idx="1">
+            <a:schemeClr val="accent1"/>
+          </a:fillRef>
+          <a:effectRef idx="0">
+            <a:schemeClr val="accent1"/>
+          </a:effectRef>
+          <a:fontRef idx="minor">
+            <a:schemeClr val="lt1"/>
+          </a:fontRef>
+        </p:style>
+        <p:txBody>
+          <a:bodyPr rtlCol="0" anchor="ctr"/>
+          <a:lstStyle/>
+          <a:p>
+            <a:pPr algn="ctr"/>
+            <a:r>
+              <a:rPr lang="es-ES" dirty="0"/>
+              <a:t>Lazos y </a:t>
+            </a:r>
+          </a:p>
+          <a:p>
+            <a:pPr algn="ctr"/>
+            <a:r>
+              <a:rPr lang="es-ES" dirty="0"/>
+              <a:t>Respeto Mutuo</a:t>
+            </a:r>
+          </a:p>
+        </p:txBody>
+      </p:sp>
+      <p:sp>
+        <p:nvSpPr>
+          <p:cNvPr id="15" name="Elipse 14">
+            <a:extLst>
+              <a:ext uri="{FF2B5EF4-FFF2-40B4-BE49-F238E27FC236}">
+                <a16:creationId xmlns:a16="http://schemas.microsoft.com/office/drawing/2014/main" id="{C107931A-B3FC-451D-B42C-A0F70EF2E019}"/>
+              </a:ext>
+            </a:extLst>
+          </p:cNvPr>
+          <p:cNvSpPr/>
+          <p:nvPr/>
+        </p:nvSpPr>
+        <p:spPr>
+          <a:xfrm>
+            <a:off x="7312752" y="2742258"/>
+            <a:ext cx="2045363" cy="657225"/>
+          </a:xfrm>
+          <a:prstGeom prst="ellipse">
+            <a:avLst/>
+          </a:prstGeom>
+        </p:spPr>
+        <p:style>
+          <a:lnRef idx="2">
+            <a:schemeClr val="accent1">
+              <a:shade val="50000"/>
+            </a:schemeClr>
+          </a:lnRef>
+          <a:fillRef idx="1">
+            <a:schemeClr val="accent1"/>
+          </a:fillRef>
+          <a:effectRef idx="0">
+            <a:schemeClr val="accent1"/>
+          </a:effectRef>
+          <a:fontRef idx="minor">
+            <a:schemeClr val="lt1"/>
+          </a:fontRef>
+        </p:style>
+        <p:txBody>
+          <a:bodyPr rtlCol="0" anchor="ctr"/>
+          <a:lstStyle/>
+          <a:p>
+            <a:pPr algn="ctr"/>
+            <a:r>
+              <a:rPr lang="es-ES" dirty="0"/>
+              <a:t>Pequeños productores</a:t>
+            </a:r>
+          </a:p>
+        </p:txBody>
+      </p:sp>
+      <p:sp>
+        <p:nvSpPr>
+          <p:cNvPr id="16" name="Elipse 15">
+            <a:extLst>
+              <a:ext uri="{FF2B5EF4-FFF2-40B4-BE49-F238E27FC236}">
+                <a16:creationId xmlns:a16="http://schemas.microsoft.com/office/drawing/2014/main" id="{06652376-28FC-4ED6-96DE-B98C05D73822}"/>
+              </a:ext>
+            </a:extLst>
+          </p:cNvPr>
+          <p:cNvSpPr/>
+          <p:nvPr/>
+        </p:nvSpPr>
+        <p:spPr>
+          <a:xfrm>
+            <a:off x="7244820" y="3836045"/>
+            <a:ext cx="2181225" cy="657225"/>
+          </a:xfrm>
+          <a:prstGeom prst="ellipse">
+            <a:avLst/>
+          </a:prstGeom>
+        </p:spPr>
+        <p:style>
+          <a:lnRef idx="2">
+            <a:schemeClr val="accent1">
+              <a:shade val="50000"/>
+            </a:schemeClr>
+          </a:lnRef>
+          <a:fillRef idx="1">
+            <a:schemeClr val="accent1"/>
+          </a:fillRef>
+          <a:effectRef idx="0">
+            <a:schemeClr val="accent1"/>
+          </a:effectRef>
+          <a:fontRef idx="minor">
+            <a:schemeClr val="lt1"/>
+          </a:fontRef>
+        </p:style>
+        <p:txBody>
+          <a:bodyPr rtlCol="0" anchor="ctr"/>
+          <a:lstStyle/>
+          <a:p>
+            <a:pPr algn="ctr"/>
+            <a:r>
+              <a:rPr lang="es-ES" dirty="0"/>
+              <a:t>Gastronomía Local</a:t>
+            </a:r>
+          </a:p>
+        </p:txBody>
+      </p:sp>
+      <p:sp>
+        <p:nvSpPr>
+          <p:cNvPr id="17" name="Elipse 16">
+            <a:extLst>
+              <a:ext uri="{FF2B5EF4-FFF2-40B4-BE49-F238E27FC236}">
+                <a16:creationId xmlns:a16="http://schemas.microsoft.com/office/drawing/2014/main" id="{592A3EF2-83C6-47BD-81BB-BCB2C4D482D3}"/>
+              </a:ext>
+            </a:extLst>
+          </p:cNvPr>
+          <p:cNvSpPr/>
+          <p:nvPr/>
+        </p:nvSpPr>
+        <p:spPr>
+          <a:xfrm>
+            <a:off x="7387698" y="4864738"/>
+            <a:ext cx="1895475" cy="657225"/>
+          </a:xfrm>
+          <a:prstGeom prst="ellipse">
+            <a:avLst/>
+          </a:prstGeom>
+        </p:spPr>
+        <p:style>
+          <a:lnRef idx="2">
+            <a:schemeClr val="accent1">
+              <a:shade val="50000"/>
+            </a:schemeClr>
+          </a:lnRef>
+          <a:fillRef idx="1">
+            <a:schemeClr val="accent1"/>
+          </a:fillRef>
+          <a:effectRef idx="0">
+            <a:schemeClr val="accent1"/>
+          </a:effectRef>
+          <a:fontRef idx="minor">
+            <a:schemeClr val="lt1"/>
+          </a:fontRef>
+        </p:style>
+        <p:txBody>
+          <a:bodyPr rtlCol="0" anchor="ctr"/>
+          <a:lstStyle/>
+          <a:p>
+            <a:pPr algn="ctr"/>
+            <a:r>
+              <a:rPr lang="es-ES" dirty="0"/>
+              <a:t>Artesanía</a:t>
+            </a:r>
+          </a:p>
+        </p:txBody>
+      </p:sp>
+      <p:cxnSp>
+        <p:nvCxnSpPr>
+          <p:cNvPr id="19" name="Conector recto de flecha 18">
+            <a:extLst>
+              <a:ext uri="{FF2B5EF4-FFF2-40B4-BE49-F238E27FC236}">
+                <a16:creationId xmlns:a16="http://schemas.microsoft.com/office/drawing/2014/main" id="{6851CDDB-C658-4903-B226-0C6741EF9F65}"/>
+              </a:ext>
+            </a:extLst>
+          </p:cNvPr>
+          <p:cNvCxnSpPr>
+            <a:cxnSpLocks/>
+            <a:stCxn id="11" idx="4"/>
+            <a:endCxn id="7" idx="0"/>
+          </p:cNvCxnSpPr>
+          <p:nvPr/>
+        </p:nvCxnSpPr>
+        <p:spPr>
+          <a:xfrm flipH="1">
+            <a:off x="1720320" y="2407296"/>
+            <a:ext cx="3" cy="400052"/>
+          </a:xfrm>
+          <a:prstGeom prst="straightConnector1">
+            <a:avLst/>
+          </a:prstGeom>
+          <a:ln>
+            <a:tailEnd type="triangle"/>
+          </a:ln>
+        </p:spPr>
+        <p:style>
+          <a:lnRef idx="1">
+            <a:schemeClr val="accent1"/>
+          </a:lnRef>
+          <a:fillRef idx="0">
+            <a:schemeClr val="accent1"/>
+          </a:fillRef>
+          <a:effectRef idx="0">
+            <a:schemeClr val="accent1"/>
+          </a:effectRef>
+          <a:fontRef idx="minor">
+            <a:schemeClr val="tx1"/>
+          </a:fontRef>
+        </p:style>
+      </p:cxnSp>
+      <p:cxnSp>
+        <p:nvCxnSpPr>
+          <p:cNvPr id="21" name="Conector recto de flecha 20">
+            <a:extLst>
+              <a:ext uri="{FF2B5EF4-FFF2-40B4-BE49-F238E27FC236}">
+                <a16:creationId xmlns:a16="http://schemas.microsoft.com/office/drawing/2014/main" id="{6DF42E8F-99B1-4A42-9E71-BF86F94093C3}"/>
+              </a:ext>
+            </a:extLst>
+          </p:cNvPr>
+          <p:cNvCxnSpPr>
+            <a:cxnSpLocks/>
+            <a:stCxn id="6" idx="4"/>
+            <a:endCxn id="12" idx="0"/>
+          </p:cNvCxnSpPr>
+          <p:nvPr/>
+        </p:nvCxnSpPr>
+        <p:spPr>
+          <a:xfrm>
+            <a:off x="5006450" y="2407297"/>
+            <a:ext cx="9517" cy="407800"/>
+          </a:xfrm>
+          <a:prstGeom prst="straightConnector1">
+            <a:avLst/>
+          </a:prstGeom>
+          <a:ln>
+            <a:tailEnd type="triangle"/>
+          </a:ln>
+        </p:spPr>
+        <p:style>
+          <a:lnRef idx="1">
+            <a:schemeClr val="accent1"/>
+          </a:lnRef>
+          <a:fillRef idx="0">
+            <a:schemeClr val="accent1"/>
+          </a:fillRef>
+          <a:effectRef idx="0">
+            <a:schemeClr val="accent1"/>
+          </a:effectRef>
+          <a:fontRef idx="minor">
+            <a:schemeClr val="tx1"/>
+          </a:fontRef>
+        </p:style>
+      </p:cxnSp>
+      <p:cxnSp>
+        <p:nvCxnSpPr>
+          <p:cNvPr id="25" name="Conector recto de flecha 24">
+            <a:extLst>
+              <a:ext uri="{FF2B5EF4-FFF2-40B4-BE49-F238E27FC236}">
+                <a16:creationId xmlns:a16="http://schemas.microsoft.com/office/drawing/2014/main" id="{8364B2BA-20BE-48D3-BA86-03196CB274EE}"/>
+              </a:ext>
+            </a:extLst>
+          </p:cNvPr>
+          <p:cNvCxnSpPr>
+            <a:cxnSpLocks/>
+            <a:stCxn id="5" idx="4"/>
+            <a:endCxn id="15" idx="0"/>
+          </p:cNvCxnSpPr>
+          <p:nvPr/>
+        </p:nvCxnSpPr>
+        <p:spPr>
+          <a:xfrm flipH="1">
+            <a:off x="8335434" y="2407296"/>
+            <a:ext cx="3" cy="334962"/>
+          </a:xfrm>
+          <a:prstGeom prst="straightConnector1">
+            <a:avLst/>
+          </a:prstGeom>
+          <a:ln>
+            <a:tailEnd type="triangle"/>
+          </a:ln>
+        </p:spPr>
+        <p:style>
+          <a:lnRef idx="1">
+            <a:schemeClr val="accent1"/>
+          </a:lnRef>
+          <a:fillRef idx="0">
+            <a:schemeClr val="accent1"/>
+          </a:fillRef>
+          <a:effectRef idx="0">
+            <a:schemeClr val="accent1"/>
+          </a:effectRef>
+          <a:fontRef idx="minor">
+            <a:schemeClr val="tx1"/>
+          </a:fontRef>
+        </p:style>
+      </p:cxnSp>
+      <p:sp>
+        <p:nvSpPr>
+          <p:cNvPr id="26" name="Signo más 25">
+            <a:extLst>
+              <a:ext uri="{FF2B5EF4-FFF2-40B4-BE49-F238E27FC236}">
+                <a16:creationId xmlns:a16="http://schemas.microsoft.com/office/drawing/2014/main" id="{4868229D-630B-4547-8E71-985D4DA7876B}"/>
+              </a:ext>
+            </a:extLst>
+          </p:cNvPr>
+          <p:cNvSpPr/>
+          <p:nvPr/>
+        </p:nvSpPr>
+        <p:spPr>
+          <a:xfrm>
+            <a:off x="1582209" y="3537206"/>
+            <a:ext cx="276225" cy="250027"/>
+          </a:xfrm>
+          <a:prstGeom prst="mathPlus">
+            <a:avLst/>
+          </a:prstGeom>
+        </p:spPr>
+        <p:style>
+          <a:lnRef idx="2">
+            <a:schemeClr val="accent1">
+              <a:shade val="50000"/>
+            </a:schemeClr>
+          </a:lnRef>
+          <a:fillRef idx="1">
+            <a:schemeClr val="accent1"/>
+          </a:fillRef>
+          <a:effectRef idx="0">
+            <a:schemeClr val="accent1"/>
+          </a:effectRef>
+          <a:fontRef idx="minor">
+            <a:schemeClr val="lt1"/>
+          </a:fontRef>
+        </p:style>
+        <p:txBody>
+          <a:bodyPr rtlCol="0" anchor="ctr"/>
+          <a:lstStyle/>
+          <a:p>
+            <a:pPr algn="ctr"/>
+            <a:endParaRPr lang="es-ES"/>
+          </a:p>
+        </p:txBody>
+      </p:sp>
+      <p:sp>
+        <p:nvSpPr>
+          <p:cNvPr id="27" name="Signo más 26">
+            <a:extLst>
+              <a:ext uri="{FF2B5EF4-FFF2-40B4-BE49-F238E27FC236}">
+                <a16:creationId xmlns:a16="http://schemas.microsoft.com/office/drawing/2014/main" id="{9E11FDC4-A6DC-4412-8E98-F6B6CC3AD177}"/>
+              </a:ext>
+            </a:extLst>
+          </p:cNvPr>
+          <p:cNvSpPr/>
+          <p:nvPr/>
+        </p:nvSpPr>
+        <p:spPr>
+          <a:xfrm>
+            <a:off x="1582208" y="4563514"/>
+            <a:ext cx="276225" cy="250027"/>
+          </a:xfrm>
+          <a:prstGeom prst="mathPlus">
+            <a:avLst/>
+          </a:prstGeom>
+        </p:spPr>
+        <p:style>
+          <a:lnRef idx="2">
+            <a:schemeClr val="accent1">
+              <a:shade val="50000"/>
+            </a:schemeClr>
+          </a:lnRef>
+          <a:fillRef idx="1">
+            <a:schemeClr val="accent1"/>
+          </a:fillRef>
+          <a:effectRef idx="0">
+            <a:schemeClr val="accent1"/>
+          </a:effectRef>
+          <a:fontRef idx="minor">
+            <a:schemeClr val="lt1"/>
+          </a:fontRef>
+        </p:style>
+        <p:txBody>
+          <a:bodyPr rtlCol="0" anchor="ctr"/>
+          <a:lstStyle/>
+          <a:p>
+            <a:pPr algn="ctr"/>
+            <a:endParaRPr lang="es-ES"/>
+          </a:p>
+        </p:txBody>
+      </p:sp>
+      <p:sp>
+        <p:nvSpPr>
+          <p:cNvPr id="28" name="Signo más 27">
+            <a:extLst>
+              <a:ext uri="{FF2B5EF4-FFF2-40B4-BE49-F238E27FC236}">
+                <a16:creationId xmlns:a16="http://schemas.microsoft.com/office/drawing/2014/main" id="{2147E17E-6779-478C-BDFD-B3578A8478FF}"/>
+              </a:ext>
+            </a:extLst>
+          </p:cNvPr>
+          <p:cNvSpPr/>
+          <p:nvPr/>
+        </p:nvSpPr>
+        <p:spPr>
+          <a:xfrm>
+            <a:off x="4868334" y="3533628"/>
+            <a:ext cx="276225" cy="250027"/>
+          </a:xfrm>
+          <a:prstGeom prst="mathPlus">
+            <a:avLst/>
+          </a:prstGeom>
+        </p:spPr>
+        <p:style>
+          <a:lnRef idx="2">
+            <a:schemeClr val="accent1">
+              <a:shade val="50000"/>
+            </a:schemeClr>
+          </a:lnRef>
+          <a:fillRef idx="1">
+            <a:schemeClr val="accent1"/>
+          </a:fillRef>
+          <a:effectRef idx="0">
+            <a:schemeClr val="accent1"/>
+          </a:effectRef>
+          <a:fontRef idx="minor">
+            <a:schemeClr val="lt1"/>
+          </a:fontRef>
+        </p:style>
+        <p:txBody>
+          <a:bodyPr rtlCol="0" anchor="ctr"/>
+          <a:lstStyle/>
+          <a:p>
+            <a:pPr algn="ctr"/>
+            <a:endParaRPr lang="es-ES"/>
+          </a:p>
+        </p:txBody>
+      </p:sp>
+      <p:sp>
+        <p:nvSpPr>
+          <p:cNvPr id="29" name="Signo más 28">
+            <a:extLst>
+              <a:ext uri="{FF2B5EF4-FFF2-40B4-BE49-F238E27FC236}">
+                <a16:creationId xmlns:a16="http://schemas.microsoft.com/office/drawing/2014/main" id="{5BBC08C9-CF18-4AF7-A2DA-CD0AE8A7A18E}"/>
+              </a:ext>
+            </a:extLst>
+          </p:cNvPr>
+          <p:cNvSpPr/>
+          <p:nvPr/>
+        </p:nvSpPr>
+        <p:spPr>
+          <a:xfrm>
+            <a:off x="4877855" y="4565892"/>
+            <a:ext cx="276225" cy="250027"/>
+          </a:xfrm>
+          <a:prstGeom prst="mathPlus">
+            <a:avLst/>
+          </a:prstGeom>
+        </p:spPr>
+        <p:style>
+          <a:lnRef idx="2">
+            <a:schemeClr val="accent1">
+              <a:shade val="50000"/>
+            </a:schemeClr>
+          </a:lnRef>
+          <a:fillRef idx="1">
+            <a:schemeClr val="accent1"/>
+          </a:fillRef>
+          <a:effectRef idx="0">
+            <a:schemeClr val="accent1"/>
+          </a:effectRef>
+          <a:fontRef idx="minor">
+            <a:schemeClr val="lt1"/>
+          </a:fontRef>
+        </p:style>
+        <p:txBody>
+          <a:bodyPr rtlCol="0" anchor="ctr"/>
+          <a:lstStyle/>
+          <a:p>
+            <a:pPr algn="ctr"/>
+            <a:endParaRPr lang="es-ES"/>
+          </a:p>
+        </p:txBody>
+      </p:sp>
+      <p:sp>
+        <p:nvSpPr>
+          <p:cNvPr id="30" name="Signo más 29">
+            <a:extLst>
+              <a:ext uri="{FF2B5EF4-FFF2-40B4-BE49-F238E27FC236}">
+                <a16:creationId xmlns:a16="http://schemas.microsoft.com/office/drawing/2014/main" id="{B4EC9D55-E2E4-4308-AB9C-09C95DDD8A3F}"/>
+              </a:ext>
+            </a:extLst>
+          </p:cNvPr>
+          <p:cNvSpPr/>
+          <p:nvPr/>
+        </p:nvSpPr>
+        <p:spPr>
+          <a:xfrm>
+            <a:off x="8197322" y="3501480"/>
+            <a:ext cx="276225" cy="250027"/>
+          </a:xfrm>
+          <a:prstGeom prst="mathPlus">
+            <a:avLst/>
+          </a:prstGeom>
+        </p:spPr>
+        <p:style>
+          <a:lnRef idx="2">
+            <a:schemeClr val="accent1">
+              <a:shade val="50000"/>
+            </a:schemeClr>
+          </a:lnRef>
+          <a:fillRef idx="1">
+            <a:schemeClr val="accent1"/>
+          </a:fillRef>
+          <a:effectRef idx="0">
+            <a:schemeClr val="accent1"/>
+          </a:effectRef>
+          <a:fontRef idx="minor">
+            <a:schemeClr val="lt1"/>
+          </a:fontRef>
+        </p:style>
+        <p:txBody>
+          <a:bodyPr rtlCol="0" anchor="ctr"/>
+          <a:lstStyle/>
+          <a:p>
+            <a:pPr algn="ctr"/>
+            <a:endParaRPr lang="es-ES"/>
+          </a:p>
+        </p:txBody>
+      </p:sp>
+      <p:sp>
+        <p:nvSpPr>
+          <p:cNvPr id="31" name="Signo más 30">
+            <a:extLst>
+              <a:ext uri="{FF2B5EF4-FFF2-40B4-BE49-F238E27FC236}">
+                <a16:creationId xmlns:a16="http://schemas.microsoft.com/office/drawing/2014/main" id="{837882CD-8906-41B1-B052-91639421F8EC}"/>
+              </a:ext>
+            </a:extLst>
+          </p:cNvPr>
+          <p:cNvSpPr/>
+          <p:nvPr/>
+        </p:nvSpPr>
+        <p:spPr>
+          <a:xfrm>
+            <a:off x="8197322" y="4563514"/>
+            <a:ext cx="276225" cy="250027"/>
+          </a:xfrm>
+          <a:prstGeom prst="mathPlus">
+            <a:avLst/>
+          </a:prstGeom>
+        </p:spPr>
+        <p:style>
+          <a:lnRef idx="2">
+            <a:schemeClr val="accent1">
+              <a:shade val="50000"/>
+            </a:schemeClr>
+          </a:lnRef>
+          <a:fillRef idx="1">
+            <a:schemeClr val="accent1"/>
+          </a:fillRef>
+          <a:effectRef idx="0">
+            <a:schemeClr val="accent1"/>
+          </a:effectRef>
+          <a:fontRef idx="minor">
+            <a:schemeClr val="lt1"/>
+          </a:fontRef>
+        </p:style>
+        <p:txBody>
+          <a:bodyPr rtlCol="0" anchor="ctr"/>
+          <a:lstStyle/>
+          <a:p>
+            <a:pPr algn="ctr"/>
+            <a:endParaRPr lang="es-ES"/>
           </a:p>
         </p:txBody>
       </p:sp>
     </p:spTree>
     <p:extLst>
       <p:ext uri="{BB962C8B-B14F-4D97-AF65-F5344CB8AC3E}">
-        <p14:creationId xmlns:p14="http://schemas.microsoft.com/office/powerpoint/2010/main" val="3873809490"/>
+        <p14:creationId xmlns:p14="http://schemas.microsoft.com/office/powerpoint/2010/main" val="1743945197"/>
       </p:ext>
     </p:extLst>
   </p:cSld>
@@ -3903,7 +7883,7 @@
           <p:cNvPr id="2" name="Título 1">
             <a:extLst>
               <a:ext uri="{FF2B5EF4-FFF2-40B4-BE49-F238E27FC236}">
-                <a16:creationId xmlns:a16="http://schemas.microsoft.com/office/drawing/2014/main" id="{C25C2FCF-D754-42AD-A303-748CD2A2B58C}"/>
+                <a16:creationId xmlns:a16="http://schemas.microsoft.com/office/drawing/2014/main" id="{E98F3B4A-49A5-49F6-84FA-9446E4B191F5}"/>
               </a:ext>
             </a:extLst>
           </p:cNvPr>
@@ -3921,7 +7901,7 @@
           <a:p>
             <a:r>
               <a:rPr lang="es-ES" dirty="0"/>
-              <a:t>Proponer ideas sostenibles</a:t>
+              <a:t>Realización de Campañas</a:t>
             </a:r>
           </a:p>
         </p:txBody>
@@ -3931,7 +7911,7 @@
           <p:cNvPr id="3" name="Marcador de contenido 2">
             <a:extLst>
               <a:ext uri="{FF2B5EF4-FFF2-40B4-BE49-F238E27FC236}">
-                <a16:creationId xmlns:a16="http://schemas.microsoft.com/office/drawing/2014/main" id="{D472D44A-E0AC-46E9-8895-17ACB13177C6}"/>
+                <a16:creationId xmlns:a16="http://schemas.microsoft.com/office/drawing/2014/main" id="{7D3CF0E0-FA44-4E5D-BD36-A83C87FC75F5}"/>
               </a:ext>
             </a:extLst>
           </p:cNvPr>
@@ -3942,14 +7922,48 @@
             <p:ph sz="quarter" idx="13"/>
           </p:nvPr>
         </p:nvSpPr>
-        <p:spPr/>
-        <p:txBody>
-          <a:bodyPr/>
-          <a:lstStyle/>
-          <a:p>
-            <a:r>
-              <a:rPr lang="es-ES" dirty="0"/>
-              <a:t>El turista y la comunidad pueden proponer ideas para mejorar la sostenibilidad del turismo</a:t>
+        <p:spPr>
+          <a:xfrm>
+            <a:off x="774128" y="1996864"/>
+            <a:ext cx="10363826" cy="3424107"/>
+          </a:xfrm>
+        </p:spPr>
+        <p:txBody>
+          <a:bodyPr>
+            <a:normAutofit/>
+          </a:bodyPr>
+          <a:lstStyle/>
+          <a:p>
+            <a:r>
+              <a:rPr lang="es-ES" sz="2000" dirty="0"/>
+              <a:t>¡Adopta un atractivo turístico!</a:t>
+            </a:r>
+          </a:p>
+          <a:p>
+            <a:endParaRPr lang="es-ES" sz="2000" dirty="0"/>
+          </a:p>
+          <a:p>
+            <a:r>
+              <a:rPr lang="es-ES" sz="2000" dirty="0"/>
+              <a:t>Compra de los productores locales</a:t>
+            </a:r>
+          </a:p>
+          <a:p>
+            <a:endParaRPr lang="es-ES" sz="2000" dirty="0"/>
+          </a:p>
+          <a:p>
+            <a:r>
+              <a:rPr lang="es-ES" sz="2000" dirty="0"/>
+              <a:t>Conozca la gastronomía local</a:t>
+            </a:r>
+          </a:p>
+          <a:p>
+            <a:endParaRPr lang="es-ES" sz="2000" dirty="0"/>
+          </a:p>
+          <a:p>
+            <a:r>
+              <a:rPr lang="es-ES" sz="2000" dirty="0"/>
+              <a:t>Educación ambiental/patrimonial.</a:t>
             </a:r>
           </a:p>
         </p:txBody>
@@ -3957,7 +7971,7 @@
     </p:spTree>
     <p:extLst>
       <p:ext uri="{BB962C8B-B14F-4D97-AF65-F5344CB8AC3E}">
-        <p14:creationId xmlns:p14="http://schemas.microsoft.com/office/powerpoint/2010/main" val="3076047887"/>
+        <p14:creationId xmlns:p14="http://schemas.microsoft.com/office/powerpoint/2010/main" val="241893452"/>
       </p:ext>
     </p:extLst>
   </p:cSld>
@@ -3989,7 +8003,7 @@
           <p:cNvPr id="2" name="Título 1">
             <a:extLst>
               <a:ext uri="{FF2B5EF4-FFF2-40B4-BE49-F238E27FC236}">
-                <a16:creationId xmlns:a16="http://schemas.microsoft.com/office/drawing/2014/main" id="{E98F3B4A-49A5-49F6-84FA-9446E4B191F5}"/>
+                <a16:creationId xmlns:a16="http://schemas.microsoft.com/office/drawing/2014/main" id="{7AB818F9-70C8-4802-80D5-F006F5B53AD8}"/>
               </a:ext>
             </a:extLst>
           </p:cNvPr>
@@ -4007,13 +8021,8 @@
           <a:p>
             <a:r>
               <a:rPr lang="es-ES" dirty="0"/>
-              <a:t>Conservar atractivos </a:t>
-            </a:r>
-            <a:r>
-              <a:rPr lang="es-ES" dirty="0" err="1"/>
-              <a:t>turisticos</a:t>
-            </a:r>
-            <a:endParaRPr lang="es-ES" dirty="0"/>
+              <a:t>Demostración</a:t>
+            </a:r>
           </a:p>
         </p:txBody>
       </p:sp>
@@ -4022,7 +8031,7 @@
           <p:cNvPr id="3" name="Marcador de contenido 2">
             <a:extLst>
               <a:ext uri="{FF2B5EF4-FFF2-40B4-BE49-F238E27FC236}">
-                <a16:creationId xmlns:a16="http://schemas.microsoft.com/office/drawing/2014/main" id="{7D3CF0E0-FA44-4E5D-BD36-A83C87FC75F5}"/>
+                <a16:creationId xmlns:a16="http://schemas.microsoft.com/office/drawing/2014/main" id="{9E749280-DDB0-420A-A99F-968205968976}"/>
               </a:ext>
             </a:extLst>
           </p:cNvPr>
@@ -4038,49 +8047,14 @@
           <a:bodyPr/>
           <a:lstStyle/>
           <a:p>
-            <a:r>
-              <a:rPr lang="es-ES" dirty="0"/>
-              <a:t>Se realizan campañas:</a:t>
-            </a:r>
-          </a:p>
-          <a:p>
             <a:endParaRPr lang="es-ES" dirty="0"/>
-          </a:p>
-          <a:p>
-            <a:pPr lvl="1"/>
-            <a:r>
-              <a:rPr lang="es-ES" dirty="0"/>
-              <a:t>¡Adopta un atractivo turístico!</a:t>
-            </a:r>
-          </a:p>
-          <a:p>
-            <a:pPr lvl="1"/>
-            <a:endParaRPr lang="es-ES" dirty="0"/>
-          </a:p>
-          <a:p>
-            <a:pPr lvl="1"/>
-            <a:r>
-              <a:rPr lang="es-ES" dirty="0"/>
-              <a:t>Compra de los productores locales</a:t>
-            </a:r>
-          </a:p>
-          <a:p>
-            <a:pPr lvl="1"/>
-            <a:endParaRPr lang="es-ES" dirty="0"/>
-          </a:p>
-          <a:p>
-            <a:pPr lvl="1"/>
-            <a:r>
-              <a:rPr lang="es-ES" dirty="0"/>
-              <a:t>Educación ambiental/patrimonial.</a:t>
-            </a:r>
           </a:p>
         </p:txBody>
       </p:sp>
     </p:spTree>
     <p:extLst>
       <p:ext uri="{BB962C8B-B14F-4D97-AF65-F5344CB8AC3E}">
-        <p14:creationId xmlns:p14="http://schemas.microsoft.com/office/powerpoint/2010/main" val="241893452"/>
+        <p14:creationId xmlns:p14="http://schemas.microsoft.com/office/powerpoint/2010/main" val="4229335552"/>
       </p:ext>
     </p:extLst>
   </p:cSld>
@@ -4091,6 +8065,263 @@
 </file>
 
 <file path=ppt/theme/theme1.xml><?xml version="1.0" encoding="utf-8"?>
+<a:theme xmlns:a="http://schemas.openxmlformats.org/drawingml/2006/main" name="Faceta">
+  <a:themeElements>
+    <a:clrScheme name="Faceta">
+      <a:dk1>
+        <a:sysClr val="windowText" lastClr="000000"/>
+      </a:dk1>
+      <a:lt1>
+        <a:sysClr val="window" lastClr="FFFFFF"/>
+      </a:lt1>
+      <a:dk2>
+        <a:srgbClr val="2C3C43"/>
+      </a:dk2>
+      <a:lt2>
+        <a:srgbClr val="EBEBEB"/>
+      </a:lt2>
+      <a:accent1>
+        <a:srgbClr val="90C226"/>
+      </a:accent1>
+      <a:accent2>
+        <a:srgbClr val="54A021"/>
+      </a:accent2>
+      <a:accent3>
+        <a:srgbClr val="E6B91E"/>
+      </a:accent3>
+      <a:accent4>
+        <a:srgbClr val="E76618"/>
+      </a:accent4>
+      <a:accent5>
+        <a:srgbClr val="C42F1A"/>
+      </a:accent5>
+      <a:accent6>
+        <a:srgbClr val="918655"/>
+      </a:accent6>
+      <a:hlink>
+        <a:srgbClr val="99CA3C"/>
+      </a:hlink>
+      <a:folHlink>
+        <a:srgbClr val="B9D181"/>
+      </a:folHlink>
+    </a:clrScheme>
+    <a:fontScheme name="Faceta">
+      <a:majorFont>
+        <a:latin typeface="Trebuchet MS" panose="020B0603020202020204"/>
+        <a:ea typeface=""/>
+        <a:cs typeface=""/>
+        <a:font script="Jpan" typeface="メイリオ"/>
+        <a:font script="Hang" typeface="맑은 고딕"/>
+        <a:font script="Hans" typeface="方正姚体"/>
+        <a:font script="Hant" typeface="微軟正黑體"/>
+        <a:font script="Arab" typeface="Tahoma"/>
+        <a:font script="Hebr" typeface="Arial"/>
+        <a:font script="Thai" typeface="Cordia New"/>
+        <a:font script="Ethi" typeface="Nyala"/>
+        <a:font script="Beng" typeface="Vrinda"/>
+        <a:font script="Gujr" typeface="Shruti"/>
+        <a:font script="Khmr" typeface="DaunPenh"/>
+        <a:font script="Knda" typeface="Tunga"/>
+        <a:font script="Guru" typeface="Raavi"/>
+        <a:font script="Cans" typeface="Euphemia"/>
+        <a:font script="Cher" typeface="Plantagenet Cherokee"/>
+        <a:font script="Yiii" typeface="Microsoft Yi Baiti"/>
+        <a:font script="Tibt" typeface="Microsoft Himalaya"/>
+        <a:font script="Thaa" typeface="MV Boli"/>
+        <a:font script="Deva" typeface="Mangal"/>
+        <a:font script="Telu" typeface="Gautami"/>
+        <a:font script="Taml" typeface="Latha"/>
+        <a:font script="Syrc" typeface="Estrangelo Edessa"/>
+        <a:font script="Orya" typeface="Kalinga"/>
+        <a:font script="Mlym" typeface="Kartika"/>
+        <a:font script="Laoo" typeface="DokChampa"/>
+        <a:font script="Sinh" typeface="Iskoola Pota"/>
+        <a:font script="Mong" typeface="Mongolian Baiti"/>
+        <a:font script="Viet" typeface="Tahoma"/>
+        <a:font script="Uigh" typeface="Microsoft Uighur"/>
+        <a:font script="Geor" typeface="Sylfaen"/>
+      </a:majorFont>
+      <a:minorFont>
+        <a:latin typeface="Trebuchet MS" panose="020B0603020202020204"/>
+        <a:ea typeface=""/>
+        <a:cs typeface=""/>
+        <a:font script="Jpan" typeface="メイリオ"/>
+        <a:font script="Hang" typeface="HY그래픽M"/>
+        <a:font script="Hans" typeface="华文新魏"/>
+        <a:font script="Hant" typeface="微軟正黑體"/>
+        <a:font script="Arab" typeface="Tahoma"/>
+        <a:font script="Hebr" typeface="Gisha"/>
+        <a:font script="Thai" typeface="IrisUPC"/>
+        <a:font script="Ethi" typeface="Nyala"/>
+        <a:font script="Beng" typeface="Vrinda"/>
+        <a:font script="Gujr" typeface="Shruti"/>
+        <a:font script="Khmr" typeface="DaunPenh"/>
+        <a:font script="Knda" typeface="Tunga"/>
+        <a:font script="Guru" typeface="Raavi"/>
+        <a:font script="Cans" typeface="Euphemia"/>
+        <a:font script="Cher" typeface="Plantagenet Cherokee"/>
+        <a:font script="Yiii" typeface="Microsoft Yi Baiti"/>
+        <a:font script="Tibt" typeface="Microsoft Himalaya"/>
+        <a:font script="Thaa" typeface="MV Boli"/>
+        <a:font script="Deva" typeface="Mangal"/>
+        <a:font script="Telu" typeface="Gautami"/>
+        <a:font script="Taml" typeface="Latha"/>
+        <a:font script="Syrc" typeface="Estrangelo Edessa"/>
+        <a:font script="Orya" typeface="Kalinga"/>
+        <a:font script="Mlym" typeface="Kartika"/>
+        <a:font script="Laoo" typeface="DokChampa"/>
+        <a:font script="Sinh" typeface="Iskoola Pota"/>
+        <a:font script="Mong" typeface="Mongolian Baiti"/>
+        <a:font script="Viet" typeface="Arial"/>
+        <a:font script="Uigh" typeface="Microsoft Uighur"/>
+        <a:font script="Geor" typeface="Sylfaen"/>
+      </a:minorFont>
+    </a:fontScheme>
+    <a:fmtScheme name="Faceta">
+      <a:fillStyleLst>
+        <a:solidFill>
+          <a:schemeClr val="phClr"/>
+        </a:solidFill>
+        <a:gradFill rotWithShape="1">
+          <a:gsLst>
+            <a:gs pos="0">
+              <a:schemeClr val="phClr">
+                <a:tint val="65000"/>
+                <a:lumMod val="110000"/>
+              </a:schemeClr>
+            </a:gs>
+            <a:gs pos="88000">
+              <a:schemeClr val="phClr">
+                <a:tint val="90000"/>
+              </a:schemeClr>
+            </a:gs>
+          </a:gsLst>
+          <a:lin ang="5400000" scaled="0"/>
+        </a:gradFill>
+        <a:gradFill rotWithShape="1">
+          <a:gsLst>
+            <a:gs pos="0">
+              <a:schemeClr val="phClr">
+                <a:tint val="96000"/>
+                <a:lumMod val="100000"/>
+              </a:schemeClr>
+            </a:gs>
+            <a:gs pos="78000">
+              <a:schemeClr val="phClr">
+                <a:shade val="94000"/>
+                <a:lumMod val="94000"/>
+              </a:schemeClr>
+            </a:gs>
+          </a:gsLst>
+          <a:lin ang="5400000" scaled="0"/>
+        </a:gradFill>
+      </a:fillStyleLst>
+      <a:lnStyleLst>
+        <a:ln w="12700" cap="rnd" cmpd="sng" algn="ctr">
+          <a:solidFill>
+            <a:schemeClr val="phClr"/>
+          </a:solidFill>
+          <a:prstDash val="solid"/>
+        </a:ln>
+        <a:ln w="19050" cap="rnd" cmpd="sng" algn="ctr">
+          <a:solidFill>
+            <a:schemeClr val="phClr"/>
+          </a:solidFill>
+          <a:prstDash val="solid"/>
+        </a:ln>
+        <a:ln w="25400" cap="rnd" cmpd="sng" algn="ctr">
+          <a:solidFill>
+            <a:schemeClr val="phClr"/>
+          </a:solidFill>
+          <a:prstDash val="solid"/>
+        </a:ln>
+      </a:lnStyleLst>
+      <a:effectStyleLst>
+        <a:effectStyle>
+          <a:effectLst/>
+        </a:effectStyle>
+        <a:effectStyle>
+          <a:effectLst>
+            <a:outerShdw blurRad="38100" dist="25400" dir="5400000" rotWithShape="0">
+              <a:srgbClr val="000000">
+                <a:alpha val="35000"/>
+              </a:srgbClr>
+            </a:outerShdw>
+          </a:effectLst>
+        </a:effectStyle>
+        <a:effectStyle>
+          <a:effectLst>
+            <a:outerShdw blurRad="50800" dist="38100" dir="5400000" rotWithShape="0">
+              <a:srgbClr val="000000">
+                <a:alpha val="35000"/>
+              </a:srgbClr>
+            </a:outerShdw>
+          </a:effectLst>
+          <a:scene3d>
+            <a:camera prst="orthographicFront">
+              <a:rot lat="0" lon="0" rev="0"/>
+            </a:camera>
+            <a:lightRig rig="threePt" dir="tl"/>
+          </a:scene3d>
+          <a:sp3d prstMaterial="plastic">
+            <a:bevelT w="0" h="0"/>
+          </a:sp3d>
+        </a:effectStyle>
+      </a:effectStyleLst>
+      <a:bgFillStyleLst>
+        <a:solidFill>
+          <a:schemeClr val="phClr"/>
+        </a:solidFill>
+        <a:gradFill rotWithShape="1">
+          <a:gsLst>
+            <a:gs pos="0">
+              <a:schemeClr val="phClr">
+                <a:tint val="90000"/>
+                <a:lumMod val="104000"/>
+              </a:schemeClr>
+            </a:gs>
+            <a:gs pos="94000">
+              <a:schemeClr val="phClr">
+                <a:shade val="96000"/>
+                <a:lumMod val="82000"/>
+              </a:schemeClr>
+            </a:gs>
+          </a:gsLst>
+          <a:lin ang="5400000" scaled="0"/>
+        </a:gradFill>
+        <a:gradFill rotWithShape="1">
+          <a:gsLst>
+            <a:gs pos="0">
+              <a:schemeClr val="phClr">
+                <a:tint val="90000"/>
+                <a:lumMod val="110000"/>
+              </a:schemeClr>
+            </a:gs>
+            <a:gs pos="100000">
+              <a:schemeClr val="phClr">
+                <a:shade val="94000"/>
+                <a:lumMod val="96000"/>
+              </a:schemeClr>
+            </a:gs>
+          </a:gsLst>
+          <a:path path="circle">
+            <a:fillToRect l="50000" t="50000" r="100000" b="100000"/>
+          </a:path>
+        </a:gradFill>
+      </a:bgFillStyleLst>
+    </a:fmtScheme>
+  </a:themeElements>
+  <a:objectDefaults/>
+  <a:extraClrSchemeLst/>
+  <a:extLst>
+    <a:ext uri="{05A4C25C-085E-4340-85A3-A5531E510DB2}">
+      <thm15:themeFamily xmlns:thm15="http://schemas.microsoft.com/office/thememl/2012/main" name="Facet" id="{C0C680CD-088A-49FC-A102-D699147F32B2}" vid="{CFBC31BA-B70F-4F30-BCAA-4F3011E16C4D}"/>
+    </a:ext>
+  </a:extLst>
+</a:theme>
+</file>
+
+<file path=ppt/theme/theme2.xml><?xml version="1.0" encoding="utf-8"?>
 <a:theme xmlns:a="http://schemas.openxmlformats.org/drawingml/2006/main" name="Tema de Office">
   <a:themeElements>
     <a:clrScheme name="Office">
